--- a/RMHD Presentation.pptx
+++ b/RMHD Presentation.pptx
@@ -178,7 +178,7 @@
           <a:p>
             <a:fld id="{C764DE79-268F-4C1A-8933-263129D2AF90}" type="datetimeFigureOut">
               <a:rPr lang="en-US" dirty="0"/>
-              <a:t>10/1/2024</a:t>
+              <a:t>10/2/2024</a:t>
             </a:fld>
             <a:endParaRPr lang="en-US" dirty="0"/>
           </a:p>
@@ -455,7 +455,7 @@
           <a:p>
             <a:fld id="{C764DE79-268F-4C1A-8933-263129D2AF90}" type="datetimeFigureOut">
               <a:rPr lang="en-US" dirty="0"/>
-              <a:t>10/1/2024</a:t>
+              <a:t>10/2/2024</a:t>
             </a:fld>
             <a:endParaRPr lang="en-US" dirty="0"/>
           </a:p>
@@ -712,7 +712,7 @@
           <a:p>
             <a:fld id="{C764DE79-268F-4C1A-8933-263129D2AF90}" type="datetimeFigureOut">
               <a:rPr lang="en-US" dirty="0"/>
-              <a:t>10/1/2024</a:t>
+              <a:t>10/2/2024</a:t>
             </a:fld>
             <a:endParaRPr lang="en-US" dirty="0"/>
           </a:p>
@@ -882,7 +882,7 @@
           <a:p>
             <a:fld id="{C764DE79-268F-4C1A-8933-263129D2AF90}" type="datetimeFigureOut">
               <a:rPr lang="en-US" dirty="0"/>
-              <a:t>10/1/2024</a:t>
+              <a:t>10/2/2024</a:t>
             </a:fld>
             <a:endParaRPr lang="en-US" dirty="0"/>
           </a:p>
@@ -1062,7 +1062,7 @@
           <a:p>
             <a:fld id="{C764DE79-268F-4C1A-8933-263129D2AF90}" type="datetimeFigureOut">
               <a:rPr lang="en-US" dirty="0"/>
-              <a:t>10/1/2024</a:t>
+              <a:t>10/2/2024</a:t>
             </a:fld>
             <a:endParaRPr lang="en-US" dirty="0"/>
           </a:p>
@@ -1344,7 +1344,7 @@
           <a:p>
             <a:fld id="{C764DE79-268F-4C1A-8933-263129D2AF90}" type="datetimeFigureOut">
               <a:rPr lang="en-US" dirty="0"/>
-              <a:t>10/1/2024</a:t>
+              <a:t>10/2/2024</a:t>
             </a:fld>
             <a:endParaRPr lang="en-US" dirty="0"/>
           </a:p>
@@ -1514,7 +1514,7 @@
           <a:p>
             <a:fld id="{C764DE79-268F-4C1A-8933-263129D2AF90}" type="datetimeFigureOut">
               <a:rPr lang="en-US" dirty="0"/>
-              <a:t>10/1/2024</a:t>
+              <a:t>10/2/2024</a:t>
             </a:fld>
             <a:endParaRPr lang="en-US" dirty="0"/>
           </a:p>
@@ -1758,7 +1758,7 @@
           <a:p>
             <a:fld id="{C764DE79-268F-4C1A-8933-263129D2AF90}" type="datetimeFigureOut">
               <a:rPr lang="en-US" dirty="0"/>
-              <a:t>10/1/2024</a:t>
+              <a:t>10/2/2024</a:t>
             </a:fld>
             <a:endParaRPr lang="en-US" dirty="0"/>
           </a:p>
@@ -1990,7 +1990,7 @@
           <a:p>
             <a:fld id="{C764DE79-268F-4C1A-8933-263129D2AF90}" type="datetimeFigureOut">
               <a:rPr lang="en-US" dirty="0"/>
-              <a:t>10/1/2024</a:t>
+              <a:t>10/2/2024</a:t>
             </a:fld>
             <a:endParaRPr lang="en-US" dirty="0"/>
           </a:p>
@@ -2357,7 +2357,7 @@
           <a:p>
             <a:fld id="{C764DE79-268F-4C1A-8933-263129D2AF90}" type="datetimeFigureOut">
               <a:rPr lang="en-US" dirty="0"/>
-              <a:t>10/1/2024</a:t>
+              <a:t>10/2/2024</a:t>
             </a:fld>
             <a:endParaRPr lang="en-US" dirty="0"/>
           </a:p>
@@ -2475,7 +2475,7 @@
           <a:p>
             <a:fld id="{C764DE79-268F-4C1A-8933-263129D2AF90}" type="datetimeFigureOut">
               <a:rPr lang="en-US" dirty="0"/>
-              <a:t>10/1/2024</a:t>
+              <a:t>10/2/2024</a:t>
             </a:fld>
             <a:endParaRPr lang="en-US" dirty="0"/>
           </a:p>
@@ -3553,7 +3553,7 @@
           <a:p>
             <a:fld id="{C764DE79-268F-4C1A-8933-263129D2AF90}" type="datetimeFigureOut">
               <a:rPr lang="en-US" dirty="0"/>
-              <a:t>10/1/2024</a:t>
+              <a:t>10/2/2024</a:t>
             </a:fld>
             <a:endParaRPr lang="en-US" dirty="0"/>
           </a:p>
@@ -4065,8 +4065,8 @@
           <a:chExt cx="0" cy="0"/>
         </a:xfrm>
       </p:grpSpPr>
-      <mc:AlternateContent xmlns:mc="http://schemas.openxmlformats.org/markup-compatibility/2006">
-        <mc:Choice xmlns:a14="http://schemas.microsoft.com/office/drawing/2010/main" Requires="a14">
+      <mc:AlternateContent xmlns:mc="http://schemas.openxmlformats.org/markup-compatibility/2006" xmlns:a14="http://schemas.microsoft.com/office/drawing/2010/main">
+        <mc:Choice Requires="a14">
           <p:sp>
             <p:nvSpPr>
               <p:cNvPr id="6" name="TextBox 5">
@@ -4187,7 +4187,7 @@
             </p:txBody>
           </p:sp>
         </mc:Choice>
-        <mc:Fallback>
+        <mc:Fallback xmlns="">
           <p:sp>
             <p:nvSpPr>
               <p:cNvPr id="6" name="TextBox 5">
@@ -4616,7 +4616,7 @@
             <p:spPr>
               <a:xfrm>
                 <a:off x="10003508" y="4339946"/>
-                <a:ext cx="7429499" cy="4697825"/>
+                <a:ext cx="7429499" cy="6732612"/>
               </a:xfrm>
               <a:prstGeom prst="rect">
                 <a:avLst/>
@@ -4644,6 +4644,7 @@
                 </a:endParaRPr>
               </a:p>
               <a:p>
+                <a:pPr/>
                 <a14:m>
                   <m:oMathPara xmlns:m="http://schemas.openxmlformats.org/officeDocument/2006/math">
                     <m:oMathParaPr>
@@ -4653,7 +4654,7 @@
                       <m:f>
                         <m:fPr>
                           <m:ctrlPr>
-                            <a:rPr lang="en-US" sz="1600" b="0" i="1" smtClean="0">
+                            <a:rPr lang="en-US" sz="2200" b="0" i="1" smtClean="0">
                               <a:latin typeface="Cambria Math" panose="02040503050406030204" pitchFamily="18" charset="0"/>
                               <a:cs typeface="Arial" panose="020B0604020202020204" pitchFamily="34" charset="0"/>
                             </a:rPr>
@@ -4661,7 +4662,7 @@
                         </m:fPr>
                         <m:num>
                           <m:r>
-                            <a:rPr lang="en-US" sz="1600" b="0" i="1" smtClean="0">
+                            <a:rPr lang="en-US" sz="2200" b="0" i="1" smtClean="0">
                               <a:latin typeface="Cambria Math" panose="02040503050406030204" pitchFamily="18" charset="0"/>
                               <a:cs typeface="Arial" panose="020B0604020202020204" pitchFamily="34" charset="0"/>
                             </a:rPr>
@@ -4670,14 +4671,14 @@
                         </m:num>
                         <m:den>
                           <m:r>
-                            <a:rPr lang="en-US" sz="1600" b="0" i="1" smtClean="0">
+                            <a:rPr lang="en-US" sz="2200" b="0" i="1" smtClean="0">
                               <a:latin typeface="Cambria Math" panose="02040503050406030204" pitchFamily="18" charset="0"/>
                               <a:cs typeface="Arial" panose="020B0604020202020204" pitchFamily="34" charset="0"/>
                             </a:rPr>
                             <m:t>𝜕</m:t>
                           </m:r>
                           <m:r>
-                            <a:rPr lang="en-US" sz="1600" b="0" i="1" smtClean="0">
+                            <a:rPr lang="en-US" sz="2200" b="0" i="1" smtClean="0">
                               <a:latin typeface="Cambria Math" panose="02040503050406030204" pitchFamily="18" charset="0"/>
                               <a:cs typeface="Arial" panose="020B0604020202020204" pitchFamily="34" charset="0"/>
                             </a:rPr>
@@ -4686,7 +4687,7 @@
                         </m:den>
                       </m:f>
                       <m:r>
-                        <a:rPr lang="en-US" sz="1600" b="0" i="1" smtClean="0">
+                        <a:rPr lang="en-US" sz="2200" b="0" i="1" smtClean="0">
                           <a:latin typeface="Cambria Math" panose="02040503050406030204" pitchFamily="18" charset="0"/>
                           <a:cs typeface="Arial" panose="020B0604020202020204" pitchFamily="34" charset="0"/>
                         </a:rPr>
@@ -4696,35 +4697,35 @@
                         <m:rPr>
                           <m:sty m:val="p"/>
                         </m:rPr>
-                        <a:rPr lang="en-US" sz="1600" b="0" i="0" smtClean="0">
+                        <a:rPr lang="en-US" sz="2200" b="0" i="0" smtClean="0">
                           <a:latin typeface="Cambria Math" panose="02040503050406030204" pitchFamily="18" charset="0"/>
                           <a:cs typeface="Arial" panose="020B0604020202020204" pitchFamily="34" charset="0"/>
                         </a:rPr>
                         <m:t>∇</m:t>
                       </m:r>
                       <m:r>
-                        <a:rPr lang="en-US" sz="1600" b="0" i="1" smtClean="0">
+                        <a:rPr lang="en-US" sz="2200" b="0" i="1" smtClean="0">
                           <a:latin typeface="Cambria Math" panose="02040503050406030204" pitchFamily="18" charset="0"/>
                           <a:cs typeface="Arial" panose="020B0604020202020204" pitchFamily="34" charset="0"/>
                         </a:rPr>
                         <m:t>⋅(</m:t>
                       </m:r>
                       <m:r>
-                        <a:rPr lang="en-US" sz="1600" b="0" i="1" smtClean="0">
+                        <a:rPr lang="en-US" sz="2200" b="0" i="1" smtClean="0">
                           <a:latin typeface="Cambria Math" panose="02040503050406030204" pitchFamily="18" charset="0"/>
                           <a:cs typeface="Arial" panose="020B0604020202020204" pitchFamily="34" charset="0"/>
                         </a:rPr>
                         <m:t>𝜌</m:t>
                       </m:r>
                       <m:r>
-                        <a:rPr lang="en-US" sz="1600" b="1" i="1" smtClean="0">
+                        <a:rPr lang="en-US" sz="2200" b="1" i="1" smtClean="0">
                           <a:latin typeface="Cambria Math" panose="02040503050406030204" pitchFamily="18" charset="0"/>
                           <a:cs typeface="Arial" panose="020B0604020202020204" pitchFamily="34" charset="0"/>
                         </a:rPr>
                         <m:t>𝒗</m:t>
                       </m:r>
                       <m:r>
-                        <a:rPr lang="en-US" sz="1600" b="0" i="1" smtClean="0">
+                        <a:rPr lang="en-US" sz="2200" b="0" i="1" smtClean="0">
                           <a:latin typeface="Cambria Math" panose="02040503050406030204" pitchFamily="18" charset="0"/>
                           <a:cs typeface="Arial" panose="020B0604020202020204" pitchFamily="34" charset="0"/>
                         </a:rPr>
@@ -4733,12 +4734,13 @@
                     </m:oMath>
                   </m:oMathPara>
                 </a14:m>
-                <a:endParaRPr lang="en-US" sz="1600" dirty="0">
+                <a:endParaRPr lang="en-US" sz="2200" dirty="0">
                   <a:latin typeface="Arial" panose="020B0604020202020204" pitchFamily="34" charset="0"/>
                   <a:cs typeface="Arial" panose="020B0604020202020204" pitchFamily="34" charset="0"/>
                 </a:endParaRPr>
               </a:p>
               <a:p>
+                <a:pPr/>
                 <a14:m>
                   <m:oMathPara xmlns:m="http://schemas.openxmlformats.org/officeDocument/2006/math">
                     <m:oMathParaPr>
@@ -4746,7 +4748,7 @@
                     </m:oMathParaPr>
                     <m:oMath xmlns:m="http://schemas.openxmlformats.org/officeDocument/2006/math">
                       <m:r>
-                        <a:rPr lang="en-US" sz="1600" b="0" i="1" smtClean="0">
+                        <a:rPr lang="en-US" sz="2200" b="0" i="1" smtClean="0">
                           <a:latin typeface="Cambria Math" panose="02040503050406030204" pitchFamily="18" charset="0"/>
                           <a:cs typeface="Arial" panose="020B0604020202020204" pitchFamily="34" charset="0"/>
                         </a:rPr>
@@ -4755,7 +4757,7 @@
                       <m:f>
                         <m:fPr>
                           <m:ctrlPr>
-                            <a:rPr lang="en-US" sz="1600" b="0" i="1" smtClean="0">
+                            <a:rPr lang="en-US" sz="2200" b="0" i="1" smtClean="0">
                               <a:latin typeface="Cambria Math" panose="02040503050406030204" pitchFamily="18" charset="0"/>
                               <a:cs typeface="Arial" panose="020B0604020202020204" pitchFamily="34" charset="0"/>
                             </a:rPr>
@@ -4763,14 +4765,14 @@
                         </m:fPr>
                         <m:num>
                           <m:r>
-                            <a:rPr lang="en-US" sz="1600" b="0" i="1" smtClean="0">
+                            <a:rPr lang="en-US" sz="2200" b="0" i="1" smtClean="0">
                               <a:latin typeface="Cambria Math" panose="02040503050406030204" pitchFamily="18" charset="0"/>
                               <a:cs typeface="Arial" panose="020B0604020202020204" pitchFamily="34" charset="0"/>
                             </a:rPr>
                             <m:t>𝜕</m:t>
                           </m:r>
                           <m:r>
-                            <a:rPr lang="en-US" sz="1600" b="0" i="1" smtClean="0">
+                            <a:rPr lang="en-US" sz="2200" b="0" i="1" smtClean="0">
                               <a:latin typeface="Cambria Math" panose="02040503050406030204" pitchFamily="18" charset="0"/>
                               <a:cs typeface="Arial" panose="020B0604020202020204" pitchFamily="34" charset="0"/>
                             </a:rPr>
@@ -4779,14 +4781,14 @@
                         </m:num>
                         <m:den>
                           <m:r>
-                            <a:rPr lang="en-US" sz="1600" b="0" i="1" smtClean="0">
+                            <a:rPr lang="en-US" sz="2200" b="0" i="1" smtClean="0">
                               <a:latin typeface="Cambria Math" panose="02040503050406030204" pitchFamily="18" charset="0"/>
                               <a:cs typeface="Arial" panose="020B0604020202020204" pitchFamily="34" charset="0"/>
                             </a:rPr>
                             <m:t>𝜕</m:t>
                           </m:r>
                           <m:r>
-                            <a:rPr lang="en-US" sz="1600" b="0" i="1" smtClean="0">
+                            <a:rPr lang="en-US" sz="2200" b="0" i="1" smtClean="0">
                               <a:latin typeface="Cambria Math" panose="02040503050406030204" pitchFamily="18" charset="0"/>
                               <a:cs typeface="Arial" panose="020B0604020202020204" pitchFamily="34" charset="0"/>
                             </a:rPr>
@@ -4795,7 +4797,7 @@
                         </m:den>
                       </m:f>
                       <m:r>
-                        <a:rPr lang="en-US" sz="1600" b="0" i="1" smtClean="0">
+                        <a:rPr lang="en-US" sz="2200" b="0" i="1" smtClean="0">
                           <a:latin typeface="Cambria Math" panose="02040503050406030204" pitchFamily="18" charset="0"/>
                           <a:cs typeface="Arial" panose="020B0604020202020204" pitchFamily="34" charset="0"/>
                         </a:rPr>
@@ -4804,7 +4806,7 @@
                       <m:sSubSup>
                         <m:sSubSupPr>
                           <m:ctrlPr>
-                            <a:rPr lang="en-US" sz="1600" b="0" i="1" smtClean="0">
+                            <a:rPr lang="en-US" sz="2200" b="0" i="1" smtClean="0">
                               <a:latin typeface="Cambria Math" panose="02040503050406030204" pitchFamily="18" charset="0"/>
                               <a:cs typeface="Arial" panose="020B0604020202020204" pitchFamily="34" charset="0"/>
                             </a:rPr>
@@ -4812,7 +4814,7 @@
                         </m:sSubSupPr>
                         <m:e>
                           <m:r>
-                            <a:rPr lang="en-US" sz="1600" b="0" i="1" smtClean="0">
+                            <a:rPr lang="en-US" sz="2200" b="0" i="1" smtClean="0">
                               <a:latin typeface="Cambria Math" panose="02040503050406030204" pitchFamily="18" charset="0"/>
                               <a:cs typeface="Arial" panose="020B0604020202020204" pitchFamily="34" charset="0"/>
                             </a:rPr>
@@ -4821,7 +4823,7 @@
                         </m:e>
                         <m:sub>
                           <m:r>
-                            <a:rPr lang="en-US" sz="1600" b="0" i="1" smtClean="0">
+                            <a:rPr lang="en-US" sz="2200" b="0" i="1" smtClean="0">
                               <a:latin typeface="Cambria Math" panose="02040503050406030204" pitchFamily="18" charset="0"/>
                               <a:cs typeface="Arial" panose="020B0604020202020204" pitchFamily="34" charset="0"/>
                             </a:rPr>
@@ -4830,7 +4832,7 @@
                         </m:sub>
                         <m:sup>
                           <m:r>
-                            <a:rPr lang="en-US" sz="1600" b="0" i="1" smtClean="0">
+                            <a:rPr lang="en-US" sz="2200" b="0" i="1" smtClean="0">
                               <a:latin typeface="Cambria Math" panose="02040503050406030204" pitchFamily="18" charset="0"/>
                               <a:cs typeface="Arial" panose="020B0604020202020204" pitchFamily="34" charset="0"/>
                             </a:rPr>
@@ -4841,7 +4843,7 @@
                       <m:d>
                         <m:dPr>
                           <m:ctrlPr>
-                            <a:rPr lang="en-US" sz="1600" b="0" i="1" smtClean="0">
+                            <a:rPr lang="en-US" sz="2200" b="0" i="1" smtClean="0">
                               <a:latin typeface="Cambria Math" panose="02040503050406030204" pitchFamily="18" charset="0"/>
                               <a:cs typeface="Arial" panose="020B0604020202020204" pitchFamily="34" charset="0"/>
                             </a:rPr>
@@ -4852,21 +4854,21 @@
                             <m:rPr>
                               <m:sty m:val="p"/>
                             </m:rPr>
-                            <a:rPr lang="en-US" sz="1600" b="0" i="0" smtClean="0">
+                            <a:rPr lang="en-US" sz="2200" b="0" i="0" smtClean="0">
                               <a:latin typeface="Cambria Math" panose="02040503050406030204" pitchFamily="18" charset="0"/>
                               <a:cs typeface="Arial" panose="020B0604020202020204" pitchFamily="34" charset="0"/>
                             </a:rPr>
                             <m:t>∇</m:t>
                           </m:r>
                           <m:r>
-                            <a:rPr lang="en-US" sz="1600" b="0" i="1" smtClean="0">
+                            <a:rPr lang="en-US" sz="2200" b="0" i="1" smtClean="0">
                               <a:latin typeface="Cambria Math" panose="02040503050406030204" pitchFamily="18" charset="0"/>
                               <a:cs typeface="Arial" panose="020B0604020202020204" pitchFamily="34" charset="0"/>
                             </a:rPr>
                             <m:t>×</m:t>
                           </m:r>
                           <m:r>
-                            <a:rPr lang="en-US" sz="1600" b="1" i="1" smtClean="0">
+                            <a:rPr lang="en-US" sz="2200" b="1" i="1" smtClean="0">
                               <a:latin typeface="Cambria Math" panose="02040503050406030204" pitchFamily="18" charset="0"/>
                               <a:cs typeface="Arial" panose="020B0604020202020204" pitchFamily="34" charset="0"/>
                             </a:rPr>
@@ -4875,21 +4877,21 @@
                         </m:e>
                       </m:d>
                       <m:r>
-                        <a:rPr lang="en-US" sz="1600" b="0" i="1" smtClean="0">
+                        <a:rPr lang="en-US" sz="2200" b="0" i="1" smtClean="0">
                           <a:latin typeface="Cambria Math" panose="02040503050406030204" pitchFamily="18" charset="0"/>
                           <a:cs typeface="Arial" panose="020B0604020202020204" pitchFamily="34" charset="0"/>
                         </a:rPr>
                         <m:t>×</m:t>
                       </m:r>
                       <m:r>
-                        <a:rPr lang="en-US" sz="1600" b="1" i="1" smtClean="0">
+                        <a:rPr lang="en-US" sz="2200" b="1" i="1" smtClean="0">
                           <a:latin typeface="Cambria Math" panose="02040503050406030204" pitchFamily="18" charset="0"/>
                           <a:cs typeface="Arial" panose="020B0604020202020204" pitchFamily="34" charset="0"/>
                         </a:rPr>
                         <m:t>𝑩</m:t>
                       </m:r>
                       <m:r>
-                        <a:rPr lang="en-US" sz="1600" b="0" i="1" smtClean="0">
+                        <a:rPr lang="en-US" sz="2200" b="0" i="1" smtClean="0">
                           <a:latin typeface="Cambria Math" panose="02040503050406030204" pitchFamily="18" charset="0"/>
                           <a:cs typeface="Arial" panose="020B0604020202020204" pitchFamily="34" charset="0"/>
                         </a:rPr>
@@ -4899,14 +4901,14 @@
                         <m:rPr>
                           <m:sty m:val="p"/>
                         </m:rPr>
-                        <a:rPr lang="en-US" sz="1600" b="0" i="0" smtClean="0">
+                        <a:rPr lang="en-US" sz="2200" b="0" i="0" smtClean="0">
                           <a:latin typeface="Cambria Math" panose="02040503050406030204" pitchFamily="18" charset="0"/>
                           <a:cs typeface="Arial" panose="020B0604020202020204" pitchFamily="34" charset="0"/>
                         </a:rPr>
                         <m:t>∇</m:t>
                       </m:r>
                       <m:r>
-                        <a:rPr lang="en-US" sz="1600" b="0" i="1" smtClean="0">
+                        <a:rPr lang="en-US" sz="2200" b="0" i="1" smtClean="0">
                           <a:latin typeface="Cambria Math" panose="02040503050406030204" pitchFamily="18" charset="0"/>
                           <a:cs typeface="Arial" panose="020B0604020202020204" pitchFamily="34" charset="0"/>
                         </a:rPr>
@@ -4915,7 +4917,7 @@
                       <m:d>
                         <m:dPr>
                           <m:ctrlPr>
-                            <a:rPr lang="en-US" sz="1600" b="0" i="1" smtClean="0">
+                            <a:rPr lang="en-US" sz="2200" b="0" i="1" smtClean="0">
                               <a:latin typeface="Cambria Math" panose="02040503050406030204" pitchFamily="18" charset="0"/>
                               <a:cs typeface="Arial" panose="020B0604020202020204" pitchFamily="34" charset="0"/>
                             </a:rPr>
@@ -4923,7 +4925,7 @@
                         </m:dPr>
                         <m:e>
                           <m:r>
-                            <a:rPr lang="en-US" sz="1600" b="0" i="1" smtClean="0">
+                            <a:rPr lang="en-US" sz="2200" b="0" i="1" smtClean="0">
                               <a:latin typeface="Cambria Math" panose="02040503050406030204" pitchFamily="18" charset="0"/>
                               <a:cs typeface="Arial" panose="020B0604020202020204" pitchFamily="34" charset="0"/>
                             </a:rPr>
@@ -4932,28 +4934,28 @@
                         </m:e>
                       </m:d>
                       <m:r>
-                        <a:rPr lang="en-US" sz="1600" b="0" i="1" smtClean="0">
+                        <a:rPr lang="en-US" sz="2200" b="0" i="1" smtClean="0">
                           <a:latin typeface="Cambria Math" panose="02040503050406030204" pitchFamily="18" charset="0"/>
                           <a:cs typeface="Arial" panose="020B0604020202020204" pitchFamily="34" charset="0"/>
                         </a:rPr>
                         <m:t>−</m:t>
                       </m:r>
                       <m:r>
-                        <a:rPr lang="en-US" sz="1600" b="0" i="1" smtClean="0">
+                        <a:rPr lang="en-US" sz="2200" b="0" i="1" smtClean="0">
                           <a:latin typeface="Cambria Math" panose="02040503050406030204" pitchFamily="18" charset="0"/>
                           <a:cs typeface="Arial" panose="020B0604020202020204" pitchFamily="34" charset="0"/>
                         </a:rPr>
                         <m:t>𝜌</m:t>
                       </m:r>
                       <m:r>
-                        <a:rPr lang="en-US" sz="1600" b="1" i="1" smtClean="0">
+                        <a:rPr lang="en-US" sz="2200" b="1" i="1" smtClean="0">
                           <a:latin typeface="Cambria Math" panose="02040503050406030204" pitchFamily="18" charset="0"/>
                           <a:cs typeface="Arial" panose="020B0604020202020204" pitchFamily="34" charset="0"/>
                         </a:rPr>
                         <m:t>𝒗</m:t>
                       </m:r>
                       <m:r>
-                        <a:rPr lang="en-US" sz="1600" b="0" i="1" smtClean="0">
+                        <a:rPr lang="en-US" sz="2200" b="0" i="1" smtClean="0">
                           <a:latin typeface="Cambria Math" panose="02040503050406030204" pitchFamily="18" charset="0"/>
                           <a:cs typeface="Arial" panose="020B0604020202020204" pitchFamily="34" charset="0"/>
                         </a:rPr>
@@ -4963,14 +4965,14 @@
                         <m:rPr>
                           <m:sty m:val="p"/>
                         </m:rPr>
-                        <a:rPr lang="en-US" sz="1600" b="0" i="0" smtClean="0">
+                        <a:rPr lang="en-US" sz="2200" b="0" i="0" smtClean="0">
                           <a:latin typeface="Cambria Math" panose="02040503050406030204" pitchFamily="18" charset="0"/>
                           <a:cs typeface="Arial" panose="020B0604020202020204" pitchFamily="34" charset="0"/>
                         </a:rPr>
                         <m:t>∇</m:t>
                       </m:r>
                       <m:r>
-                        <a:rPr lang="en-US" sz="1600" b="1" i="1" smtClean="0">
+                        <a:rPr lang="en-US" sz="2200" b="1" i="1" smtClean="0">
                           <a:latin typeface="Cambria Math" panose="02040503050406030204" pitchFamily="18" charset="0"/>
                           <a:cs typeface="Arial" panose="020B0604020202020204" pitchFamily="34" charset="0"/>
                         </a:rPr>
@@ -4979,12 +4981,13 @@
                     </m:oMath>
                   </m:oMathPara>
                 </a14:m>
-                <a:endParaRPr lang="en-US" sz="1600" dirty="0">
+                <a:endParaRPr lang="en-US" sz="2200" dirty="0">
                   <a:latin typeface="Arial" panose="020B0604020202020204" pitchFamily="34" charset="0"/>
                   <a:cs typeface="Arial" panose="020B0604020202020204" pitchFamily="34" charset="0"/>
                 </a:endParaRPr>
               </a:p>
               <a:p>
+                <a:pPr/>
                 <a14:m>
                   <m:oMathPara xmlns:m="http://schemas.openxmlformats.org/officeDocument/2006/math">
                     <m:oMathParaPr>
@@ -4994,7 +4997,7 @@
                       <m:f>
                         <m:fPr>
                           <m:ctrlPr>
-                            <a:rPr lang="en-US" sz="1600" b="0" i="1" smtClean="0">
+                            <a:rPr lang="en-US" sz="2200" b="0" i="1" smtClean="0">
                               <a:latin typeface="Cambria Math" panose="02040503050406030204" pitchFamily="18" charset="0"/>
                               <a:cs typeface="Arial" panose="020B0604020202020204" pitchFamily="34" charset="0"/>
                             </a:rPr>
@@ -5002,14 +5005,14 @@
                         </m:fPr>
                         <m:num>
                           <m:r>
-                            <a:rPr lang="en-US" sz="1600" b="0" i="1" smtClean="0">
+                            <a:rPr lang="en-US" sz="2200" b="0" i="1" smtClean="0">
                               <a:latin typeface="Cambria Math" panose="02040503050406030204" pitchFamily="18" charset="0"/>
                               <a:cs typeface="Arial" panose="020B0604020202020204" pitchFamily="34" charset="0"/>
                             </a:rPr>
                             <m:t>𝜕</m:t>
                           </m:r>
                           <m:r>
-                            <a:rPr lang="en-US" sz="1600" b="1" i="1" smtClean="0">
+                            <a:rPr lang="en-US" sz="2200" b="1" i="1" smtClean="0">
                               <a:latin typeface="Cambria Math" panose="02040503050406030204" pitchFamily="18" charset="0"/>
                               <a:cs typeface="Arial" panose="020B0604020202020204" pitchFamily="34" charset="0"/>
                             </a:rPr>
@@ -5018,14 +5021,14 @@
                         </m:num>
                         <m:den>
                           <m:r>
-                            <a:rPr lang="en-US" sz="1600" b="0" i="1" smtClean="0">
+                            <a:rPr lang="en-US" sz="2200" b="0" i="1" smtClean="0">
                               <a:latin typeface="Cambria Math" panose="02040503050406030204" pitchFamily="18" charset="0"/>
                               <a:cs typeface="Arial" panose="020B0604020202020204" pitchFamily="34" charset="0"/>
                             </a:rPr>
                             <m:t>𝜕</m:t>
                           </m:r>
                           <m:r>
-                            <a:rPr lang="en-US" sz="1600" b="0" i="1" smtClean="0">
+                            <a:rPr lang="en-US" sz="2200" b="0" i="1" smtClean="0">
                               <a:latin typeface="Cambria Math" panose="02040503050406030204" pitchFamily="18" charset="0"/>
                               <a:cs typeface="Arial" panose="020B0604020202020204" pitchFamily="34" charset="0"/>
                             </a:rPr>
@@ -5034,7 +5037,7 @@
                         </m:den>
                       </m:f>
                       <m:r>
-                        <a:rPr lang="en-US" sz="1600" b="0" i="1" smtClean="0">
+                        <a:rPr lang="en-US" sz="2200" b="0" i="1" smtClean="0">
                           <a:latin typeface="Cambria Math" panose="02040503050406030204" pitchFamily="18" charset="0"/>
                           <a:cs typeface="Arial" panose="020B0604020202020204" pitchFamily="34" charset="0"/>
                         </a:rPr>
@@ -5044,14 +5047,14 @@
                         <m:rPr>
                           <m:sty m:val="p"/>
                         </m:rPr>
-                        <a:rPr lang="en-US" sz="1600" b="0" i="0" smtClean="0">
+                        <a:rPr lang="en-US" sz="2200" b="0" i="0" smtClean="0">
                           <a:latin typeface="Cambria Math" panose="02040503050406030204" pitchFamily="18" charset="0"/>
                           <a:cs typeface="Arial" panose="020B0604020202020204" pitchFamily="34" charset="0"/>
                         </a:rPr>
                         <m:t>∇</m:t>
                       </m:r>
                       <m:r>
-                        <a:rPr lang="en-US" sz="1600" b="0" i="1" smtClean="0">
+                        <a:rPr lang="en-US" sz="2200" b="0" i="1" smtClean="0">
                           <a:latin typeface="Cambria Math" panose="02040503050406030204" pitchFamily="18" charset="0"/>
                           <a:cs typeface="Arial" panose="020B0604020202020204" pitchFamily="34" charset="0"/>
                         </a:rPr>
@@ -5060,7 +5063,7 @@
                       <m:d>
                         <m:dPr>
                           <m:ctrlPr>
-                            <a:rPr lang="en-US" sz="1600" b="0" i="1" smtClean="0">
+                            <a:rPr lang="en-US" sz="2200" b="0" i="1" smtClean="0">
                               <a:latin typeface="Cambria Math" panose="02040503050406030204" pitchFamily="18" charset="0"/>
                               <a:cs typeface="Arial" panose="020B0604020202020204" pitchFamily="34" charset="0"/>
                             </a:rPr>
@@ -5068,21 +5071,21 @@
                         </m:dPr>
                         <m:e>
                           <m:r>
-                            <a:rPr lang="en-US" sz="1600" b="1" i="1" smtClean="0">
+                            <a:rPr lang="en-US" sz="2200" b="1" i="1" smtClean="0">
                               <a:latin typeface="Cambria Math" panose="02040503050406030204" pitchFamily="18" charset="0"/>
                               <a:cs typeface="Arial" panose="020B0604020202020204" pitchFamily="34" charset="0"/>
                             </a:rPr>
                             <m:t>𝒗</m:t>
                           </m:r>
                           <m:r>
-                            <a:rPr lang="en-US" sz="1600" b="1" i="1" smtClean="0">
+                            <a:rPr lang="en-US" sz="2200" b="1" i="1" smtClean="0">
                               <a:latin typeface="Cambria Math" panose="02040503050406030204" pitchFamily="18" charset="0"/>
                               <a:cs typeface="Arial" panose="020B0604020202020204" pitchFamily="34" charset="0"/>
                             </a:rPr>
                             <m:t>×</m:t>
                           </m:r>
                           <m:r>
-                            <a:rPr lang="en-US" sz="1600" b="1" i="1" smtClean="0">
+                            <a:rPr lang="en-US" sz="2200" b="1" i="1" smtClean="0">
                               <a:latin typeface="Cambria Math" panose="02040503050406030204" pitchFamily="18" charset="0"/>
                               <a:cs typeface="Arial" panose="020B0604020202020204" pitchFamily="34" charset="0"/>
                             </a:rPr>
@@ -5091,7 +5094,7 @@
                         </m:e>
                       </m:d>
                       <m:r>
-                        <a:rPr lang="en-US" sz="1600" b="0" i="1" smtClean="0">
+                        <a:rPr lang="en-US" sz="2200" b="0" i="1" smtClean="0">
                           <a:latin typeface="Cambria Math" panose="02040503050406030204" pitchFamily="18" charset="0"/>
                           <a:cs typeface="Arial" panose="020B0604020202020204" pitchFamily="34" charset="0"/>
                         </a:rPr>
@@ -5100,7 +5103,7 @@
                     </m:oMath>
                   </m:oMathPara>
                 </a14:m>
-                <a:endParaRPr lang="en-US" sz="1600" dirty="0">
+                <a:endParaRPr lang="en-US" sz="2200" dirty="0">
                   <a:latin typeface="Arial" panose="020B0604020202020204" pitchFamily="34" charset="0"/>
                   <a:cs typeface="Arial" panose="020B0604020202020204" pitchFamily="34" charset="0"/>
                 </a:endParaRPr>
@@ -5144,10 +5147,244 @@
                 </a:r>
               </a:p>
               <a:p>
+                <a14:m>
+                  <m:oMathPara xmlns:m="http://schemas.openxmlformats.org/officeDocument/2006/math">
+                    <m:oMathParaPr>
+                      <m:jc m:val="centerGroup"/>
+                    </m:oMathParaPr>
+                    <m:oMath xmlns:m="http://schemas.openxmlformats.org/officeDocument/2006/math">
+                      <m:r>
+                        <a:rPr lang="en-US" sz="2200" b="0" i="1" smtClean="0">
+                          <a:latin typeface="Cambria Math" panose="02040503050406030204" pitchFamily="18" charset="0"/>
+                          <a:cs typeface="Arial" panose="020B0604020202020204" pitchFamily="34" charset="0"/>
+                        </a:rPr>
+                        <m:t>𝜌</m:t>
+                      </m:r>
+                      <m:r>
+                        <a:rPr lang="en-US" sz="2200" b="0" i="1" smtClean="0">
+                          <a:latin typeface="Cambria Math" panose="02040503050406030204" pitchFamily="18" charset="0"/>
+                          <a:cs typeface="Arial" panose="020B0604020202020204" pitchFamily="34" charset="0"/>
+                        </a:rPr>
+                        <m:t>=</m:t>
+                      </m:r>
+                      <m:sSub>
+                        <m:sSubPr>
+                          <m:ctrlPr>
+                            <a:rPr lang="en-US" sz="2200" b="0" i="1" smtClean="0">
+                              <a:latin typeface="Cambria Math" panose="02040503050406030204" pitchFamily="18" charset="0"/>
+                              <a:cs typeface="Arial" panose="020B0604020202020204" pitchFamily="34" charset="0"/>
+                            </a:rPr>
+                          </m:ctrlPr>
+                        </m:sSubPr>
+                        <m:e>
+                          <m:r>
+                            <a:rPr lang="en-US" sz="2200" b="0" i="1" smtClean="0">
+                              <a:latin typeface="Cambria Math" panose="02040503050406030204" pitchFamily="18" charset="0"/>
+                              <a:cs typeface="Arial" panose="020B0604020202020204" pitchFamily="34" charset="0"/>
+                            </a:rPr>
+                            <m:t>𝜌</m:t>
+                          </m:r>
+                        </m:e>
+                        <m:sub>
+                          <m:r>
+                            <a:rPr lang="en-US" sz="2200" b="0" i="1" smtClean="0">
+                              <a:latin typeface="Cambria Math" panose="02040503050406030204" pitchFamily="18" charset="0"/>
+                              <a:cs typeface="Arial" panose="020B0604020202020204" pitchFamily="34" charset="0"/>
+                            </a:rPr>
+                            <m:t>0</m:t>
+                          </m:r>
+                        </m:sub>
+                      </m:sSub>
+                      <m:d>
+                        <m:dPr>
+                          <m:ctrlPr>
+                            <a:rPr lang="en-US" sz="2200" b="0" i="1" smtClean="0">
+                              <a:latin typeface="Cambria Math" panose="02040503050406030204" pitchFamily="18" charset="0"/>
+                              <a:cs typeface="Arial" panose="020B0604020202020204" pitchFamily="34" charset="0"/>
+                            </a:rPr>
+                          </m:ctrlPr>
+                        </m:dPr>
+                        <m:e>
+                          <m:r>
+                            <a:rPr lang="en-US" sz="2200" b="0" i="1" smtClean="0">
+                              <a:latin typeface="Cambria Math" panose="02040503050406030204" pitchFamily="18" charset="0"/>
+                              <a:cs typeface="Arial" panose="020B0604020202020204" pitchFamily="34" charset="0"/>
+                            </a:rPr>
+                            <m:t>1+</m:t>
+                          </m:r>
+                          <m:r>
+                            <a:rPr lang="en-US" sz="2200" b="0" i="1" smtClean="0">
+                              <a:latin typeface="Cambria Math" panose="02040503050406030204" pitchFamily="18" charset="0"/>
+                              <a:cs typeface="Arial" panose="020B0604020202020204" pitchFamily="34" charset="0"/>
+                            </a:rPr>
+                            <m:t>𝜖</m:t>
+                          </m:r>
+                          <m:r>
+                            <a:rPr lang="en-US" sz="2200" b="0" i="1" smtClean="0">
+                              <a:latin typeface="Cambria Math" panose="02040503050406030204" pitchFamily="18" charset="0"/>
+                              <a:cs typeface="Arial" panose="020B0604020202020204" pitchFamily="34" charset="0"/>
+                            </a:rPr>
+                            <m:t>𝑟</m:t>
+                          </m:r>
+                        </m:e>
+                      </m:d>
+                    </m:oMath>
+                  </m:oMathPara>
+                </a14:m>
+                <a:endParaRPr lang="en-US" sz="2200" b="0" dirty="0">
+                  <a:latin typeface="Arial" panose="020B0604020202020204" pitchFamily="34" charset="0"/>
+                  <a:cs typeface="Arial" panose="020B0604020202020204" pitchFamily="34" charset="0"/>
+                </a:endParaRPr>
+              </a:p>
+              <a:p>
+                <a14:m>
+                  <m:oMathPara xmlns:m="http://schemas.openxmlformats.org/officeDocument/2006/math">
+                    <m:oMathParaPr>
+                      <m:jc m:val="centerGroup"/>
+                    </m:oMathParaPr>
+                    <m:oMath xmlns:m="http://schemas.openxmlformats.org/officeDocument/2006/math">
+                      <m:r>
+                        <a:rPr lang="en-US" sz="2200" b="1" i="1" smtClean="0">
+                          <a:latin typeface="Cambria Math" panose="02040503050406030204" pitchFamily="18" charset="0"/>
+                          <a:cs typeface="Arial" panose="020B0604020202020204" pitchFamily="34" charset="0"/>
+                        </a:rPr>
+                        <m:t>𝒗</m:t>
+                      </m:r>
+                      <m:r>
+                        <a:rPr lang="en-US" sz="2200" b="0" i="1" smtClean="0">
+                          <a:latin typeface="Cambria Math" panose="02040503050406030204" pitchFamily="18" charset="0"/>
+                          <a:cs typeface="Arial" panose="020B0604020202020204" pitchFamily="34" charset="0"/>
+                        </a:rPr>
+                        <m:t>=</m:t>
+                      </m:r>
+                      <m:sSub>
+                        <m:sSubPr>
+                          <m:ctrlPr>
+                            <a:rPr lang="en-US" sz="2200" b="0" i="1" smtClean="0">
+                              <a:latin typeface="Cambria Math" panose="02040503050406030204" pitchFamily="18" charset="0"/>
+                              <a:cs typeface="Arial" panose="020B0604020202020204" pitchFamily="34" charset="0"/>
+                            </a:rPr>
+                          </m:ctrlPr>
+                        </m:sSubPr>
+                        <m:e>
+                          <m:r>
+                            <a:rPr lang="en-US" sz="2200" b="0" i="1" smtClean="0">
+                              <a:latin typeface="Cambria Math" panose="02040503050406030204" pitchFamily="18" charset="0"/>
+                              <a:cs typeface="Arial" panose="020B0604020202020204" pitchFamily="34" charset="0"/>
+                            </a:rPr>
+                            <m:t>𝑣</m:t>
+                          </m:r>
+                        </m:e>
+                        <m:sub>
+                          <m:r>
+                            <a:rPr lang="en-US" sz="2200" b="0" i="1" smtClean="0">
+                              <a:latin typeface="Cambria Math" panose="02040503050406030204" pitchFamily="18" charset="0"/>
+                              <a:cs typeface="Arial" panose="020B0604020202020204" pitchFamily="34" charset="0"/>
+                            </a:rPr>
+                            <m:t>0</m:t>
+                          </m:r>
+                        </m:sub>
+                      </m:sSub>
+                      <m:r>
+                        <a:rPr lang="en-US" sz="2200" b="1" i="1" smtClean="0">
+                          <a:latin typeface="Cambria Math" panose="02040503050406030204" pitchFamily="18" charset="0"/>
+                          <a:cs typeface="Arial" panose="020B0604020202020204" pitchFamily="34" charset="0"/>
+                        </a:rPr>
+                        <m:t>𝝂</m:t>
+                      </m:r>
+                    </m:oMath>
+                  </m:oMathPara>
+                </a14:m>
+                <a:endParaRPr lang="en-US" sz="2200" b="1" dirty="0">
+                  <a:latin typeface="Arial" panose="020B0604020202020204" pitchFamily="34" charset="0"/>
+                  <a:cs typeface="Arial" panose="020B0604020202020204" pitchFamily="34" charset="0"/>
+                </a:endParaRPr>
+              </a:p>
+              <a:p>
+                <a14:m>
+                  <m:oMathPara xmlns:m="http://schemas.openxmlformats.org/officeDocument/2006/math">
+                    <m:oMathParaPr>
+                      <m:jc m:val="centerGroup"/>
+                    </m:oMathParaPr>
+                    <m:oMath xmlns:m="http://schemas.openxmlformats.org/officeDocument/2006/math">
+                      <m:r>
+                        <a:rPr lang="en-US" sz="2200" b="1" i="1" smtClean="0">
+                          <a:latin typeface="Cambria Math" panose="02040503050406030204" pitchFamily="18" charset="0"/>
+                          <a:cs typeface="Arial" panose="020B0604020202020204" pitchFamily="34" charset="0"/>
+                        </a:rPr>
+                        <m:t>𝑩</m:t>
+                      </m:r>
+                      <m:r>
+                        <a:rPr lang="en-US" sz="2200" b="0" i="1" smtClean="0">
+                          <a:latin typeface="Cambria Math" panose="02040503050406030204" pitchFamily="18" charset="0"/>
+                          <a:cs typeface="Arial" panose="020B0604020202020204" pitchFamily="34" charset="0"/>
+                        </a:rPr>
+                        <m:t>=</m:t>
+                      </m:r>
+                      <m:sSub>
+                        <m:sSubPr>
+                          <m:ctrlPr>
+                            <a:rPr lang="en-US" sz="2200" b="0" i="1" smtClean="0">
+                              <a:latin typeface="Cambria Math" panose="02040503050406030204" pitchFamily="18" charset="0"/>
+                              <a:cs typeface="Arial" panose="020B0604020202020204" pitchFamily="34" charset="0"/>
+                            </a:rPr>
+                          </m:ctrlPr>
+                        </m:sSubPr>
+                        <m:e>
+                          <m:r>
+                            <a:rPr lang="en-US" sz="2200" b="0" i="1" smtClean="0">
+                              <a:latin typeface="Cambria Math" panose="02040503050406030204" pitchFamily="18" charset="0"/>
+                              <a:cs typeface="Arial" panose="020B0604020202020204" pitchFamily="34" charset="0"/>
+                            </a:rPr>
+                            <m:t>𝐵</m:t>
+                          </m:r>
+                        </m:e>
+                        <m:sub>
+                          <m:r>
+                            <a:rPr lang="en-US" sz="2200" b="0" i="1" smtClean="0">
+                              <a:latin typeface="Cambria Math" panose="02040503050406030204" pitchFamily="18" charset="0"/>
+                              <a:cs typeface="Arial" panose="020B0604020202020204" pitchFamily="34" charset="0"/>
+                            </a:rPr>
+                            <m:t>0</m:t>
+                          </m:r>
+                        </m:sub>
+                      </m:sSub>
+                    </m:oMath>
+                  </m:oMathPara>
+                </a14:m>
+                <a:endParaRPr lang="en-US" sz="2200" b="1" dirty="0">
+                  <a:latin typeface="Arial" panose="020B0604020202020204" pitchFamily="34" charset="0"/>
+                  <a:cs typeface="Arial" panose="020B0604020202020204" pitchFamily="34" charset="0"/>
+                </a:endParaRPr>
+              </a:p>
+              <a:p>
                 <a:endParaRPr lang="en-US" sz="1600" dirty="0">
                   <a:latin typeface="Arial" panose="020B0604020202020204" pitchFamily="34" charset="0"/>
                   <a:cs typeface="Arial" panose="020B0604020202020204" pitchFamily="34" charset="0"/>
                 </a:endParaRPr>
+              </a:p>
+              <a:p>
+                <a:r>
+                  <a:rPr lang="en-US" sz="1600" dirty="0">
+                    <a:latin typeface="Arial" panose="020B0604020202020204" pitchFamily="34" charset="0"/>
+                    <a:cs typeface="Arial" panose="020B0604020202020204" pitchFamily="34" charset="0"/>
+                  </a:rPr>
+                  <a:t>Differs from Strauss because smaller density fluctuations and larger </a:t>
+                </a:r>
+                <a:r>
+                  <a:rPr lang="en-US" sz="1600" dirty="0" err="1">
+                    <a:latin typeface="Arial" panose="020B0604020202020204" pitchFamily="34" charset="0"/>
+                    <a:cs typeface="Arial" panose="020B0604020202020204" pitchFamily="34" charset="0"/>
+                  </a:rPr>
+                  <a:t>B_para</a:t>
+                </a:r>
+                <a:r>
+                  <a:rPr lang="en-US" sz="1600" dirty="0">
+                    <a:latin typeface="Arial" panose="020B0604020202020204" pitchFamily="34" charset="0"/>
+                    <a:cs typeface="Arial" panose="020B0604020202020204" pitchFamily="34" charset="0"/>
+                  </a:rPr>
+                  <a:t> fluctuations. </a:t>
+                </a:r>
               </a:p>
             </p:txBody>
           </p:sp>
@@ -5170,7 +5407,7 @@
             <p:spPr>
               <a:xfrm>
                 <a:off x="10003508" y="4339946"/>
-                <a:ext cx="7429499" cy="4697825"/>
+                <a:ext cx="7429499" cy="6732612"/>
               </a:xfrm>
               <a:prstGeom prst="rect">
                 <a:avLst/>
@@ -5178,7 +5415,7 @@
               <a:blipFill>
                 <a:blip r:embed="rId3"/>
                 <a:stretch>
-                  <a:fillRect l="-492" t="-389"/>
+                  <a:fillRect l="-492" t="-272" b="-272"/>
                 </a:stretch>
               </a:blipFill>
             </p:spPr>
@@ -5361,7 +5598,7 @@
             <p:spPr>
               <a:xfrm>
                 <a:off x="9997406" y="12931507"/>
-                <a:ext cx="7429499" cy="5514458"/>
+                <a:ext cx="7429499" cy="6258380"/>
               </a:xfrm>
               <a:prstGeom prst="rect">
                 <a:avLst/>
@@ -5736,6 +5973,222 @@
                   <a:t> limit. </a:t>
                 </a:r>
               </a:p>
+              <a:p>
+                <a:endParaRPr lang="en-US" sz="1600" dirty="0">
+                  <a:latin typeface="Arial" panose="020B0604020202020204" pitchFamily="34" charset="0"/>
+                  <a:cs typeface="Arial" panose="020B0604020202020204" pitchFamily="34" charset="0"/>
+                </a:endParaRPr>
+              </a:p>
+              <a:p>
+                <a:r>
+                  <a:rPr lang="en-US" sz="1600" dirty="0">
+                    <a:latin typeface="Arial" panose="020B0604020202020204" pitchFamily="34" charset="0"/>
+                    <a:cs typeface="Arial" panose="020B0604020202020204" pitchFamily="34" charset="0"/>
+                  </a:rPr>
+                  <a:t>        Fast-slow split is between </a:t>
+                </a:r>
+                <a14:m>
+                  <m:oMath xmlns:m="http://schemas.openxmlformats.org/officeDocument/2006/math">
+                    <m:r>
+                      <a:rPr lang="en-US" sz="1600" b="0" i="1" smtClean="0">
+                        <a:latin typeface="Cambria Math" panose="02040503050406030204" pitchFamily="18" charset="0"/>
+                        <a:cs typeface="Arial" panose="020B0604020202020204" pitchFamily="34" charset="0"/>
+                      </a:rPr>
+                      <m:t>𝑥</m:t>
+                    </m:r>
+                    <m:r>
+                      <a:rPr lang="en-US" sz="1600" b="0" i="1" smtClean="0">
+                        <a:latin typeface="Cambria Math" panose="02040503050406030204" pitchFamily="18" charset="0"/>
+                        <a:cs typeface="Arial" panose="020B0604020202020204" pitchFamily="34" charset="0"/>
+                      </a:rPr>
+                      <m:t>=(</m:t>
+                    </m:r>
+                    <m:r>
+                      <a:rPr lang="en-US" sz="1600" b="0" i="1" smtClean="0">
+                        <a:latin typeface="Cambria Math" panose="02040503050406030204" pitchFamily="18" charset="0"/>
+                        <a:cs typeface="Arial" panose="020B0604020202020204" pitchFamily="34" charset="0"/>
+                      </a:rPr>
+                      <m:t>𝜓</m:t>
+                    </m:r>
+                    <m:r>
+                      <a:rPr lang="en-US" sz="1600" b="0" i="1" smtClean="0">
+                        <a:latin typeface="Cambria Math" panose="02040503050406030204" pitchFamily="18" charset="0"/>
+                        <a:cs typeface="Arial" panose="020B0604020202020204" pitchFamily="34" charset="0"/>
+                      </a:rPr>
+                      <m:t>,</m:t>
+                    </m:r>
+                    <m:sSub>
+                      <m:sSubPr>
+                        <m:ctrlPr>
+                          <a:rPr lang="en-US" sz="1600" b="0" i="1" smtClean="0">
+                            <a:latin typeface="Cambria Math" panose="02040503050406030204" pitchFamily="18" charset="0"/>
+                            <a:cs typeface="Arial" panose="020B0604020202020204" pitchFamily="34" charset="0"/>
+                          </a:rPr>
+                        </m:ctrlPr>
+                      </m:sSubPr>
+                      <m:e>
+                        <m:r>
+                          <a:rPr lang="en-US" sz="1600" b="0" i="1" smtClean="0">
+                            <a:latin typeface="Cambria Math" panose="02040503050406030204" pitchFamily="18" charset="0"/>
+                            <a:cs typeface="Arial" panose="020B0604020202020204" pitchFamily="34" charset="0"/>
+                          </a:rPr>
+                          <m:t>𝜈</m:t>
+                        </m:r>
+                      </m:e>
+                      <m:sub>
+                        <m:r>
+                          <a:rPr lang="en-US" sz="1600" b="0" i="1" smtClean="0">
+                            <a:latin typeface="Cambria Math" panose="02040503050406030204" pitchFamily="18" charset="0"/>
+                            <a:cs typeface="Arial" panose="020B0604020202020204" pitchFamily="34" charset="0"/>
+                          </a:rPr>
+                          <m:t>∥</m:t>
+                        </m:r>
+                      </m:sub>
+                    </m:sSub>
+                    <m:r>
+                      <a:rPr lang="en-US" sz="1600" b="0" i="1" smtClean="0">
+                        <a:latin typeface="Cambria Math" panose="02040503050406030204" pitchFamily="18" charset="0"/>
+                        <a:cs typeface="Arial" panose="020B0604020202020204" pitchFamily="34" charset="0"/>
+                      </a:rPr>
+                      <m:t>,</m:t>
+                    </m:r>
+                    <m:r>
+                      <m:rPr>
+                        <m:sty m:val="p"/>
+                      </m:rPr>
+                      <a:rPr lang="en-US" sz="1600" b="0" i="0" smtClean="0">
+                        <a:latin typeface="Cambria Math" panose="02040503050406030204" pitchFamily="18" charset="0"/>
+                        <a:cs typeface="Arial" panose="020B0604020202020204" pitchFamily="34" charset="0"/>
+                      </a:rPr>
+                      <m:t>Φ</m:t>
+                    </m:r>
+                    <m:r>
+                      <a:rPr lang="en-US" sz="1600" b="0" i="1" smtClean="0">
+                        <a:latin typeface="Cambria Math" panose="02040503050406030204" pitchFamily="18" charset="0"/>
+                        <a:cs typeface="Arial" panose="020B0604020202020204" pitchFamily="34" charset="0"/>
+                      </a:rPr>
+                      <m:t>,</m:t>
+                    </m:r>
+                    <m:r>
+                      <m:rPr>
+                        <m:sty m:val="p"/>
+                      </m:rPr>
+                      <a:rPr lang="en-US" sz="1600" b="0" i="0" smtClean="0">
+                        <a:latin typeface="Cambria Math" panose="02040503050406030204" pitchFamily="18" charset="0"/>
+                        <a:cs typeface="Arial" panose="020B0604020202020204" pitchFamily="34" charset="0"/>
+                      </a:rPr>
+                      <m:t>Ψ</m:t>
+                    </m:r>
+                    <m:r>
+                      <a:rPr lang="en-US" sz="1600" b="0" i="1" smtClean="0">
+                        <a:latin typeface="Cambria Math" panose="02040503050406030204" pitchFamily="18" charset="0"/>
+                        <a:cs typeface="Arial" panose="020B0604020202020204" pitchFamily="34" charset="0"/>
+                      </a:rPr>
+                      <m:t>,</m:t>
+                    </m:r>
+                    <m:r>
+                      <a:rPr lang="en-US" sz="1600" b="0" i="1" smtClean="0">
+                        <a:latin typeface="Cambria Math" panose="02040503050406030204" pitchFamily="18" charset="0"/>
+                        <a:cs typeface="Arial" panose="020B0604020202020204" pitchFamily="34" charset="0"/>
+                      </a:rPr>
+                      <m:t>𝑞</m:t>
+                    </m:r>
+                    <m:r>
+                      <a:rPr lang="en-US" sz="1600" b="0" i="1" smtClean="0">
+                        <a:latin typeface="Cambria Math" panose="02040503050406030204" pitchFamily="18" charset="0"/>
+                        <a:cs typeface="Arial" panose="020B0604020202020204" pitchFamily="34" charset="0"/>
+                      </a:rPr>
+                      <m:t>)</m:t>
+                    </m:r>
+                  </m:oMath>
+                </a14:m>
+                <a:r>
+                  <a:rPr lang="en-US" sz="1600" dirty="0">
+                    <a:latin typeface="Arial" panose="020B0604020202020204" pitchFamily="34" charset="0"/>
+                    <a:cs typeface="Arial" panose="020B0604020202020204" pitchFamily="34" charset="0"/>
+                  </a:rPr>
+                  <a:t>, while fast variables are </a:t>
+                </a:r>
+                <a14:m>
+                  <m:oMath xmlns:m="http://schemas.openxmlformats.org/officeDocument/2006/math">
+                    <m:r>
+                      <a:rPr lang="en-US" sz="1600" b="0" i="1" smtClean="0">
+                        <a:latin typeface="Cambria Math" panose="02040503050406030204" pitchFamily="18" charset="0"/>
+                        <a:cs typeface="Arial" panose="020B0604020202020204" pitchFamily="34" charset="0"/>
+                      </a:rPr>
+                      <m:t>𝑦</m:t>
+                    </m:r>
+                    <m:r>
+                      <a:rPr lang="en-US" sz="1600" b="0" i="1" smtClean="0">
+                        <a:latin typeface="Cambria Math" panose="02040503050406030204" pitchFamily="18" charset="0"/>
+                        <a:cs typeface="Arial" panose="020B0604020202020204" pitchFamily="34" charset="0"/>
+                      </a:rPr>
+                      <m:t>=</m:t>
+                    </m:r>
+                    <m:d>
+                      <m:dPr>
+                        <m:ctrlPr>
+                          <a:rPr lang="en-US" sz="1600" b="0" i="1" smtClean="0">
+                            <a:latin typeface="Cambria Math" panose="02040503050406030204" pitchFamily="18" charset="0"/>
+                            <a:cs typeface="Arial" panose="020B0604020202020204" pitchFamily="34" charset="0"/>
+                          </a:rPr>
+                        </m:ctrlPr>
+                      </m:dPr>
+                      <m:e>
+                        <m:r>
+                          <a:rPr lang="en-US" sz="1600" b="0" i="1" smtClean="0">
+                            <a:latin typeface="Cambria Math" panose="02040503050406030204" pitchFamily="18" charset="0"/>
+                            <a:cs typeface="Arial" panose="020B0604020202020204" pitchFamily="34" charset="0"/>
+                          </a:rPr>
+                          <m:t>𝜙</m:t>
+                        </m:r>
+                        <m:r>
+                          <a:rPr lang="en-US" sz="1600" b="0" i="1" smtClean="0">
+                            <a:latin typeface="Cambria Math" panose="02040503050406030204" pitchFamily="18" charset="0"/>
+                            <a:cs typeface="Arial" panose="020B0604020202020204" pitchFamily="34" charset="0"/>
+                          </a:rPr>
+                          <m:t>,</m:t>
+                        </m:r>
+                        <m:sSub>
+                          <m:sSubPr>
+                            <m:ctrlPr>
+                              <a:rPr lang="en-US" sz="1600" b="0" i="1" smtClean="0">
+                                <a:latin typeface="Cambria Math" panose="02040503050406030204" pitchFamily="18" charset="0"/>
+                                <a:cs typeface="Arial" panose="020B0604020202020204" pitchFamily="34" charset="0"/>
+                              </a:rPr>
+                            </m:ctrlPr>
+                          </m:sSubPr>
+                          <m:e>
+                            <m:r>
+                              <a:rPr lang="en-US" sz="1600" b="0" i="1" smtClean="0">
+                                <a:latin typeface="Cambria Math" panose="02040503050406030204" pitchFamily="18" charset="0"/>
+                                <a:cs typeface="Arial" panose="020B0604020202020204" pitchFamily="34" charset="0"/>
+                              </a:rPr>
+                              <m:t>𝛽</m:t>
+                            </m:r>
+                          </m:e>
+                          <m:sub>
+                            <m:r>
+                              <a:rPr lang="en-US" sz="1600" b="0" i="1" smtClean="0">
+                                <a:latin typeface="Cambria Math" panose="02040503050406030204" pitchFamily="18" charset="0"/>
+                                <a:cs typeface="Arial" panose="020B0604020202020204" pitchFamily="34" charset="0"/>
+                              </a:rPr>
+                              <m:t>∥</m:t>
+                            </m:r>
+                          </m:sub>
+                        </m:sSub>
+                      </m:e>
+                    </m:d>
+                  </m:oMath>
+                </a14:m>
+                <a:r>
+                  <a:rPr lang="en-US" sz="1600" dirty="0">
+                    <a:latin typeface="Arial" panose="020B0604020202020204" pitchFamily="34" charset="0"/>
+                    <a:cs typeface="Arial" panose="020B0604020202020204" pitchFamily="34" charset="0"/>
+                  </a:rPr>
+                  <a:t>. Dimensional reduction! </a:t>
+                </a:r>
+              </a:p>
             </p:txBody>
           </p:sp>
         </mc:Choice>
@@ -5757,7 +6210,7 @@
             <p:spPr>
               <a:xfrm>
                 <a:off x="9997406" y="12931507"/>
-                <a:ext cx="7429499" cy="5514458"/>
+                <a:ext cx="7429499" cy="6258380"/>
               </a:xfrm>
               <a:prstGeom prst="rect">
                 <a:avLst/>
@@ -5765,7 +6218,7 @@
               <a:blipFill>
                 <a:blip r:embed="rId5"/>
                 <a:stretch>
-                  <a:fillRect l="-492" t="-331" b="-442"/>
+                  <a:fillRect l="-492" t="-292" b="-292"/>
                 </a:stretch>
               </a:blipFill>
             </p:spPr>
@@ -5784,121 +6237,6 @@
           </p:sp>
         </mc:Fallback>
       </mc:AlternateContent>
-      <p:sp>
-        <p:nvSpPr>
-          <p:cNvPr id="1098" name="TextBox 1097">
-            <a:extLst>
-              <a:ext uri="{FF2B5EF4-FFF2-40B4-BE49-F238E27FC236}">
-                <a16:creationId xmlns:a16="http://schemas.microsoft.com/office/drawing/2014/main" id="{C54CFB02-B445-D53B-E065-C3803A43AE97}"/>
-              </a:ext>
-            </a:extLst>
-          </p:cNvPr>
-          <p:cNvSpPr txBox="1"/>
-          <p:nvPr/>
-        </p:nvSpPr>
-        <p:spPr>
-          <a:xfrm>
-            <a:off x="10004301" y="7170323"/>
-            <a:ext cx="7429499" cy="3046988"/>
-          </a:xfrm>
-          <a:prstGeom prst="rect">
-            <a:avLst/>
-          </a:prstGeom>
-          <a:noFill/>
-        </p:spPr>
-        <p:txBody>
-          <a:bodyPr wrap="square" rtlCol="0">
-            <a:spAutoFit/>
-          </a:bodyPr>
-          <a:lstStyle/>
-          <a:p>
-            <a:r>
-              <a:rPr lang="en-US" sz="1600" dirty="0">
-                <a:latin typeface="Arial" panose="020B0604020202020204" pitchFamily="34" charset="0"/>
-                <a:cs typeface="Arial" panose="020B0604020202020204" pitchFamily="34" charset="0"/>
-              </a:rPr>
-              <a:t>        </a:t>
-            </a:r>
-          </a:p>
-          <a:p>
-            <a:endParaRPr lang="en-US" sz="1600" dirty="0">
-              <a:latin typeface="Arial" panose="020B0604020202020204" pitchFamily="34" charset="0"/>
-              <a:cs typeface="Arial" panose="020B0604020202020204" pitchFamily="34" charset="0"/>
-            </a:endParaRPr>
-          </a:p>
-          <a:p>
-            <a:endParaRPr lang="en-US" sz="1600" dirty="0">
-              <a:latin typeface="Arial" panose="020B0604020202020204" pitchFamily="34" charset="0"/>
-              <a:cs typeface="Arial" panose="020B0604020202020204" pitchFamily="34" charset="0"/>
-            </a:endParaRPr>
-          </a:p>
-          <a:p>
-            <a:endParaRPr lang="en-US" sz="1600" dirty="0">
-              <a:latin typeface="Arial" panose="020B0604020202020204" pitchFamily="34" charset="0"/>
-              <a:cs typeface="Arial" panose="020B0604020202020204" pitchFamily="34" charset="0"/>
-            </a:endParaRPr>
-          </a:p>
-          <a:p>
-            <a:endParaRPr lang="en-US" sz="1600" dirty="0">
-              <a:latin typeface="Arial" panose="020B0604020202020204" pitchFamily="34" charset="0"/>
-              <a:cs typeface="Arial" panose="020B0604020202020204" pitchFamily="34" charset="0"/>
-            </a:endParaRPr>
-          </a:p>
-          <a:p>
-            <a:endParaRPr lang="en-US" sz="1600" dirty="0">
-              <a:latin typeface="Arial" panose="020B0604020202020204" pitchFamily="34" charset="0"/>
-              <a:cs typeface="Arial" panose="020B0604020202020204" pitchFamily="34" charset="0"/>
-            </a:endParaRPr>
-          </a:p>
-          <a:p>
-            <a:endParaRPr lang="en-US" sz="1600" dirty="0">
-              <a:latin typeface="Arial" panose="020B0604020202020204" pitchFamily="34" charset="0"/>
-              <a:cs typeface="Arial" panose="020B0604020202020204" pitchFamily="34" charset="0"/>
-            </a:endParaRPr>
-          </a:p>
-          <a:p>
-            <a:endParaRPr lang="en-US" sz="1600" dirty="0">
-              <a:latin typeface="Arial" panose="020B0604020202020204" pitchFamily="34" charset="0"/>
-              <a:cs typeface="Arial" panose="020B0604020202020204" pitchFamily="34" charset="0"/>
-            </a:endParaRPr>
-          </a:p>
-          <a:p>
-            <a:endParaRPr lang="en-US" sz="1600" dirty="0">
-              <a:latin typeface="Arial" panose="020B0604020202020204" pitchFamily="34" charset="0"/>
-              <a:cs typeface="Arial" panose="020B0604020202020204" pitchFamily="34" charset="0"/>
-            </a:endParaRPr>
-          </a:p>
-          <a:p>
-            <a:endParaRPr lang="en-US" sz="1600" dirty="0">
-              <a:latin typeface="Arial" panose="020B0604020202020204" pitchFamily="34" charset="0"/>
-              <a:cs typeface="Arial" panose="020B0604020202020204" pitchFamily="34" charset="0"/>
-            </a:endParaRPr>
-          </a:p>
-          <a:p>
-            <a:r>
-              <a:rPr lang="en-US" sz="1600" dirty="0">
-                <a:latin typeface="Arial" panose="020B0604020202020204" pitchFamily="34" charset="0"/>
-                <a:cs typeface="Arial" panose="020B0604020202020204" pitchFamily="34" charset="0"/>
-              </a:rPr>
-              <a:t>Differs from Strauss because smaller density fluctuations and larger </a:t>
-            </a:r>
-            <a:r>
-              <a:rPr lang="en-US" sz="1600" dirty="0" err="1">
-                <a:latin typeface="Arial" panose="020B0604020202020204" pitchFamily="34" charset="0"/>
-                <a:cs typeface="Arial" panose="020B0604020202020204" pitchFamily="34" charset="0"/>
-              </a:rPr>
-              <a:t>B_para</a:t>
-            </a:r>
-            <a:r>
-              <a:rPr lang="en-US" sz="1600" dirty="0">
-                <a:latin typeface="Arial" panose="020B0604020202020204" pitchFamily="34" charset="0"/>
-                <a:cs typeface="Arial" panose="020B0604020202020204" pitchFamily="34" charset="0"/>
-              </a:rPr>
-              <a:t> fluctuations. </a:t>
-            </a:r>
-          </a:p>
-        </p:txBody>
-      </p:sp>
       <p:sp>
         <p:nvSpPr>
           <p:cNvPr id="13" name="Rectangle 12">
@@ -6160,7 +6498,7 @@
             <p:spPr>
               <a:xfrm>
                 <a:off x="18900775" y="9649163"/>
-                <a:ext cx="7429499" cy="1334917"/>
+                <a:ext cx="7429499" cy="3266279"/>
               </a:xfrm>
               <a:prstGeom prst="rect">
                 <a:avLst/>
@@ -6180,12 +6518,6 @@
                   </a:rPr>
                   <a:t>        The limit system in the high-</a:t>
                 </a:r>
-                <a:r>
-                  <a:rPr lang="en-US" sz="1600" b="0" dirty="0">
-                    <a:cs typeface="Arial" panose="020B0604020202020204" pitchFamily="34" charset="0"/>
-                  </a:rPr>
-                  <a:t> </a:t>
-                </a:r>
                 <a14:m>
                   <m:oMath xmlns:m="http://schemas.openxmlformats.org/officeDocument/2006/math">
                     <m:r>
@@ -6202,15 +6534,65 @@
                     <a:latin typeface="Arial" panose="020B0604020202020204" pitchFamily="34" charset="0"/>
                     <a:cs typeface="Arial" panose="020B0604020202020204" pitchFamily="34" charset="0"/>
                   </a:rPr>
-                  <a:t> regime is </a:t>
+                  <a:t> regime is functionally similar to the low-</a:t>
                 </a:r>
+                <a14:m>
+                  <m:oMath xmlns:m="http://schemas.openxmlformats.org/officeDocument/2006/math">
+                    <m:r>
+                      <a:rPr lang="en-US" sz="1600" i="1">
+                        <a:latin typeface="Cambria Math" panose="02040503050406030204" pitchFamily="18" charset="0"/>
+                        <a:cs typeface="Arial" panose="020B0604020202020204" pitchFamily="34" charset="0"/>
+                      </a:rPr>
+                      <m:t>𝛽</m:t>
+                    </m:r>
+                  </m:oMath>
+                </a14:m>
+                <a:r>
+                  <a:rPr lang="en-US" sz="1600" dirty="0">
+                    <a:latin typeface="Arial" panose="020B0604020202020204" pitchFamily="34" charset="0"/>
+                    <a:cs typeface="Arial" panose="020B0604020202020204" pitchFamily="34" charset="0"/>
+                  </a:rPr>
+                  <a:t> and low-flow regimes, and enjoys a reduction from 7 dimensions to 2 as </a:t>
+                </a:r>
+                <a14:m>
+                  <m:oMath xmlns:m="http://schemas.openxmlformats.org/officeDocument/2006/math">
+                    <m:r>
+                      <a:rPr lang="en-US" sz="1600" b="0" i="1" smtClean="0">
+                        <a:latin typeface="Cambria Math" panose="02040503050406030204" pitchFamily="18" charset="0"/>
+                        <a:cs typeface="Arial" panose="020B0604020202020204" pitchFamily="34" charset="0"/>
+                      </a:rPr>
+                      <m:t>𝜖</m:t>
+                    </m:r>
+                    <m:r>
+                      <a:rPr lang="en-US" sz="1600" b="0" i="1" smtClean="0">
+                        <a:latin typeface="Cambria Math" panose="02040503050406030204" pitchFamily="18" charset="0"/>
+                        <a:cs typeface="Arial" panose="020B0604020202020204" pitchFamily="34" charset="0"/>
+                      </a:rPr>
+                      <m:t>→0</m:t>
+                    </m:r>
+                  </m:oMath>
+                </a14:m>
+                <a:r>
+                  <a:rPr lang="en-US" sz="1600" b="0" dirty="0">
+                    <a:latin typeface="Cambria Math" panose="02040503050406030204" pitchFamily="18" charset="0"/>
+                    <a:cs typeface="Arial" panose="020B0604020202020204" pitchFamily="34" charset="0"/>
+                  </a:rPr>
+                  <a:t>:</a:t>
+                </a:r>
+                <a:endParaRPr lang="en-US" sz="1600" b="0" i="1" dirty="0">
+                  <a:latin typeface="Cambria Math" panose="02040503050406030204" pitchFamily="18" charset="0"/>
+                  <a:cs typeface="Arial" panose="020B0604020202020204" pitchFamily="34" charset="0"/>
+                </a:endParaRPr>
+              </a:p>
+              <a:p>
+                <a:pPr algn="ctr"/>
                 <a14:m>
                   <m:oMath xmlns:m="http://schemas.openxmlformats.org/officeDocument/2006/math">
                     <m:acc>
                       <m:accPr>
                         <m:chr m:val="̇"/>
                         <m:ctrlPr>
-                          <a:rPr lang="en-US" sz="1600" b="0" i="1" smtClean="0">
+                          <a:rPr lang="en-US" sz="2200" b="0" i="1" smtClean="0">
                             <a:latin typeface="Cambria Math" panose="02040503050406030204" pitchFamily="18" charset="0"/>
                             <a:cs typeface="Arial" panose="020B0604020202020204" pitchFamily="34" charset="0"/>
                           </a:rPr>
@@ -6218,7 +6600,7 @@
                       </m:accPr>
                       <m:e>
                         <m:r>
-                          <a:rPr lang="en-US" sz="1600" b="0" i="1" smtClean="0">
+                          <a:rPr lang="en-US" sz="2200" b="0" i="1" smtClean="0">
                             <a:latin typeface="Cambria Math" panose="02040503050406030204" pitchFamily="18" charset="0"/>
                             <a:cs typeface="Arial" panose="020B0604020202020204" pitchFamily="34" charset="0"/>
                           </a:rPr>
@@ -6227,7 +6609,7 @@
                       </m:e>
                     </m:acc>
                     <m:r>
-                      <a:rPr lang="en-US" sz="1600" b="0" i="1" dirty="0" smtClean="0">
+                      <a:rPr lang="en-US" sz="2200" b="0" i="1" dirty="0" smtClean="0">
                         <a:latin typeface="Cambria Math" panose="02040503050406030204" pitchFamily="18" charset="0"/>
                         <a:cs typeface="Arial" panose="020B0604020202020204" pitchFamily="34" charset="0"/>
                       </a:rPr>
@@ -6236,7 +6618,7 @@
                   </m:oMath>
                 </a14:m>
                 <a:r>
-                  <a:rPr lang="en-US" sz="1600" dirty="0">
+                  <a:rPr lang="en-US" sz="2200" dirty="0">
                     <a:latin typeface="Arial" panose="020B0604020202020204" pitchFamily="34" charset="0"/>
                     <a:cs typeface="Arial" panose="020B0604020202020204" pitchFamily="34" charset="0"/>
                   </a:rPr>
@@ -6248,7 +6630,7 @@
                       <m:accPr>
                         <m:chr m:val="̇"/>
                         <m:ctrlPr>
-                          <a:rPr lang="en-US" sz="1600" b="0" i="1" smtClean="0">
+                          <a:rPr lang="en-US" sz="2200" b="0" i="1" smtClean="0">
                             <a:latin typeface="Cambria Math" panose="02040503050406030204" pitchFamily="18" charset="0"/>
                             <a:cs typeface="Arial" panose="020B0604020202020204" pitchFamily="34" charset="0"/>
                           </a:rPr>
@@ -6256,7 +6638,7 @@
                       </m:accPr>
                       <m:e>
                         <m:r>
-                          <a:rPr lang="en-US" sz="1600" b="0" i="1" smtClean="0">
+                          <a:rPr lang="en-US" sz="2200" b="0" i="1" smtClean="0">
                             <a:latin typeface="Cambria Math" panose="02040503050406030204" pitchFamily="18" charset="0"/>
                             <a:cs typeface="Arial" panose="020B0604020202020204" pitchFamily="34" charset="0"/>
                           </a:rPr>
@@ -6265,26 +6647,215 @@
                       </m:e>
                     </m:acc>
                     <m:r>
-                      <a:rPr lang="en-US" sz="1600" b="0" i="1" dirty="0" smtClean="0">
+                      <a:rPr lang="en-US" sz="2200" b="0" i="1" dirty="0" smtClean="0">
                         <a:latin typeface="Cambria Math" panose="02040503050406030204" pitchFamily="18" charset="0"/>
                         <a:cs typeface="Arial" panose="020B0604020202020204" pitchFamily="34" charset="0"/>
                       </a:rPr>
                       <m:t>=</m:t>
                     </m:r>
+                    <m:sSub>
+                      <m:sSubPr>
+                        <m:ctrlPr>
+                          <a:rPr lang="en-US" sz="2200" b="0" i="1" dirty="0" smtClean="0">
+                            <a:latin typeface="Cambria Math" panose="02040503050406030204" pitchFamily="18" charset="0"/>
+                            <a:cs typeface="Arial" panose="020B0604020202020204" pitchFamily="34" charset="0"/>
+                          </a:rPr>
+                        </m:ctrlPr>
+                      </m:sSubPr>
+                      <m:e>
+                        <m:r>
+                          <a:rPr lang="en-US" sz="2200" b="0" i="1" dirty="0" smtClean="0">
+                            <a:latin typeface="Cambria Math" panose="02040503050406030204" pitchFamily="18" charset="0"/>
+                            <a:cs typeface="Arial" panose="020B0604020202020204" pitchFamily="34" charset="0"/>
+                          </a:rPr>
+                          <m:t>𝐻</m:t>
+                        </m:r>
+                      </m:e>
+                      <m:sub>
+                        <m:sSub>
+                          <m:sSubPr>
+                            <m:ctrlPr>
+                              <a:rPr lang="en-US" sz="2200" b="0" i="1" dirty="0" smtClean="0">
+                                <a:latin typeface="Cambria Math" panose="02040503050406030204" pitchFamily="18" charset="0"/>
+                                <a:cs typeface="Arial" panose="020B0604020202020204" pitchFamily="34" charset="0"/>
+                              </a:rPr>
+                            </m:ctrlPr>
+                          </m:sSubPr>
+                          <m:e>
+                            <m:r>
+                              <a:rPr lang="en-US" sz="2200" b="0" i="1" dirty="0" smtClean="0">
+                                <a:latin typeface="Cambria Math" panose="02040503050406030204" pitchFamily="18" charset="0"/>
+                                <a:cs typeface="Arial" panose="020B0604020202020204" pitchFamily="34" charset="0"/>
+                              </a:rPr>
+                              <m:t>𝛽</m:t>
+                            </m:r>
+                          </m:e>
+                          <m:sub>
+                            <m:r>
+                              <a:rPr lang="en-US" sz="2200" b="0" i="1" dirty="0" smtClean="0">
+                                <a:latin typeface="Cambria Math" panose="02040503050406030204" pitchFamily="18" charset="0"/>
+                                <a:cs typeface="Arial" panose="020B0604020202020204" pitchFamily="34" charset="0"/>
+                              </a:rPr>
+                              <m:t>∥</m:t>
+                            </m:r>
+                          </m:sub>
+                        </m:sSub>
+                      </m:sub>
+                    </m:sSub>
+                    <m:r>
+                      <a:rPr lang="en-US" sz="2200" b="0" i="1" dirty="0" smtClean="0">
+                        <a:latin typeface="Cambria Math" panose="02040503050406030204" pitchFamily="18" charset="0"/>
+                        <a:cs typeface="Arial" panose="020B0604020202020204" pitchFamily="34" charset="0"/>
+                      </a:rPr>
+                      <m:t>−</m:t>
+                    </m:r>
+                    <m:sSub>
+                      <m:sSubPr>
+                        <m:ctrlPr>
+                          <a:rPr lang="en-US" sz="2200" b="0" i="1" dirty="0" smtClean="0">
+                            <a:latin typeface="Cambria Math" panose="02040503050406030204" pitchFamily="18" charset="0"/>
+                            <a:cs typeface="Arial" panose="020B0604020202020204" pitchFamily="34" charset="0"/>
+                          </a:rPr>
+                        </m:ctrlPr>
+                      </m:sSubPr>
+                      <m:e>
+                        <m:r>
+                          <a:rPr lang="en-US" sz="2200" b="0" i="1" dirty="0" smtClean="0">
+                            <a:latin typeface="Cambria Math" panose="02040503050406030204" pitchFamily="18" charset="0"/>
+                            <a:cs typeface="Arial" panose="020B0604020202020204" pitchFamily="34" charset="0"/>
+                          </a:rPr>
+                          <m:t>𝛽</m:t>
+                        </m:r>
+                      </m:e>
+                      <m:sub>
+                        <m:r>
+                          <a:rPr lang="en-US" sz="2200" b="0" i="1" dirty="0" smtClean="0">
+                            <a:latin typeface="Cambria Math" panose="02040503050406030204" pitchFamily="18" charset="0"/>
+                            <a:cs typeface="Arial" panose="020B0604020202020204" pitchFamily="34" charset="0"/>
+                          </a:rPr>
+                          <m:t>∥</m:t>
+                        </m:r>
+                      </m:sub>
+                    </m:sSub>
                   </m:oMath>
                 </a14:m>
-                <a:endParaRPr lang="en-US" sz="1600" dirty="0">
-                  <a:latin typeface="Arial" panose="020B0604020202020204" pitchFamily="34" charset="0"/>
-                  <a:cs typeface="Arial" panose="020B0604020202020204" pitchFamily="34" charset="0"/>
-                </a:endParaRPr>
-              </a:p>
-              <a:p>
+                <a:r>
+                  <a:rPr lang="en-US" sz="2200" dirty="0">
+                    <a:latin typeface="Arial" panose="020B0604020202020204" pitchFamily="34" charset="0"/>
+                    <a:cs typeface="Arial" panose="020B0604020202020204" pitchFamily="34" charset="0"/>
+                  </a:rPr>
+                  <a:t>, </a:t>
+                </a:r>
                 <a:r>
                   <a:rPr lang="en-US" sz="1600" dirty="0">
                     <a:latin typeface="Arial" panose="020B0604020202020204" pitchFamily="34" charset="0"/>
                     <a:cs typeface="Arial" panose="020B0604020202020204" pitchFamily="34" charset="0"/>
                   </a:rPr>
-                  <a:t>Dimensional Reduction! </a:t>
+                  <a:t>and</a:t>
+                </a:r>
+                <a:r>
+                  <a:rPr lang="en-US" sz="2200" dirty="0">
+                    <a:latin typeface="Arial" panose="020B0604020202020204" pitchFamily="34" charset="0"/>
+                    <a:cs typeface="Arial" panose="020B0604020202020204" pitchFamily="34" charset="0"/>
+                  </a:rPr>
+                  <a:t> </a:t>
+                </a:r>
+                <a14:m>
+                  <m:oMath xmlns:m="http://schemas.openxmlformats.org/officeDocument/2006/math">
+                    <m:acc>
+                      <m:accPr>
+                        <m:chr m:val="̇"/>
+                        <m:ctrlPr>
+                          <a:rPr lang="en-US" sz="2200" i="1">
+                            <a:latin typeface="Cambria Math" panose="02040503050406030204" pitchFamily="18" charset="0"/>
+                            <a:cs typeface="Arial" panose="020B0604020202020204" pitchFamily="34" charset="0"/>
+                          </a:rPr>
+                        </m:ctrlPr>
+                      </m:accPr>
+                      <m:e>
+                        <m:sSub>
+                          <m:sSubPr>
+                            <m:ctrlPr>
+                              <a:rPr lang="en-US" sz="2200" b="0" i="1" smtClean="0">
+                                <a:latin typeface="Cambria Math" panose="02040503050406030204" pitchFamily="18" charset="0"/>
+                                <a:cs typeface="Arial" panose="020B0604020202020204" pitchFamily="34" charset="0"/>
+                              </a:rPr>
+                            </m:ctrlPr>
+                          </m:sSubPr>
+                          <m:e>
+                            <m:r>
+                              <a:rPr lang="en-US" sz="2200" b="0" i="1" smtClean="0">
+                                <a:latin typeface="Cambria Math" panose="02040503050406030204" pitchFamily="18" charset="0"/>
+                                <a:cs typeface="Arial" panose="020B0604020202020204" pitchFamily="34" charset="0"/>
+                              </a:rPr>
+                              <m:t>𝛽</m:t>
+                            </m:r>
+                          </m:e>
+                          <m:sub>
+                            <m:r>
+                              <a:rPr lang="en-US" sz="2200" b="0" i="1" smtClean="0">
+                                <a:latin typeface="Cambria Math" panose="02040503050406030204" pitchFamily="18" charset="0"/>
+                                <a:cs typeface="Arial" panose="020B0604020202020204" pitchFamily="34" charset="0"/>
+                              </a:rPr>
+                              <m:t>∥</m:t>
+                            </m:r>
+                          </m:sub>
+                        </m:sSub>
+                      </m:e>
+                    </m:acc>
+                    <m:r>
+                      <a:rPr lang="en-US" sz="2200" b="0" i="1" smtClean="0">
+                        <a:latin typeface="Cambria Math" panose="02040503050406030204" pitchFamily="18" charset="0"/>
+                        <a:cs typeface="Arial" panose="020B0604020202020204" pitchFamily="34" charset="0"/>
+                      </a:rPr>
+                      <m:t>=−</m:t>
+                    </m:r>
+                    <m:sSub>
+                      <m:sSubPr>
+                        <m:ctrlPr>
+                          <a:rPr lang="en-US" sz="2200" b="0" i="1" smtClean="0">
+                            <a:latin typeface="Cambria Math" panose="02040503050406030204" pitchFamily="18" charset="0"/>
+                            <a:cs typeface="Arial" panose="020B0604020202020204" pitchFamily="34" charset="0"/>
+                          </a:rPr>
+                        </m:ctrlPr>
+                      </m:sSubPr>
+                      <m:e>
+                        <m:r>
+                          <m:rPr>
+                            <m:sty m:val="p"/>
+                          </m:rPr>
+                          <a:rPr lang="en-US" sz="2200" b="0" i="0" smtClean="0">
+                            <a:latin typeface="Cambria Math" panose="02040503050406030204" pitchFamily="18" charset="0"/>
+                            <a:cs typeface="Arial" panose="020B0604020202020204" pitchFamily="34" charset="0"/>
+                          </a:rPr>
+                          <m:t>Δ</m:t>
+                        </m:r>
+                      </m:e>
+                      <m:sub>
+                        <m:r>
+                          <a:rPr lang="en-US" sz="2200" b="0" i="1" smtClean="0">
+                            <a:latin typeface="Cambria Math" panose="02040503050406030204" pitchFamily="18" charset="0"/>
+                            <a:cs typeface="Arial" panose="020B0604020202020204" pitchFamily="34" charset="0"/>
+                          </a:rPr>
+                          <m:t>⊥</m:t>
+                        </m:r>
+                      </m:sub>
+                    </m:sSub>
+                    <m:r>
+                      <a:rPr lang="en-US" sz="2200" b="0" i="1" smtClean="0">
+                        <a:latin typeface="Cambria Math" panose="02040503050406030204" pitchFamily="18" charset="0"/>
+                        <a:cs typeface="Arial" panose="020B0604020202020204" pitchFamily="34" charset="0"/>
+                      </a:rPr>
+                      <m:t>𝜙</m:t>
+                    </m:r>
+                  </m:oMath>
+                </a14:m>
+                <a:r>
+                  <a:rPr lang="en-US" sz="1600" dirty="0">
+                    <a:latin typeface="Arial" panose="020B0604020202020204" pitchFamily="34" charset="0"/>
+                    <a:cs typeface="Arial" panose="020B0604020202020204" pitchFamily="34" charset="0"/>
+                  </a:rPr>
+                  <a:t>, </a:t>
                 </a:r>
               </a:p>
               <a:p>
@@ -6293,7 +6864,106 @@
                     <a:latin typeface="Arial" panose="020B0604020202020204" pitchFamily="34" charset="0"/>
                     <a:cs typeface="Arial" panose="020B0604020202020204" pitchFamily="34" charset="0"/>
                   </a:rPr>
-                  <a:t> Similar in every scaling.</a:t>
+                  <a:t>where </a:t>
+                </a:r>
+                <a14:m>
+                  <m:oMath xmlns:m="http://schemas.openxmlformats.org/officeDocument/2006/math">
+                    <m:sSub>
+                      <m:sSubPr>
+                        <m:ctrlPr>
+                          <a:rPr lang="en-US" sz="1600" b="0" i="1" smtClean="0">
+                            <a:latin typeface="Cambria Math" panose="02040503050406030204" pitchFamily="18" charset="0"/>
+                            <a:cs typeface="Arial" panose="020B0604020202020204" pitchFamily="34" charset="0"/>
+                          </a:rPr>
+                        </m:ctrlPr>
+                      </m:sSubPr>
+                      <m:e>
+                        <m:r>
+                          <a:rPr lang="en-US" sz="1600" b="0" i="1" smtClean="0">
+                            <a:latin typeface="Cambria Math" panose="02040503050406030204" pitchFamily="18" charset="0"/>
+                            <a:cs typeface="Arial" panose="020B0604020202020204" pitchFamily="34" charset="0"/>
+                          </a:rPr>
+                          <m:t>𝐻</m:t>
+                        </m:r>
+                      </m:e>
+                      <m:sub>
+                        <m:sSub>
+                          <m:sSubPr>
+                            <m:ctrlPr>
+                              <a:rPr lang="en-US" sz="1600" b="0" i="1" smtClean="0">
+                                <a:latin typeface="Cambria Math" panose="02040503050406030204" pitchFamily="18" charset="0"/>
+                                <a:cs typeface="Arial" panose="020B0604020202020204" pitchFamily="34" charset="0"/>
+                              </a:rPr>
+                            </m:ctrlPr>
+                          </m:sSubPr>
+                          <m:e>
+                            <m:r>
+                              <a:rPr lang="en-US" sz="1600" b="0" i="1" smtClean="0">
+                                <a:latin typeface="Cambria Math" panose="02040503050406030204" pitchFamily="18" charset="0"/>
+                                <a:cs typeface="Arial" panose="020B0604020202020204" pitchFamily="34" charset="0"/>
+                              </a:rPr>
+                              <m:t>𝛽</m:t>
+                            </m:r>
+                          </m:e>
+                          <m:sub>
+                            <m:r>
+                              <a:rPr lang="en-US" sz="1600" b="0" i="1" smtClean="0">
+                                <a:latin typeface="Cambria Math" panose="02040503050406030204" pitchFamily="18" charset="0"/>
+                                <a:cs typeface="Arial" panose="020B0604020202020204" pitchFamily="34" charset="0"/>
+                              </a:rPr>
+                              <m:t>∥</m:t>
+                            </m:r>
+                          </m:sub>
+                        </m:sSub>
+                      </m:sub>
+                    </m:sSub>
+                  </m:oMath>
+                </a14:m>
+                <a:r>
+                  <a:rPr lang="en-US" sz="1600" dirty="0">
+                    <a:latin typeface="Arial" panose="020B0604020202020204" pitchFamily="34" charset="0"/>
+                    <a:cs typeface="Arial" panose="020B0604020202020204" pitchFamily="34" charset="0"/>
+                  </a:rPr>
+                  <a:t> represents some harmonic freedom resulting from the boundary conditions on </a:t>
+                </a:r>
+                <a14:m>
+                  <m:oMath xmlns:m="http://schemas.openxmlformats.org/officeDocument/2006/math">
+                    <m:sSub>
+                      <m:sSubPr>
+                        <m:ctrlPr>
+                          <a:rPr lang="en-US" sz="1600" b="0" i="1" smtClean="0">
+                            <a:latin typeface="Cambria Math" panose="02040503050406030204" pitchFamily="18" charset="0"/>
+                            <a:cs typeface="Arial" panose="020B0604020202020204" pitchFamily="34" charset="0"/>
+                          </a:rPr>
+                        </m:ctrlPr>
+                      </m:sSubPr>
+                      <m:e>
+                        <m:r>
+                          <a:rPr lang="en-US" sz="1600" i="1">
+                            <a:latin typeface="Cambria Math" panose="02040503050406030204" pitchFamily="18" charset="0"/>
+                            <a:cs typeface="Arial" panose="020B0604020202020204" pitchFamily="34" charset="0"/>
+                          </a:rPr>
+                          <m:t>𝛽</m:t>
+                        </m:r>
+                      </m:e>
+                      <m:sub>
+                        <m:r>
+                          <a:rPr lang="en-US" sz="1600" b="0" i="1" smtClean="0">
+                            <a:latin typeface="Cambria Math" panose="02040503050406030204" pitchFamily="18" charset="0"/>
+                            <a:cs typeface="Arial" panose="020B0604020202020204" pitchFamily="34" charset="0"/>
+                          </a:rPr>
+                          <m:t>∥</m:t>
+                        </m:r>
+                      </m:sub>
+                    </m:sSub>
+                  </m:oMath>
+                </a14:m>
+                <a:r>
+                  <a:rPr lang="en-US" sz="1600" dirty="0">
+                    <a:latin typeface="Arial" panose="020B0604020202020204" pitchFamily="34" charset="0"/>
+                    <a:cs typeface="Arial" panose="020B0604020202020204" pitchFamily="34" charset="0"/>
+                  </a:rPr>
+                  <a:t>. </a:t>
                 </a:r>
               </a:p>
               <a:p>
@@ -6302,578 +6972,7 @@
                     <a:latin typeface="Arial" panose="020B0604020202020204" pitchFamily="34" charset="0"/>
                     <a:cs typeface="Arial" panose="020B0604020202020204" pitchFamily="34" charset="0"/>
                   </a:rPr>
-                  <a:t>Boundary conditions result in harmonic freedom of solutions, so only weak fast slow.  </a:t>
-                </a:r>
-              </a:p>
-            </p:txBody>
-          </p:sp>
-        </mc:Choice>
-        <mc:Fallback>
-          <p:sp>
-            <p:nvSpPr>
-              <p:cNvPr id="41" name="TextBox 40">
-                <a:extLst>
-                  <a:ext uri="{FF2B5EF4-FFF2-40B4-BE49-F238E27FC236}">
-                    <a16:creationId xmlns:a16="http://schemas.microsoft.com/office/drawing/2014/main" id="{49FA2317-B03D-DE05-0ABB-DF348BDE5B81}"/>
-                  </a:ext>
-                </a:extLst>
-              </p:cNvPr>
-              <p:cNvSpPr txBox="1">
-                <a:spLocks noRot="1" noChangeAspect="1" noMove="1" noResize="1" noEditPoints="1" noAdjustHandles="1" noChangeArrowheads="1" noChangeShapeType="1" noTextEdit="1"/>
-              </p:cNvSpPr>
-              <p:nvPr/>
-            </p:nvSpPr>
-            <p:spPr>
-              <a:xfrm>
-                <a:off x="18900775" y="9649163"/>
-                <a:ext cx="7429499" cy="1334917"/>
-              </a:xfrm>
-              <a:prstGeom prst="rect">
-                <a:avLst/>
-              </a:prstGeom>
-              <a:blipFill>
-                <a:blip r:embed="rId6"/>
-                <a:stretch>
-                  <a:fillRect l="-493" t="-913" b="-5023"/>
-                </a:stretch>
-              </a:blipFill>
-            </p:spPr>
-            <p:txBody>
-              <a:bodyPr/>
-              <a:lstStyle/>
-              <a:p>
-                <a:r>
-                  <a:rPr lang="en-US">
-                    <a:noFill/>
-                  </a:rPr>
-                  <a:t> </a:t>
-                </a:r>
-              </a:p>
-            </p:txBody>
-          </p:sp>
-        </mc:Fallback>
-      </mc:AlternateContent>
-      <p:sp>
-        <p:nvSpPr>
-          <p:cNvPr id="42" name="TextBox 41">
-            <a:extLst>
-              <a:ext uri="{FF2B5EF4-FFF2-40B4-BE49-F238E27FC236}">
-                <a16:creationId xmlns:a16="http://schemas.microsoft.com/office/drawing/2014/main" id="{12E4EEEF-3082-DAE0-C73C-B6FC46D2482F}"/>
-              </a:ext>
-            </a:extLst>
-          </p:cNvPr>
-          <p:cNvSpPr txBox="1"/>
-          <p:nvPr/>
-        </p:nvSpPr>
-        <p:spPr>
-          <a:xfrm>
-            <a:off x="18900775" y="11124274"/>
-            <a:ext cx="7429500" cy="1323439"/>
-          </a:xfrm>
-          <a:prstGeom prst="rect">
-            <a:avLst/>
-          </a:prstGeom>
-          <a:noFill/>
-        </p:spPr>
-        <p:txBody>
-          <a:bodyPr wrap="square" rtlCol="0">
-            <a:spAutoFit/>
-          </a:bodyPr>
-          <a:lstStyle/>
-          <a:p>
-            <a:r>
-              <a:rPr lang="en-US" sz="1600" dirty="0">
-                <a:latin typeface="Arial" panose="020B0604020202020204" pitchFamily="34" charset="0"/>
-                <a:cs typeface="Arial" panose="020B0604020202020204" pitchFamily="34" charset="0"/>
-              </a:rPr>
-              <a:t>        Work to be done </a:t>
-            </a:r>
-          </a:p>
-          <a:p>
-            <a:r>
-              <a:rPr lang="en-US" sz="1600" dirty="0">
-                <a:latin typeface="Arial" panose="020B0604020202020204" pitchFamily="34" charset="0"/>
-                <a:cs typeface="Arial" panose="020B0604020202020204" pitchFamily="34" charset="0"/>
-              </a:rPr>
-              <a:t>Future: Will get perturbative solution. </a:t>
-            </a:r>
-          </a:p>
-          <a:p>
-            <a:endParaRPr lang="en-US" sz="1600" dirty="0">
-              <a:latin typeface="Arial" panose="020B0604020202020204" pitchFamily="34" charset="0"/>
-              <a:cs typeface="Arial" panose="020B0604020202020204" pitchFamily="34" charset="0"/>
-            </a:endParaRPr>
-          </a:p>
-          <a:p>
-            <a:r>
-              <a:rPr lang="en-US" sz="1600" dirty="0">
-                <a:latin typeface="Arial" panose="020B0604020202020204" pitchFamily="34" charset="0"/>
-                <a:cs typeface="Arial" panose="020B0604020202020204" pitchFamily="34" charset="0"/>
-              </a:rPr>
-              <a:t>Geometric connections. </a:t>
-            </a:r>
-          </a:p>
-          <a:p>
-            <a:r>
-              <a:rPr lang="en-US" sz="1600" dirty="0">
-                <a:latin typeface="Arial" panose="020B0604020202020204" pitchFamily="34" charset="0"/>
-                <a:cs typeface="Arial" panose="020B0604020202020204" pitchFamily="34" charset="0"/>
-              </a:rPr>
-              <a:t>Ultimately applicable to stellarators. </a:t>
-            </a:r>
-          </a:p>
-        </p:txBody>
-      </p:sp>
-      <p:pic>
-        <p:nvPicPr>
-          <p:cNvPr id="55" name="Picture 54">
-            <a:extLst>
-              <a:ext uri="{FF2B5EF4-FFF2-40B4-BE49-F238E27FC236}">
-                <a16:creationId xmlns:a16="http://schemas.microsoft.com/office/drawing/2014/main" id="{5D352562-AA31-C579-CA29-DD8F0AFC06ED}"/>
-              </a:ext>
-            </a:extLst>
-          </p:cNvPr>
-          <p:cNvPicPr>
-            <a:picLocks noChangeAspect="1"/>
-          </p:cNvPicPr>
-          <p:nvPr/>
-        </p:nvPicPr>
-        <p:blipFill>
-          <a:blip r:embed="rId7"/>
-          <a:stretch>
-            <a:fillRect/>
-          </a:stretch>
-        </p:blipFill>
-        <p:spPr>
-          <a:xfrm>
-            <a:off x="12658812" y="9999827"/>
-            <a:ext cx="2120478" cy="1688529"/>
-          </a:xfrm>
-          <a:prstGeom prst="rect">
-            <a:avLst/>
-          </a:prstGeom>
-        </p:spPr>
-      </p:pic>
-      <p:sp>
-        <p:nvSpPr>
-          <p:cNvPr id="62" name="Rectangle 61">
-            <a:extLst>
-              <a:ext uri="{FF2B5EF4-FFF2-40B4-BE49-F238E27FC236}">
-                <a16:creationId xmlns:a16="http://schemas.microsoft.com/office/drawing/2014/main" id="{5C72FB28-0CE4-1C1B-AF30-D210AE1CA751}"/>
-              </a:ext>
-            </a:extLst>
-          </p:cNvPr>
-          <p:cNvSpPr/>
-          <p:nvPr/>
-        </p:nvSpPr>
-        <p:spPr>
-          <a:xfrm>
-            <a:off x="9632951" y="12231350"/>
-            <a:ext cx="8164512" cy="677102"/>
-          </a:xfrm>
-          <a:prstGeom prst="rect">
-            <a:avLst/>
-          </a:prstGeom>
-          <a:solidFill>
-            <a:srgbClr val="BF5700"/>
-          </a:solidFill>
-          <a:ln w="101600">
-            <a:noFill/>
-          </a:ln>
-        </p:spPr>
-        <p:style>
-          <a:lnRef idx="2">
-            <a:schemeClr val="accent1">
-              <a:shade val="50000"/>
-            </a:schemeClr>
-          </a:lnRef>
-          <a:fillRef idx="1">
-            <a:schemeClr val="accent1"/>
-          </a:fillRef>
-          <a:effectRef idx="0">
-            <a:schemeClr val="accent1"/>
-          </a:effectRef>
-          <a:fontRef idx="minor">
-            <a:schemeClr val="lt1"/>
-          </a:fontRef>
-        </p:style>
-        <p:txBody>
-          <a:bodyPr rtlCol="0" anchor="ctr"/>
-          <a:lstStyle/>
-          <a:p>
-            <a:pPr algn="ctr"/>
-            <a:r>
-              <a:rPr lang="en-US" sz="3000" b="1" dirty="0">
-                <a:latin typeface="Arial" panose="020B0604020202020204" pitchFamily="34" charset="0"/>
-                <a:cs typeface="Arial" panose="020B0604020202020204" pitchFamily="34" charset="0"/>
-              </a:rPr>
-              <a:t>Finding Fast-Slow Coordinates</a:t>
-            </a:r>
-            <a:endParaRPr lang="en-US" sz="3000" dirty="0">
-              <a:latin typeface="Arial" panose="020B0604020202020204" pitchFamily="34" charset="0"/>
-              <a:cs typeface="Arial" panose="020B0604020202020204" pitchFamily="34" charset="0"/>
-            </a:endParaRPr>
-          </a:p>
-        </p:txBody>
-      </p:sp>
-      <p:sp>
-        <p:nvSpPr>
-          <p:cNvPr id="1031" name="Rectangle 1030">
-            <a:extLst>
-              <a:ext uri="{FF2B5EF4-FFF2-40B4-BE49-F238E27FC236}">
-                <a16:creationId xmlns:a16="http://schemas.microsoft.com/office/drawing/2014/main" id="{C6E61E3E-AF32-84E4-1583-FA9EA56BABB0}"/>
-              </a:ext>
-            </a:extLst>
-          </p:cNvPr>
-          <p:cNvSpPr/>
-          <p:nvPr/>
-        </p:nvSpPr>
-        <p:spPr>
-          <a:xfrm>
-            <a:off x="737271" y="10690232"/>
-            <a:ext cx="8164512" cy="677102"/>
-          </a:xfrm>
-          <a:prstGeom prst="rect">
-            <a:avLst/>
-          </a:prstGeom>
-          <a:solidFill>
-            <a:srgbClr val="BF5700"/>
-          </a:solidFill>
-          <a:ln w="101600">
-            <a:noFill/>
-          </a:ln>
-        </p:spPr>
-        <p:style>
-          <a:lnRef idx="2">
-            <a:schemeClr val="accent1">
-              <a:shade val="50000"/>
-            </a:schemeClr>
-          </a:lnRef>
-          <a:fillRef idx="1">
-            <a:schemeClr val="accent1"/>
-          </a:fillRef>
-          <a:effectRef idx="0">
-            <a:schemeClr val="accent1"/>
-          </a:effectRef>
-          <a:fontRef idx="minor">
-            <a:schemeClr val="lt1"/>
-          </a:fontRef>
-        </p:style>
-        <p:txBody>
-          <a:bodyPr rtlCol="0" anchor="ctr"/>
-          <a:lstStyle/>
-          <a:p>
-            <a:pPr algn="ctr"/>
-            <a:r>
-              <a:rPr lang="en-US" sz="3000" b="1" dirty="0">
-                <a:latin typeface="Arial" panose="020B0604020202020204" pitchFamily="34" charset="0"/>
-                <a:cs typeface="Arial" panose="020B0604020202020204" pitchFamily="34" charset="0"/>
-              </a:rPr>
-              <a:t>Slow Manifold Reduction</a:t>
-            </a:r>
-            <a:endParaRPr lang="en-US" sz="3000" dirty="0">
-              <a:latin typeface="Arial" panose="020B0604020202020204" pitchFamily="34" charset="0"/>
-              <a:cs typeface="Arial" panose="020B0604020202020204" pitchFamily="34" charset="0"/>
-            </a:endParaRPr>
-          </a:p>
-        </p:txBody>
-      </p:sp>
-      <mc:AlternateContent xmlns:mc="http://schemas.openxmlformats.org/markup-compatibility/2006">
-        <mc:Choice xmlns:a14="http://schemas.microsoft.com/office/drawing/2010/main" Requires="a14">
-          <p:sp>
-            <p:nvSpPr>
-              <p:cNvPr id="1032" name="TextBox 1031">
-                <a:extLst>
-                  <a:ext uri="{FF2B5EF4-FFF2-40B4-BE49-F238E27FC236}">
-                    <a16:creationId xmlns:a16="http://schemas.microsoft.com/office/drawing/2014/main" id="{130D41CD-6962-4191-F661-5AF52041C0BA}"/>
-                  </a:ext>
-                </a:extLst>
-              </p:cNvPr>
-              <p:cNvSpPr txBox="1"/>
-              <p:nvPr/>
-            </p:nvSpPr>
-            <p:spPr>
-              <a:xfrm>
-                <a:off x="1103984" y="11591725"/>
-                <a:ext cx="7429499" cy="5980483"/>
-              </a:xfrm>
-              <a:prstGeom prst="rect">
-                <a:avLst/>
-              </a:prstGeom>
-              <a:noFill/>
-            </p:spPr>
-            <p:txBody>
-              <a:bodyPr wrap="square" rtlCol="0">
-                <a:spAutoFit/>
-              </a:bodyPr>
-              <a:lstStyle/>
-              <a:p>
-                <a:r>
-                  <a:rPr lang="en-US" sz="1600" dirty="0">
-                    <a:latin typeface="Arial" panose="020B0604020202020204" pitchFamily="34" charset="0"/>
-                    <a:cs typeface="Arial" panose="020B0604020202020204" pitchFamily="34" charset="0"/>
-                  </a:rPr>
-                  <a:t>        Fast-slow systems theory is a formal mathematical approach to analyzing multi-scale systems. A dynamical system with some ordering given by </a:t>
-                </a:r>
-                <a14:m>
-                  <m:oMath xmlns:m="http://schemas.openxmlformats.org/officeDocument/2006/math">
-                    <m:r>
-                      <a:rPr lang="en-US" sz="1600" b="0" i="1" smtClean="0">
-                        <a:latin typeface="Cambria Math" panose="02040503050406030204" pitchFamily="18" charset="0"/>
-                        <a:cs typeface="Arial" panose="020B0604020202020204" pitchFamily="34" charset="0"/>
-                      </a:rPr>
-                      <m:t>𝜖</m:t>
-                    </m:r>
-                  </m:oMath>
-                </a14:m>
-                <a:endParaRPr lang="en-US" sz="1600" dirty="0">
-                  <a:latin typeface="Arial" panose="020B0604020202020204" pitchFamily="34" charset="0"/>
-                  <a:cs typeface="Arial" panose="020B0604020202020204" pitchFamily="34" charset="0"/>
-                </a:endParaRPr>
-              </a:p>
-              <a:p>
-                <a14:m>
-                  <m:oMathPara xmlns:m="http://schemas.openxmlformats.org/officeDocument/2006/math">
-                    <m:oMathParaPr>
-                      <m:jc m:val="centerGroup"/>
-                    </m:oMathParaPr>
-                    <m:oMath xmlns:m="http://schemas.openxmlformats.org/officeDocument/2006/math">
-                      <m:acc>
-                        <m:accPr>
-                          <m:chr m:val="̇"/>
-                          <m:ctrlPr>
-                            <a:rPr lang="en-US" sz="1600" b="0" i="1" smtClean="0">
-                              <a:latin typeface="Cambria Math" panose="02040503050406030204" pitchFamily="18" charset="0"/>
-                              <a:cs typeface="Arial" panose="020B0604020202020204" pitchFamily="34" charset="0"/>
-                            </a:rPr>
-                          </m:ctrlPr>
-                        </m:accPr>
-                        <m:e>
-                          <m:r>
-                            <a:rPr lang="en-US" sz="1600" b="0" i="1" smtClean="0">
-                              <a:latin typeface="Cambria Math" panose="02040503050406030204" pitchFamily="18" charset="0"/>
-                              <a:cs typeface="Arial" panose="020B0604020202020204" pitchFamily="34" charset="0"/>
-                            </a:rPr>
-                            <m:t>𝑦</m:t>
-                          </m:r>
-                        </m:e>
-                      </m:acc>
-                      <m:r>
-                        <a:rPr lang="en-US" sz="1600" b="0" i="1" dirty="0" smtClean="0">
-                          <a:latin typeface="Cambria Math" panose="02040503050406030204" pitchFamily="18" charset="0"/>
-                          <a:cs typeface="Arial" panose="020B0604020202020204" pitchFamily="34" charset="0"/>
-                        </a:rPr>
-                        <m:t>=</m:t>
-                      </m:r>
-                      <m:sSub>
-                        <m:sSubPr>
-                          <m:ctrlPr>
-                            <a:rPr lang="en-US" sz="1600" b="0" i="1" dirty="0" smtClean="0">
-                              <a:latin typeface="Cambria Math" panose="02040503050406030204" pitchFamily="18" charset="0"/>
-                              <a:cs typeface="Arial" panose="020B0604020202020204" pitchFamily="34" charset="0"/>
-                            </a:rPr>
-                          </m:ctrlPr>
-                        </m:sSubPr>
-                        <m:e>
-                          <m:r>
-                            <a:rPr lang="en-US" sz="1600" b="0" i="1" dirty="0" smtClean="0">
-                              <a:latin typeface="Cambria Math" panose="02040503050406030204" pitchFamily="18" charset="0"/>
-                              <a:cs typeface="Arial" panose="020B0604020202020204" pitchFamily="34" charset="0"/>
-                            </a:rPr>
-                            <m:t>𝑓</m:t>
-                          </m:r>
-                        </m:e>
-                        <m:sub>
-                          <m:r>
-                            <a:rPr lang="en-US" sz="1600" b="0" i="1" dirty="0" smtClean="0">
-                              <a:latin typeface="Cambria Math" panose="02040503050406030204" pitchFamily="18" charset="0"/>
-                              <a:cs typeface="Arial" panose="020B0604020202020204" pitchFamily="34" charset="0"/>
-                            </a:rPr>
-                            <m:t>𝜖</m:t>
-                          </m:r>
-                        </m:sub>
-                      </m:sSub>
-                      <m:r>
-                        <a:rPr lang="en-US" sz="1600" b="0" i="1" dirty="0" smtClean="0">
-                          <a:latin typeface="Cambria Math" panose="02040503050406030204" pitchFamily="18" charset="0"/>
-                          <a:cs typeface="Arial" panose="020B0604020202020204" pitchFamily="34" charset="0"/>
-                        </a:rPr>
-                        <m:t>(</m:t>
-                      </m:r>
-                      <m:r>
-                        <a:rPr lang="en-US" sz="1600" b="0" i="1" dirty="0" smtClean="0">
-                          <a:latin typeface="Cambria Math" panose="02040503050406030204" pitchFamily="18" charset="0"/>
-                          <a:cs typeface="Arial" panose="020B0604020202020204" pitchFamily="34" charset="0"/>
-                        </a:rPr>
-                        <m:t>𝑥</m:t>
-                      </m:r>
-                      <m:r>
-                        <a:rPr lang="en-US" sz="1600" b="0" i="1" dirty="0" smtClean="0">
-                          <a:latin typeface="Cambria Math" panose="02040503050406030204" pitchFamily="18" charset="0"/>
-                          <a:cs typeface="Arial" panose="020B0604020202020204" pitchFamily="34" charset="0"/>
-                        </a:rPr>
-                        <m:t>,</m:t>
-                      </m:r>
-                      <m:r>
-                        <a:rPr lang="en-US" sz="1600" b="0" i="1" dirty="0" smtClean="0">
-                          <a:latin typeface="Cambria Math" panose="02040503050406030204" pitchFamily="18" charset="0"/>
-                          <a:cs typeface="Arial" panose="020B0604020202020204" pitchFamily="34" charset="0"/>
-                        </a:rPr>
-                        <m:t>𝑦</m:t>
-                      </m:r>
-                      <m:r>
-                        <a:rPr lang="en-US" sz="1600" b="0" i="1" dirty="0" smtClean="0">
-                          <a:latin typeface="Cambria Math" panose="02040503050406030204" pitchFamily="18" charset="0"/>
-                          <a:cs typeface="Arial" panose="020B0604020202020204" pitchFamily="34" charset="0"/>
-                        </a:rPr>
-                        <m:t>)</m:t>
-                      </m:r>
-                    </m:oMath>
-                  </m:oMathPara>
-                </a14:m>
-                <a:endParaRPr lang="en-US" sz="1600" dirty="0">
-                  <a:latin typeface="Arial" panose="020B0604020202020204" pitchFamily="34" charset="0"/>
-                  <a:cs typeface="Arial" panose="020B0604020202020204" pitchFamily="34" charset="0"/>
-                </a:endParaRPr>
-              </a:p>
-              <a:p>
-                <a14:m>
-                  <m:oMathPara xmlns:m="http://schemas.openxmlformats.org/officeDocument/2006/math">
-                    <m:oMathParaPr>
-                      <m:jc m:val="centerGroup"/>
-                    </m:oMathParaPr>
-                    <m:oMath xmlns:m="http://schemas.openxmlformats.org/officeDocument/2006/math">
-                      <m:acc>
-                        <m:accPr>
-                          <m:chr m:val="̇"/>
-                          <m:ctrlPr>
-                            <a:rPr lang="en-US" sz="1600" b="0" i="1" smtClean="0">
-                              <a:latin typeface="Cambria Math" panose="02040503050406030204" pitchFamily="18" charset="0"/>
-                              <a:cs typeface="Arial" panose="020B0604020202020204" pitchFamily="34" charset="0"/>
-                            </a:rPr>
-                          </m:ctrlPr>
-                        </m:accPr>
-                        <m:e>
-                          <m:r>
-                            <a:rPr lang="en-US" sz="1600" b="0" i="1" smtClean="0">
-                              <a:latin typeface="Cambria Math" panose="02040503050406030204" pitchFamily="18" charset="0"/>
-                              <a:cs typeface="Arial" panose="020B0604020202020204" pitchFamily="34" charset="0"/>
-                            </a:rPr>
-                            <m:t>𝑥</m:t>
-                          </m:r>
-                        </m:e>
-                      </m:acc>
-                      <m:r>
-                        <a:rPr lang="en-US" sz="1600" b="0" i="1" dirty="0" smtClean="0">
-                          <a:latin typeface="Cambria Math" panose="02040503050406030204" pitchFamily="18" charset="0"/>
-                          <a:cs typeface="Arial" panose="020B0604020202020204" pitchFamily="34" charset="0"/>
-                        </a:rPr>
-                        <m:t>=</m:t>
-                      </m:r>
-                      <m:r>
-                        <a:rPr lang="en-US" sz="1600" b="0" i="1" dirty="0" smtClean="0">
-                          <a:latin typeface="Cambria Math" panose="02040503050406030204" pitchFamily="18" charset="0"/>
-                          <a:cs typeface="Arial" panose="020B0604020202020204" pitchFamily="34" charset="0"/>
-                        </a:rPr>
-                        <m:t>𝜖</m:t>
-                      </m:r>
-                      <m:sSub>
-                        <m:sSubPr>
-                          <m:ctrlPr>
-                            <a:rPr lang="en-US" sz="1600" b="0" i="1" dirty="0" smtClean="0">
-                              <a:latin typeface="Cambria Math" panose="02040503050406030204" pitchFamily="18" charset="0"/>
-                              <a:cs typeface="Arial" panose="020B0604020202020204" pitchFamily="34" charset="0"/>
-                            </a:rPr>
-                          </m:ctrlPr>
-                        </m:sSubPr>
-                        <m:e>
-                          <m:r>
-                            <a:rPr lang="en-US" sz="1600" b="0" i="1" dirty="0" smtClean="0">
-                              <a:latin typeface="Cambria Math" panose="02040503050406030204" pitchFamily="18" charset="0"/>
-                              <a:cs typeface="Arial" panose="020B0604020202020204" pitchFamily="34" charset="0"/>
-                            </a:rPr>
-                            <m:t>𝑔</m:t>
-                          </m:r>
-                        </m:e>
-                        <m:sub>
-                          <m:r>
-                            <a:rPr lang="en-US" sz="1600" b="0" i="1" dirty="0" smtClean="0">
-                              <a:latin typeface="Cambria Math" panose="02040503050406030204" pitchFamily="18" charset="0"/>
-                              <a:cs typeface="Arial" panose="020B0604020202020204" pitchFamily="34" charset="0"/>
-                            </a:rPr>
-                            <m:t>𝜖</m:t>
-                          </m:r>
-                        </m:sub>
-                      </m:sSub>
-                      <m:d>
-                        <m:dPr>
-                          <m:ctrlPr>
-                            <a:rPr lang="en-US" sz="1600" b="0" i="1" dirty="0" smtClean="0">
-                              <a:latin typeface="Cambria Math" panose="02040503050406030204" pitchFamily="18" charset="0"/>
-                              <a:cs typeface="Arial" panose="020B0604020202020204" pitchFamily="34" charset="0"/>
-                            </a:rPr>
-                          </m:ctrlPr>
-                        </m:dPr>
-                        <m:e>
-                          <m:r>
-                            <a:rPr lang="en-US" sz="1600" b="0" i="1" dirty="0" smtClean="0">
-                              <a:latin typeface="Cambria Math" panose="02040503050406030204" pitchFamily="18" charset="0"/>
-                              <a:cs typeface="Arial" panose="020B0604020202020204" pitchFamily="34" charset="0"/>
-                            </a:rPr>
-                            <m:t>𝑥</m:t>
-                          </m:r>
-                          <m:r>
-                            <a:rPr lang="en-US" sz="1600" b="0" i="1" dirty="0" smtClean="0">
-                              <a:latin typeface="Cambria Math" panose="02040503050406030204" pitchFamily="18" charset="0"/>
-                              <a:cs typeface="Arial" panose="020B0604020202020204" pitchFamily="34" charset="0"/>
-                            </a:rPr>
-                            <m:t>,</m:t>
-                          </m:r>
-                          <m:r>
-                            <a:rPr lang="en-US" sz="1600" b="0" i="1" dirty="0" smtClean="0">
-                              <a:latin typeface="Cambria Math" panose="02040503050406030204" pitchFamily="18" charset="0"/>
-                              <a:cs typeface="Arial" panose="020B0604020202020204" pitchFamily="34" charset="0"/>
-                            </a:rPr>
-                            <m:t>𝑦</m:t>
-                          </m:r>
-                        </m:e>
-                      </m:d>
-                      <m:r>
-                        <a:rPr lang="en-US" sz="1600" b="0" i="1" dirty="0" smtClean="0">
-                          <a:latin typeface="Cambria Math" panose="02040503050406030204" pitchFamily="18" charset="0"/>
-                          <a:cs typeface="Arial" panose="020B0604020202020204" pitchFamily="34" charset="0"/>
-                        </a:rPr>
-                        <m:t>,</m:t>
-                      </m:r>
-                    </m:oMath>
-                  </m:oMathPara>
-                </a14:m>
-                <a:endParaRPr lang="en-US" sz="1600" dirty="0">
-                  <a:latin typeface="Arial" panose="020B0604020202020204" pitchFamily="34" charset="0"/>
-                  <a:cs typeface="Arial" panose="020B0604020202020204" pitchFamily="34" charset="0"/>
-                </a:endParaRPr>
-              </a:p>
-              <a:p>
-                <a:r>
-                  <a:rPr lang="en-US" sz="1600" dirty="0">
-                    <a:latin typeface="Arial" panose="020B0604020202020204" pitchFamily="34" charset="0"/>
-                    <a:cs typeface="Arial" panose="020B0604020202020204" pitchFamily="34" charset="0"/>
-                  </a:rPr>
-                  <a:t>is called </a:t>
-                </a:r>
-                <a:r>
-                  <a:rPr lang="en-US" sz="1600" i="1" dirty="0">
-                    <a:latin typeface="Arial" panose="020B0604020202020204" pitchFamily="34" charset="0"/>
-                    <a:cs typeface="Arial" panose="020B0604020202020204" pitchFamily="34" charset="0"/>
-                  </a:rPr>
-                  <a:t>fast-slow</a:t>
-                </a:r>
-                <a:r>
-                  <a:rPr lang="en-US" sz="1600" dirty="0">
-                    <a:latin typeface="Arial" panose="020B0604020202020204" pitchFamily="34" charset="0"/>
-                    <a:cs typeface="Arial" panose="020B0604020202020204" pitchFamily="34" charset="0"/>
-                  </a:rPr>
-                  <a:t> if </a:t>
+                  <a:t>        This freedom makes it so that </a:t>
                 </a:r>
                 <a14:m>
                   <m:oMath xmlns:m="http://schemas.openxmlformats.org/officeDocument/2006/math">
@@ -6966,33 +7065,74 @@
                         </m:r>
                       </m:e>
                     </m:d>
+                  </m:oMath>
+                </a14:m>
+                <a:r>
+                  <a:rPr lang="en-US" sz="1600" dirty="0">
+                    <a:latin typeface="Arial" panose="020B0604020202020204" pitchFamily="34" charset="0"/>
+                    <a:cs typeface="Arial" panose="020B0604020202020204" pitchFamily="34" charset="0"/>
+                  </a:rPr>
+                  <a:t> is actually only a surjection, rather than being fully invertible, making the system only weakly fast-slow. However, as will be shown in a coming paper, this is still sufficient to solve for a family of fast variable trajectories and construct a perturbative solution </a:t>
+                </a:r>
+                <a14:m>
+                  <m:oMath xmlns:m="http://schemas.openxmlformats.org/officeDocument/2006/math">
+                    <m:sSubSup>
+                      <m:sSubSupPr>
+                        <m:ctrlPr>
+                          <a:rPr lang="en-US" sz="1600" b="0" i="1" smtClean="0">
+                            <a:latin typeface="Cambria Math" panose="02040503050406030204" pitchFamily="18" charset="0"/>
+                            <a:cs typeface="Arial" panose="020B0604020202020204" pitchFamily="34" charset="0"/>
+                          </a:rPr>
+                        </m:ctrlPr>
+                      </m:sSubSupPr>
+                      <m:e>
+                        <m:r>
+                          <a:rPr lang="en-US" sz="1600" b="0" i="1" smtClean="0">
+                            <a:latin typeface="Cambria Math" panose="02040503050406030204" pitchFamily="18" charset="0"/>
+                            <a:cs typeface="Arial" panose="020B0604020202020204" pitchFamily="34" charset="0"/>
+                          </a:rPr>
+                          <m:t>𝑦</m:t>
+                        </m:r>
+                      </m:e>
+                      <m:sub>
+                        <m:r>
+                          <a:rPr lang="en-US" sz="1600" b="0" i="1" smtClean="0">
+                            <a:latin typeface="Cambria Math" panose="02040503050406030204" pitchFamily="18" charset="0"/>
+                            <a:cs typeface="Arial" panose="020B0604020202020204" pitchFamily="34" charset="0"/>
+                          </a:rPr>
+                          <m:t>𝜖</m:t>
+                        </m:r>
+                      </m:sub>
+                      <m:sup>
+                        <m:r>
+                          <a:rPr lang="en-US" sz="1600" b="0" i="1" smtClean="0">
+                            <a:latin typeface="Cambria Math" panose="02040503050406030204" pitchFamily="18" charset="0"/>
+                            <a:cs typeface="Arial" panose="020B0604020202020204" pitchFamily="34" charset="0"/>
+                          </a:rPr>
+                          <m:t>∗</m:t>
+                        </m:r>
+                      </m:sup>
+                    </m:sSubSup>
                     <m:r>
                       <a:rPr lang="en-US" sz="1600" b="0" i="1" smtClean="0">
                         <a:latin typeface="Cambria Math" panose="02040503050406030204" pitchFamily="18" charset="0"/>
                         <a:cs typeface="Arial" panose="020B0604020202020204" pitchFamily="34" charset="0"/>
                       </a:rPr>
-                      <m:t>:</m:t>
+                      <m:t>(</m:t>
                     </m:r>
                     <m:r>
                       <a:rPr lang="en-US" sz="1600" b="0" i="1" smtClean="0">
                         <a:latin typeface="Cambria Math" panose="02040503050406030204" pitchFamily="18" charset="0"/>
                         <a:cs typeface="Arial" panose="020B0604020202020204" pitchFamily="34" charset="0"/>
                       </a:rPr>
-                      <m:t>𝑌</m:t>
+                      <m:t>𝑥</m:t>
                     </m:r>
                     <m:r>
                       <a:rPr lang="en-US" sz="1600" b="0" i="1" smtClean="0">
                         <a:latin typeface="Cambria Math" panose="02040503050406030204" pitchFamily="18" charset="0"/>
                         <a:cs typeface="Arial" panose="020B0604020202020204" pitchFamily="34" charset="0"/>
                       </a:rPr>
-                      <m:t>→</m:t>
-                    </m:r>
-                    <m:r>
-                      <a:rPr lang="en-US" sz="1600" b="0" i="1" smtClean="0">
-                        <a:latin typeface="Cambria Math" panose="02040503050406030204" pitchFamily="18" charset="0"/>
-                        <a:cs typeface="Arial" panose="020B0604020202020204" pitchFamily="34" charset="0"/>
-                      </a:rPr>
-                      <m:t>𝑌</m:t>
+                      <m:t>)</m:t>
                     </m:r>
                   </m:oMath>
                 </a14:m>
@@ -7001,14 +7141,532 @@
                     <a:latin typeface="Arial" panose="020B0604020202020204" pitchFamily="34" charset="0"/>
                     <a:cs typeface="Arial" panose="020B0604020202020204" pitchFamily="34" charset="0"/>
                   </a:rPr>
-                  <a:t> is invertible whenever </a:t>
+                  <a:t>. </a:t>
                 </a:r>
+              </a:p>
+              <a:p>
+                <a:r>
+                  <a:rPr lang="en-US" sz="1600" dirty="0">
+                    <a:latin typeface="Arial" panose="020B0604020202020204" pitchFamily="34" charset="0"/>
+                    <a:cs typeface="Arial" panose="020B0604020202020204" pitchFamily="34" charset="0"/>
+                  </a:rPr>
+                  <a:t>        In the future, our collaborators will extend this work to focus on its connections to Hamiltonian and symplectic geometry, and thereby apply the reduction process to stellarators. </a:t>
+                </a:r>
+              </a:p>
+            </p:txBody>
+          </p:sp>
+        </mc:Choice>
+        <mc:Fallback>
+          <p:sp>
+            <p:nvSpPr>
+              <p:cNvPr id="41" name="TextBox 40">
+                <a:extLst>
+                  <a:ext uri="{FF2B5EF4-FFF2-40B4-BE49-F238E27FC236}">
+                    <a16:creationId xmlns:a16="http://schemas.microsoft.com/office/drawing/2014/main" id="{49FA2317-B03D-DE05-0ABB-DF348BDE5B81}"/>
+                  </a:ext>
+                </a:extLst>
+              </p:cNvPr>
+              <p:cNvSpPr txBox="1">
+                <a:spLocks noRot="1" noChangeAspect="1" noMove="1" noResize="1" noEditPoints="1" noAdjustHandles="1" noChangeArrowheads="1" noChangeShapeType="1" noTextEdit="1"/>
+              </p:cNvSpPr>
+              <p:nvPr/>
+            </p:nvSpPr>
+            <p:spPr>
+              <a:xfrm>
+                <a:off x="18900775" y="9649163"/>
+                <a:ext cx="7429499" cy="3266279"/>
+              </a:xfrm>
+              <a:prstGeom prst="rect">
+                <a:avLst/>
+              </a:prstGeom>
+              <a:blipFill>
+                <a:blip r:embed="rId6"/>
+                <a:stretch>
+                  <a:fillRect l="-493" t="-560" r="-985" b="-1493"/>
+                </a:stretch>
+              </a:blipFill>
+            </p:spPr>
+            <p:txBody>
+              <a:bodyPr/>
+              <a:lstStyle/>
+              <a:p>
+                <a:r>
+                  <a:rPr lang="en-US">
+                    <a:noFill/>
+                  </a:rPr>
+                  <a:t> </a:t>
+                </a:r>
+              </a:p>
+            </p:txBody>
+          </p:sp>
+        </mc:Fallback>
+      </mc:AlternateContent>
+      <p:pic>
+        <p:nvPicPr>
+          <p:cNvPr id="55" name="Picture 54">
+            <a:extLst>
+              <a:ext uri="{FF2B5EF4-FFF2-40B4-BE49-F238E27FC236}">
+                <a16:creationId xmlns:a16="http://schemas.microsoft.com/office/drawing/2014/main" id="{5D352562-AA31-C579-CA29-DD8F0AFC06ED}"/>
+              </a:ext>
+            </a:extLst>
+          </p:cNvPr>
+          <p:cNvPicPr>
+            <a:picLocks noChangeAspect="1"/>
+          </p:cNvPicPr>
+          <p:nvPr/>
+        </p:nvPicPr>
+        <p:blipFill>
+          <a:blip r:embed="rId7"/>
+          <a:stretch>
+            <a:fillRect/>
+          </a:stretch>
+        </p:blipFill>
+        <p:spPr>
+          <a:xfrm>
+            <a:off x="15251604" y="9076083"/>
+            <a:ext cx="2120478" cy="1688529"/>
+          </a:xfrm>
+          <a:prstGeom prst="rect">
+            <a:avLst/>
+          </a:prstGeom>
+        </p:spPr>
+      </p:pic>
+      <p:sp>
+        <p:nvSpPr>
+          <p:cNvPr id="62" name="Rectangle 61">
+            <a:extLst>
+              <a:ext uri="{FF2B5EF4-FFF2-40B4-BE49-F238E27FC236}">
+                <a16:creationId xmlns:a16="http://schemas.microsoft.com/office/drawing/2014/main" id="{5C72FB28-0CE4-1C1B-AF30-D210AE1CA751}"/>
+              </a:ext>
+            </a:extLst>
+          </p:cNvPr>
+          <p:cNvSpPr/>
+          <p:nvPr/>
+        </p:nvSpPr>
+        <p:spPr>
+          <a:xfrm>
+            <a:off x="9632951" y="12231350"/>
+            <a:ext cx="8164512" cy="677102"/>
+          </a:xfrm>
+          <a:prstGeom prst="rect">
+            <a:avLst/>
+          </a:prstGeom>
+          <a:solidFill>
+            <a:srgbClr val="BF5700"/>
+          </a:solidFill>
+          <a:ln w="101600">
+            <a:noFill/>
+          </a:ln>
+        </p:spPr>
+        <p:style>
+          <a:lnRef idx="2">
+            <a:schemeClr val="accent1">
+              <a:shade val="50000"/>
+            </a:schemeClr>
+          </a:lnRef>
+          <a:fillRef idx="1">
+            <a:schemeClr val="accent1"/>
+          </a:fillRef>
+          <a:effectRef idx="0">
+            <a:schemeClr val="accent1"/>
+          </a:effectRef>
+          <a:fontRef idx="minor">
+            <a:schemeClr val="lt1"/>
+          </a:fontRef>
+        </p:style>
+        <p:txBody>
+          <a:bodyPr rtlCol="0" anchor="ctr"/>
+          <a:lstStyle/>
+          <a:p>
+            <a:pPr algn="ctr"/>
+            <a:r>
+              <a:rPr lang="en-US" sz="3000" b="1" dirty="0">
+                <a:latin typeface="Arial" panose="020B0604020202020204" pitchFamily="34" charset="0"/>
+                <a:cs typeface="Arial" panose="020B0604020202020204" pitchFamily="34" charset="0"/>
+              </a:rPr>
+              <a:t>Finding Fast-Slow Coordinates</a:t>
+            </a:r>
+            <a:endParaRPr lang="en-US" sz="3000" dirty="0">
+              <a:latin typeface="Arial" panose="020B0604020202020204" pitchFamily="34" charset="0"/>
+              <a:cs typeface="Arial" panose="020B0604020202020204" pitchFamily="34" charset="0"/>
+            </a:endParaRPr>
+          </a:p>
+        </p:txBody>
+      </p:sp>
+      <p:sp>
+        <p:nvSpPr>
+          <p:cNvPr id="1031" name="Rectangle 1030">
+            <a:extLst>
+              <a:ext uri="{FF2B5EF4-FFF2-40B4-BE49-F238E27FC236}">
+                <a16:creationId xmlns:a16="http://schemas.microsoft.com/office/drawing/2014/main" id="{C6E61E3E-AF32-84E4-1583-FA9EA56BABB0}"/>
+              </a:ext>
+            </a:extLst>
+          </p:cNvPr>
+          <p:cNvSpPr/>
+          <p:nvPr/>
+        </p:nvSpPr>
+        <p:spPr>
+          <a:xfrm>
+            <a:off x="737271" y="10690232"/>
+            <a:ext cx="8164512" cy="677102"/>
+          </a:xfrm>
+          <a:prstGeom prst="rect">
+            <a:avLst/>
+          </a:prstGeom>
+          <a:solidFill>
+            <a:srgbClr val="BF5700"/>
+          </a:solidFill>
+          <a:ln w="101600">
+            <a:noFill/>
+          </a:ln>
+        </p:spPr>
+        <p:style>
+          <a:lnRef idx="2">
+            <a:schemeClr val="accent1">
+              <a:shade val="50000"/>
+            </a:schemeClr>
+          </a:lnRef>
+          <a:fillRef idx="1">
+            <a:schemeClr val="accent1"/>
+          </a:fillRef>
+          <a:effectRef idx="0">
+            <a:schemeClr val="accent1"/>
+          </a:effectRef>
+          <a:fontRef idx="minor">
+            <a:schemeClr val="lt1"/>
+          </a:fontRef>
+        </p:style>
+        <p:txBody>
+          <a:bodyPr rtlCol="0" anchor="ctr"/>
+          <a:lstStyle/>
+          <a:p>
+            <a:pPr algn="ctr"/>
+            <a:r>
+              <a:rPr lang="en-US" sz="3000" b="1" dirty="0">
+                <a:latin typeface="Arial" panose="020B0604020202020204" pitchFamily="34" charset="0"/>
+                <a:cs typeface="Arial" panose="020B0604020202020204" pitchFamily="34" charset="0"/>
+              </a:rPr>
+              <a:t>Slow Manifold Reduction</a:t>
+            </a:r>
+            <a:endParaRPr lang="en-US" sz="3000" dirty="0">
+              <a:latin typeface="Arial" panose="020B0604020202020204" pitchFamily="34" charset="0"/>
+              <a:cs typeface="Arial" panose="020B0604020202020204" pitchFamily="34" charset="0"/>
+            </a:endParaRPr>
+          </a:p>
+        </p:txBody>
+      </p:sp>
+      <mc:AlternateContent xmlns:mc="http://schemas.openxmlformats.org/markup-compatibility/2006">
+        <mc:Choice xmlns:a14="http://schemas.microsoft.com/office/drawing/2010/main" Requires="a14">
+          <p:sp>
+            <p:nvSpPr>
+              <p:cNvPr id="1032" name="TextBox 1031">
+                <a:extLst>
+                  <a:ext uri="{FF2B5EF4-FFF2-40B4-BE49-F238E27FC236}">
+                    <a16:creationId xmlns:a16="http://schemas.microsoft.com/office/drawing/2014/main" id="{130D41CD-6962-4191-F661-5AF52041C0BA}"/>
+                  </a:ext>
+                </a:extLst>
+              </p:cNvPr>
+              <p:cNvSpPr txBox="1"/>
+              <p:nvPr/>
+            </p:nvSpPr>
+            <p:spPr>
+              <a:xfrm>
+                <a:off x="1103984" y="11591725"/>
+                <a:ext cx="7429499" cy="7052700"/>
+              </a:xfrm>
+              <a:prstGeom prst="rect">
+                <a:avLst/>
+              </a:prstGeom>
+              <a:noFill/>
+            </p:spPr>
+            <p:txBody>
+              <a:bodyPr wrap="square" rtlCol="0">
+                <a:spAutoFit/>
+              </a:bodyPr>
+              <a:lstStyle/>
+              <a:p>
+                <a:r>
+                  <a:rPr lang="en-US" sz="1600" dirty="0">
+                    <a:latin typeface="Arial" panose="020B0604020202020204" pitchFamily="34" charset="0"/>
+                    <a:cs typeface="Arial" panose="020B0604020202020204" pitchFamily="34" charset="0"/>
+                  </a:rPr>
+                  <a:t>        Fast-slow systems theory is a formal mathematical approach to analyzing multi-scale systems. A dynamical system with some ordering given by </a:t>
+                </a:r>
+                <a14:m>
+                  <m:oMath xmlns:m="http://schemas.openxmlformats.org/officeDocument/2006/math">
+                    <m:r>
+                      <a:rPr lang="en-US" sz="1600" b="0" i="1" smtClean="0">
+                        <a:latin typeface="Cambria Math" panose="02040503050406030204" pitchFamily="18" charset="0"/>
+                        <a:cs typeface="Arial" panose="020B0604020202020204" pitchFamily="34" charset="0"/>
+                      </a:rPr>
+                      <m:t>𝜖</m:t>
+                    </m:r>
+                  </m:oMath>
+                </a14:m>
+                <a:endParaRPr lang="en-US" sz="1600" dirty="0">
+                  <a:latin typeface="Arial" panose="020B0604020202020204" pitchFamily="34" charset="0"/>
+                  <a:cs typeface="Arial" panose="020B0604020202020204" pitchFamily="34" charset="0"/>
+                </a:endParaRPr>
+              </a:p>
+              <a:p>
+                <a:pPr/>
+                <a14:m>
+                  <m:oMathPara xmlns:m="http://schemas.openxmlformats.org/officeDocument/2006/math">
+                    <m:oMathParaPr>
+                      <m:jc m:val="centerGroup"/>
+                    </m:oMathParaPr>
+                    <m:oMath xmlns:m="http://schemas.openxmlformats.org/officeDocument/2006/math">
+                      <m:acc>
+                        <m:accPr>
+                          <m:chr m:val="̇"/>
+                          <m:ctrlPr>
+                            <a:rPr lang="en-US" sz="2000" b="0" i="1" smtClean="0">
+                              <a:latin typeface="Cambria Math" panose="02040503050406030204" pitchFamily="18" charset="0"/>
+                              <a:cs typeface="Arial" panose="020B0604020202020204" pitchFamily="34" charset="0"/>
+                            </a:rPr>
+                          </m:ctrlPr>
+                        </m:accPr>
+                        <m:e>
+                          <m:r>
+                            <a:rPr lang="en-US" sz="2000" b="0" i="1" smtClean="0">
+                              <a:latin typeface="Cambria Math" panose="02040503050406030204" pitchFamily="18" charset="0"/>
+                              <a:cs typeface="Arial" panose="020B0604020202020204" pitchFamily="34" charset="0"/>
+                            </a:rPr>
+                            <m:t>𝑦</m:t>
+                          </m:r>
+                        </m:e>
+                      </m:acc>
+                      <m:r>
+                        <a:rPr lang="en-US" sz="2000" b="0" i="1" dirty="0" smtClean="0">
+                          <a:latin typeface="Cambria Math" panose="02040503050406030204" pitchFamily="18" charset="0"/>
+                          <a:cs typeface="Arial" panose="020B0604020202020204" pitchFamily="34" charset="0"/>
+                        </a:rPr>
+                        <m:t>=</m:t>
+                      </m:r>
+                      <m:sSub>
+                        <m:sSubPr>
+                          <m:ctrlPr>
+                            <a:rPr lang="en-US" sz="2000" b="0" i="1" dirty="0" smtClean="0">
+                              <a:latin typeface="Cambria Math" panose="02040503050406030204" pitchFamily="18" charset="0"/>
+                              <a:cs typeface="Arial" panose="020B0604020202020204" pitchFamily="34" charset="0"/>
+                            </a:rPr>
+                          </m:ctrlPr>
+                        </m:sSubPr>
+                        <m:e>
+                          <m:r>
+                            <a:rPr lang="en-US" sz="2000" b="0" i="1" dirty="0" smtClean="0">
+                              <a:latin typeface="Cambria Math" panose="02040503050406030204" pitchFamily="18" charset="0"/>
+                              <a:cs typeface="Arial" panose="020B0604020202020204" pitchFamily="34" charset="0"/>
+                            </a:rPr>
+                            <m:t>𝑓</m:t>
+                          </m:r>
+                        </m:e>
+                        <m:sub>
+                          <m:r>
+                            <a:rPr lang="en-US" sz="2000" b="0" i="1" dirty="0" smtClean="0">
+                              <a:latin typeface="Cambria Math" panose="02040503050406030204" pitchFamily="18" charset="0"/>
+                              <a:cs typeface="Arial" panose="020B0604020202020204" pitchFamily="34" charset="0"/>
+                            </a:rPr>
+                            <m:t>𝜖</m:t>
+                          </m:r>
+                        </m:sub>
+                      </m:sSub>
+                      <m:r>
+                        <a:rPr lang="en-US" sz="2000" b="0" i="1" dirty="0" smtClean="0">
+                          <a:latin typeface="Cambria Math" panose="02040503050406030204" pitchFamily="18" charset="0"/>
+                          <a:cs typeface="Arial" panose="020B0604020202020204" pitchFamily="34" charset="0"/>
+                        </a:rPr>
+                        <m:t>(</m:t>
+                      </m:r>
+                      <m:r>
+                        <a:rPr lang="en-US" sz="2000" b="0" i="1" dirty="0" smtClean="0">
+                          <a:latin typeface="Cambria Math" panose="02040503050406030204" pitchFamily="18" charset="0"/>
+                          <a:cs typeface="Arial" panose="020B0604020202020204" pitchFamily="34" charset="0"/>
+                        </a:rPr>
+                        <m:t>𝑥</m:t>
+                      </m:r>
+                      <m:r>
+                        <a:rPr lang="en-US" sz="2000" b="0" i="1" dirty="0" smtClean="0">
+                          <a:latin typeface="Cambria Math" panose="02040503050406030204" pitchFamily="18" charset="0"/>
+                          <a:cs typeface="Arial" panose="020B0604020202020204" pitchFamily="34" charset="0"/>
+                        </a:rPr>
+                        <m:t>,</m:t>
+                      </m:r>
+                      <m:r>
+                        <a:rPr lang="en-US" sz="2000" b="0" i="1" dirty="0" smtClean="0">
+                          <a:latin typeface="Cambria Math" panose="02040503050406030204" pitchFamily="18" charset="0"/>
+                          <a:cs typeface="Arial" panose="020B0604020202020204" pitchFamily="34" charset="0"/>
+                        </a:rPr>
+                        <m:t>𝑦</m:t>
+                      </m:r>
+                      <m:r>
+                        <a:rPr lang="en-US" sz="2000" b="0" i="1" dirty="0" smtClean="0">
+                          <a:latin typeface="Cambria Math" panose="02040503050406030204" pitchFamily="18" charset="0"/>
+                          <a:cs typeface="Arial" panose="020B0604020202020204" pitchFamily="34" charset="0"/>
+                        </a:rPr>
+                        <m:t>)</m:t>
+                      </m:r>
+                    </m:oMath>
+                  </m:oMathPara>
+                </a14:m>
+                <a:endParaRPr lang="en-US" sz="2000" dirty="0">
+                  <a:latin typeface="Arial" panose="020B0604020202020204" pitchFamily="34" charset="0"/>
+                  <a:cs typeface="Arial" panose="020B0604020202020204" pitchFamily="34" charset="0"/>
+                </a:endParaRPr>
+              </a:p>
+              <a:p>
+                <a:pPr/>
+                <a14:m>
+                  <m:oMathPara xmlns:m="http://schemas.openxmlformats.org/officeDocument/2006/math">
+                    <m:oMathParaPr>
+                      <m:jc m:val="centerGroup"/>
+                    </m:oMathParaPr>
+                    <m:oMath xmlns:m="http://schemas.openxmlformats.org/officeDocument/2006/math">
+                      <m:acc>
+                        <m:accPr>
+                          <m:chr m:val="̇"/>
+                          <m:ctrlPr>
+                            <a:rPr lang="en-US" sz="2000" b="0" i="1" smtClean="0">
+                              <a:latin typeface="Cambria Math" panose="02040503050406030204" pitchFamily="18" charset="0"/>
+                              <a:cs typeface="Arial" panose="020B0604020202020204" pitchFamily="34" charset="0"/>
+                            </a:rPr>
+                          </m:ctrlPr>
+                        </m:accPr>
+                        <m:e>
+                          <m:r>
+                            <a:rPr lang="en-US" sz="2000" b="0" i="1" smtClean="0">
+                              <a:latin typeface="Cambria Math" panose="02040503050406030204" pitchFamily="18" charset="0"/>
+                              <a:cs typeface="Arial" panose="020B0604020202020204" pitchFamily="34" charset="0"/>
+                            </a:rPr>
+                            <m:t>𝑥</m:t>
+                          </m:r>
+                        </m:e>
+                      </m:acc>
+                      <m:r>
+                        <a:rPr lang="en-US" sz="2000" b="0" i="1" dirty="0" smtClean="0">
+                          <a:latin typeface="Cambria Math" panose="02040503050406030204" pitchFamily="18" charset="0"/>
+                          <a:cs typeface="Arial" panose="020B0604020202020204" pitchFamily="34" charset="0"/>
+                        </a:rPr>
+                        <m:t>=</m:t>
+                      </m:r>
+                      <m:r>
+                        <a:rPr lang="en-US" sz="2000" b="0" i="1" dirty="0" smtClean="0">
+                          <a:latin typeface="Cambria Math" panose="02040503050406030204" pitchFamily="18" charset="0"/>
+                          <a:cs typeface="Arial" panose="020B0604020202020204" pitchFamily="34" charset="0"/>
+                        </a:rPr>
+                        <m:t>𝜖</m:t>
+                      </m:r>
+                      <m:sSub>
+                        <m:sSubPr>
+                          <m:ctrlPr>
+                            <a:rPr lang="en-US" sz="2000" b="0" i="1" dirty="0" smtClean="0">
+                              <a:latin typeface="Cambria Math" panose="02040503050406030204" pitchFamily="18" charset="0"/>
+                              <a:cs typeface="Arial" panose="020B0604020202020204" pitchFamily="34" charset="0"/>
+                            </a:rPr>
+                          </m:ctrlPr>
+                        </m:sSubPr>
+                        <m:e>
+                          <m:r>
+                            <a:rPr lang="en-US" sz="2000" b="0" i="1" dirty="0" smtClean="0">
+                              <a:latin typeface="Cambria Math" panose="02040503050406030204" pitchFamily="18" charset="0"/>
+                              <a:cs typeface="Arial" panose="020B0604020202020204" pitchFamily="34" charset="0"/>
+                            </a:rPr>
+                            <m:t>𝑔</m:t>
+                          </m:r>
+                        </m:e>
+                        <m:sub>
+                          <m:r>
+                            <a:rPr lang="en-US" sz="2000" b="0" i="1" dirty="0" smtClean="0">
+                              <a:latin typeface="Cambria Math" panose="02040503050406030204" pitchFamily="18" charset="0"/>
+                              <a:cs typeface="Arial" panose="020B0604020202020204" pitchFamily="34" charset="0"/>
+                            </a:rPr>
+                            <m:t>𝜖</m:t>
+                          </m:r>
+                        </m:sub>
+                      </m:sSub>
+                      <m:d>
+                        <m:dPr>
+                          <m:ctrlPr>
+                            <a:rPr lang="en-US" sz="2000" b="0" i="1" dirty="0" smtClean="0">
+                              <a:latin typeface="Cambria Math" panose="02040503050406030204" pitchFamily="18" charset="0"/>
+                              <a:cs typeface="Arial" panose="020B0604020202020204" pitchFamily="34" charset="0"/>
+                            </a:rPr>
+                          </m:ctrlPr>
+                        </m:dPr>
+                        <m:e>
+                          <m:r>
+                            <a:rPr lang="en-US" sz="2000" b="0" i="1" dirty="0" smtClean="0">
+                              <a:latin typeface="Cambria Math" panose="02040503050406030204" pitchFamily="18" charset="0"/>
+                              <a:cs typeface="Arial" panose="020B0604020202020204" pitchFamily="34" charset="0"/>
+                            </a:rPr>
+                            <m:t>𝑥</m:t>
+                          </m:r>
+                          <m:r>
+                            <a:rPr lang="en-US" sz="2000" b="0" i="1" dirty="0" smtClean="0">
+                              <a:latin typeface="Cambria Math" panose="02040503050406030204" pitchFamily="18" charset="0"/>
+                              <a:cs typeface="Arial" panose="020B0604020202020204" pitchFamily="34" charset="0"/>
+                            </a:rPr>
+                            <m:t>,</m:t>
+                          </m:r>
+                          <m:r>
+                            <a:rPr lang="en-US" sz="2000" b="0" i="1" dirty="0" smtClean="0">
+                              <a:latin typeface="Cambria Math" panose="02040503050406030204" pitchFamily="18" charset="0"/>
+                              <a:cs typeface="Arial" panose="020B0604020202020204" pitchFamily="34" charset="0"/>
+                            </a:rPr>
+                            <m:t>𝑦</m:t>
+                          </m:r>
+                        </m:e>
+                      </m:d>
+                      <m:r>
+                        <a:rPr lang="en-US" sz="2000" b="0" i="1" dirty="0" smtClean="0">
+                          <a:latin typeface="Cambria Math" panose="02040503050406030204" pitchFamily="18" charset="0"/>
+                          <a:cs typeface="Arial" panose="020B0604020202020204" pitchFamily="34" charset="0"/>
+                        </a:rPr>
+                        <m:t>,</m:t>
+                      </m:r>
+                    </m:oMath>
+                  </m:oMathPara>
+                </a14:m>
+                <a:endParaRPr lang="en-US" sz="2000" dirty="0">
+                  <a:latin typeface="Arial" panose="020B0604020202020204" pitchFamily="34" charset="0"/>
+                  <a:cs typeface="Arial" panose="020B0604020202020204" pitchFamily="34" charset="0"/>
+                </a:endParaRPr>
+              </a:p>
+              <a:p>
+                <a:r>
+                  <a:rPr lang="en-US" sz="1600" dirty="0">
+                    <a:latin typeface="Arial" panose="020B0604020202020204" pitchFamily="34" charset="0"/>
+                    <a:cs typeface="Arial" panose="020B0604020202020204" pitchFamily="34" charset="0"/>
+                  </a:rPr>
+                  <a:t>is called </a:t>
+                </a:r>
+                <a:r>
+                  <a:rPr lang="en-US" sz="1600" i="1" dirty="0">
+                    <a:latin typeface="Arial" panose="020B0604020202020204" pitchFamily="34" charset="0"/>
+                    <a:cs typeface="Arial" panose="020B0604020202020204" pitchFamily="34" charset="0"/>
+                  </a:rPr>
+                  <a:t>fast-slow</a:t>
+                </a:r>
+                <a:r>
+                  <a:rPr lang="en-US" sz="1600" dirty="0">
+                    <a:latin typeface="Arial" panose="020B0604020202020204" pitchFamily="34" charset="0"/>
+                    <a:cs typeface="Arial" panose="020B0604020202020204" pitchFamily="34" charset="0"/>
+                  </a:rPr>
+                  <a:t> if </a:t>
+                </a:r>
+                <a:endParaRPr lang="en-US" sz="1600" b="0" i="1" dirty="0">
+                  <a:latin typeface="Cambria Math" panose="02040503050406030204" pitchFamily="18" charset="0"/>
+                  <a:cs typeface="Arial" panose="020B0604020202020204" pitchFamily="34" charset="0"/>
+                </a:endParaRPr>
+              </a:p>
+              <a:p>
+                <a:pPr algn="ctr"/>
                 <a14:m>
                   <m:oMath xmlns:m="http://schemas.openxmlformats.org/officeDocument/2006/math">
                     <m:sSub>
                       <m:sSubPr>
                         <m:ctrlPr>
-                          <a:rPr lang="en-US" sz="1600" b="0" i="1" smtClean="0">
+                          <a:rPr lang="en-US" sz="2000" b="0" i="1" smtClean="0">
                             <a:latin typeface="Cambria Math" panose="02040503050406030204" pitchFamily="18" charset="0"/>
                             <a:cs typeface="Arial" panose="020B0604020202020204" pitchFamily="34" charset="0"/>
                           </a:rPr>
@@ -7016,7 +7674,35 @@
                       </m:sSubPr>
                       <m:e>
                         <m:r>
-                          <a:rPr lang="en-US" sz="1600" b="0" i="1" smtClean="0">
+                          <a:rPr lang="en-US" sz="2000" b="0" i="1" smtClean="0">
+                            <a:latin typeface="Cambria Math" panose="02040503050406030204" pitchFamily="18" charset="0"/>
+                            <a:cs typeface="Arial" panose="020B0604020202020204" pitchFamily="34" charset="0"/>
+                          </a:rPr>
+                          <m:t>𝐷</m:t>
+                        </m:r>
+                      </m:e>
+                      <m:sub>
+                        <m:r>
+                          <a:rPr lang="en-US" sz="2000" b="0" i="1" smtClean="0">
+                            <a:latin typeface="Cambria Math" panose="02040503050406030204" pitchFamily="18" charset="0"/>
+                            <a:cs typeface="Arial" panose="020B0604020202020204" pitchFamily="34" charset="0"/>
+                          </a:rPr>
+                          <m:t>𝑦</m:t>
+                        </m:r>
+                      </m:sub>
+                    </m:sSub>
+                    <m:sSub>
+                      <m:sSubPr>
+                        <m:ctrlPr>
+                          <a:rPr lang="en-US" sz="2000" b="0" i="1" smtClean="0">
+                            <a:latin typeface="Cambria Math" panose="02040503050406030204" pitchFamily="18" charset="0"/>
+                            <a:cs typeface="Arial" panose="020B0604020202020204" pitchFamily="34" charset="0"/>
+                          </a:rPr>
+                        </m:ctrlPr>
+                      </m:sSubPr>
+                      <m:e>
+                        <m:r>
+                          <a:rPr lang="en-US" sz="2000" b="0" i="1" smtClean="0">
                             <a:latin typeface="Cambria Math" panose="02040503050406030204" pitchFamily="18" charset="0"/>
                             <a:cs typeface="Arial" panose="020B0604020202020204" pitchFamily="34" charset="0"/>
                           </a:rPr>
@@ -7025,7 +7711,7 @@
                       </m:e>
                       <m:sub>
                         <m:r>
-                          <a:rPr lang="en-US" sz="1600" b="0" i="1" smtClean="0">
+                          <a:rPr lang="en-US" sz="2000" b="0" i="1" smtClean="0">
                             <a:latin typeface="Cambria Math" panose="02040503050406030204" pitchFamily="18" charset="0"/>
                             <a:cs typeface="Arial" panose="020B0604020202020204" pitchFamily="34" charset="0"/>
                           </a:rPr>
@@ -7036,7 +7722,7 @@
                     <m:d>
                       <m:dPr>
                         <m:ctrlPr>
-                          <a:rPr lang="en-US" sz="1600" b="0" i="1" smtClean="0">
+                          <a:rPr lang="en-US" sz="2000" b="0" i="1" smtClean="0">
                             <a:latin typeface="Cambria Math" panose="02040503050406030204" pitchFamily="18" charset="0"/>
                             <a:cs typeface="Arial" panose="020B0604020202020204" pitchFamily="34" charset="0"/>
                           </a:rPr>
@@ -7044,21 +7730,21 @@
                       </m:dPr>
                       <m:e>
                         <m:r>
-                          <a:rPr lang="en-US" sz="1600" b="0" i="1" smtClean="0">
+                          <a:rPr lang="en-US" sz="2000" b="0" i="1" smtClean="0">
                             <a:latin typeface="Cambria Math" panose="02040503050406030204" pitchFamily="18" charset="0"/>
                             <a:cs typeface="Arial" panose="020B0604020202020204" pitchFamily="34" charset="0"/>
                           </a:rPr>
                           <m:t>𝑥</m:t>
                         </m:r>
                         <m:r>
-                          <a:rPr lang="en-US" sz="1600" b="0" i="1" smtClean="0">
+                          <a:rPr lang="en-US" sz="2000" b="0" i="1" smtClean="0">
                             <a:latin typeface="Cambria Math" panose="02040503050406030204" pitchFamily="18" charset="0"/>
                             <a:cs typeface="Arial" panose="020B0604020202020204" pitchFamily="34" charset="0"/>
                           </a:rPr>
                           <m:t>,</m:t>
                         </m:r>
                         <m:r>
-                          <a:rPr lang="en-US" sz="1600" b="0" i="1" smtClean="0">
+                          <a:rPr lang="en-US" sz="2000" b="0" i="1" smtClean="0">
                             <a:latin typeface="Cambria Math" panose="02040503050406030204" pitchFamily="18" charset="0"/>
                             <a:cs typeface="Arial" panose="020B0604020202020204" pitchFamily="34" charset="0"/>
                           </a:rPr>
@@ -7067,7 +7753,114 @@
                       </m:e>
                     </m:d>
                     <m:r>
-                      <a:rPr lang="en-US" sz="1600" b="0" i="1" smtClean="0">
+                      <a:rPr lang="en-US" sz="2000" b="0" i="1" smtClean="0">
+                        <a:latin typeface="Cambria Math" panose="02040503050406030204" pitchFamily="18" charset="0"/>
+                        <a:cs typeface="Arial" panose="020B0604020202020204" pitchFamily="34" charset="0"/>
+                      </a:rPr>
+                      <m:t>:</m:t>
+                    </m:r>
+                    <m:r>
+                      <a:rPr lang="en-US" sz="2000" b="0" i="1" smtClean="0">
+                        <a:latin typeface="Cambria Math" panose="02040503050406030204" pitchFamily="18" charset="0"/>
+                        <a:cs typeface="Arial" panose="020B0604020202020204" pitchFamily="34" charset="0"/>
+                      </a:rPr>
+                      <m:t>𝑌</m:t>
+                    </m:r>
+                    <m:r>
+                      <a:rPr lang="en-US" sz="2000" b="0" i="1" smtClean="0">
+                        <a:latin typeface="Cambria Math" panose="02040503050406030204" pitchFamily="18" charset="0"/>
+                        <a:cs typeface="Arial" panose="020B0604020202020204" pitchFamily="34" charset="0"/>
+                      </a:rPr>
+                      <m:t>→</m:t>
+                    </m:r>
+                    <m:r>
+                      <a:rPr lang="en-US" sz="2000" b="0" i="1" smtClean="0">
+                        <a:latin typeface="Cambria Math" panose="02040503050406030204" pitchFamily="18" charset="0"/>
+                        <a:cs typeface="Arial" panose="020B0604020202020204" pitchFamily="34" charset="0"/>
+                      </a:rPr>
+                      <m:t>𝑌</m:t>
+                    </m:r>
+                  </m:oMath>
+                </a14:m>
+                <a:r>
+                  <a:rPr lang="en-US" sz="2000" dirty="0">
+                    <a:latin typeface="Arial" panose="020B0604020202020204" pitchFamily="34" charset="0"/>
+                    <a:cs typeface="Arial" panose="020B0604020202020204" pitchFamily="34" charset="0"/>
+                  </a:rPr>
+                  <a:t> </a:t>
+                </a:r>
+                <a:r>
+                  <a:rPr lang="en-US" sz="1600" dirty="0">
+                    <a:latin typeface="Arial" panose="020B0604020202020204" pitchFamily="34" charset="0"/>
+                    <a:cs typeface="Arial" panose="020B0604020202020204" pitchFamily="34" charset="0"/>
+                  </a:rPr>
+                  <a:t>is invertible whenever </a:t>
+                </a:r>
+                <a14:m>
+                  <m:oMath xmlns:m="http://schemas.openxmlformats.org/officeDocument/2006/math">
+                    <m:sSub>
+                      <m:sSubPr>
+                        <m:ctrlPr>
+                          <a:rPr lang="en-US" sz="2000" b="0" i="1" smtClean="0">
+                            <a:latin typeface="Cambria Math" panose="02040503050406030204" pitchFamily="18" charset="0"/>
+                            <a:cs typeface="Arial" panose="020B0604020202020204" pitchFamily="34" charset="0"/>
+                          </a:rPr>
+                        </m:ctrlPr>
+                      </m:sSubPr>
+                      <m:e>
+                        <m:r>
+                          <a:rPr lang="en-US" sz="2000" b="0" i="1" smtClean="0">
+                            <a:latin typeface="Cambria Math" panose="02040503050406030204" pitchFamily="18" charset="0"/>
+                            <a:cs typeface="Arial" panose="020B0604020202020204" pitchFamily="34" charset="0"/>
+                          </a:rPr>
+                          <m:t>𝑓</m:t>
+                        </m:r>
+                      </m:e>
+                      <m:sub>
+                        <m:r>
+                          <a:rPr lang="en-US" sz="2000" b="0" i="1" smtClean="0">
+                            <a:latin typeface="Cambria Math" panose="02040503050406030204" pitchFamily="18" charset="0"/>
+                            <a:cs typeface="Arial" panose="020B0604020202020204" pitchFamily="34" charset="0"/>
+                          </a:rPr>
+                          <m:t>0</m:t>
+                        </m:r>
+                      </m:sub>
+                    </m:sSub>
+                    <m:d>
+                      <m:dPr>
+                        <m:ctrlPr>
+                          <a:rPr lang="en-US" sz="2000" b="0" i="1" smtClean="0">
+                            <a:latin typeface="Cambria Math" panose="02040503050406030204" pitchFamily="18" charset="0"/>
+                            <a:cs typeface="Arial" panose="020B0604020202020204" pitchFamily="34" charset="0"/>
+                          </a:rPr>
+                        </m:ctrlPr>
+                      </m:dPr>
+                      <m:e>
+                        <m:r>
+                          <a:rPr lang="en-US" sz="2000" b="0" i="1" smtClean="0">
+                            <a:latin typeface="Cambria Math" panose="02040503050406030204" pitchFamily="18" charset="0"/>
+                            <a:cs typeface="Arial" panose="020B0604020202020204" pitchFamily="34" charset="0"/>
+                          </a:rPr>
+                          <m:t>𝑥</m:t>
+                        </m:r>
+                        <m:r>
+                          <a:rPr lang="en-US" sz="2000" b="0" i="1" smtClean="0">
+                            <a:latin typeface="Cambria Math" panose="02040503050406030204" pitchFamily="18" charset="0"/>
+                            <a:cs typeface="Arial" panose="020B0604020202020204" pitchFamily="34" charset="0"/>
+                          </a:rPr>
+                          <m:t>,</m:t>
+                        </m:r>
+                        <m:r>
+                          <a:rPr lang="en-US" sz="2000" b="0" i="1" smtClean="0">
+                            <a:latin typeface="Cambria Math" panose="02040503050406030204" pitchFamily="18" charset="0"/>
+                            <a:cs typeface="Arial" panose="020B0604020202020204" pitchFamily="34" charset="0"/>
+                          </a:rPr>
+                          <m:t>𝑦</m:t>
+                        </m:r>
+                      </m:e>
+                    </m:d>
+                    <m:r>
+                      <a:rPr lang="en-US" sz="2000" b="0" i="1" smtClean="0">
                         <a:latin typeface="Cambria Math" panose="02040503050406030204" pitchFamily="18" charset="0"/>
                         <a:cs typeface="Arial" panose="020B0604020202020204" pitchFamily="34" charset="0"/>
                       </a:rPr>
@@ -7076,11 +7869,20 @@
                   </m:oMath>
                 </a14:m>
                 <a:r>
+                  <a:rPr lang="en-US" sz="2000" dirty="0">
+                    <a:latin typeface="Arial" panose="020B0604020202020204" pitchFamily="34" charset="0"/>
+                    <a:cs typeface="Arial" panose="020B0604020202020204" pitchFamily="34" charset="0"/>
+                  </a:rPr>
+                  <a:t>. </a:t>
+                </a:r>
+              </a:p>
+              <a:p>
+                <a:r>
                   <a:rPr lang="en-US" sz="1600" dirty="0">
                     <a:latin typeface="Arial" panose="020B0604020202020204" pitchFamily="34" charset="0"/>
                     <a:cs typeface="Arial" panose="020B0604020202020204" pitchFamily="34" charset="0"/>
                   </a:rPr>
-                  <a:t>. Then the variables </a:t>
+                  <a:t>Then the variables </a:t>
                 </a:r>
                 <a14:m>
                   <m:oMath xmlns:m="http://schemas.openxmlformats.org/officeDocument/2006/math">
@@ -7210,6 +8012,7 @@
                 </a:r>
               </a:p>
               <a:p>
+                <a:pPr/>
                 <a14:m>
                   <m:oMathPara xmlns:m="http://schemas.openxmlformats.org/officeDocument/2006/math">
                     <m:oMathParaPr>
@@ -7219,7 +8022,7 @@
                       <m:sSubSup>
                         <m:sSubSupPr>
                           <m:ctrlPr>
-                            <a:rPr lang="en-US" sz="1600" b="0" i="1" smtClean="0">
+                            <a:rPr lang="en-US" sz="2000" b="0" i="1" smtClean="0">
                               <a:latin typeface="Cambria Math" panose="02040503050406030204" pitchFamily="18" charset="0"/>
                               <a:cs typeface="Arial" panose="020B0604020202020204" pitchFamily="34" charset="0"/>
                             </a:rPr>
@@ -7227,7 +8030,7 @@
                         </m:sSubSupPr>
                         <m:e>
                           <m:r>
-                            <a:rPr lang="en-US" sz="1600" b="0" i="1" smtClean="0">
+                            <a:rPr lang="en-US" sz="2000" b="0" i="1" smtClean="0">
                               <a:latin typeface="Cambria Math" panose="02040503050406030204" pitchFamily="18" charset="0"/>
                               <a:cs typeface="Arial" panose="020B0604020202020204" pitchFamily="34" charset="0"/>
                             </a:rPr>
@@ -7236,7 +8039,7 @@
                         </m:e>
                         <m:sub>
                           <m:r>
-                            <a:rPr lang="en-US" sz="1600" b="0" i="1" smtClean="0">
+                            <a:rPr lang="en-US" sz="2000" b="0" i="1" smtClean="0">
                               <a:latin typeface="Cambria Math" panose="02040503050406030204" pitchFamily="18" charset="0"/>
                               <a:cs typeface="Arial" panose="020B0604020202020204" pitchFamily="34" charset="0"/>
                             </a:rPr>
@@ -7245,7 +8048,7 @@
                         </m:sub>
                         <m:sup>
                           <m:r>
-                            <a:rPr lang="en-US" sz="1600" b="0" i="1" smtClean="0">
+                            <a:rPr lang="en-US" sz="2000" b="0" i="1" smtClean="0">
                               <a:latin typeface="Cambria Math" panose="02040503050406030204" pitchFamily="18" charset="0"/>
                               <a:cs typeface="Arial" panose="020B0604020202020204" pitchFamily="34" charset="0"/>
                             </a:rPr>
@@ -7256,7 +8059,7 @@
                       <m:d>
                         <m:dPr>
                           <m:ctrlPr>
-                            <a:rPr lang="en-US" sz="1600" b="0" i="1" smtClean="0">
+                            <a:rPr lang="en-US" sz="2000" b="0" i="1" smtClean="0">
                               <a:latin typeface="Cambria Math" panose="02040503050406030204" pitchFamily="18" charset="0"/>
                               <a:cs typeface="Arial" panose="020B0604020202020204" pitchFamily="34" charset="0"/>
                             </a:rPr>
@@ -7264,7 +8067,7 @@
                         </m:dPr>
                         <m:e>
                           <m:r>
-                            <a:rPr lang="en-US" sz="1600" b="0" i="1" smtClean="0">
+                            <a:rPr lang="en-US" sz="2000" b="0" i="1" smtClean="0">
                               <a:latin typeface="Cambria Math" panose="02040503050406030204" pitchFamily="18" charset="0"/>
                               <a:cs typeface="Arial" panose="020B0604020202020204" pitchFamily="34" charset="0"/>
                             </a:rPr>
@@ -7273,7 +8076,7 @@
                         </m:e>
                       </m:d>
                       <m:r>
-                        <a:rPr lang="en-US" sz="1600" b="0" i="1" smtClean="0">
+                        <a:rPr lang="en-US" sz="2000" b="0" i="1" smtClean="0">
                           <a:latin typeface="Cambria Math" panose="02040503050406030204" pitchFamily="18" charset="0"/>
                           <a:cs typeface="Arial" panose="020B0604020202020204" pitchFamily="34" charset="0"/>
                         </a:rPr>
@@ -7282,7 +8085,7 @@
                       <m:sSubSup>
                         <m:sSubSupPr>
                           <m:ctrlPr>
-                            <a:rPr lang="en-US" sz="1600" b="0" i="1" smtClean="0">
+                            <a:rPr lang="en-US" sz="2000" b="0" i="1" smtClean="0">
                               <a:latin typeface="Cambria Math" panose="02040503050406030204" pitchFamily="18" charset="0"/>
                               <a:cs typeface="Arial" panose="020B0604020202020204" pitchFamily="34" charset="0"/>
                             </a:rPr>
@@ -7290,7 +8093,7 @@
                         </m:sSubSupPr>
                         <m:e>
                           <m:r>
-                            <a:rPr lang="en-US" sz="1600" b="0" i="1" smtClean="0">
+                            <a:rPr lang="en-US" sz="2000" b="0" i="1" smtClean="0">
                               <a:latin typeface="Cambria Math" panose="02040503050406030204" pitchFamily="18" charset="0"/>
                               <a:cs typeface="Arial" panose="020B0604020202020204" pitchFamily="34" charset="0"/>
                             </a:rPr>
@@ -7299,7 +8102,7 @@
                         </m:e>
                         <m:sub>
                           <m:r>
-                            <a:rPr lang="en-US" sz="1600" b="0" i="1" smtClean="0">
+                            <a:rPr lang="en-US" sz="2000" b="0" i="1" smtClean="0">
                               <a:latin typeface="Cambria Math" panose="02040503050406030204" pitchFamily="18" charset="0"/>
                               <a:cs typeface="Arial" panose="020B0604020202020204" pitchFamily="34" charset="0"/>
                             </a:rPr>
@@ -7308,7 +8111,7 @@
                         </m:sub>
                         <m:sup>
                           <m:r>
-                            <a:rPr lang="en-US" sz="1600" b="0" i="1" smtClean="0">
+                            <a:rPr lang="en-US" sz="2000" b="0" i="1" smtClean="0">
                               <a:latin typeface="Cambria Math" panose="02040503050406030204" pitchFamily="18" charset="0"/>
                               <a:cs typeface="Arial" panose="020B0604020202020204" pitchFamily="34" charset="0"/>
                             </a:rPr>
@@ -7319,7 +8122,7 @@
                       <m:d>
                         <m:dPr>
                           <m:ctrlPr>
-                            <a:rPr lang="en-US" sz="1600" b="0" i="1" smtClean="0">
+                            <a:rPr lang="en-US" sz="2000" b="0" i="1" smtClean="0">
                               <a:latin typeface="Cambria Math" panose="02040503050406030204" pitchFamily="18" charset="0"/>
                               <a:cs typeface="Arial" panose="020B0604020202020204" pitchFamily="34" charset="0"/>
                             </a:rPr>
@@ -7327,7 +8130,7 @@
                         </m:dPr>
                         <m:e>
                           <m:r>
-                            <a:rPr lang="en-US" sz="1600" b="0" i="1" smtClean="0">
+                            <a:rPr lang="en-US" sz="2000" b="0" i="1" smtClean="0">
                               <a:latin typeface="Cambria Math" panose="02040503050406030204" pitchFamily="18" charset="0"/>
                               <a:cs typeface="Arial" panose="020B0604020202020204" pitchFamily="34" charset="0"/>
                             </a:rPr>
@@ -7336,14 +8139,14 @@
                         </m:e>
                       </m:d>
                       <m:r>
-                        <a:rPr lang="en-US" sz="1600" b="0" i="1" smtClean="0">
+                        <a:rPr lang="en-US" sz="2000" b="0" i="1" smtClean="0">
                           <a:latin typeface="Cambria Math" panose="02040503050406030204" pitchFamily="18" charset="0"/>
                           <a:cs typeface="Arial" panose="020B0604020202020204" pitchFamily="34" charset="0"/>
                         </a:rPr>
                         <m:t>+</m:t>
                       </m:r>
                       <m:r>
-                        <a:rPr lang="en-US" sz="1600" b="0" i="1" smtClean="0">
+                        <a:rPr lang="en-US" sz="2000" b="0" i="1" smtClean="0">
                           <a:latin typeface="Cambria Math" panose="02040503050406030204" pitchFamily="18" charset="0"/>
                           <a:cs typeface="Arial" panose="020B0604020202020204" pitchFamily="34" charset="0"/>
                         </a:rPr>
@@ -7352,7 +8155,7 @@
                       <m:sSubSup>
                         <m:sSubSupPr>
                           <m:ctrlPr>
-                            <a:rPr lang="en-US" sz="1600" b="0" i="1" smtClean="0">
+                            <a:rPr lang="en-US" sz="2000" b="0" i="1" smtClean="0">
                               <a:latin typeface="Cambria Math" panose="02040503050406030204" pitchFamily="18" charset="0"/>
                               <a:cs typeface="Arial" panose="020B0604020202020204" pitchFamily="34" charset="0"/>
                             </a:rPr>
@@ -7360,7 +8163,7 @@
                         </m:sSubSupPr>
                         <m:e>
                           <m:r>
-                            <a:rPr lang="en-US" sz="1600" b="0" i="1" smtClean="0">
+                            <a:rPr lang="en-US" sz="2000" b="0" i="1" smtClean="0">
                               <a:latin typeface="Cambria Math" panose="02040503050406030204" pitchFamily="18" charset="0"/>
                               <a:cs typeface="Arial" panose="020B0604020202020204" pitchFamily="34" charset="0"/>
                             </a:rPr>
@@ -7369,7 +8172,7 @@
                         </m:e>
                         <m:sub>
                           <m:r>
-                            <a:rPr lang="en-US" sz="1600" b="0" i="1" smtClean="0">
+                            <a:rPr lang="en-US" sz="2000" b="0" i="1" smtClean="0">
                               <a:latin typeface="Cambria Math" panose="02040503050406030204" pitchFamily="18" charset="0"/>
                               <a:cs typeface="Arial" panose="020B0604020202020204" pitchFamily="34" charset="0"/>
                             </a:rPr>
@@ -7378,7 +8181,7 @@
                         </m:sub>
                         <m:sup>
                           <m:r>
-                            <a:rPr lang="en-US" sz="1600" b="0" i="1" smtClean="0">
+                            <a:rPr lang="en-US" sz="2000" b="0" i="1" smtClean="0">
                               <a:latin typeface="Cambria Math" panose="02040503050406030204" pitchFamily="18" charset="0"/>
                               <a:cs typeface="Arial" panose="020B0604020202020204" pitchFamily="34" charset="0"/>
                             </a:rPr>
@@ -7389,7 +8192,7 @@
                       <m:d>
                         <m:dPr>
                           <m:ctrlPr>
-                            <a:rPr lang="en-US" sz="1600" b="0" i="1" smtClean="0">
+                            <a:rPr lang="en-US" sz="2000" b="0" i="1" smtClean="0">
                               <a:latin typeface="Cambria Math" panose="02040503050406030204" pitchFamily="18" charset="0"/>
                               <a:cs typeface="Arial" panose="020B0604020202020204" pitchFamily="34" charset="0"/>
                             </a:rPr>
@@ -7397,7 +8200,7 @@
                         </m:dPr>
                         <m:e>
                           <m:r>
-                            <a:rPr lang="en-US" sz="1600" b="0" i="1" smtClean="0">
+                            <a:rPr lang="en-US" sz="2000" b="0" i="1" smtClean="0">
                               <a:latin typeface="Cambria Math" panose="02040503050406030204" pitchFamily="18" charset="0"/>
                               <a:cs typeface="Arial" panose="020B0604020202020204" pitchFamily="34" charset="0"/>
                             </a:rPr>
@@ -7406,7 +8209,7 @@
                         </m:e>
                       </m:d>
                       <m:r>
-                        <a:rPr lang="en-US" sz="1600" b="0" i="1" smtClean="0">
+                        <a:rPr lang="en-US" sz="2000" b="0" i="1" smtClean="0">
                           <a:latin typeface="Cambria Math" panose="02040503050406030204" pitchFamily="18" charset="0"/>
                           <a:cs typeface="Arial" panose="020B0604020202020204" pitchFamily="34" charset="0"/>
                         </a:rPr>
@@ -7415,7 +8218,7 @@
                       <m:sSup>
                         <m:sSupPr>
                           <m:ctrlPr>
-                            <a:rPr lang="en-US" sz="1600" b="0" i="1" smtClean="0">
+                            <a:rPr lang="en-US" sz="2000" b="0" i="1" smtClean="0">
                               <a:latin typeface="Cambria Math" panose="02040503050406030204" pitchFamily="18" charset="0"/>
                               <a:cs typeface="Arial" panose="020B0604020202020204" pitchFamily="34" charset="0"/>
                             </a:rPr>
@@ -7423,7 +8226,7 @@
                         </m:sSupPr>
                         <m:e>
                           <m:r>
-                            <a:rPr lang="en-US" sz="1600" b="0" i="1" smtClean="0">
+                            <a:rPr lang="en-US" sz="2000" b="0" i="1" smtClean="0">
                               <a:latin typeface="Cambria Math" panose="02040503050406030204" pitchFamily="18" charset="0"/>
                               <a:cs typeface="Arial" panose="020B0604020202020204" pitchFamily="34" charset="0"/>
                             </a:rPr>
@@ -7432,7 +8235,7 @@
                         </m:e>
                         <m:sup>
                           <m:r>
-                            <a:rPr lang="en-US" sz="1600" b="0" i="1" smtClean="0">
+                            <a:rPr lang="en-US" sz="2000" b="0" i="1" smtClean="0">
                               <a:latin typeface="Cambria Math" panose="02040503050406030204" pitchFamily="18" charset="0"/>
                               <a:cs typeface="Arial" panose="020B0604020202020204" pitchFamily="34" charset="0"/>
                             </a:rPr>
@@ -7443,7 +8246,7 @@
                       <m:sSubSup>
                         <m:sSubSupPr>
                           <m:ctrlPr>
-                            <a:rPr lang="en-US" sz="1600" b="0" i="1" smtClean="0">
+                            <a:rPr lang="en-US" sz="2000" b="0" i="1" smtClean="0">
                               <a:latin typeface="Cambria Math" panose="02040503050406030204" pitchFamily="18" charset="0"/>
                               <a:cs typeface="Arial" panose="020B0604020202020204" pitchFamily="34" charset="0"/>
                             </a:rPr>
@@ -7451,7 +8254,7 @@
                         </m:sSubSupPr>
                         <m:e>
                           <m:r>
-                            <a:rPr lang="en-US" sz="1600" b="0" i="1" smtClean="0">
+                            <a:rPr lang="en-US" sz="2000" b="0" i="1" smtClean="0">
                               <a:latin typeface="Cambria Math" panose="02040503050406030204" pitchFamily="18" charset="0"/>
                               <a:cs typeface="Arial" panose="020B0604020202020204" pitchFamily="34" charset="0"/>
                             </a:rPr>
@@ -7460,7 +8263,7 @@
                         </m:e>
                         <m:sub>
                           <m:r>
-                            <a:rPr lang="en-US" sz="1600" b="0" i="1" smtClean="0">
+                            <a:rPr lang="en-US" sz="2000" b="0" i="1" smtClean="0">
                               <a:latin typeface="Cambria Math" panose="02040503050406030204" pitchFamily="18" charset="0"/>
                               <a:cs typeface="Arial" panose="020B0604020202020204" pitchFamily="34" charset="0"/>
                             </a:rPr>
@@ -7469,7 +8272,7 @@
                         </m:sub>
                         <m:sup>
                           <m:r>
-                            <a:rPr lang="en-US" sz="1600" b="0" i="1" smtClean="0">
+                            <a:rPr lang="en-US" sz="2000" b="0" i="1" smtClean="0">
                               <a:latin typeface="Cambria Math" panose="02040503050406030204" pitchFamily="18" charset="0"/>
                               <a:cs typeface="Arial" panose="020B0604020202020204" pitchFamily="34" charset="0"/>
                             </a:rPr>
@@ -7480,7 +8283,7 @@
                       <m:d>
                         <m:dPr>
                           <m:ctrlPr>
-                            <a:rPr lang="en-US" sz="1600" b="0" i="1" smtClean="0">
+                            <a:rPr lang="en-US" sz="2000" b="0" i="1" smtClean="0">
                               <a:latin typeface="Cambria Math" panose="02040503050406030204" pitchFamily="18" charset="0"/>
                               <a:cs typeface="Arial" panose="020B0604020202020204" pitchFamily="34" charset="0"/>
                             </a:rPr>
@@ -7488,7 +8291,7 @@
                         </m:dPr>
                         <m:e>
                           <m:r>
-                            <a:rPr lang="en-US" sz="1600" b="0" i="1" smtClean="0">
+                            <a:rPr lang="en-US" sz="2000" b="0" i="1" smtClean="0">
                               <a:latin typeface="Cambria Math" panose="02040503050406030204" pitchFamily="18" charset="0"/>
                               <a:cs typeface="Arial" panose="020B0604020202020204" pitchFamily="34" charset="0"/>
                             </a:rPr>
@@ -7497,7 +8300,7 @@
                         </m:e>
                       </m:d>
                       <m:r>
-                        <a:rPr lang="en-US" sz="1600" b="0" i="1" smtClean="0">
+                        <a:rPr lang="en-US" sz="2000" b="0" i="1" smtClean="0">
                           <a:latin typeface="Cambria Math" panose="02040503050406030204" pitchFamily="18" charset="0"/>
                           <a:cs typeface="Arial" panose="020B0604020202020204" pitchFamily="34" charset="0"/>
                         </a:rPr>
@@ -7506,7 +8309,7 @@
                     </m:oMath>
                   </m:oMathPara>
                 </a14:m>
-                <a:endParaRPr lang="en-US" sz="1600" dirty="0">
+                <a:endParaRPr lang="en-US" sz="2000" dirty="0">
                   <a:latin typeface="Arial" panose="020B0604020202020204" pitchFamily="34" charset="0"/>
                   <a:cs typeface="Arial" panose="020B0604020202020204" pitchFamily="34" charset="0"/>
                 </a:endParaRPr>
@@ -7706,14 +8509,14 @@
                 <a14:m>
                   <m:oMath xmlns:m="http://schemas.openxmlformats.org/officeDocument/2006/math">
                     <m:r>
-                      <a:rPr lang="en-US" sz="1600" b="0" i="1" smtClean="0">
+                      <a:rPr lang="en-US" sz="2000" b="0" i="1" smtClean="0">
                         <a:latin typeface="Cambria Math" panose="02040503050406030204" pitchFamily="18" charset="0"/>
                         <a:cs typeface="Arial" panose="020B0604020202020204" pitchFamily="34" charset="0"/>
                       </a:rPr>
                       <m:t>𝑋</m:t>
                     </m:r>
                     <m:r>
-                      <a:rPr lang="en-US" sz="1600" b="0" i="1" smtClean="0">
+                      <a:rPr lang="en-US" sz="2000" b="0" i="1" smtClean="0">
                         <a:latin typeface="Cambria Math" panose="02040503050406030204" pitchFamily="18" charset="0"/>
                         <a:cs typeface="Arial" panose="020B0604020202020204" pitchFamily="34" charset="0"/>
                       </a:rPr>
@@ -7722,7 +8525,7 @@
                     <m:f>
                       <m:fPr>
                         <m:ctrlPr>
-                          <a:rPr lang="en-US" sz="1600" b="0" i="1" smtClean="0">
+                          <a:rPr lang="en-US" sz="2000" b="0" i="1" smtClean="0">
                             <a:latin typeface="Cambria Math" panose="02040503050406030204" pitchFamily="18" charset="0"/>
                             <a:cs typeface="Arial" panose="020B0604020202020204" pitchFamily="34" charset="0"/>
                           </a:rPr>
@@ -7730,7 +8533,7 @@
                       </m:fPr>
                       <m:num>
                         <m:r>
-                          <a:rPr lang="en-US" sz="1600" b="0" i="1" smtClean="0">
+                          <a:rPr lang="en-US" sz="2000" b="0" i="1" smtClean="0">
                             <a:latin typeface="Cambria Math" panose="02040503050406030204" pitchFamily="18" charset="0"/>
                             <a:cs typeface="Arial" panose="020B0604020202020204" pitchFamily="34" charset="0"/>
                           </a:rPr>
@@ -7739,7 +8542,7 @@
                       </m:num>
                       <m:den>
                         <m:r>
-                          <a:rPr lang="en-US" sz="1600" b="0" i="1" smtClean="0">
+                          <a:rPr lang="en-US" sz="2000" b="0" i="1" smtClean="0">
                             <a:latin typeface="Cambria Math" panose="02040503050406030204" pitchFamily="18" charset="0"/>
                             <a:cs typeface="Arial" panose="020B0604020202020204" pitchFamily="34" charset="0"/>
                           </a:rPr>
@@ -7748,21 +8551,21 @@
                       </m:den>
                     </m:f>
                     <m:r>
-                      <a:rPr lang="en-US" sz="1600" b="0" i="1" smtClean="0">
+                      <a:rPr lang="en-US" sz="2000" b="0" i="1" smtClean="0">
                         <a:latin typeface="Cambria Math" panose="02040503050406030204" pitchFamily="18" charset="0"/>
                         <a:cs typeface="Arial" panose="020B0604020202020204" pitchFamily="34" charset="0"/>
                       </a:rPr>
                       <m:t>,   </m:t>
                     </m:r>
                     <m:r>
-                      <a:rPr lang="en-US" sz="1600" b="0" i="1" smtClean="0">
+                      <a:rPr lang="en-US" sz="2000" b="0" i="1" smtClean="0">
                         <a:latin typeface="Cambria Math" panose="02040503050406030204" pitchFamily="18" charset="0"/>
                         <a:cs typeface="Arial" panose="020B0604020202020204" pitchFamily="34" charset="0"/>
                       </a:rPr>
                       <m:t>𝑌</m:t>
                     </m:r>
                     <m:r>
-                      <a:rPr lang="en-US" sz="1600" b="0" i="1" smtClean="0">
+                      <a:rPr lang="en-US" sz="2000" b="0" i="1" smtClean="0">
                         <a:latin typeface="Cambria Math" panose="02040503050406030204" pitchFamily="18" charset="0"/>
                         <a:cs typeface="Arial" panose="020B0604020202020204" pitchFamily="34" charset="0"/>
                       </a:rPr>
@@ -7771,7 +8574,7 @@
                     <m:f>
                       <m:fPr>
                         <m:ctrlPr>
-                          <a:rPr lang="en-US" sz="1600" b="0" i="1" smtClean="0">
+                          <a:rPr lang="en-US" sz="2000" b="0" i="1" smtClean="0">
                             <a:latin typeface="Cambria Math" panose="02040503050406030204" pitchFamily="18" charset="0"/>
                             <a:cs typeface="Arial" panose="020B0604020202020204" pitchFamily="34" charset="0"/>
                           </a:rPr>
@@ -7779,7 +8582,7 @@
                       </m:fPr>
                       <m:num>
                         <m:r>
-                          <a:rPr lang="en-US" sz="1600" b="0" i="1" smtClean="0">
+                          <a:rPr lang="en-US" sz="2000" b="0" i="1" smtClean="0">
                             <a:latin typeface="Cambria Math" panose="02040503050406030204" pitchFamily="18" charset="0"/>
                             <a:cs typeface="Arial" panose="020B0604020202020204" pitchFamily="34" charset="0"/>
                           </a:rPr>
@@ -7788,7 +8591,7 @@
                       </m:num>
                       <m:den>
                         <m:r>
-                          <a:rPr lang="en-US" sz="1600" b="0" i="1" smtClean="0">
+                          <a:rPr lang="en-US" sz="2000" b="0" i="1" smtClean="0">
                             <a:latin typeface="Cambria Math" panose="02040503050406030204" pitchFamily="18" charset="0"/>
                             <a:cs typeface="Arial" panose="020B0604020202020204" pitchFamily="34" charset="0"/>
                           </a:rPr>
@@ -7799,30 +8602,44 @@
                   </m:oMath>
                 </a14:m>
                 <a:r>
+                  <a:rPr lang="en-US" sz="2000" dirty="0">
+                    <a:latin typeface="Arial" panose="020B0604020202020204" pitchFamily="34" charset="0"/>
+                    <a:cs typeface="Arial" panose="020B0604020202020204" pitchFamily="34" charset="0"/>
+                  </a:rPr>
+                  <a:t> </a:t>
+                </a:r>
+                <a:r>
                   <a:rPr lang="en-US" sz="1600" dirty="0">
                     <a:latin typeface="Arial" panose="020B0604020202020204" pitchFamily="34" charset="0"/>
                     <a:cs typeface="Arial" panose="020B0604020202020204" pitchFamily="34" charset="0"/>
                   </a:rPr>
-                  <a:t> and </a:t>
+                  <a:t>and</a:t>
+                </a:r>
+                <a:r>
+                  <a:rPr lang="en-US" sz="2000" dirty="0">
+                    <a:latin typeface="Arial" panose="020B0604020202020204" pitchFamily="34" charset="0"/>
+                    <a:cs typeface="Arial" panose="020B0604020202020204" pitchFamily="34" charset="0"/>
+                  </a:rPr>
+                  <a:t> </a:t>
                 </a:r>
                 <a14:m>
                   <m:oMath xmlns:m="http://schemas.openxmlformats.org/officeDocument/2006/math">
                     <m:r>
-                      <a:rPr lang="en-US" sz="1600" b="0" i="1" smtClean="0">
+                      <a:rPr lang="en-US" sz="2000" b="0" i="1" smtClean="0">
                         <a:latin typeface="Cambria Math" panose="02040503050406030204" pitchFamily="18" charset="0"/>
                         <a:cs typeface="Arial" panose="020B0604020202020204" pitchFamily="34" charset="0"/>
                       </a:rPr>
                       <m:t>𝑍</m:t>
                     </m:r>
                     <m:r>
-                      <a:rPr lang="en-US" sz="1600" b="0" i="1" smtClean="0">
+                      <a:rPr lang="en-US" sz="2000" b="0" i="1" smtClean="0">
                         <a:latin typeface="Cambria Math" panose="02040503050406030204" pitchFamily="18" charset="0"/>
                         <a:cs typeface="Arial" panose="020B0604020202020204" pitchFamily="34" charset="0"/>
                       </a:rPr>
                       <m:t>=2</m:t>
                     </m:r>
                     <m:r>
-                      <a:rPr lang="en-US" sz="1600" b="0" i="1" smtClean="0">
+                      <a:rPr lang="en-US" sz="2000" b="0" i="1" smtClean="0">
                         <a:latin typeface="Cambria Math" panose="02040503050406030204" pitchFamily="18" charset="0"/>
                         <a:cs typeface="Arial" panose="020B0604020202020204" pitchFamily="34" charset="0"/>
                       </a:rPr>
@@ -7831,7 +8648,7 @@
                     <m:f>
                       <m:fPr>
                         <m:ctrlPr>
-                          <a:rPr lang="en-US" sz="1600" b="0" i="1" smtClean="0">
+                          <a:rPr lang="en-US" sz="2000" b="0" i="1" smtClean="0">
                             <a:latin typeface="Cambria Math" panose="02040503050406030204" pitchFamily="18" charset="0"/>
                             <a:cs typeface="Arial" panose="020B0604020202020204" pitchFamily="34" charset="0"/>
                           </a:rPr>
@@ -7839,7 +8656,7 @@
                       </m:fPr>
                       <m:num>
                         <m:r>
-                          <a:rPr lang="en-US" sz="1600" b="0" i="1" smtClean="0">
+                          <a:rPr lang="en-US" sz="2000" b="0" i="1" smtClean="0">
                             <a:latin typeface="Cambria Math" panose="02040503050406030204" pitchFamily="18" charset="0"/>
                             <a:cs typeface="Arial" panose="020B0604020202020204" pitchFamily="34" charset="0"/>
                           </a:rPr>
@@ -7848,7 +8665,7 @@
                       </m:num>
                       <m:den>
                         <m:r>
-                          <a:rPr lang="en-US" sz="1600" b="0" i="1" smtClean="0">
+                          <a:rPr lang="en-US" sz="2000" b="0" i="1" smtClean="0">
                             <a:latin typeface="Cambria Math" panose="02040503050406030204" pitchFamily="18" charset="0"/>
                             <a:cs typeface="Arial" panose="020B0604020202020204" pitchFamily="34" charset="0"/>
                           </a:rPr>
@@ -7859,7 +8676,7 @@
                   </m:oMath>
                 </a14:m>
                 <a:r>
-                  <a:rPr lang="en-US" sz="1600" dirty="0">
+                  <a:rPr lang="en-US" sz="2000" dirty="0">
                     <a:latin typeface="Arial" panose="020B0604020202020204" pitchFamily="34" charset="0"/>
                     <a:cs typeface="Arial" panose="020B0604020202020204" pitchFamily="34" charset="0"/>
                   </a:rPr>
@@ -8308,6 +9125,28 @@
                   <a:cs typeface="Arial" panose="020B0604020202020204" pitchFamily="34" charset="0"/>
                 </a:endParaRPr>
               </a:p>
+              <a:p>
+                <a:r>
+                  <a:rPr lang="en-US" sz="1600" dirty="0" err="1">
+                    <a:latin typeface="Arial" panose="020B0604020202020204" pitchFamily="34" charset="0"/>
+                    <a:cs typeface="Arial" panose="020B0604020202020204" pitchFamily="34" charset="0"/>
+                  </a:rPr>
+                  <a:t>Diffeo</a:t>
+                </a:r>
+                <a:r>
+                  <a:rPr lang="en-US" sz="1600" dirty="0">
+                    <a:latin typeface="Arial" panose="020B0604020202020204" pitchFamily="34" charset="0"/>
+                    <a:cs typeface="Arial" panose="020B0604020202020204" pitchFamily="34" charset="0"/>
+                  </a:rPr>
+                  <a:t> the domain to apply to stellarators? </a:t>
+                </a:r>
+              </a:p>
+              <a:p>
+                <a:endParaRPr lang="en-US" sz="1600" dirty="0">
+                  <a:latin typeface="Arial" panose="020B0604020202020204" pitchFamily="34" charset="0"/>
+                  <a:cs typeface="Arial" panose="020B0604020202020204" pitchFamily="34" charset="0"/>
+                </a:endParaRPr>
+              </a:p>
             </p:txBody>
           </p:sp>
         </mc:Choice>
@@ -8329,7 +9168,7 @@
             <p:spPr>
               <a:xfrm>
                 <a:off x="1103984" y="11591725"/>
-                <a:ext cx="7429499" cy="5980483"/>
+                <a:ext cx="7429499" cy="7052700"/>
               </a:xfrm>
               <a:prstGeom prst="rect">
                 <a:avLst/>
@@ -8337,7 +9176,7 @@
               <a:blipFill>
                 <a:blip r:embed="rId8"/>
                 <a:stretch>
-                  <a:fillRect l="-410" t="-306" r="-410"/>
+                  <a:fillRect l="-410" t="-260" r="-410"/>
                 </a:stretch>
               </a:blipFill>
             </p:spPr>

--- a/RMHD Presentation.pptx
+++ b/RMHD Presentation.pptx
@@ -4272,66 +4272,6 @@
       </p:sp>
       <p:sp>
         <p:nvSpPr>
-          <p:cNvPr id="20" name="Rectangle 19">
-            <a:extLst>
-              <a:ext uri="{FF2B5EF4-FFF2-40B4-BE49-F238E27FC236}">
-                <a16:creationId xmlns:a16="http://schemas.microsoft.com/office/drawing/2014/main" id="{91CEC3C6-A0A1-964B-B8A8-C834154687AF}"/>
-              </a:ext>
-            </a:extLst>
-          </p:cNvPr>
-          <p:cNvSpPr/>
-          <p:nvPr/>
-        </p:nvSpPr>
-        <p:spPr>
-          <a:xfrm>
-            <a:off x="18203696" y="13172336"/>
-            <a:ext cx="7620000" cy="702129"/>
-          </a:xfrm>
-          <a:prstGeom prst="rect">
-            <a:avLst/>
-          </a:prstGeom>
-          <a:solidFill>
-            <a:srgbClr val="BF5700"/>
-          </a:solidFill>
-          <a:ln w="101600">
-            <a:noFill/>
-          </a:ln>
-        </p:spPr>
-        <p:style>
-          <a:lnRef idx="2">
-            <a:schemeClr val="accent1">
-              <a:shade val="50000"/>
-            </a:schemeClr>
-          </a:lnRef>
-          <a:fillRef idx="1">
-            <a:schemeClr val="accent1"/>
-          </a:fillRef>
-          <a:effectRef idx="0">
-            <a:schemeClr val="accent1"/>
-          </a:effectRef>
-          <a:fontRef idx="minor">
-            <a:schemeClr val="lt1"/>
-          </a:fontRef>
-        </p:style>
-        <p:txBody>
-          <a:bodyPr rtlCol="0" anchor="ctr"/>
-          <a:lstStyle/>
-          <a:p>
-            <a:pPr algn="ctr"/>
-            <a:r>
-              <a:rPr lang="en-US" sz="3000" b="1" dirty="0">
-                <a:latin typeface="Helvetica" pitchFamily="2" charset="0"/>
-              </a:rPr>
-              <a:t>Acknowledgments</a:t>
-            </a:r>
-            <a:endParaRPr lang="en-US" sz="3000" dirty="0">
-              <a:latin typeface="Helvetica" pitchFamily="2" charset="0"/>
-            </a:endParaRPr>
-          </a:p>
-        </p:txBody>
-      </p:sp>
-      <p:sp>
-        <p:nvSpPr>
           <p:cNvPr id="21" name="TextBox 20">
             <a:extLst>
               <a:ext uri="{FF2B5EF4-FFF2-40B4-BE49-F238E27FC236}">
@@ -4344,8 +4284,8 @@
         </p:nvSpPr>
         <p:spPr>
           <a:xfrm>
-            <a:off x="18218796" y="14126983"/>
-            <a:ext cx="7620000" cy="830997"/>
+            <a:off x="18905823" y="14718527"/>
+            <a:ext cx="7429499" cy="1323439"/>
           </a:xfrm>
           <a:prstGeom prst="rect">
             <a:avLst/>
@@ -4358,6 +4298,12 @@
           </a:bodyPr>
           <a:lstStyle/>
           <a:p>
+            <a:endParaRPr lang="en-US" sz="1600" dirty="0">
+              <a:latin typeface="Arial" panose="020B0604020202020204" pitchFamily="34" charset="0"/>
+              <a:cs typeface="Arial" panose="020B0604020202020204" pitchFamily="34" charset="0"/>
+            </a:endParaRPr>
+          </a:p>
+          <a:p>
             <a:r>
               <a:rPr lang="en-US" sz="1600" dirty="0">
                 <a:latin typeface="Arial" panose="020B0604020202020204" pitchFamily="34" charset="0"/>
@@ -4366,64 +4312,10 @@
               <a:t>        I would like to thank Joshua Burby for his guidance and support throughout this project. Thank you also to Ivan Maldonado, Michael Updike, Erik Hansen, and especially Finn Pinto for our insightful conversations. </a:t>
             </a:r>
           </a:p>
-        </p:txBody>
-      </p:sp>
-      <p:sp>
-        <p:nvSpPr>
-          <p:cNvPr id="23" name="Rectangle 22">
-            <a:extLst>
-              <a:ext uri="{FF2B5EF4-FFF2-40B4-BE49-F238E27FC236}">
-                <a16:creationId xmlns:a16="http://schemas.microsoft.com/office/drawing/2014/main" id="{BBD28B2E-EB3C-4243-98EF-FED959248E29}"/>
-              </a:ext>
-            </a:extLst>
-          </p:cNvPr>
-          <p:cNvSpPr/>
-          <p:nvPr/>
-        </p:nvSpPr>
-        <p:spPr>
-          <a:xfrm>
-            <a:off x="18218795" y="15469854"/>
-            <a:ext cx="7620000" cy="702129"/>
-          </a:xfrm>
-          <a:prstGeom prst="rect">
-            <a:avLst/>
-          </a:prstGeom>
-          <a:solidFill>
-            <a:srgbClr val="BF5700"/>
-          </a:solidFill>
-          <a:ln w="101600">
-            <a:noFill/>
-          </a:ln>
-        </p:spPr>
-        <p:style>
-          <a:lnRef idx="2">
-            <a:schemeClr val="accent1">
-              <a:shade val="50000"/>
-            </a:schemeClr>
-          </a:lnRef>
-          <a:fillRef idx="1">
-            <a:schemeClr val="accent1"/>
-          </a:fillRef>
-          <a:effectRef idx="0">
-            <a:schemeClr val="accent1"/>
-          </a:effectRef>
-          <a:fontRef idx="minor">
-            <a:schemeClr val="lt1"/>
-          </a:fontRef>
-        </p:style>
-        <p:txBody>
-          <a:bodyPr rtlCol="0" anchor="ctr"/>
-          <a:lstStyle/>
           <a:p>
-            <a:pPr algn="ctr"/>
-            <a:r>
-              <a:rPr lang="en-US" sz="3000" b="1" dirty="0">
-                <a:latin typeface="Helvetica" pitchFamily="2" charset="0"/>
-              </a:rPr>
-              <a:t>References</a:t>
-            </a:r>
-            <a:endParaRPr lang="en-US" sz="3000" dirty="0">
-              <a:latin typeface="Helvetica" pitchFamily="2" charset="0"/>
+            <a:endParaRPr lang="en-US" sz="1600" dirty="0">
+              <a:latin typeface="Arial" panose="020B0604020202020204" pitchFamily="34" charset="0"/>
+              <a:cs typeface="Arial" panose="020B0604020202020204" pitchFamily="34" charset="0"/>
             </a:endParaRPr>
           </a:p>
         </p:txBody>
@@ -4444,8 +4336,8 @@
         </p:nvSpPr>
         <p:spPr>
           <a:xfrm>
-            <a:off x="18218796" y="16400684"/>
-            <a:ext cx="7620000" cy="1323439"/>
+            <a:off x="18905823" y="16718340"/>
+            <a:ext cx="7429499" cy="1569660"/>
           </a:xfrm>
           <a:prstGeom prst="rect">
             <a:avLst/>
@@ -4457,6 +4349,12 @@
             <a:spAutoFit/>
           </a:bodyPr>
           <a:lstStyle/>
+          <a:p>
+            <a:endParaRPr lang="de-DE" sz="1600" dirty="0">
+              <a:latin typeface="Arial" panose="020B0604020202020204" pitchFamily="34" charset="0"/>
+              <a:cs typeface="Arial" panose="020B0604020202020204" pitchFamily="34" charset="0"/>
+            </a:endParaRPr>
+          </a:p>
           <a:p>
             <a:r>
               <a:rPr lang="de-DE" sz="1600" dirty="0">
@@ -4566,12 +4464,14 @@
               </a:rPr>
               <a:t>J. W. Burby and T. J. Klotz. ‘Slow manifold reduction for plasma science,’ </a:t>
             </a:r>
+          </a:p>
+          <a:p>
             <a:r>
               <a:rPr lang="en-US" sz="1600" i="1" dirty="0">
                 <a:latin typeface="Arial" panose="020B0604020202020204" pitchFamily="34" charset="0"/>
                 <a:cs typeface="Arial" panose="020B0604020202020204" pitchFamily="34" charset="0"/>
               </a:rPr>
-              <a:t>CNSNS</a:t>
+              <a:t>        CNSNS</a:t>
             </a:r>
             <a:r>
               <a:rPr lang="en-US" sz="1600" dirty="0">
@@ -4580,14 +4480,12 @@
               </a:rPr>
               <a:t> </a:t>
             </a:r>
-          </a:p>
-          <a:p>
             <a:r>
               <a:rPr lang="en-US" sz="1600" b="1" dirty="0">
                 <a:latin typeface="Arial" panose="020B0604020202020204" pitchFamily="34" charset="0"/>
                 <a:cs typeface="Arial" panose="020B0604020202020204" pitchFamily="34" charset="0"/>
               </a:rPr>
-              <a:t>        89</a:t>
+              <a:t>89</a:t>
             </a:r>
             <a:r>
               <a:rPr lang="en-US" sz="1600" dirty="0">
@@ -4615,8 +4513,8 @@
             </p:nvSpPr>
             <p:spPr>
               <a:xfrm>
-                <a:off x="10003508" y="4339946"/>
-                <a:ext cx="7429499" cy="6732612"/>
+                <a:off x="10011128" y="4114800"/>
+                <a:ext cx="7429499" cy="7730258"/>
               </a:xfrm>
               <a:prstGeom prst="rect">
                 <a:avLst/>
@@ -4628,6 +4526,12 @@
                 <a:spAutoFit/>
               </a:bodyPr>
               <a:lstStyle/>
+              <a:p>
+                <a:endParaRPr lang="en-US" sz="1600" dirty="0">
+                  <a:latin typeface="Arial" panose="020B0604020202020204" pitchFamily="34" charset="0"/>
+                  <a:cs typeface="Arial" panose="020B0604020202020204" pitchFamily="34" charset="0"/>
+                </a:endParaRPr>
+              </a:p>
               <a:p>
                 <a:r>
                   <a:rPr lang="en-US" sz="1600" dirty="0">
@@ -4656,6 +4560,7 @@
                           <m:ctrlPr>
                             <a:rPr lang="en-US" sz="2200" b="0" i="1" smtClean="0">
                               <a:latin typeface="Cambria Math" panose="02040503050406030204" pitchFamily="18" charset="0"/>
+                              <a:ea typeface="Cambria Math" panose="02040503050406030204" pitchFamily="18" charset="0"/>
                               <a:cs typeface="Arial" panose="020B0604020202020204" pitchFamily="34" charset="0"/>
                             </a:rPr>
                           </m:ctrlPr>
@@ -4664,6 +4569,7 @@
                           <m:r>
                             <a:rPr lang="en-US" sz="2200" b="0" i="1" smtClean="0">
                               <a:latin typeface="Cambria Math" panose="02040503050406030204" pitchFamily="18" charset="0"/>
+                              <a:ea typeface="Cambria Math" panose="02040503050406030204" pitchFamily="18" charset="0"/>
                               <a:cs typeface="Arial" panose="020B0604020202020204" pitchFamily="34" charset="0"/>
                             </a:rPr>
                             <m:t>𝜕𝜌</m:t>
@@ -4673,6 +4579,7 @@
                           <m:r>
                             <a:rPr lang="en-US" sz="2200" b="0" i="1" smtClean="0">
                               <a:latin typeface="Cambria Math" panose="02040503050406030204" pitchFamily="18" charset="0"/>
+                              <a:ea typeface="Cambria Math" panose="02040503050406030204" pitchFamily="18" charset="0"/>
                               <a:cs typeface="Arial" panose="020B0604020202020204" pitchFamily="34" charset="0"/>
                             </a:rPr>
                             <m:t>𝜕</m:t>
@@ -4680,6 +4587,7 @@
                           <m:r>
                             <a:rPr lang="en-US" sz="2200" b="0" i="1" smtClean="0">
                               <a:latin typeface="Cambria Math" panose="02040503050406030204" pitchFamily="18" charset="0"/>
+                              <a:ea typeface="Cambria Math" panose="02040503050406030204" pitchFamily="18" charset="0"/>
                               <a:cs typeface="Arial" panose="020B0604020202020204" pitchFamily="34" charset="0"/>
                             </a:rPr>
                             <m:t>𝑡</m:t>
@@ -4689,6 +4597,7 @@
                       <m:r>
                         <a:rPr lang="en-US" sz="2200" b="0" i="1" smtClean="0">
                           <a:latin typeface="Cambria Math" panose="02040503050406030204" pitchFamily="18" charset="0"/>
+                          <a:ea typeface="Cambria Math" panose="02040503050406030204" pitchFamily="18" charset="0"/>
                           <a:cs typeface="Arial" panose="020B0604020202020204" pitchFamily="34" charset="0"/>
                         </a:rPr>
                         <m:t>=−</m:t>
@@ -4699,6 +4608,7 @@
                         </m:rPr>
                         <a:rPr lang="en-US" sz="2200" b="0" i="0" smtClean="0">
                           <a:latin typeface="Cambria Math" panose="02040503050406030204" pitchFamily="18" charset="0"/>
+                          <a:ea typeface="Cambria Math" panose="02040503050406030204" pitchFamily="18" charset="0"/>
                           <a:cs typeface="Arial" panose="020B0604020202020204" pitchFamily="34" charset="0"/>
                         </a:rPr>
                         <m:t>∇</m:t>
@@ -4706,6 +4616,7 @@
                       <m:r>
                         <a:rPr lang="en-US" sz="2200" b="0" i="1" smtClean="0">
                           <a:latin typeface="Cambria Math" panose="02040503050406030204" pitchFamily="18" charset="0"/>
+                          <a:ea typeface="Cambria Math" panose="02040503050406030204" pitchFamily="18" charset="0"/>
                           <a:cs typeface="Arial" panose="020B0604020202020204" pitchFamily="34" charset="0"/>
                         </a:rPr>
                         <m:t>⋅(</m:t>
@@ -4713,6 +4624,7 @@
                       <m:r>
                         <a:rPr lang="en-US" sz="2200" b="0" i="1" smtClean="0">
                           <a:latin typeface="Cambria Math" panose="02040503050406030204" pitchFamily="18" charset="0"/>
+                          <a:ea typeface="Cambria Math" panose="02040503050406030204" pitchFamily="18" charset="0"/>
                           <a:cs typeface="Arial" panose="020B0604020202020204" pitchFamily="34" charset="0"/>
                         </a:rPr>
                         <m:t>𝜌</m:t>
@@ -4720,6 +4632,7 @@
                       <m:r>
                         <a:rPr lang="en-US" sz="2200" b="1" i="1" smtClean="0">
                           <a:latin typeface="Cambria Math" panose="02040503050406030204" pitchFamily="18" charset="0"/>
+                          <a:ea typeface="Cambria Math" panose="02040503050406030204" pitchFamily="18" charset="0"/>
                           <a:cs typeface="Arial" panose="020B0604020202020204" pitchFamily="34" charset="0"/>
                         </a:rPr>
                         <m:t>𝒗</m:t>
@@ -4727,6 +4640,7 @@
                       <m:r>
                         <a:rPr lang="en-US" sz="2200" b="0" i="1" smtClean="0">
                           <a:latin typeface="Cambria Math" panose="02040503050406030204" pitchFamily="18" charset="0"/>
+                          <a:ea typeface="Cambria Math" panose="02040503050406030204" pitchFamily="18" charset="0"/>
                           <a:cs typeface="Arial" panose="020B0604020202020204" pitchFamily="34" charset="0"/>
                         </a:rPr>
                         <m:t>)</m:t>
@@ -4735,8 +4649,9 @@
                   </m:oMathPara>
                 </a14:m>
                 <a:endParaRPr lang="en-US" sz="2200" dirty="0">
-                  <a:latin typeface="Arial" panose="020B0604020202020204" pitchFamily="34" charset="0"/>
-                  <a:cs typeface="Arial" panose="020B0604020202020204" pitchFamily="34" charset="0"/>
+                  <a:latin typeface="Cambria Math" panose="02040503050406030204" pitchFamily="18" charset="0"/>
+                  <a:ea typeface="Cambria Math" panose="02040503050406030204" pitchFamily="18" charset="0"/>
+                  <a:cs typeface="Times New Roman" panose="02020603050405020304" pitchFamily="18" charset="0"/>
                 </a:endParaRPr>
               </a:p>
               <a:p>
@@ -4750,6 +4665,7 @@
                       <m:r>
                         <a:rPr lang="en-US" sz="2200" b="0" i="1" smtClean="0">
                           <a:latin typeface="Cambria Math" panose="02040503050406030204" pitchFamily="18" charset="0"/>
+                          <a:ea typeface="Cambria Math" panose="02040503050406030204" pitchFamily="18" charset="0"/>
                           <a:cs typeface="Arial" panose="020B0604020202020204" pitchFamily="34" charset="0"/>
                         </a:rPr>
                         <m:t>𝜌</m:t>
@@ -4759,6 +4675,7 @@
                           <m:ctrlPr>
                             <a:rPr lang="en-US" sz="2200" b="0" i="1" smtClean="0">
                               <a:latin typeface="Cambria Math" panose="02040503050406030204" pitchFamily="18" charset="0"/>
+                              <a:ea typeface="Cambria Math" panose="02040503050406030204" pitchFamily="18" charset="0"/>
                               <a:cs typeface="Arial" panose="020B0604020202020204" pitchFamily="34" charset="0"/>
                             </a:rPr>
                           </m:ctrlPr>
@@ -4767,6 +4684,7 @@
                           <m:r>
                             <a:rPr lang="en-US" sz="2200" b="0" i="1" smtClean="0">
                               <a:latin typeface="Cambria Math" panose="02040503050406030204" pitchFamily="18" charset="0"/>
+                              <a:ea typeface="Cambria Math" panose="02040503050406030204" pitchFamily="18" charset="0"/>
                               <a:cs typeface="Arial" panose="020B0604020202020204" pitchFamily="34" charset="0"/>
                             </a:rPr>
                             <m:t>𝜕</m:t>
@@ -4774,6 +4692,7 @@
                           <m:r>
                             <a:rPr lang="en-US" sz="2200" b="0" i="1" smtClean="0">
                               <a:latin typeface="Cambria Math" panose="02040503050406030204" pitchFamily="18" charset="0"/>
+                              <a:ea typeface="Cambria Math" panose="02040503050406030204" pitchFamily="18" charset="0"/>
                               <a:cs typeface="Arial" panose="020B0604020202020204" pitchFamily="34" charset="0"/>
                             </a:rPr>
                             <m:t>𝑣</m:t>
@@ -4783,6 +4702,7 @@
                           <m:r>
                             <a:rPr lang="en-US" sz="2200" b="0" i="1" smtClean="0">
                               <a:latin typeface="Cambria Math" panose="02040503050406030204" pitchFamily="18" charset="0"/>
+                              <a:ea typeface="Cambria Math" panose="02040503050406030204" pitchFamily="18" charset="0"/>
                               <a:cs typeface="Arial" panose="020B0604020202020204" pitchFamily="34" charset="0"/>
                             </a:rPr>
                             <m:t>𝜕</m:t>
@@ -4790,6 +4710,7 @@
                           <m:r>
                             <a:rPr lang="en-US" sz="2200" b="0" i="1" smtClean="0">
                               <a:latin typeface="Cambria Math" panose="02040503050406030204" pitchFamily="18" charset="0"/>
+                              <a:ea typeface="Cambria Math" panose="02040503050406030204" pitchFamily="18" charset="0"/>
                               <a:cs typeface="Arial" panose="020B0604020202020204" pitchFamily="34" charset="0"/>
                             </a:rPr>
                             <m:t>𝑡</m:t>
@@ -4799,6 +4720,7 @@
                       <m:r>
                         <a:rPr lang="en-US" sz="2200" b="0" i="1" smtClean="0">
                           <a:latin typeface="Cambria Math" panose="02040503050406030204" pitchFamily="18" charset="0"/>
+                          <a:ea typeface="Cambria Math" panose="02040503050406030204" pitchFamily="18" charset="0"/>
                           <a:cs typeface="Arial" panose="020B0604020202020204" pitchFamily="34" charset="0"/>
                         </a:rPr>
                         <m:t>=</m:t>
@@ -4808,6 +4730,7 @@
                           <m:ctrlPr>
                             <a:rPr lang="en-US" sz="2200" b="0" i="1" smtClean="0">
                               <a:latin typeface="Cambria Math" panose="02040503050406030204" pitchFamily="18" charset="0"/>
+                              <a:ea typeface="Cambria Math" panose="02040503050406030204" pitchFamily="18" charset="0"/>
                               <a:cs typeface="Arial" panose="020B0604020202020204" pitchFamily="34" charset="0"/>
                             </a:rPr>
                           </m:ctrlPr>
@@ -4816,6 +4739,7 @@
                           <m:r>
                             <a:rPr lang="en-US" sz="2200" b="0" i="1" smtClean="0">
                               <a:latin typeface="Cambria Math" panose="02040503050406030204" pitchFamily="18" charset="0"/>
+                              <a:ea typeface="Cambria Math" panose="02040503050406030204" pitchFamily="18" charset="0"/>
                               <a:cs typeface="Arial" panose="020B0604020202020204" pitchFamily="34" charset="0"/>
                             </a:rPr>
                             <m:t>𝜇</m:t>
@@ -4825,6 +4749,7 @@
                           <m:r>
                             <a:rPr lang="en-US" sz="2200" b="0" i="1" smtClean="0">
                               <a:latin typeface="Cambria Math" panose="02040503050406030204" pitchFamily="18" charset="0"/>
+                              <a:ea typeface="Cambria Math" panose="02040503050406030204" pitchFamily="18" charset="0"/>
                               <a:cs typeface="Arial" panose="020B0604020202020204" pitchFamily="34" charset="0"/>
                             </a:rPr>
                             <m:t>0</m:t>
@@ -4834,51 +4759,36 @@
                           <m:r>
                             <a:rPr lang="en-US" sz="2200" b="0" i="1" smtClean="0">
                               <a:latin typeface="Cambria Math" panose="02040503050406030204" pitchFamily="18" charset="0"/>
+                              <a:ea typeface="Cambria Math" panose="02040503050406030204" pitchFamily="18" charset="0"/>
                               <a:cs typeface="Arial" panose="020B0604020202020204" pitchFamily="34" charset="0"/>
                             </a:rPr>
                             <m:t>−1</m:t>
                           </m:r>
                         </m:sup>
                       </m:sSubSup>
-                      <m:d>
-                        <m:dPr>
-                          <m:ctrlPr>
-                            <a:rPr lang="en-US" sz="2200" b="0" i="1" smtClean="0">
-                              <a:latin typeface="Cambria Math" panose="02040503050406030204" pitchFamily="18" charset="0"/>
-                              <a:cs typeface="Arial" panose="020B0604020202020204" pitchFamily="34" charset="0"/>
-                            </a:rPr>
-                          </m:ctrlPr>
-                        </m:dPr>
-                        <m:e>
-                          <m:r>
-                            <m:rPr>
-                              <m:sty m:val="p"/>
-                            </m:rPr>
-                            <a:rPr lang="en-US" sz="2200" b="0" i="0" smtClean="0">
-                              <a:latin typeface="Cambria Math" panose="02040503050406030204" pitchFamily="18" charset="0"/>
-                              <a:cs typeface="Arial" panose="020B0604020202020204" pitchFamily="34" charset="0"/>
-                            </a:rPr>
-                            <m:t>∇</m:t>
-                          </m:r>
-                          <m:r>
-                            <a:rPr lang="en-US" sz="2200" b="0" i="1" smtClean="0">
-                              <a:latin typeface="Cambria Math" panose="02040503050406030204" pitchFamily="18" charset="0"/>
-                              <a:cs typeface="Arial" panose="020B0604020202020204" pitchFamily="34" charset="0"/>
-                            </a:rPr>
-                            <m:t>×</m:t>
-                          </m:r>
-                          <m:r>
-                            <a:rPr lang="en-US" sz="2200" b="1" i="1" smtClean="0">
-                              <a:latin typeface="Cambria Math" panose="02040503050406030204" pitchFamily="18" charset="0"/>
-                              <a:cs typeface="Arial" panose="020B0604020202020204" pitchFamily="34" charset="0"/>
-                            </a:rPr>
-                            <m:t>𝑩</m:t>
-                          </m:r>
-                        </m:e>
-                      </m:d>
                       <m:r>
                         <a:rPr lang="en-US" sz="2200" b="0" i="1" smtClean="0">
                           <a:latin typeface="Cambria Math" panose="02040503050406030204" pitchFamily="18" charset="0"/>
+                          <a:ea typeface="Cambria Math" panose="02040503050406030204" pitchFamily="18" charset="0"/>
+                          <a:cs typeface="Arial" panose="020B0604020202020204" pitchFamily="34" charset="0"/>
+                        </a:rPr>
+                        <m:t>(</m:t>
+                      </m:r>
+                      <m:r>
+                        <m:rPr>
+                          <m:sty m:val="p"/>
+                        </m:rPr>
+                        <a:rPr lang="en-US" sz="2200" b="0" i="0" smtClean="0">
+                          <a:latin typeface="Cambria Math" panose="02040503050406030204" pitchFamily="18" charset="0"/>
+                          <a:ea typeface="Cambria Math" panose="02040503050406030204" pitchFamily="18" charset="0"/>
+                          <a:cs typeface="Arial" panose="020B0604020202020204" pitchFamily="34" charset="0"/>
+                        </a:rPr>
+                        <m:t>∇</m:t>
+                      </m:r>
+                      <m:r>
+                        <a:rPr lang="en-US" sz="2200" b="1" i="1" smtClean="0">
+                          <a:latin typeface="Cambria Math" panose="02040503050406030204" pitchFamily="18" charset="0"/>
+                          <a:ea typeface="Cambria Math" panose="02040503050406030204" pitchFamily="18" charset="0"/>
                           <a:cs typeface="Arial" panose="020B0604020202020204" pitchFamily="34" charset="0"/>
                         </a:rPr>
                         <m:t>×</m:t>
@@ -4886,6 +4796,23 @@
                       <m:r>
                         <a:rPr lang="en-US" sz="2200" b="1" i="1" smtClean="0">
                           <a:latin typeface="Cambria Math" panose="02040503050406030204" pitchFamily="18" charset="0"/>
+                          <a:ea typeface="Cambria Math" panose="02040503050406030204" pitchFamily="18" charset="0"/>
+                          <a:cs typeface="Arial" panose="020B0604020202020204" pitchFamily="34" charset="0"/>
+                        </a:rPr>
+                        <m:t>𝑩</m:t>
+                      </m:r>
+                      <m:r>
+                        <a:rPr lang="en-US" sz="2200" b="1" i="1" smtClean="0">
+                          <a:latin typeface="Cambria Math" panose="02040503050406030204" pitchFamily="18" charset="0"/>
+                          <a:ea typeface="Cambria Math" panose="02040503050406030204" pitchFamily="18" charset="0"/>
+                          <a:cs typeface="Arial" panose="020B0604020202020204" pitchFamily="34" charset="0"/>
+                        </a:rPr>
+                        <m:t>)×</m:t>
+                      </m:r>
+                      <m:r>
+                        <a:rPr lang="en-US" sz="2200" b="1" i="1" smtClean="0">
+                          <a:latin typeface="Cambria Math" panose="02040503050406030204" pitchFamily="18" charset="0"/>
+                          <a:ea typeface="Cambria Math" panose="02040503050406030204" pitchFamily="18" charset="0"/>
                           <a:cs typeface="Arial" panose="020B0604020202020204" pitchFamily="34" charset="0"/>
                         </a:rPr>
                         <m:t>𝑩</m:t>
@@ -4893,6 +4820,7 @@
                       <m:r>
                         <a:rPr lang="en-US" sz="2200" b="0" i="1" smtClean="0">
                           <a:latin typeface="Cambria Math" panose="02040503050406030204" pitchFamily="18" charset="0"/>
+                          <a:ea typeface="Cambria Math" panose="02040503050406030204" pitchFamily="18" charset="0"/>
                           <a:cs typeface="Arial" panose="020B0604020202020204" pitchFamily="34" charset="0"/>
                         </a:rPr>
                         <m:t>−</m:t>
@@ -4903,6 +4831,7 @@
                         </m:rPr>
                         <a:rPr lang="en-US" sz="2200" b="0" i="0" smtClean="0">
                           <a:latin typeface="Cambria Math" panose="02040503050406030204" pitchFamily="18" charset="0"/>
+                          <a:ea typeface="Cambria Math" panose="02040503050406030204" pitchFamily="18" charset="0"/>
                           <a:cs typeface="Arial" panose="020B0604020202020204" pitchFamily="34" charset="0"/>
                         </a:rPr>
                         <m:t>∇</m:t>
@@ -4910,39 +4839,39 @@
                       <m:r>
                         <a:rPr lang="en-US" sz="2200" b="0" i="1" smtClean="0">
                           <a:latin typeface="Cambria Math" panose="02040503050406030204" pitchFamily="18" charset="0"/>
+                          <a:ea typeface="Cambria Math" panose="02040503050406030204" pitchFamily="18" charset="0"/>
                           <a:cs typeface="Arial" panose="020B0604020202020204" pitchFamily="34" charset="0"/>
                         </a:rPr>
                         <m:t>𝑝</m:t>
                       </m:r>
-                      <m:d>
-                        <m:dPr>
-                          <m:ctrlPr>
-                            <a:rPr lang="en-US" sz="2200" b="0" i="1" smtClean="0">
-                              <a:latin typeface="Cambria Math" panose="02040503050406030204" pitchFamily="18" charset="0"/>
-                              <a:cs typeface="Arial" panose="020B0604020202020204" pitchFamily="34" charset="0"/>
-                            </a:rPr>
-                          </m:ctrlPr>
-                        </m:dPr>
-                        <m:e>
-                          <m:r>
-                            <a:rPr lang="en-US" sz="2200" b="0" i="1" smtClean="0">
-                              <a:latin typeface="Cambria Math" panose="02040503050406030204" pitchFamily="18" charset="0"/>
-                              <a:cs typeface="Arial" panose="020B0604020202020204" pitchFamily="34" charset="0"/>
-                            </a:rPr>
-                            <m:t>𝜌</m:t>
-                          </m:r>
-                        </m:e>
-                      </m:d>
                       <m:r>
                         <a:rPr lang="en-US" sz="2200" b="0" i="1" smtClean="0">
                           <a:latin typeface="Cambria Math" panose="02040503050406030204" pitchFamily="18" charset="0"/>
+                          <a:ea typeface="Cambria Math" panose="02040503050406030204" pitchFamily="18" charset="0"/>
                           <a:cs typeface="Arial" panose="020B0604020202020204" pitchFamily="34" charset="0"/>
                         </a:rPr>
-                        <m:t>−</m:t>
+                        <m:t>(</m:t>
                       </m:r>
                       <m:r>
                         <a:rPr lang="en-US" sz="2200" b="0" i="1" smtClean="0">
                           <a:latin typeface="Cambria Math" panose="02040503050406030204" pitchFamily="18" charset="0"/>
+                          <a:ea typeface="Cambria Math" panose="02040503050406030204" pitchFamily="18" charset="0"/>
+                          <a:cs typeface="Arial" panose="020B0604020202020204" pitchFamily="34" charset="0"/>
+                        </a:rPr>
+                        <m:t>𝜌</m:t>
+                      </m:r>
+                      <m:r>
+                        <a:rPr lang="en-US" sz="2200" b="0" i="1" smtClean="0">
+                          <a:latin typeface="Cambria Math" panose="02040503050406030204" pitchFamily="18" charset="0"/>
+                          <a:ea typeface="Cambria Math" panose="02040503050406030204" pitchFamily="18" charset="0"/>
+                          <a:cs typeface="Arial" panose="020B0604020202020204" pitchFamily="34" charset="0"/>
+                        </a:rPr>
+                        <m:t>)−</m:t>
+                      </m:r>
+                      <m:r>
+                        <a:rPr lang="en-US" sz="2200" b="0" i="1" smtClean="0">
+                          <a:latin typeface="Cambria Math" panose="02040503050406030204" pitchFamily="18" charset="0"/>
+                          <a:ea typeface="Cambria Math" panose="02040503050406030204" pitchFamily="18" charset="0"/>
                           <a:cs typeface="Arial" panose="020B0604020202020204" pitchFamily="34" charset="0"/>
                         </a:rPr>
                         <m:t>𝜌</m:t>
@@ -4950,6 +4879,7 @@
                       <m:r>
                         <a:rPr lang="en-US" sz="2200" b="1" i="1" smtClean="0">
                           <a:latin typeface="Cambria Math" panose="02040503050406030204" pitchFamily="18" charset="0"/>
+                          <a:ea typeface="Cambria Math" panose="02040503050406030204" pitchFamily="18" charset="0"/>
                           <a:cs typeface="Arial" panose="020B0604020202020204" pitchFamily="34" charset="0"/>
                         </a:rPr>
                         <m:t>𝒗</m:t>
@@ -4957,6 +4887,7 @@
                       <m:r>
                         <a:rPr lang="en-US" sz="2200" b="0" i="1" smtClean="0">
                           <a:latin typeface="Cambria Math" panose="02040503050406030204" pitchFamily="18" charset="0"/>
+                          <a:ea typeface="Cambria Math" panose="02040503050406030204" pitchFamily="18" charset="0"/>
                           <a:cs typeface="Arial" panose="020B0604020202020204" pitchFamily="34" charset="0"/>
                         </a:rPr>
                         <m:t>⋅</m:t>
@@ -4967,6 +4898,7 @@
                         </m:rPr>
                         <a:rPr lang="en-US" sz="2200" b="0" i="0" smtClean="0">
                           <a:latin typeface="Cambria Math" panose="02040503050406030204" pitchFamily="18" charset="0"/>
+                          <a:ea typeface="Cambria Math" panose="02040503050406030204" pitchFamily="18" charset="0"/>
                           <a:cs typeface="Arial" panose="020B0604020202020204" pitchFamily="34" charset="0"/>
                         </a:rPr>
                         <m:t>∇</m:t>
@@ -4974,6 +4906,7 @@
                       <m:r>
                         <a:rPr lang="en-US" sz="2200" b="1" i="1" smtClean="0">
                           <a:latin typeface="Cambria Math" panose="02040503050406030204" pitchFamily="18" charset="0"/>
+                          <a:ea typeface="Cambria Math" panose="02040503050406030204" pitchFamily="18" charset="0"/>
                           <a:cs typeface="Arial" panose="020B0604020202020204" pitchFamily="34" charset="0"/>
                         </a:rPr>
                         <m:t>𝒗</m:t>
@@ -4982,7 +4915,8 @@
                   </m:oMathPara>
                 </a14:m>
                 <a:endParaRPr lang="en-US" sz="2200" dirty="0">
-                  <a:latin typeface="Arial" panose="020B0604020202020204" pitchFamily="34" charset="0"/>
+                  <a:latin typeface="Cambria Math" panose="02040503050406030204" pitchFamily="18" charset="0"/>
+                  <a:ea typeface="Cambria Math" panose="02040503050406030204" pitchFamily="18" charset="0"/>
                   <a:cs typeface="Arial" panose="020B0604020202020204" pitchFamily="34" charset="0"/>
                 </a:endParaRPr>
               </a:p>
@@ -4999,6 +4933,7 @@
                           <m:ctrlPr>
                             <a:rPr lang="en-US" sz="2200" b="0" i="1" smtClean="0">
                               <a:latin typeface="Cambria Math" panose="02040503050406030204" pitchFamily="18" charset="0"/>
+                              <a:ea typeface="Cambria Math" panose="02040503050406030204" pitchFamily="18" charset="0"/>
                               <a:cs typeface="Arial" panose="020B0604020202020204" pitchFamily="34" charset="0"/>
                             </a:rPr>
                           </m:ctrlPr>
@@ -5007,6 +4942,7 @@
                           <m:r>
                             <a:rPr lang="en-US" sz="2200" b="0" i="1" smtClean="0">
                               <a:latin typeface="Cambria Math" panose="02040503050406030204" pitchFamily="18" charset="0"/>
+                              <a:ea typeface="Cambria Math" panose="02040503050406030204" pitchFamily="18" charset="0"/>
                               <a:cs typeface="Arial" panose="020B0604020202020204" pitchFamily="34" charset="0"/>
                             </a:rPr>
                             <m:t>𝜕</m:t>
@@ -5014,6 +4950,7 @@
                           <m:r>
                             <a:rPr lang="en-US" sz="2200" b="1" i="1" smtClean="0">
                               <a:latin typeface="Cambria Math" panose="02040503050406030204" pitchFamily="18" charset="0"/>
+                              <a:ea typeface="Cambria Math" panose="02040503050406030204" pitchFamily="18" charset="0"/>
                               <a:cs typeface="Arial" panose="020B0604020202020204" pitchFamily="34" charset="0"/>
                             </a:rPr>
                             <m:t>𝑩</m:t>
@@ -5023,6 +4960,7 @@
                           <m:r>
                             <a:rPr lang="en-US" sz="2200" b="0" i="1" smtClean="0">
                               <a:latin typeface="Cambria Math" panose="02040503050406030204" pitchFamily="18" charset="0"/>
+                              <a:ea typeface="Cambria Math" panose="02040503050406030204" pitchFamily="18" charset="0"/>
                               <a:cs typeface="Arial" panose="020B0604020202020204" pitchFamily="34" charset="0"/>
                             </a:rPr>
                             <m:t>𝜕</m:t>
@@ -5030,6 +4968,7 @@
                           <m:r>
                             <a:rPr lang="en-US" sz="2200" b="0" i="1" smtClean="0">
                               <a:latin typeface="Cambria Math" panose="02040503050406030204" pitchFamily="18" charset="0"/>
+                              <a:ea typeface="Cambria Math" panose="02040503050406030204" pitchFamily="18" charset="0"/>
                               <a:cs typeface="Arial" panose="020B0604020202020204" pitchFamily="34" charset="0"/>
                             </a:rPr>
                             <m:t>𝑡</m:t>
@@ -5039,6 +4978,7 @@
                       <m:r>
                         <a:rPr lang="en-US" sz="2200" b="0" i="1" smtClean="0">
                           <a:latin typeface="Cambria Math" panose="02040503050406030204" pitchFamily="18" charset="0"/>
+                          <a:ea typeface="Cambria Math" panose="02040503050406030204" pitchFamily="18" charset="0"/>
                           <a:cs typeface="Arial" panose="020B0604020202020204" pitchFamily="34" charset="0"/>
                         </a:rPr>
                         <m:t>=</m:t>
@@ -5049,6 +4989,7 @@
                         </m:rPr>
                         <a:rPr lang="en-US" sz="2200" b="0" i="0" smtClean="0">
                           <a:latin typeface="Cambria Math" panose="02040503050406030204" pitchFamily="18" charset="0"/>
+                          <a:ea typeface="Cambria Math" panose="02040503050406030204" pitchFamily="18" charset="0"/>
                           <a:cs typeface="Arial" panose="020B0604020202020204" pitchFamily="34" charset="0"/>
                         </a:rPr>
                         <m:t>∇</m:t>
@@ -5056,6 +4997,7 @@
                       <m:r>
                         <a:rPr lang="en-US" sz="2200" b="0" i="1" smtClean="0">
                           <a:latin typeface="Cambria Math" panose="02040503050406030204" pitchFamily="18" charset="0"/>
+                          <a:ea typeface="Cambria Math" panose="02040503050406030204" pitchFamily="18" charset="0"/>
                           <a:cs typeface="Arial" panose="020B0604020202020204" pitchFamily="34" charset="0"/>
                         </a:rPr>
                         <m:t>×</m:t>
@@ -5065,6 +5007,7 @@
                           <m:ctrlPr>
                             <a:rPr lang="en-US" sz="2200" b="0" i="1" smtClean="0">
                               <a:latin typeface="Cambria Math" panose="02040503050406030204" pitchFamily="18" charset="0"/>
+                              <a:ea typeface="Cambria Math" panose="02040503050406030204" pitchFamily="18" charset="0"/>
                               <a:cs typeface="Arial" panose="020B0604020202020204" pitchFamily="34" charset="0"/>
                             </a:rPr>
                           </m:ctrlPr>
@@ -5073,6 +5016,7 @@
                           <m:r>
                             <a:rPr lang="en-US" sz="2200" b="1" i="1" smtClean="0">
                               <a:latin typeface="Cambria Math" panose="02040503050406030204" pitchFamily="18" charset="0"/>
+                              <a:ea typeface="Cambria Math" panose="02040503050406030204" pitchFamily="18" charset="0"/>
                               <a:cs typeface="Arial" panose="020B0604020202020204" pitchFamily="34" charset="0"/>
                             </a:rPr>
                             <m:t>𝒗</m:t>
@@ -5080,6 +5024,7 @@
                           <m:r>
                             <a:rPr lang="en-US" sz="2200" b="1" i="1" smtClean="0">
                               <a:latin typeface="Cambria Math" panose="02040503050406030204" pitchFamily="18" charset="0"/>
+                              <a:ea typeface="Cambria Math" panose="02040503050406030204" pitchFamily="18" charset="0"/>
                               <a:cs typeface="Arial" panose="020B0604020202020204" pitchFamily="34" charset="0"/>
                             </a:rPr>
                             <m:t>×</m:t>
@@ -5087,6 +5032,7 @@
                           <m:r>
                             <a:rPr lang="en-US" sz="2200" b="1" i="1" smtClean="0">
                               <a:latin typeface="Cambria Math" panose="02040503050406030204" pitchFamily="18" charset="0"/>
+                              <a:ea typeface="Cambria Math" panose="02040503050406030204" pitchFamily="18" charset="0"/>
                               <a:cs typeface="Arial" panose="020B0604020202020204" pitchFamily="34" charset="0"/>
                             </a:rPr>
                             <m:t>𝑩</m:t>
@@ -5096,6 +5042,7 @@
                       <m:r>
                         <a:rPr lang="en-US" sz="2200" b="0" i="1" smtClean="0">
                           <a:latin typeface="Cambria Math" panose="02040503050406030204" pitchFamily="18" charset="0"/>
+                          <a:ea typeface="Cambria Math" panose="02040503050406030204" pitchFamily="18" charset="0"/>
                           <a:cs typeface="Arial" panose="020B0604020202020204" pitchFamily="34" charset="0"/>
                         </a:rPr>
                         <m:t>.</m:t>
@@ -5104,7 +5051,8 @@
                   </m:oMathPara>
                 </a14:m>
                 <a:endParaRPr lang="en-US" sz="2200" dirty="0">
-                  <a:latin typeface="Arial" panose="020B0604020202020204" pitchFamily="34" charset="0"/>
+                  <a:latin typeface="Cambria Math" panose="02040503050406030204" pitchFamily="18" charset="0"/>
+                  <a:ea typeface="Cambria Math" panose="02040503050406030204" pitchFamily="18" charset="0"/>
                   <a:cs typeface="Arial" panose="020B0604020202020204" pitchFamily="34" charset="0"/>
                 </a:endParaRPr>
               </a:p>
@@ -5120,33 +5068,153 @@
                     <a:latin typeface="Arial" panose="020B0604020202020204" pitchFamily="34" charset="0"/>
                     <a:cs typeface="Arial" panose="020B0604020202020204" pitchFamily="34" charset="0"/>
                   </a:rPr>
-                  <a:t>        Now, we will demonstrate that the ideal MHD system has a property analogous to fast slow. We will nondimensionalize the MHD system using a similar scaling as previous authors </a:t>
+                  <a:t>        We would like to find a fast-slow split for the ideal MHD system that reproduces and improves existing reduction schemes, so we must nondimensionalize and insert scale parameters, </a:t>
                 </a:r>
-              </a:p>
-              <a:p>
+                <a14:m>
+                  <m:oMath xmlns:m="http://schemas.openxmlformats.org/officeDocument/2006/math">
+                    <m:r>
+                      <a:rPr lang="en-US" sz="1600" b="0" i="1" dirty="0" smtClean="0">
+                        <a:latin typeface="Cambria Math" panose="02040503050406030204" pitchFamily="18" charset="0"/>
+                        <a:cs typeface="Arial" panose="020B0604020202020204" pitchFamily="34" charset="0"/>
+                      </a:rPr>
+                      <m:t>𝜖</m:t>
+                    </m:r>
+                  </m:oMath>
+                </a14:m>
                 <a:r>
                   <a:rPr lang="en-US" sz="1600" dirty="0">
                     <a:latin typeface="Arial" panose="020B0604020202020204" pitchFamily="34" charset="0"/>
                     <a:cs typeface="Arial" panose="020B0604020202020204" pitchFamily="34" charset="0"/>
                   </a:rPr>
-                  <a:t>Before we can interpret any physical system as fast-slow, we must non-</a:t>
+                  <a:t>. We choose a scaling similar to that taken by Strauss, except that it places density and parallel magnetic field fluctuations at </a:t>
                 </a:r>
-                <a:r>
-                  <a:rPr lang="en-US" sz="1600" dirty="0" err="1">
-                    <a:latin typeface="Arial" panose="020B0604020202020204" pitchFamily="34" charset="0"/>
-                    <a:cs typeface="Arial" panose="020B0604020202020204" pitchFamily="34" charset="0"/>
-                  </a:rPr>
-                  <a:t>dimensionalize</a:t>
-                </a:r>
+                <a14:m>
+                  <m:oMath xmlns:m="http://schemas.openxmlformats.org/officeDocument/2006/math">
+                    <m:r>
+                      <a:rPr lang="en-US" sz="1600" b="0" i="1" dirty="0" smtClean="0">
+                        <a:latin typeface="Cambria Math" panose="02040503050406030204" pitchFamily="18" charset="0"/>
+                        <a:cs typeface="Arial" panose="020B0604020202020204" pitchFamily="34" charset="0"/>
+                      </a:rPr>
+                      <m:t>𝑂</m:t>
+                    </m:r>
+                    <m:r>
+                      <a:rPr lang="en-US" sz="1600" b="0" i="1" dirty="0" smtClean="0">
+                        <a:latin typeface="Cambria Math" panose="02040503050406030204" pitchFamily="18" charset="0"/>
+                        <a:cs typeface="Arial" panose="020B0604020202020204" pitchFamily="34" charset="0"/>
+                      </a:rPr>
+                      <m:t>(</m:t>
+                    </m:r>
+                    <m:r>
+                      <a:rPr lang="en-US" sz="1600" b="0" i="1" dirty="0" smtClean="0">
+                        <a:latin typeface="Cambria Math" panose="02040503050406030204" pitchFamily="18" charset="0"/>
+                        <a:cs typeface="Arial" panose="020B0604020202020204" pitchFamily="34" charset="0"/>
+                      </a:rPr>
+                      <m:t>𝜖</m:t>
+                    </m:r>
+                    <m:r>
+                      <a:rPr lang="en-US" sz="1600" b="0" i="1" dirty="0" smtClean="0">
+                        <a:latin typeface="Cambria Math" panose="02040503050406030204" pitchFamily="18" charset="0"/>
+                        <a:cs typeface="Arial" panose="020B0604020202020204" pitchFamily="34" charset="0"/>
+                      </a:rPr>
+                      <m:t>)</m:t>
+                    </m:r>
+                  </m:oMath>
+                </a14:m>
                 <a:r>
                   <a:rPr lang="en-US" sz="1600" dirty="0">
                     <a:latin typeface="Arial" panose="020B0604020202020204" pitchFamily="34" charset="0"/>
                     <a:cs typeface="Arial" panose="020B0604020202020204" pitchFamily="34" charset="0"/>
                   </a:rPr>
-                  <a:t> the system, including the coordinates. </a:t>
+                  <a:t> instead of </a:t>
+                </a:r>
+                <a14:m>
+                  <m:oMath xmlns:m="http://schemas.openxmlformats.org/officeDocument/2006/math">
+                    <m:r>
+                      <a:rPr lang="en-US" sz="1600" b="0" i="1" dirty="0" smtClean="0">
+                        <a:latin typeface="Cambria Math" panose="02040503050406030204" pitchFamily="18" charset="0"/>
+                        <a:cs typeface="Arial" panose="020B0604020202020204" pitchFamily="34" charset="0"/>
+                      </a:rPr>
+                      <m:t>𝑂</m:t>
+                    </m:r>
+                    <m:r>
+                      <a:rPr lang="en-US" sz="1600" b="0" i="1" dirty="0" smtClean="0">
+                        <a:latin typeface="Cambria Math" panose="02040503050406030204" pitchFamily="18" charset="0"/>
+                        <a:cs typeface="Arial" panose="020B0604020202020204" pitchFamily="34" charset="0"/>
+                      </a:rPr>
+                      <m:t>(1)</m:t>
+                    </m:r>
+                  </m:oMath>
+                </a14:m>
+                <a:r>
+                  <a:rPr lang="en-US" sz="1600" dirty="0">
+                    <a:latin typeface="Arial" panose="020B0604020202020204" pitchFamily="34" charset="0"/>
+                    <a:cs typeface="Arial" panose="020B0604020202020204" pitchFamily="34" charset="0"/>
+                  </a:rPr>
+                  <a:t> and </a:t>
+                </a:r>
+                <a14:m>
+                  <m:oMath xmlns:m="http://schemas.openxmlformats.org/officeDocument/2006/math">
+                    <m:r>
+                      <a:rPr lang="en-US" sz="1600" b="0" i="1" dirty="0" smtClean="0">
+                        <a:latin typeface="Cambria Math" panose="02040503050406030204" pitchFamily="18" charset="0"/>
+                        <a:cs typeface="Arial" panose="020B0604020202020204" pitchFamily="34" charset="0"/>
+                      </a:rPr>
+                      <m:t>𝑂</m:t>
+                    </m:r>
+                    <m:r>
+                      <a:rPr lang="en-US" sz="1600" b="0" i="1" dirty="0" smtClean="0">
+                        <a:latin typeface="Cambria Math" panose="02040503050406030204" pitchFamily="18" charset="0"/>
+                        <a:cs typeface="Arial" panose="020B0604020202020204" pitchFamily="34" charset="0"/>
+                      </a:rPr>
+                      <m:t>(</m:t>
+                    </m:r>
+                    <m:sSup>
+                      <m:sSupPr>
+                        <m:ctrlPr>
+                          <a:rPr lang="en-US" sz="1600" b="0" i="1" dirty="0" smtClean="0">
+                            <a:latin typeface="Cambria Math" panose="02040503050406030204" pitchFamily="18" charset="0"/>
+                            <a:cs typeface="Arial" panose="020B0604020202020204" pitchFamily="34" charset="0"/>
+                          </a:rPr>
+                        </m:ctrlPr>
+                      </m:sSupPr>
+                      <m:e>
+                        <m:r>
+                          <a:rPr lang="en-US" sz="1600" b="0" i="1" dirty="0" smtClean="0">
+                            <a:latin typeface="Cambria Math" panose="02040503050406030204" pitchFamily="18" charset="0"/>
+                            <a:cs typeface="Arial" panose="020B0604020202020204" pitchFamily="34" charset="0"/>
+                          </a:rPr>
+                          <m:t>𝜖</m:t>
+                        </m:r>
+                      </m:e>
+                      <m:sup>
+                        <m:r>
+                          <a:rPr lang="en-US" sz="1600" b="0" i="1" dirty="0" smtClean="0">
+                            <a:latin typeface="Cambria Math" panose="02040503050406030204" pitchFamily="18" charset="0"/>
+                            <a:cs typeface="Arial" panose="020B0604020202020204" pitchFamily="34" charset="0"/>
+                          </a:rPr>
+                          <m:t>2</m:t>
+                        </m:r>
+                      </m:sup>
+                    </m:sSup>
+                    <m:r>
+                      <a:rPr lang="en-US" sz="1600" b="0" i="1" dirty="0" smtClean="0">
+                        <a:latin typeface="Cambria Math" panose="02040503050406030204" pitchFamily="18" charset="0"/>
+                        <a:cs typeface="Arial" panose="020B0604020202020204" pitchFamily="34" charset="0"/>
+                      </a:rPr>
+                      <m:t>)</m:t>
+                    </m:r>
+                  </m:oMath>
+                </a14:m>
+                <a:r>
+                  <a:rPr lang="en-US" sz="1600" dirty="0">
+                    <a:latin typeface="Arial" panose="020B0604020202020204" pitchFamily="34" charset="0"/>
+                    <a:cs typeface="Arial" panose="020B0604020202020204" pitchFamily="34" charset="0"/>
+                  </a:rPr>
+                  <a:t> respectively: </a:t>
                 </a:r>
               </a:p>
               <a:p>
+                <a:pPr/>
                 <a14:m>
                   <m:oMathPara xmlns:m="http://schemas.openxmlformats.org/officeDocument/2006/math">
                     <m:oMathParaPr>
@@ -5156,6 +5224,7 @@
                       <m:r>
                         <a:rPr lang="en-US" sz="2200" b="0" i="1" smtClean="0">
                           <a:latin typeface="Cambria Math" panose="02040503050406030204" pitchFamily="18" charset="0"/>
+                          <a:ea typeface="Cambria Math" panose="02040503050406030204" pitchFamily="18" charset="0"/>
                           <a:cs typeface="Arial" panose="020B0604020202020204" pitchFamily="34" charset="0"/>
                         </a:rPr>
                         <m:t>𝜌</m:t>
@@ -5163,6 +5232,7 @@
                       <m:r>
                         <a:rPr lang="en-US" sz="2200" b="0" i="1" smtClean="0">
                           <a:latin typeface="Cambria Math" panose="02040503050406030204" pitchFamily="18" charset="0"/>
+                          <a:ea typeface="Cambria Math" panose="02040503050406030204" pitchFamily="18" charset="0"/>
                           <a:cs typeface="Arial" panose="020B0604020202020204" pitchFamily="34" charset="0"/>
                         </a:rPr>
                         <m:t>=</m:t>
@@ -5172,6 +5242,7 @@
                           <m:ctrlPr>
                             <a:rPr lang="en-US" sz="2200" b="0" i="1" smtClean="0">
                               <a:latin typeface="Cambria Math" panose="02040503050406030204" pitchFamily="18" charset="0"/>
+                              <a:ea typeface="Cambria Math" panose="02040503050406030204" pitchFamily="18" charset="0"/>
                               <a:cs typeface="Arial" panose="020B0604020202020204" pitchFamily="34" charset="0"/>
                             </a:rPr>
                           </m:ctrlPr>
@@ -5180,6 +5251,7 @@
                           <m:r>
                             <a:rPr lang="en-US" sz="2200" b="0" i="1" smtClean="0">
                               <a:latin typeface="Cambria Math" panose="02040503050406030204" pitchFamily="18" charset="0"/>
+                              <a:ea typeface="Cambria Math" panose="02040503050406030204" pitchFamily="18" charset="0"/>
                               <a:cs typeface="Arial" panose="020B0604020202020204" pitchFamily="34" charset="0"/>
                             </a:rPr>
                             <m:t>𝜌</m:t>
@@ -5189,54 +5261,128 @@
                           <m:r>
                             <a:rPr lang="en-US" sz="2200" b="0" i="1" smtClean="0">
                               <a:latin typeface="Cambria Math" panose="02040503050406030204" pitchFamily="18" charset="0"/>
+                              <a:ea typeface="Cambria Math" panose="02040503050406030204" pitchFamily="18" charset="0"/>
                               <a:cs typeface="Arial" panose="020B0604020202020204" pitchFamily="34" charset="0"/>
                             </a:rPr>
                             <m:t>0</m:t>
                           </m:r>
                         </m:sub>
                       </m:sSub>
-                      <m:d>
-                        <m:dPr>
-                          <m:ctrlPr>
-                            <a:rPr lang="en-US" sz="2200" b="0" i="1" smtClean="0">
-                              <a:latin typeface="Cambria Math" panose="02040503050406030204" pitchFamily="18" charset="0"/>
-                              <a:cs typeface="Arial" panose="020B0604020202020204" pitchFamily="34" charset="0"/>
-                            </a:rPr>
-                          </m:ctrlPr>
-                        </m:dPr>
-                        <m:e>
-                          <m:r>
-                            <a:rPr lang="en-US" sz="2200" b="0" i="1" smtClean="0">
-                              <a:latin typeface="Cambria Math" panose="02040503050406030204" pitchFamily="18" charset="0"/>
-                              <a:cs typeface="Arial" panose="020B0604020202020204" pitchFamily="34" charset="0"/>
-                            </a:rPr>
-                            <m:t>1+</m:t>
-                          </m:r>
-                          <m:r>
-                            <a:rPr lang="en-US" sz="2200" b="0" i="1" smtClean="0">
-                              <a:latin typeface="Cambria Math" panose="02040503050406030204" pitchFamily="18" charset="0"/>
-                              <a:cs typeface="Arial" panose="020B0604020202020204" pitchFamily="34" charset="0"/>
-                            </a:rPr>
-                            <m:t>𝜖</m:t>
-                          </m:r>
-                          <m:r>
-                            <a:rPr lang="en-US" sz="2200" b="0" i="1" smtClean="0">
-                              <a:latin typeface="Cambria Math" panose="02040503050406030204" pitchFamily="18" charset="0"/>
-                              <a:cs typeface="Arial" panose="020B0604020202020204" pitchFamily="34" charset="0"/>
-                            </a:rPr>
-                            <m:t>𝑟</m:t>
-                          </m:r>
-                        </m:e>
-                      </m:d>
+                      <m:r>
+                        <a:rPr lang="en-US" sz="2200" b="0" i="1" smtClean="0">
+                          <a:latin typeface="Cambria Math" panose="02040503050406030204" pitchFamily="18" charset="0"/>
+                          <a:ea typeface="Cambria Math" panose="02040503050406030204" pitchFamily="18" charset="0"/>
+                          <a:cs typeface="Arial" panose="020B0604020202020204" pitchFamily="34" charset="0"/>
+                        </a:rPr>
+                        <m:t>(1+</m:t>
+                      </m:r>
+                      <m:r>
+                        <a:rPr lang="en-US" sz="2200" b="0" i="1" smtClean="0">
+                          <a:latin typeface="Cambria Math" panose="02040503050406030204" pitchFamily="18" charset="0"/>
+                          <a:ea typeface="Cambria Math" panose="02040503050406030204" pitchFamily="18" charset="0"/>
+                          <a:cs typeface="Arial" panose="020B0604020202020204" pitchFamily="34" charset="0"/>
+                        </a:rPr>
+                        <m:t>𝜖</m:t>
+                      </m:r>
+                      <m:r>
+                        <a:rPr lang="en-US" sz="2200" b="0" i="1" smtClean="0">
+                          <a:latin typeface="Cambria Math" panose="02040503050406030204" pitchFamily="18" charset="0"/>
+                          <a:ea typeface="Cambria Math" panose="02040503050406030204" pitchFamily="18" charset="0"/>
+                          <a:cs typeface="Arial" panose="020B0604020202020204" pitchFamily="34" charset="0"/>
+                        </a:rPr>
+                        <m:t>𝑟</m:t>
+                      </m:r>
+                      <m:r>
+                        <a:rPr lang="en-US" sz="2200" b="0" i="1" smtClean="0">
+                          <a:latin typeface="Cambria Math" panose="02040503050406030204" pitchFamily="18" charset="0"/>
+                          <a:ea typeface="Cambria Math" panose="02040503050406030204" pitchFamily="18" charset="0"/>
+                          <a:cs typeface="Arial" panose="020B0604020202020204" pitchFamily="34" charset="0"/>
+                        </a:rPr>
+                        <m:t>)</m:t>
+                      </m:r>
                     </m:oMath>
                   </m:oMathPara>
                 </a14:m>
                 <a:endParaRPr lang="en-US" sz="2200" b="0" dirty="0">
-                  <a:latin typeface="Arial" panose="020B0604020202020204" pitchFamily="34" charset="0"/>
+                  <a:latin typeface="Cambria Math" panose="02040503050406030204" pitchFamily="18" charset="0"/>
+                  <a:ea typeface="Cambria Math" panose="02040503050406030204" pitchFamily="18" charset="0"/>
                   <a:cs typeface="Arial" panose="020B0604020202020204" pitchFamily="34" charset="0"/>
                 </a:endParaRPr>
               </a:p>
               <a:p>
+                <a:pPr/>
+                <a14:m>
+                  <m:oMathPara xmlns:m="http://schemas.openxmlformats.org/officeDocument/2006/math">
+                    <m:oMathParaPr>
+                      <m:jc m:val="centerGroup"/>
+                    </m:oMathParaPr>
+                    <m:oMath xmlns:m="http://schemas.openxmlformats.org/officeDocument/2006/math">
+                      <m:r>
+                        <a:rPr lang="en-US" sz="2200" b="1" i="1" smtClean="0">
+                          <a:latin typeface="Latin Modern Math" panose="02000503000000000000" pitchFamily="50" charset="0"/>
+                          <a:ea typeface="Latin Modern Math" panose="02000503000000000000" pitchFamily="50" charset="0"/>
+                          <a:cs typeface="Arial" panose="020B0604020202020204" pitchFamily="34" charset="0"/>
+                        </a:rPr>
+                        <m:t>𝒗</m:t>
+                      </m:r>
+                      <m:r>
+                        <a:rPr lang="en-US" sz="2200" b="0" i="1" smtClean="0">
+                          <a:latin typeface="Cambria Math" panose="02040503050406030204" pitchFamily="18" charset="0"/>
+                          <a:ea typeface="Cambria Math" panose="02040503050406030204" pitchFamily="18" charset="0"/>
+                          <a:cs typeface="Arial" panose="020B0604020202020204" pitchFamily="34" charset="0"/>
+                        </a:rPr>
+                        <m:t>=</m:t>
+                      </m:r>
+                      <m:sSub>
+                        <m:sSubPr>
+                          <m:ctrlPr>
+                            <a:rPr lang="en-US" sz="2200" b="0" i="1" smtClean="0">
+                              <a:latin typeface="Cambria Math" panose="02040503050406030204" pitchFamily="18" charset="0"/>
+                              <a:ea typeface="Cambria Math" panose="02040503050406030204" pitchFamily="18" charset="0"/>
+                              <a:cs typeface="Arial" panose="020B0604020202020204" pitchFamily="34" charset="0"/>
+                            </a:rPr>
+                          </m:ctrlPr>
+                        </m:sSubPr>
+                        <m:e>
+                          <m:r>
+                            <a:rPr lang="en-US" sz="2200" b="0" i="1" smtClean="0">
+                              <a:latin typeface="Cambria Math" panose="02040503050406030204" pitchFamily="18" charset="0"/>
+                              <a:ea typeface="Cambria Math" panose="02040503050406030204" pitchFamily="18" charset="0"/>
+                              <a:cs typeface="Arial" panose="020B0604020202020204" pitchFamily="34" charset="0"/>
+                            </a:rPr>
+                            <m:t>𝑣</m:t>
+                          </m:r>
+                        </m:e>
+                        <m:sub>
+                          <m:r>
+                            <a:rPr lang="en-US" sz="2200" b="0" i="1" smtClean="0">
+                              <a:latin typeface="Cambria Math" panose="02040503050406030204" pitchFamily="18" charset="0"/>
+                              <a:ea typeface="Cambria Math" panose="02040503050406030204" pitchFamily="18" charset="0"/>
+                              <a:cs typeface="Arial" panose="020B0604020202020204" pitchFamily="34" charset="0"/>
+                            </a:rPr>
+                            <m:t>0</m:t>
+                          </m:r>
+                        </m:sub>
+                      </m:sSub>
+                      <m:r>
+                        <a:rPr lang="en-US" sz="2200" b="1" i="1" smtClean="0">
+                          <a:latin typeface="Cambria Math" panose="02040503050406030204" pitchFamily="18" charset="0"/>
+                          <a:ea typeface="Cambria Math" panose="02040503050406030204" pitchFamily="18" charset="0"/>
+                          <a:cs typeface="Arial" panose="020B0604020202020204" pitchFamily="34" charset="0"/>
+                        </a:rPr>
+                        <m:t>𝝂</m:t>
+                      </m:r>
+                    </m:oMath>
+                  </m:oMathPara>
+                </a14:m>
+                <a:endParaRPr lang="en-US" sz="2200" b="1" dirty="0">
+                  <a:latin typeface="Cambria Math" panose="02040503050406030204" pitchFamily="18" charset="0"/>
+                  <a:ea typeface="Cambria Math" panose="02040503050406030204" pitchFamily="18" charset="0"/>
+                  <a:cs typeface="Arial" panose="020B0604020202020204" pitchFamily="34" charset="0"/>
+                </a:endParaRPr>
+              </a:p>
+              <a:p>
+                <a:pPr/>
                 <a14:m>
                   <m:oMathPara xmlns:m="http://schemas.openxmlformats.org/officeDocument/2006/math">
                     <m:oMathParaPr>
@@ -5246,13 +5392,15 @@
                       <m:r>
                         <a:rPr lang="en-US" sz="2200" b="1" i="1" smtClean="0">
                           <a:latin typeface="Cambria Math" panose="02040503050406030204" pitchFamily="18" charset="0"/>
+                          <a:ea typeface="Cambria Math" panose="02040503050406030204" pitchFamily="18" charset="0"/>
                           <a:cs typeface="Arial" panose="020B0604020202020204" pitchFamily="34" charset="0"/>
                         </a:rPr>
-                        <m:t>𝒗</m:t>
+                        <m:t>𝑩</m:t>
                       </m:r>
                       <m:r>
                         <a:rPr lang="en-US" sz="2200" b="0" i="1" smtClean="0">
                           <a:latin typeface="Cambria Math" panose="02040503050406030204" pitchFamily="18" charset="0"/>
+                          <a:ea typeface="Cambria Math" panose="02040503050406030204" pitchFamily="18" charset="0"/>
                           <a:cs typeface="Arial" panose="020B0604020202020204" pitchFamily="34" charset="0"/>
                         </a:rPr>
                         <m:t>=</m:t>
@@ -5262,6 +5410,7 @@
                           <m:ctrlPr>
                             <a:rPr lang="en-US" sz="2200" b="0" i="1" smtClean="0">
                               <a:latin typeface="Cambria Math" panose="02040503050406030204" pitchFamily="18" charset="0"/>
+                              <a:ea typeface="Cambria Math" panose="02040503050406030204" pitchFamily="18" charset="0"/>
                               <a:cs typeface="Arial" panose="020B0604020202020204" pitchFamily="34" charset="0"/>
                             </a:rPr>
                           </m:ctrlPr>
@@ -5270,70 +5419,7 @@
                           <m:r>
                             <a:rPr lang="en-US" sz="2200" b="0" i="1" smtClean="0">
                               <a:latin typeface="Cambria Math" panose="02040503050406030204" pitchFamily="18" charset="0"/>
-                              <a:cs typeface="Arial" panose="020B0604020202020204" pitchFamily="34" charset="0"/>
-                            </a:rPr>
-                            <m:t>𝑣</m:t>
-                          </m:r>
-                        </m:e>
-                        <m:sub>
-                          <m:r>
-                            <a:rPr lang="en-US" sz="2200" b="0" i="1" smtClean="0">
-                              <a:latin typeface="Cambria Math" panose="02040503050406030204" pitchFamily="18" charset="0"/>
-                              <a:cs typeface="Arial" panose="020B0604020202020204" pitchFamily="34" charset="0"/>
-                            </a:rPr>
-                            <m:t>0</m:t>
-                          </m:r>
-                        </m:sub>
-                      </m:sSub>
-                      <m:r>
-                        <a:rPr lang="en-US" sz="2200" b="1" i="1" smtClean="0">
-                          <a:latin typeface="Cambria Math" panose="02040503050406030204" pitchFamily="18" charset="0"/>
-                          <a:cs typeface="Arial" panose="020B0604020202020204" pitchFamily="34" charset="0"/>
-                        </a:rPr>
-                        <m:t>𝝂</m:t>
-                      </m:r>
-                    </m:oMath>
-                  </m:oMathPara>
-                </a14:m>
-                <a:endParaRPr lang="en-US" sz="2200" b="1" dirty="0">
-                  <a:latin typeface="Arial" panose="020B0604020202020204" pitchFamily="34" charset="0"/>
-                  <a:cs typeface="Arial" panose="020B0604020202020204" pitchFamily="34" charset="0"/>
-                </a:endParaRPr>
-              </a:p>
-              <a:p>
-                <a14:m>
-                  <m:oMathPara xmlns:m="http://schemas.openxmlformats.org/officeDocument/2006/math">
-                    <m:oMathParaPr>
-                      <m:jc m:val="centerGroup"/>
-                    </m:oMathParaPr>
-                    <m:oMath xmlns:m="http://schemas.openxmlformats.org/officeDocument/2006/math">
-                      <m:r>
-                        <a:rPr lang="en-US" sz="2200" b="1" i="1" smtClean="0">
-                          <a:latin typeface="Cambria Math" panose="02040503050406030204" pitchFamily="18" charset="0"/>
-                          <a:cs typeface="Arial" panose="020B0604020202020204" pitchFamily="34" charset="0"/>
-                        </a:rPr>
-                        <m:t>𝑩</m:t>
-                      </m:r>
-                      <m:r>
-                        <a:rPr lang="en-US" sz="2200" b="0" i="1" smtClean="0">
-                          <a:latin typeface="Cambria Math" panose="02040503050406030204" pitchFamily="18" charset="0"/>
-                          <a:cs typeface="Arial" panose="020B0604020202020204" pitchFamily="34" charset="0"/>
-                        </a:rPr>
-                        <m:t>=</m:t>
-                      </m:r>
-                      <m:sSub>
-                        <m:sSubPr>
-                          <m:ctrlPr>
-                            <a:rPr lang="en-US" sz="2200" b="0" i="1" smtClean="0">
-                              <a:latin typeface="Cambria Math" panose="02040503050406030204" pitchFamily="18" charset="0"/>
-                              <a:cs typeface="Arial" panose="020B0604020202020204" pitchFamily="34" charset="0"/>
-                            </a:rPr>
-                          </m:ctrlPr>
-                        </m:sSubPr>
-                        <m:e>
-                          <m:r>
-                            <a:rPr lang="en-US" sz="2200" b="0" i="1" smtClean="0">
-                              <a:latin typeface="Cambria Math" panose="02040503050406030204" pitchFamily="18" charset="0"/>
+                              <a:ea typeface="Cambria Math" panose="02040503050406030204" pitchFamily="18" charset="0"/>
                               <a:cs typeface="Arial" panose="020B0604020202020204" pitchFamily="34" charset="0"/>
                             </a:rPr>
                             <m:t>𝐵</m:t>
@@ -5343,23 +5429,196 @@
                           <m:r>
                             <a:rPr lang="en-US" sz="2200" b="0" i="1" smtClean="0">
                               <a:latin typeface="Cambria Math" panose="02040503050406030204" pitchFamily="18" charset="0"/>
+                              <a:ea typeface="Cambria Math" panose="02040503050406030204" pitchFamily="18" charset="0"/>
                               <a:cs typeface="Arial" panose="020B0604020202020204" pitchFamily="34" charset="0"/>
                             </a:rPr>
                             <m:t>0</m:t>
                           </m:r>
                         </m:sub>
                       </m:sSub>
+                      <m:d>
+                        <m:dPr>
+                          <m:ctrlPr>
+                            <a:rPr lang="en-US" sz="2200" i="1">
+                              <a:latin typeface="Cambria Math" panose="02040503050406030204" pitchFamily="18" charset="0"/>
+                              <a:ea typeface="Cambria Math" panose="02040503050406030204" pitchFamily="18" charset="0"/>
+                              <a:cs typeface="Arial" panose="020B0604020202020204" pitchFamily="34" charset="0"/>
+                            </a:rPr>
+                          </m:ctrlPr>
+                        </m:dPr>
+                        <m:e>
+                          <m:m>
+                            <m:mPr>
+                              <m:mcs>
+                                <m:mc>
+                                  <m:mcPr>
+                                    <m:count m:val="1"/>
+                                    <m:mcJc m:val="center"/>
+                                  </m:mcPr>
+                                </m:mc>
+                              </m:mcs>
+                              <m:ctrlPr>
+                                <a:rPr lang="en-US" sz="2200" i="1" smtClean="0">
+                                  <a:latin typeface="Cambria Math" panose="02040503050406030204" pitchFamily="18" charset="0"/>
+                                  <a:ea typeface="Cambria Math" panose="02040503050406030204" pitchFamily="18" charset="0"/>
+                                  <a:cs typeface="Arial" panose="020B0604020202020204" pitchFamily="34" charset="0"/>
+                                </a:rPr>
+                              </m:ctrlPr>
+                            </m:mPr>
+                            <m:mr>
+                              <m:e>
+                                <m:r>
+                                  <a:rPr lang="en-US" sz="2200" b="0" i="1" smtClean="0">
+                                    <a:latin typeface="Cambria Math" panose="02040503050406030204" pitchFamily="18" charset="0"/>
+                                    <a:ea typeface="Cambria Math" panose="02040503050406030204" pitchFamily="18" charset="0"/>
+                                    <a:cs typeface="Arial" panose="020B0604020202020204" pitchFamily="34" charset="0"/>
+                                  </a:rPr>
+                                  <m:t>𝜖</m:t>
+                                </m:r>
+                                <m:sSub>
+                                  <m:sSubPr>
+                                    <m:ctrlPr>
+                                      <a:rPr lang="en-US" sz="2200" b="0" i="1" smtClean="0">
+                                        <a:latin typeface="Cambria Math" panose="02040503050406030204" pitchFamily="18" charset="0"/>
+                                        <a:ea typeface="Cambria Math" panose="02040503050406030204" pitchFamily="18" charset="0"/>
+                                        <a:cs typeface="Arial" panose="020B0604020202020204" pitchFamily="34" charset="0"/>
+                                      </a:rPr>
+                                    </m:ctrlPr>
+                                  </m:sSubPr>
+                                  <m:e>
+                                    <m:r>
+                                      <a:rPr lang="en-US" sz="2200" b="0" i="1" smtClean="0">
+                                        <a:latin typeface="Cambria Math" panose="02040503050406030204" pitchFamily="18" charset="0"/>
+                                        <a:ea typeface="Cambria Math" panose="02040503050406030204" pitchFamily="18" charset="0"/>
+                                        <a:cs typeface="Arial" panose="020B0604020202020204" pitchFamily="34" charset="0"/>
+                                      </a:rPr>
+                                      <m:t>𝛽</m:t>
+                                    </m:r>
+                                  </m:e>
+                                  <m:sub>
+                                    <m:r>
+                                      <a:rPr lang="en-US" sz="2200" b="0" i="1" smtClean="0">
+                                        <a:latin typeface="Cambria Math" panose="02040503050406030204" pitchFamily="18" charset="0"/>
+                                        <a:ea typeface="Cambria Math" panose="02040503050406030204" pitchFamily="18" charset="0"/>
+                                        <a:cs typeface="Arial" panose="020B0604020202020204" pitchFamily="34" charset="0"/>
+                                      </a:rPr>
+                                      <m:t>𝑥</m:t>
+                                    </m:r>
+                                  </m:sub>
+                                </m:sSub>
+                              </m:e>
+                            </m:mr>
+                            <m:mr>
+                              <m:e>
+                                <m:r>
+                                  <a:rPr lang="en-US" sz="2200" b="0" i="1" smtClean="0">
+                                    <a:latin typeface="Cambria Math" panose="02040503050406030204" pitchFamily="18" charset="0"/>
+                                    <a:ea typeface="Cambria Math" panose="02040503050406030204" pitchFamily="18" charset="0"/>
+                                    <a:cs typeface="Arial" panose="020B0604020202020204" pitchFamily="34" charset="0"/>
+                                  </a:rPr>
+                                  <m:t>𝜖</m:t>
+                                </m:r>
+                                <m:sSub>
+                                  <m:sSubPr>
+                                    <m:ctrlPr>
+                                      <a:rPr lang="en-US" sz="2200" b="0" i="1" smtClean="0">
+                                        <a:latin typeface="Cambria Math" panose="02040503050406030204" pitchFamily="18" charset="0"/>
+                                        <a:ea typeface="Cambria Math" panose="02040503050406030204" pitchFamily="18" charset="0"/>
+                                        <a:cs typeface="Arial" panose="020B0604020202020204" pitchFamily="34" charset="0"/>
+                                      </a:rPr>
+                                    </m:ctrlPr>
+                                  </m:sSubPr>
+                                  <m:e>
+                                    <m:r>
+                                      <a:rPr lang="en-US" sz="2200" b="0" i="1" smtClean="0">
+                                        <a:latin typeface="Cambria Math" panose="02040503050406030204" pitchFamily="18" charset="0"/>
+                                        <a:ea typeface="Cambria Math" panose="02040503050406030204" pitchFamily="18" charset="0"/>
+                                        <a:cs typeface="Arial" panose="020B0604020202020204" pitchFamily="34" charset="0"/>
+                                      </a:rPr>
+                                      <m:t>𝛽</m:t>
+                                    </m:r>
+                                  </m:e>
+                                  <m:sub>
+                                    <m:r>
+                                      <a:rPr lang="en-US" sz="2200" b="0" i="1" smtClean="0">
+                                        <a:latin typeface="Cambria Math" panose="02040503050406030204" pitchFamily="18" charset="0"/>
+                                        <a:ea typeface="Cambria Math" panose="02040503050406030204" pitchFamily="18" charset="0"/>
+                                        <a:cs typeface="Arial" panose="020B0604020202020204" pitchFamily="34" charset="0"/>
+                                      </a:rPr>
+                                      <m:t>𝑦</m:t>
+                                    </m:r>
+                                  </m:sub>
+                                </m:sSub>
+                              </m:e>
+                            </m:mr>
+                            <m:mr>
+                              <m:e>
+                                <m:r>
+                                  <a:rPr lang="en-US" sz="2200" b="0" i="1" smtClean="0">
+                                    <a:latin typeface="Cambria Math" panose="02040503050406030204" pitchFamily="18" charset="0"/>
+                                    <a:ea typeface="Cambria Math" panose="02040503050406030204" pitchFamily="18" charset="0"/>
+                                    <a:cs typeface="Arial" panose="020B0604020202020204" pitchFamily="34" charset="0"/>
+                                  </a:rPr>
+                                  <m:t>1+</m:t>
+                                </m:r>
+                                <m:r>
+                                  <a:rPr lang="en-US" sz="2200" b="0" i="1" smtClean="0">
+                                    <a:latin typeface="Cambria Math" panose="02040503050406030204" pitchFamily="18" charset="0"/>
+                                    <a:ea typeface="Cambria Math" panose="02040503050406030204" pitchFamily="18" charset="0"/>
+                                    <a:cs typeface="Arial" panose="020B0604020202020204" pitchFamily="34" charset="0"/>
+                                  </a:rPr>
+                                  <m:t>𝜖</m:t>
+                                </m:r>
+                                <m:sSub>
+                                  <m:sSubPr>
+                                    <m:ctrlPr>
+                                      <a:rPr lang="en-US" sz="2200" b="0" i="1" smtClean="0">
+                                        <a:latin typeface="Cambria Math" panose="02040503050406030204" pitchFamily="18" charset="0"/>
+                                        <a:ea typeface="Cambria Math" panose="02040503050406030204" pitchFamily="18" charset="0"/>
+                                        <a:cs typeface="Arial" panose="020B0604020202020204" pitchFamily="34" charset="0"/>
+                                      </a:rPr>
+                                    </m:ctrlPr>
+                                  </m:sSubPr>
+                                  <m:e>
+                                    <m:r>
+                                      <a:rPr lang="en-US" sz="2200" b="0" i="1" smtClean="0">
+                                        <a:latin typeface="Cambria Math" panose="02040503050406030204" pitchFamily="18" charset="0"/>
+                                        <a:ea typeface="Cambria Math" panose="02040503050406030204" pitchFamily="18" charset="0"/>
+                                        <a:cs typeface="Arial" panose="020B0604020202020204" pitchFamily="34" charset="0"/>
+                                      </a:rPr>
+                                      <m:t>𝛽</m:t>
+                                    </m:r>
+                                  </m:e>
+                                  <m:sub>
+                                    <m:r>
+                                      <a:rPr lang="en-US" sz="2200" b="0" i="1" smtClean="0">
+                                        <a:latin typeface="Cambria Math" panose="02040503050406030204" pitchFamily="18" charset="0"/>
+                                        <a:ea typeface="Cambria Math" panose="02040503050406030204" pitchFamily="18" charset="0"/>
+                                        <a:cs typeface="Arial" panose="020B0604020202020204" pitchFamily="34" charset="0"/>
+                                      </a:rPr>
+                                      <m:t>∥</m:t>
+                                    </m:r>
+                                  </m:sub>
+                                </m:sSub>
+                              </m:e>
+                            </m:mr>
+                          </m:m>
+                        </m:e>
+                      </m:d>
+                      <m:r>
+                        <a:rPr lang="en-US" sz="2200" b="0" i="1" smtClean="0">
+                          <a:latin typeface="Cambria Math" panose="02040503050406030204" pitchFamily="18" charset="0"/>
+                          <a:ea typeface="Cambria Math" panose="02040503050406030204" pitchFamily="18" charset="0"/>
+                          <a:cs typeface="Arial" panose="020B0604020202020204" pitchFamily="34" charset="0"/>
+                        </a:rPr>
+                        <m:t>.</m:t>
+                      </m:r>
                     </m:oMath>
                   </m:oMathPara>
                 </a14:m>
                 <a:endParaRPr lang="en-US" sz="2200" b="1" dirty="0">
-                  <a:latin typeface="Arial" panose="020B0604020202020204" pitchFamily="34" charset="0"/>
-                  <a:cs typeface="Arial" panose="020B0604020202020204" pitchFamily="34" charset="0"/>
-                </a:endParaRPr>
-              </a:p>
-              <a:p>
-                <a:endParaRPr lang="en-US" sz="1600" dirty="0">
-                  <a:latin typeface="Arial" panose="020B0604020202020204" pitchFamily="34" charset="0"/>
+                  <a:latin typeface="Latin Modern Math" panose="02000503000000000000" pitchFamily="50" charset="0"/>
+                  <a:ea typeface="Latin Modern Math" panose="02000503000000000000" pitchFamily="50" charset="0"/>
                   <a:cs typeface="Arial" panose="020B0604020202020204" pitchFamily="34" charset="0"/>
                 </a:endParaRPr>
               </a:p>
@@ -5369,22 +5628,152 @@
                     <a:latin typeface="Arial" panose="020B0604020202020204" pitchFamily="34" charset="0"/>
                     <a:cs typeface="Arial" panose="020B0604020202020204" pitchFamily="34" charset="0"/>
                   </a:rPr>
-                  <a:t>Differs from Strauss because smaller density fluctuations and larger </a:t>
+                  <a:t>The dimensionless fields are all taken to be first order in </a:t>
                 </a:r>
-                <a:r>
-                  <a:rPr lang="en-US" sz="1600" dirty="0" err="1">
-                    <a:latin typeface="Arial" panose="020B0604020202020204" pitchFamily="34" charset="0"/>
-                    <a:cs typeface="Arial" panose="020B0604020202020204" pitchFamily="34" charset="0"/>
-                  </a:rPr>
-                  <a:t>B_para</a:t>
-                </a:r>
+                <a14:m>
+                  <m:oMath xmlns:m="http://schemas.openxmlformats.org/officeDocument/2006/math">
+                    <m:r>
+                      <a:rPr lang="en-US" sz="1600" b="0" i="1" dirty="0" smtClean="0">
+                        <a:latin typeface="Cambria Math" panose="02040503050406030204" pitchFamily="18" charset="0"/>
+                        <a:cs typeface="Arial" panose="020B0604020202020204" pitchFamily="34" charset="0"/>
+                      </a:rPr>
+                      <m:t>𝜖</m:t>
+                    </m:r>
+                  </m:oMath>
+                </a14:m>
                 <a:r>
                   <a:rPr lang="en-US" sz="1600" dirty="0">
                     <a:latin typeface="Arial" panose="020B0604020202020204" pitchFamily="34" charset="0"/>
                     <a:cs typeface="Arial" panose="020B0604020202020204" pitchFamily="34" charset="0"/>
                   </a:rPr>
-                  <a:t> fluctuations. </a:t>
+                  <a:t>, with constants </a:t>
                 </a:r>
+                <a14:m>
+                  <m:oMath xmlns:m="http://schemas.openxmlformats.org/officeDocument/2006/math">
+                    <m:sSub>
+                      <m:sSubPr>
+                        <m:ctrlPr>
+                          <a:rPr lang="en-US" sz="1600" b="0" i="1" dirty="0" smtClean="0">
+                            <a:latin typeface="Cambria Math" panose="02040503050406030204" pitchFamily="18" charset="0"/>
+                            <a:cs typeface="Arial" panose="020B0604020202020204" pitchFamily="34" charset="0"/>
+                          </a:rPr>
+                        </m:ctrlPr>
+                      </m:sSubPr>
+                      <m:e>
+                        <m:r>
+                          <a:rPr lang="en-US" sz="1600" b="0" i="1" dirty="0" smtClean="0">
+                            <a:latin typeface="Cambria Math" panose="02040503050406030204" pitchFamily="18" charset="0"/>
+                            <a:cs typeface="Arial" panose="020B0604020202020204" pitchFamily="34" charset="0"/>
+                          </a:rPr>
+                          <m:t>𝜌</m:t>
+                        </m:r>
+                      </m:e>
+                      <m:sub>
+                        <m:r>
+                          <a:rPr lang="en-US" sz="1600" b="0" i="1" dirty="0" smtClean="0">
+                            <a:latin typeface="Cambria Math" panose="02040503050406030204" pitchFamily="18" charset="0"/>
+                            <a:cs typeface="Arial" panose="020B0604020202020204" pitchFamily="34" charset="0"/>
+                          </a:rPr>
+                          <m:t>0</m:t>
+                        </m:r>
+                      </m:sub>
+                    </m:sSub>
+                    <m:r>
+                      <a:rPr lang="en-US" sz="1600" b="0" i="1" dirty="0" smtClean="0">
+                        <a:latin typeface="Cambria Math" panose="02040503050406030204" pitchFamily="18" charset="0"/>
+                        <a:cs typeface="Arial" panose="020B0604020202020204" pitchFamily="34" charset="0"/>
+                      </a:rPr>
+                      <m:t>,</m:t>
+                    </m:r>
+                    <m:sSub>
+                      <m:sSubPr>
+                        <m:ctrlPr>
+                          <a:rPr lang="en-US" sz="1600" b="0" i="1" dirty="0" smtClean="0">
+                            <a:latin typeface="Cambria Math" panose="02040503050406030204" pitchFamily="18" charset="0"/>
+                            <a:cs typeface="Arial" panose="020B0604020202020204" pitchFamily="34" charset="0"/>
+                          </a:rPr>
+                        </m:ctrlPr>
+                      </m:sSubPr>
+                      <m:e>
+                        <m:r>
+                          <a:rPr lang="en-US" sz="1600" b="0" i="1" dirty="0" smtClean="0">
+                            <a:latin typeface="Cambria Math" panose="02040503050406030204" pitchFamily="18" charset="0"/>
+                            <a:cs typeface="Arial" panose="020B0604020202020204" pitchFamily="34" charset="0"/>
+                          </a:rPr>
+                          <m:t>𝑣</m:t>
+                        </m:r>
+                      </m:e>
+                      <m:sub>
+                        <m:r>
+                          <a:rPr lang="en-US" sz="1600" b="0" i="1" dirty="0" smtClean="0">
+                            <a:latin typeface="Cambria Math" panose="02040503050406030204" pitchFamily="18" charset="0"/>
+                            <a:cs typeface="Arial" panose="020B0604020202020204" pitchFamily="34" charset="0"/>
+                          </a:rPr>
+                          <m:t>0</m:t>
+                        </m:r>
+                      </m:sub>
+                    </m:sSub>
+                    <m:r>
+                      <a:rPr lang="en-US" sz="1600" b="0" i="1" dirty="0" smtClean="0">
+                        <a:latin typeface="Cambria Math" panose="02040503050406030204" pitchFamily="18" charset="0"/>
+                        <a:cs typeface="Arial" panose="020B0604020202020204" pitchFamily="34" charset="0"/>
+                      </a:rPr>
+                      <m:t>,</m:t>
+                    </m:r>
+                  </m:oMath>
+                </a14:m>
+                <a:r>
+                  <a:rPr lang="en-US" sz="1600" dirty="0">
+                    <a:latin typeface="Arial" panose="020B0604020202020204" pitchFamily="34" charset="0"/>
+                    <a:cs typeface="Arial" panose="020B0604020202020204" pitchFamily="34" charset="0"/>
+                  </a:rPr>
+                  <a:t> and </a:t>
+                </a:r>
+                <a14:m>
+                  <m:oMath xmlns:m="http://schemas.openxmlformats.org/officeDocument/2006/math">
+                    <m:sSub>
+                      <m:sSubPr>
+                        <m:ctrlPr>
+                          <a:rPr lang="en-US" sz="1600" b="0" i="1" dirty="0" smtClean="0">
+                            <a:latin typeface="Cambria Math" panose="02040503050406030204" pitchFamily="18" charset="0"/>
+                            <a:cs typeface="Arial" panose="020B0604020202020204" pitchFamily="34" charset="0"/>
+                          </a:rPr>
+                        </m:ctrlPr>
+                      </m:sSubPr>
+                      <m:e>
+                        <m:r>
+                          <a:rPr lang="en-US" sz="1600" b="0" i="1" dirty="0" smtClean="0">
+                            <a:latin typeface="Cambria Math" panose="02040503050406030204" pitchFamily="18" charset="0"/>
+                            <a:cs typeface="Arial" panose="020B0604020202020204" pitchFamily="34" charset="0"/>
+                          </a:rPr>
+                          <m:t>𝐵</m:t>
+                        </m:r>
+                      </m:e>
+                      <m:sub>
+                        <m:r>
+                          <a:rPr lang="en-US" sz="1600" b="0" i="1" dirty="0" smtClean="0">
+                            <a:latin typeface="Cambria Math" panose="02040503050406030204" pitchFamily="18" charset="0"/>
+                            <a:cs typeface="Arial" panose="020B0604020202020204" pitchFamily="34" charset="0"/>
+                          </a:rPr>
+                          <m:t>0</m:t>
+                        </m:r>
+                      </m:sub>
+                    </m:sSub>
+                  </m:oMath>
+                </a14:m>
+                <a:r>
+                  <a:rPr lang="en-US" sz="1600" dirty="0">
+                    <a:latin typeface="Arial" panose="020B0604020202020204" pitchFamily="34" charset="0"/>
+                    <a:cs typeface="Arial" panose="020B0604020202020204" pitchFamily="34" charset="0"/>
+                  </a:rPr>
+                  <a:t> representing typical experimental values. </a:t>
+                </a:r>
+              </a:p>
+              <a:p>
+                <a:endParaRPr lang="en-US" sz="1600" dirty="0">
+                  <a:latin typeface="Arial" panose="020B0604020202020204" pitchFamily="34" charset="0"/>
+                  <a:cs typeface="Arial" panose="020B0604020202020204" pitchFamily="34" charset="0"/>
+                </a:endParaRPr>
               </a:p>
             </p:txBody>
           </p:sp>
@@ -5406,8 +5795,8 @@
             </p:nvSpPr>
             <p:spPr>
               <a:xfrm>
-                <a:off x="10003508" y="4339946"/>
-                <a:ext cx="7429499" cy="6732612"/>
+                <a:off x="10011128" y="4114800"/>
+                <a:ext cx="7429499" cy="7730258"/>
               </a:xfrm>
               <a:prstGeom prst="rect">
                 <a:avLst/>
@@ -5415,7 +5804,7 @@
               <a:blipFill>
                 <a:blip r:embed="rId3"/>
                 <a:stretch>
-                  <a:fillRect l="-492" t="-272" b="-272"/>
+                  <a:fillRect l="-410" r="-164"/>
                 </a:stretch>
               </a:blipFill>
             </p:spPr>
@@ -5597,8 +5986,8 @@
             </p:nvSpPr>
             <p:spPr>
               <a:xfrm>
-                <a:off x="9997406" y="12931507"/>
-                <a:ext cx="7429499" cy="6258380"/>
+                <a:off x="10011920" y="12522160"/>
+                <a:ext cx="7431757" cy="5924955"/>
               </a:xfrm>
               <a:prstGeom prst="rect">
                 <a:avLst/>
@@ -5611,75 +6000,6 @@
               </a:bodyPr>
               <a:lstStyle/>
               <a:p>
-                <a:r>
-                  <a:rPr lang="en-US" sz="1600" dirty="0">
-                    <a:latin typeface="Arial" panose="020B0604020202020204" pitchFamily="34" charset="0"/>
-                    <a:cs typeface="Arial" panose="020B0604020202020204" pitchFamily="34" charset="0"/>
-                  </a:rPr>
-                  <a:t>        Current coordinates don’t admit fast-slow split unfortunately. Motivated by this theoretical framework, we reintroduce Strauss’s original </a:t>
-                </a:r>
-                <a:r>
-                  <a:rPr lang="en-US" sz="1600" dirty="0" err="1">
-                    <a:latin typeface="Arial" panose="020B0604020202020204" pitchFamily="34" charset="0"/>
-                    <a:cs typeface="Arial" panose="020B0604020202020204" pitchFamily="34" charset="0"/>
-                  </a:rPr>
-                  <a:t>streamfunction</a:t>
-                </a:r>
-                <a:r>
-                  <a:rPr lang="en-US" sz="1600" dirty="0">
-                    <a:latin typeface="Arial" panose="020B0604020202020204" pitchFamily="34" charset="0"/>
-                    <a:cs typeface="Arial" panose="020B0604020202020204" pitchFamily="34" charset="0"/>
-                  </a:rPr>
-                  <a:t> descriptions of </a:t>
-                </a:r>
-                <a:r>
-                  <a:rPr lang="en-US" sz="1600" dirty="0" err="1">
-                    <a:latin typeface="Arial" panose="020B0604020202020204" pitchFamily="34" charset="0"/>
-                    <a:cs typeface="Arial" panose="020B0604020202020204" pitchFamily="34" charset="0"/>
-                  </a:rPr>
-                  <a:t>v_perp</a:t>
-                </a:r>
-                <a:r>
-                  <a:rPr lang="en-US" sz="1600" dirty="0">
-                    <a:latin typeface="Arial" panose="020B0604020202020204" pitchFamily="34" charset="0"/>
-                    <a:cs typeface="Arial" panose="020B0604020202020204" pitchFamily="34" charset="0"/>
-                  </a:rPr>
-                  <a:t> and </a:t>
-                </a:r>
-                <a:r>
-                  <a:rPr lang="en-US" sz="1600" dirty="0" err="1">
-                    <a:latin typeface="Arial" panose="020B0604020202020204" pitchFamily="34" charset="0"/>
-                    <a:cs typeface="Arial" panose="020B0604020202020204" pitchFamily="34" charset="0"/>
-                  </a:rPr>
-                  <a:t>B_perp</a:t>
-                </a:r>
-                <a:r>
-                  <a:rPr lang="en-US" sz="1600" dirty="0">
-                    <a:latin typeface="Arial" panose="020B0604020202020204" pitchFamily="34" charset="0"/>
-                    <a:cs typeface="Arial" panose="020B0604020202020204" pitchFamily="34" charset="0"/>
-                  </a:rPr>
-                  <a:t> as a poloidal decomposition. </a:t>
-                </a:r>
-              </a:p>
-              <a:p>
-                <a:endParaRPr lang="en-US" sz="1600" dirty="0">
-                  <a:latin typeface="Arial" panose="020B0604020202020204" pitchFamily="34" charset="0"/>
-                  <a:cs typeface="Arial" panose="020B0604020202020204" pitchFamily="34" charset="0"/>
-                </a:endParaRPr>
-              </a:p>
-              <a:p>
-                <a:endParaRPr lang="en-US" sz="1600" dirty="0">
-                  <a:latin typeface="Arial" panose="020B0604020202020204" pitchFamily="34" charset="0"/>
-                  <a:cs typeface="Arial" panose="020B0604020202020204" pitchFamily="34" charset="0"/>
-                </a:endParaRPr>
-              </a:p>
-              <a:p>
-                <a:endParaRPr lang="en-US" sz="1600" dirty="0">
-                  <a:latin typeface="Arial" panose="020B0604020202020204" pitchFamily="34" charset="0"/>
-                  <a:cs typeface="Arial" panose="020B0604020202020204" pitchFamily="34" charset="0"/>
-                </a:endParaRPr>
-              </a:p>
-              <a:p>
                 <a:endParaRPr lang="en-US" sz="1600" dirty="0">
                   <a:latin typeface="Arial" panose="020B0604020202020204" pitchFamily="34" charset="0"/>
                   <a:cs typeface="Arial" panose="020B0604020202020204" pitchFamily="34" charset="0"/>
@@ -5691,8 +6011,851 @@
                     <a:latin typeface="Arial" panose="020B0604020202020204" pitchFamily="34" charset="0"/>
                     <a:cs typeface="Arial" panose="020B0604020202020204" pitchFamily="34" charset="0"/>
                   </a:rPr>
-                  <a:t>They obey Poisson equations and have homogeneous Neumann boundary conditions on the disc. </a:t>
+                  <a:t>        This choice of dimensionless coordinates do not admit a fast-slow split, so we reintroduce Strauss’s original stream function descriptions of </a:t>
                 </a:r>
+                <a14:m>
+                  <m:oMath xmlns:m="http://schemas.openxmlformats.org/officeDocument/2006/math">
+                    <m:sSub>
+                      <m:sSubPr>
+                        <m:ctrlPr>
+                          <a:rPr lang="en-US" sz="1600" b="1" i="1" dirty="0" smtClean="0">
+                            <a:latin typeface="Cambria Math" panose="02040503050406030204" pitchFamily="18" charset="0"/>
+                            <a:cs typeface="Arial" panose="020B0604020202020204" pitchFamily="34" charset="0"/>
+                          </a:rPr>
+                        </m:ctrlPr>
+                      </m:sSubPr>
+                      <m:e>
+                        <m:r>
+                          <a:rPr lang="en-US" sz="1600" b="1" i="1" dirty="0" smtClean="0">
+                            <a:latin typeface="Cambria Math" panose="02040503050406030204" pitchFamily="18" charset="0"/>
+                            <a:cs typeface="Arial" panose="020B0604020202020204" pitchFamily="34" charset="0"/>
+                          </a:rPr>
+                          <m:t>𝝂</m:t>
+                        </m:r>
+                      </m:e>
+                      <m:sub>
+                        <m:r>
+                          <a:rPr lang="en-US" sz="1600" b="1" i="1" dirty="0" smtClean="0">
+                            <a:latin typeface="Cambria Math" panose="02040503050406030204" pitchFamily="18" charset="0"/>
+                            <a:cs typeface="Arial" panose="020B0604020202020204" pitchFamily="34" charset="0"/>
+                          </a:rPr>
+                          <m:t>⊥</m:t>
+                        </m:r>
+                      </m:sub>
+                    </m:sSub>
+                  </m:oMath>
+                </a14:m>
+                <a:r>
+                  <a:rPr lang="en-US" sz="1600" dirty="0">
+                    <a:latin typeface="Arial" panose="020B0604020202020204" pitchFamily="34" charset="0"/>
+                    <a:cs typeface="Arial" panose="020B0604020202020204" pitchFamily="34" charset="0"/>
+                  </a:rPr>
+                  <a:t> and </a:t>
+                </a:r>
+                <a14:m>
+                  <m:oMath xmlns:m="http://schemas.openxmlformats.org/officeDocument/2006/math">
+                    <m:sSub>
+                      <m:sSubPr>
+                        <m:ctrlPr>
+                          <a:rPr lang="en-US" sz="1600" b="1" i="1" dirty="0" smtClean="0">
+                            <a:latin typeface="Cambria Math" panose="02040503050406030204" pitchFamily="18" charset="0"/>
+                            <a:cs typeface="Arial" panose="020B0604020202020204" pitchFamily="34" charset="0"/>
+                          </a:rPr>
+                        </m:ctrlPr>
+                      </m:sSubPr>
+                      <m:e>
+                        <m:r>
+                          <a:rPr lang="en-US" sz="1600" b="1" i="1" dirty="0" smtClean="0">
+                            <a:latin typeface="Cambria Math" panose="02040503050406030204" pitchFamily="18" charset="0"/>
+                            <a:cs typeface="Arial" panose="020B0604020202020204" pitchFamily="34" charset="0"/>
+                          </a:rPr>
+                          <m:t>𝜷</m:t>
+                        </m:r>
+                      </m:e>
+                      <m:sub>
+                        <m:r>
+                          <a:rPr lang="en-US" sz="1600" b="1" i="1" dirty="0" smtClean="0">
+                            <a:latin typeface="Cambria Math" panose="02040503050406030204" pitchFamily="18" charset="0"/>
+                            <a:cs typeface="Arial" panose="020B0604020202020204" pitchFamily="34" charset="0"/>
+                          </a:rPr>
+                          <m:t>⊥</m:t>
+                        </m:r>
+                      </m:sub>
+                    </m:sSub>
+                  </m:oMath>
+                </a14:m>
+                <a:r>
+                  <a:rPr lang="en-US" sz="1600" dirty="0">
+                    <a:latin typeface="Arial" panose="020B0604020202020204" pitchFamily="34" charset="0"/>
+                    <a:cs typeface="Arial" panose="020B0604020202020204" pitchFamily="34" charset="0"/>
+                  </a:rPr>
+                  <a:t> as a decomposition on the poloidal disc: </a:t>
+                </a:r>
+              </a:p>
+              <a:p>
+                <a:pPr/>
+                <a14:m>
+                  <m:oMathPara xmlns:m="http://schemas.openxmlformats.org/officeDocument/2006/math">
+                    <m:oMathParaPr>
+                      <m:jc m:val="centerGroup"/>
+                    </m:oMathParaPr>
+                    <m:oMath xmlns:m="http://schemas.openxmlformats.org/officeDocument/2006/math">
+                      <m:sSub>
+                        <m:sSubPr>
+                          <m:ctrlPr>
+                            <a:rPr lang="en-US" sz="2000" b="1" i="1" smtClean="0">
+                              <a:latin typeface="Cambria Math" panose="02040503050406030204" pitchFamily="18" charset="0"/>
+                              <a:cs typeface="Arial" panose="020B0604020202020204" pitchFamily="34" charset="0"/>
+                            </a:rPr>
+                          </m:ctrlPr>
+                        </m:sSubPr>
+                        <m:e>
+                          <m:r>
+                            <a:rPr lang="en-US" sz="2000" b="1" i="1" smtClean="0">
+                              <a:latin typeface="Cambria Math" panose="02040503050406030204" pitchFamily="18" charset="0"/>
+                              <a:cs typeface="Arial" panose="020B0604020202020204" pitchFamily="34" charset="0"/>
+                            </a:rPr>
+                            <m:t>𝝂</m:t>
+                          </m:r>
+                        </m:e>
+                        <m:sub>
+                          <m:r>
+                            <a:rPr lang="en-US" sz="2000" b="1" i="1" smtClean="0">
+                              <a:latin typeface="Cambria Math" panose="02040503050406030204" pitchFamily="18" charset="0"/>
+                              <a:cs typeface="Arial" panose="020B0604020202020204" pitchFamily="34" charset="0"/>
+                            </a:rPr>
+                            <m:t>⊥</m:t>
+                          </m:r>
+                        </m:sub>
+                      </m:sSub>
+                      <m:r>
+                        <a:rPr lang="en-US" sz="2000" b="0" i="1" smtClean="0">
+                          <a:latin typeface="Cambria Math" panose="02040503050406030204" pitchFamily="18" charset="0"/>
+                          <a:cs typeface="Arial" panose="020B0604020202020204" pitchFamily="34" charset="0"/>
+                        </a:rPr>
+                        <m:t>=</m:t>
+                      </m:r>
+                      <m:sSub>
+                        <m:sSubPr>
+                          <m:ctrlPr>
+                            <a:rPr lang="en-US" sz="2000" b="0" i="1" smtClean="0">
+                              <a:latin typeface="Cambria Math" panose="02040503050406030204" pitchFamily="18" charset="0"/>
+                              <a:cs typeface="Arial" panose="020B0604020202020204" pitchFamily="34" charset="0"/>
+                            </a:rPr>
+                          </m:ctrlPr>
+                        </m:sSubPr>
+                        <m:e>
+                          <m:r>
+                            <m:rPr>
+                              <m:sty m:val="p"/>
+                            </m:rPr>
+                            <a:rPr lang="en-US" sz="2000" b="0" i="0" smtClean="0">
+                              <a:latin typeface="Cambria Math" panose="02040503050406030204" pitchFamily="18" charset="0"/>
+                              <a:cs typeface="Arial" panose="020B0604020202020204" pitchFamily="34" charset="0"/>
+                            </a:rPr>
+                            <m:t>∇</m:t>
+                          </m:r>
+                        </m:e>
+                        <m:sub>
+                          <m:r>
+                            <a:rPr lang="en-US" sz="2000" b="0" i="1" smtClean="0">
+                              <a:latin typeface="Cambria Math" panose="02040503050406030204" pitchFamily="18" charset="0"/>
+                              <a:cs typeface="Arial" panose="020B0604020202020204" pitchFamily="34" charset="0"/>
+                            </a:rPr>
+                            <m:t>⊥</m:t>
+                          </m:r>
+                        </m:sub>
+                      </m:sSub>
+                      <m:r>
+                        <a:rPr lang="en-US" sz="2000" b="0" i="1" smtClean="0">
+                          <a:latin typeface="Cambria Math" panose="02040503050406030204" pitchFamily="18" charset="0"/>
+                          <a:cs typeface="Arial" panose="020B0604020202020204" pitchFamily="34" charset="0"/>
+                        </a:rPr>
+                        <m:t>𝜙</m:t>
+                      </m:r>
+                      <m:r>
+                        <a:rPr lang="en-US" sz="2000" b="0" i="1" smtClean="0">
+                          <a:latin typeface="Cambria Math" panose="02040503050406030204" pitchFamily="18" charset="0"/>
+                          <a:cs typeface="Arial" panose="020B0604020202020204" pitchFamily="34" charset="0"/>
+                        </a:rPr>
+                        <m:t>+</m:t>
+                      </m:r>
+                      <m:sSub>
+                        <m:sSubPr>
+                          <m:ctrlPr>
+                            <a:rPr lang="en-US" sz="2000" b="0" i="1" smtClean="0">
+                              <a:latin typeface="Cambria Math" panose="02040503050406030204" pitchFamily="18" charset="0"/>
+                              <a:cs typeface="Arial" panose="020B0604020202020204" pitchFamily="34" charset="0"/>
+                            </a:rPr>
+                          </m:ctrlPr>
+                        </m:sSubPr>
+                        <m:e>
+                          <m:r>
+                            <a:rPr lang="en-US" sz="2000" b="1" i="1" smtClean="0">
+                              <a:latin typeface="Cambria Math" panose="02040503050406030204" pitchFamily="18" charset="0"/>
+                              <a:cs typeface="Arial" panose="020B0604020202020204" pitchFamily="34" charset="0"/>
+                            </a:rPr>
+                            <m:t>𝒆</m:t>
+                          </m:r>
+                        </m:e>
+                        <m:sub>
+                          <m:r>
+                            <a:rPr lang="en-US" sz="2000" b="0" i="1" smtClean="0">
+                              <a:latin typeface="Cambria Math" panose="02040503050406030204" pitchFamily="18" charset="0"/>
+                              <a:cs typeface="Arial" panose="020B0604020202020204" pitchFamily="34" charset="0"/>
+                            </a:rPr>
+                            <m:t>𝑧</m:t>
+                          </m:r>
+                        </m:sub>
+                      </m:sSub>
+                      <m:r>
+                        <a:rPr lang="en-US" sz="2000" b="0" i="1" smtClean="0">
+                          <a:latin typeface="Cambria Math" panose="02040503050406030204" pitchFamily="18" charset="0"/>
+                          <a:cs typeface="Arial" panose="020B0604020202020204" pitchFamily="34" charset="0"/>
+                        </a:rPr>
+                        <m:t>×</m:t>
+                      </m:r>
+                      <m:sSub>
+                        <m:sSubPr>
+                          <m:ctrlPr>
+                            <a:rPr lang="en-US" sz="2000" b="0" i="1" smtClean="0">
+                              <a:latin typeface="Cambria Math" panose="02040503050406030204" pitchFamily="18" charset="0"/>
+                              <a:cs typeface="Arial" panose="020B0604020202020204" pitchFamily="34" charset="0"/>
+                            </a:rPr>
+                          </m:ctrlPr>
+                        </m:sSubPr>
+                        <m:e>
+                          <m:r>
+                            <m:rPr>
+                              <m:sty m:val="p"/>
+                            </m:rPr>
+                            <a:rPr lang="en-US" sz="2000" b="0" i="0" smtClean="0">
+                              <a:latin typeface="Cambria Math" panose="02040503050406030204" pitchFamily="18" charset="0"/>
+                              <a:cs typeface="Arial" panose="020B0604020202020204" pitchFamily="34" charset="0"/>
+                            </a:rPr>
+                            <m:t>∇</m:t>
+                          </m:r>
+                        </m:e>
+                        <m:sub>
+                          <m:r>
+                            <a:rPr lang="en-US" sz="2000" b="0" i="1" smtClean="0">
+                              <a:latin typeface="Cambria Math" panose="02040503050406030204" pitchFamily="18" charset="0"/>
+                              <a:cs typeface="Arial" panose="020B0604020202020204" pitchFamily="34" charset="0"/>
+                            </a:rPr>
+                            <m:t>⊥</m:t>
+                          </m:r>
+                        </m:sub>
+                      </m:sSub>
+                      <m:r>
+                        <a:rPr lang="en-US" sz="2000" b="0" i="1" smtClean="0">
+                          <a:latin typeface="Cambria Math" panose="02040503050406030204" pitchFamily="18" charset="0"/>
+                          <a:cs typeface="Arial" panose="020B0604020202020204" pitchFamily="34" charset="0"/>
+                        </a:rPr>
+                        <m:t>𝜓</m:t>
+                      </m:r>
+                    </m:oMath>
+                  </m:oMathPara>
+                </a14:m>
+                <a:endParaRPr lang="en-US" sz="2000" b="1" dirty="0">
+                  <a:latin typeface="Arial" panose="020B0604020202020204" pitchFamily="34" charset="0"/>
+                  <a:cs typeface="Arial" panose="020B0604020202020204" pitchFamily="34" charset="0"/>
+                </a:endParaRPr>
+              </a:p>
+              <a:p>
+                <a:pPr algn="ctr"/>
+                <a14:m>
+                  <m:oMathPara xmlns:m="http://schemas.openxmlformats.org/officeDocument/2006/math">
+                    <m:oMathParaPr>
+                      <m:jc m:val="centerGroup"/>
+                    </m:oMathParaPr>
+                    <m:oMath xmlns:m="http://schemas.openxmlformats.org/officeDocument/2006/math">
+                      <m:sSub>
+                        <m:sSubPr>
+                          <m:ctrlPr>
+                            <a:rPr lang="en-US" sz="2000" b="1" i="1" smtClean="0">
+                              <a:latin typeface="Cambria Math" panose="02040503050406030204" pitchFamily="18" charset="0"/>
+                              <a:cs typeface="Arial" panose="020B0604020202020204" pitchFamily="34" charset="0"/>
+                            </a:rPr>
+                          </m:ctrlPr>
+                        </m:sSubPr>
+                        <m:e>
+                          <m:r>
+                            <a:rPr lang="en-US" sz="2000" b="1" i="1" smtClean="0">
+                              <a:latin typeface="Cambria Math" panose="02040503050406030204" pitchFamily="18" charset="0"/>
+                              <a:cs typeface="Arial" panose="020B0604020202020204" pitchFamily="34" charset="0"/>
+                            </a:rPr>
+                            <m:t>𝜷</m:t>
+                          </m:r>
+                        </m:e>
+                        <m:sub>
+                          <m:r>
+                            <a:rPr lang="en-US" sz="2000" b="1" i="1" smtClean="0">
+                              <a:latin typeface="Cambria Math" panose="02040503050406030204" pitchFamily="18" charset="0"/>
+                              <a:cs typeface="Arial" panose="020B0604020202020204" pitchFamily="34" charset="0"/>
+                            </a:rPr>
+                            <m:t>⊥</m:t>
+                          </m:r>
+                        </m:sub>
+                      </m:sSub>
+                      <m:r>
+                        <a:rPr lang="en-US" sz="2000" b="0" i="1" smtClean="0">
+                          <a:latin typeface="Cambria Math" panose="02040503050406030204" pitchFamily="18" charset="0"/>
+                          <a:cs typeface="Arial" panose="020B0604020202020204" pitchFamily="34" charset="0"/>
+                        </a:rPr>
+                        <m:t>=</m:t>
+                      </m:r>
+                      <m:sSub>
+                        <m:sSubPr>
+                          <m:ctrlPr>
+                            <a:rPr lang="en-US" sz="2000" b="0" i="1" smtClean="0">
+                              <a:latin typeface="Cambria Math" panose="02040503050406030204" pitchFamily="18" charset="0"/>
+                              <a:cs typeface="Arial" panose="020B0604020202020204" pitchFamily="34" charset="0"/>
+                            </a:rPr>
+                          </m:ctrlPr>
+                        </m:sSubPr>
+                        <m:e>
+                          <m:r>
+                            <m:rPr>
+                              <m:sty m:val="p"/>
+                            </m:rPr>
+                            <a:rPr lang="en-US" sz="2000" b="0" i="0" smtClean="0">
+                              <a:latin typeface="Cambria Math" panose="02040503050406030204" pitchFamily="18" charset="0"/>
+                              <a:cs typeface="Arial" panose="020B0604020202020204" pitchFamily="34" charset="0"/>
+                            </a:rPr>
+                            <m:t>∇</m:t>
+                          </m:r>
+                        </m:e>
+                        <m:sub>
+                          <m:r>
+                            <a:rPr lang="en-US" sz="2000" b="0" i="1" smtClean="0">
+                              <a:latin typeface="Cambria Math" panose="02040503050406030204" pitchFamily="18" charset="0"/>
+                              <a:cs typeface="Arial" panose="020B0604020202020204" pitchFamily="34" charset="0"/>
+                            </a:rPr>
+                            <m:t>⊥</m:t>
+                          </m:r>
+                        </m:sub>
+                      </m:sSub>
+                      <m:r>
+                        <m:rPr>
+                          <m:sty m:val="p"/>
+                        </m:rPr>
+                        <a:rPr lang="en-US" sz="2000" b="0" i="0" smtClean="0">
+                          <a:latin typeface="Cambria Math" panose="02040503050406030204" pitchFamily="18" charset="0"/>
+                          <a:cs typeface="Arial" panose="020B0604020202020204" pitchFamily="34" charset="0"/>
+                        </a:rPr>
+                        <m:t>Φ</m:t>
+                      </m:r>
+                      <m:r>
+                        <a:rPr lang="en-US" sz="2000" i="1">
+                          <a:latin typeface="Cambria Math" panose="02040503050406030204" pitchFamily="18" charset="0"/>
+                          <a:cs typeface="Arial" panose="020B0604020202020204" pitchFamily="34" charset="0"/>
+                        </a:rPr>
+                        <m:t>+</m:t>
+                      </m:r>
+                      <m:sSub>
+                        <m:sSubPr>
+                          <m:ctrlPr>
+                            <a:rPr lang="en-US" sz="2000" i="1">
+                              <a:latin typeface="Cambria Math" panose="02040503050406030204" pitchFamily="18" charset="0"/>
+                              <a:cs typeface="Arial" panose="020B0604020202020204" pitchFamily="34" charset="0"/>
+                            </a:rPr>
+                          </m:ctrlPr>
+                        </m:sSubPr>
+                        <m:e>
+                          <m:r>
+                            <a:rPr lang="en-US" sz="2000" b="1" i="1">
+                              <a:latin typeface="Cambria Math" panose="02040503050406030204" pitchFamily="18" charset="0"/>
+                              <a:cs typeface="Arial" panose="020B0604020202020204" pitchFamily="34" charset="0"/>
+                            </a:rPr>
+                            <m:t>𝒆</m:t>
+                          </m:r>
+                        </m:e>
+                        <m:sub>
+                          <m:r>
+                            <a:rPr lang="en-US" sz="2000" i="1">
+                              <a:latin typeface="Cambria Math" panose="02040503050406030204" pitchFamily="18" charset="0"/>
+                              <a:cs typeface="Arial" panose="020B0604020202020204" pitchFamily="34" charset="0"/>
+                            </a:rPr>
+                            <m:t>𝑧</m:t>
+                          </m:r>
+                        </m:sub>
+                      </m:sSub>
+                      <m:r>
+                        <a:rPr lang="en-US" sz="2000" i="1">
+                          <a:latin typeface="Cambria Math" panose="02040503050406030204" pitchFamily="18" charset="0"/>
+                          <a:cs typeface="Arial" panose="020B0604020202020204" pitchFamily="34" charset="0"/>
+                        </a:rPr>
+                        <m:t>×</m:t>
+                      </m:r>
+                      <m:sSub>
+                        <m:sSubPr>
+                          <m:ctrlPr>
+                            <a:rPr lang="en-US" sz="2000" i="1">
+                              <a:latin typeface="Cambria Math" panose="02040503050406030204" pitchFamily="18" charset="0"/>
+                              <a:cs typeface="Arial" panose="020B0604020202020204" pitchFamily="34" charset="0"/>
+                            </a:rPr>
+                          </m:ctrlPr>
+                        </m:sSubPr>
+                        <m:e>
+                          <m:r>
+                            <m:rPr>
+                              <m:sty m:val="p"/>
+                            </m:rPr>
+                            <a:rPr lang="en-US" sz="2000">
+                              <a:latin typeface="Cambria Math" panose="02040503050406030204" pitchFamily="18" charset="0"/>
+                              <a:cs typeface="Arial" panose="020B0604020202020204" pitchFamily="34" charset="0"/>
+                            </a:rPr>
+                            <m:t>∇</m:t>
+                          </m:r>
+                        </m:e>
+                        <m:sub>
+                          <m:r>
+                            <a:rPr lang="en-US" sz="2000" i="1">
+                              <a:latin typeface="Cambria Math" panose="02040503050406030204" pitchFamily="18" charset="0"/>
+                              <a:cs typeface="Arial" panose="020B0604020202020204" pitchFamily="34" charset="0"/>
+                            </a:rPr>
+                            <m:t>⊥</m:t>
+                          </m:r>
+                        </m:sub>
+                      </m:sSub>
+                      <m:r>
+                        <m:rPr>
+                          <m:sty m:val="p"/>
+                        </m:rPr>
+                        <a:rPr lang="en-US" sz="2000" b="0" i="0" smtClean="0">
+                          <a:latin typeface="Cambria Math" panose="02040503050406030204" pitchFamily="18" charset="0"/>
+                          <a:cs typeface="Arial" panose="020B0604020202020204" pitchFamily="34" charset="0"/>
+                        </a:rPr>
+                        <m:t>Ψ</m:t>
+                      </m:r>
+                      <m:r>
+                        <a:rPr lang="en-US" sz="2000" b="0" i="0" smtClean="0">
+                          <a:latin typeface="Cambria Math" panose="02040503050406030204" pitchFamily="18" charset="0"/>
+                          <a:cs typeface="Arial" panose="020B0604020202020204" pitchFamily="34" charset="0"/>
+                        </a:rPr>
+                        <m:t>.</m:t>
+                      </m:r>
+                    </m:oMath>
+                  </m:oMathPara>
+                </a14:m>
+                <a:endParaRPr lang="en-US" sz="2000" dirty="0">
+                  <a:latin typeface="Arial" panose="020B0604020202020204" pitchFamily="34" charset="0"/>
+                  <a:cs typeface="Arial" panose="020B0604020202020204" pitchFamily="34" charset="0"/>
+                </a:endParaRPr>
+              </a:p>
+              <a:p>
+                <a:r>
+                  <a:rPr lang="en-US" sz="1600" dirty="0">
+                    <a:latin typeface="Arial" panose="020B0604020202020204" pitchFamily="34" charset="0"/>
+                    <a:cs typeface="Arial" panose="020B0604020202020204" pitchFamily="34" charset="0"/>
+                  </a:rPr>
+                  <a:t>These scalar fields are solved for using </a:t>
+                </a:r>
+                <a14:m>
+                  <m:oMath xmlns:m="http://schemas.openxmlformats.org/officeDocument/2006/math">
+                    <m:sSub>
+                      <m:sSubPr>
+                        <m:ctrlPr>
+                          <a:rPr lang="en-US" sz="1600" b="0" i="1" smtClean="0">
+                            <a:latin typeface="Cambria Math" panose="02040503050406030204" pitchFamily="18" charset="0"/>
+                            <a:cs typeface="Arial" panose="020B0604020202020204" pitchFamily="34" charset="0"/>
+                          </a:rPr>
+                        </m:ctrlPr>
+                      </m:sSubPr>
+                      <m:e>
+                        <m:r>
+                          <m:rPr>
+                            <m:sty m:val="p"/>
+                          </m:rPr>
+                          <a:rPr lang="en-US" sz="1600" b="0" i="0" smtClean="0">
+                            <a:latin typeface="Cambria Math" panose="02040503050406030204" pitchFamily="18" charset="0"/>
+                            <a:cs typeface="Arial" panose="020B0604020202020204" pitchFamily="34" charset="0"/>
+                          </a:rPr>
+                          <m:t>Δ</m:t>
+                        </m:r>
+                      </m:e>
+                      <m:sub>
+                        <m:r>
+                          <a:rPr lang="en-US" sz="1600" b="0" i="1" smtClean="0">
+                            <a:latin typeface="Cambria Math" panose="02040503050406030204" pitchFamily="18" charset="0"/>
+                            <a:cs typeface="Arial" panose="020B0604020202020204" pitchFamily="34" charset="0"/>
+                          </a:rPr>
+                          <m:t>⊥</m:t>
+                        </m:r>
+                      </m:sub>
+                    </m:sSub>
+                    <m:r>
+                      <a:rPr lang="en-US" sz="1600" i="1">
+                        <a:latin typeface="Cambria Math" panose="02040503050406030204" pitchFamily="18" charset="0"/>
+                        <a:cs typeface="Arial" panose="020B0604020202020204" pitchFamily="34" charset="0"/>
+                      </a:rPr>
+                      <m:t>𝜙</m:t>
+                    </m:r>
+                    <m:r>
+                      <a:rPr lang="en-US" sz="1600" b="0" i="1" smtClean="0">
+                        <a:latin typeface="Cambria Math" panose="02040503050406030204" pitchFamily="18" charset="0"/>
+                        <a:cs typeface="Arial" panose="020B0604020202020204" pitchFamily="34" charset="0"/>
+                      </a:rPr>
+                      <m:t>=</m:t>
+                    </m:r>
+                    <m:sSub>
+                      <m:sSubPr>
+                        <m:ctrlPr>
+                          <a:rPr lang="en-US" sz="1600" b="0" i="1" smtClean="0">
+                            <a:latin typeface="Cambria Math" panose="02040503050406030204" pitchFamily="18" charset="0"/>
+                            <a:cs typeface="Arial" panose="020B0604020202020204" pitchFamily="34" charset="0"/>
+                          </a:rPr>
+                        </m:ctrlPr>
+                      </m:sSubPr>
+                      <m:e>
+                        <m:r>
+                          <m:rPr>
+                            <m:sty m:val="p"/>
+                          </m:rPr>
+                          <a:rPr lang="en-US" sz="1600" b="0" i="0" smtClean="0">
+                            <a:latin typeface="Cambria Math" panose="02040503050406030204" pitchFamily="18" charset="0"/>
+                            <a:cs typeface="Arial" panose="020B0604020202020204" pitchFamily="34" charset="0"/>
+                          </a:rPr>
+                          <m:t>∇</m:t>
+                        </m:r>
+                      </m:e>
+                      <m:sub>
+                        <m:r>
+                          <a:rPr lang="en-US" sz="1600" b="0" i="1" smtClean="0">
+                            <a:latin typeface="Cambria Math" panose="02040503050406030204" pitchFamily="18" charset="0"/>
+                            <a:cs typeface="Arial" panose="020B0604020202020204" pitchFamily="34" charset="0"/>
+                          </a:rPr>
+                          <m:t>⊥</m:t>
+                        </m:r>
+                      </m:sub>
+                    </m:sSub>
+                    <m:r>
+                      <a:rPr lang="en-US" sz="1600" b="0" i="1" smtClean="0">
+                        <a:latin typeface="Cambria Math" panose="02040503050406030204" pitchFamily="18" charset="0"/>
+                        <a:cs typeface="Arial" panose="020B0604020202020204" pitchFamily="34" charset="0"/>
+                      </a:rPr>
+                      <m:t>⋅</m:t>
+                    </m:r>
+                    <m:sSub>
+                      <m:sSubPr>
+                        <m:ctrlPr>
+                          <a:rPr lang="en-US" sz="1600" b="1" i="1" smtClean="0">
+                            <a:latin typeface="Cambria Math" panose="02040503050406030204" pitchFamily="18" charset="0"/>
+                            <a:cs typeface="Arial" panose="020B0604020202020204" pitchFamily="34" charset="0"/>
+                          </a:rPr>
+                        </m:ctrlPr>
+                      </m:sSubPr>
+                      <m:e>
+                        <m:r>
+                          <a:rPr lang="en-US" sz="1600" b="1" i="1" smtClean="0">
+                            <a:latin typeface="Cambria Math" panose="02040503050406030204" pitchFamily="18" charset="0"/>
+                            <a:cs typeface="Arial" panose="020B0604020202020204" pitchFamily="34" charset="0"/>
+                          </a:rPr>
+                          <m:t>𝝂</m:t>
+                        </m:r>
+                      </m:e>
+                      <m:sub>
+                        <m:r>
+                          <a:rPr lang="en-US" sz="1600" b="1" i="1" smtClean="0">
+                            <a:latin typeface="Cambria Math" panose="02040503050406030204" pitchFamily="18" charset="0"/>
+                            <a:cs typeface="Arial" panose="020B0604020202020204" pitchFamily="34" charset="0"/>
+                          </a:rPr>
+                          <m:t>⊥</m:t>
+                        </m:r>
+                      </m:sub>
+                    </m:sSub>
+                  </m:oMath>
+                </a14:m>
+                <a:r>
+                  <a:rPr lang="en-US" sz="1600" dirty="0">
+                    <a:latin typeface="Arial" panose="020B0604020202020204" pitchFamily="34" charset="0"/>
+                    <a:cs typeface="Arial" panose="020B0604020202020204" pitchFamily="34" charset="0"/>
+                  </a:rPr>
+                  <a:t> and </a:t>
+                </a:r>
+                <a14:m>
+                  <m:oMath xmlns:m="http://schemas.openxmlformats.org/officeDocument/2006/math">
+                    <m:sSub>
+                      <m:sSubPr>
+                        <m:ctrlPr>
+                          <a:rPr lang="en-US" sz="1600" b="0" i="1" smtClean="0">
+                            <a:latin typeface="Cambria Math" panose="02040503050406030204" pitchFamily="18" charset="0"/>
+                            <a:cs typeface="Arial" panose="020B0604020202020204" pitchFamily="34" charset="0"/>
+                          </a:rPr>
+                        </m:ctrlPr>
+                      </m:sSubPr>
+                      <m:e>
+                        <m:r>
+                          <m:rPr>
+                            <m:sty m:val="p"/>
+                          </m:rPr>
+                          <a:rPr lang="en-US" sz="1600" b="0" i="0" smtClean="0">
+                            <a:latin typeface="Cambria Math" panose="02040503050406030204" pitchFamily="18" charset="0"/>
+                            <a:cs typeface="Arial" panose="020B0604020202020204" pitchFamily="34" charset="0"/>
+                          </a:rPr>
+                          <m:t>Δ</m:t>
+                        </m:r>
+                      </m:e>
+                      <m:sub>
+                        <m:r>
+                          <a:rPr lang="en-US" sz="1600" b="0" i="1" smtClean="0">
+                            <a:latin typeface="Cambria Math" panose="02040503050406030204" pitchFamily="18" charset="0"/>
+                            <a:cs typeface="Arial" panose="020B0604020202020204" pitchFamily="34" charset="0"/>
+                          </a:rPr>
+                          <m:t>⊥</m:t>
+                        </m:r>
+                      </m:sub>
+                    </m:sSub>
+                    <m:r>
+                      <a:rPr lang="en-US" sz="1600" b="0" i="1" smtClean="0">
+                        <a:latin typeface="Cambria Math" panose="02040503050406030204" pitchFamily="18" charset="0"/>
+                        <a:cs typeface="Arial" panose="020B0604020202020204" pitchFamily="34" charset="0"/>
+                      </a:rPr>
+                      <m:t>𝜓</m:t>
+                    </m:r>
+                    <m:r>
+                      <a:rPr lang="en-US" sz="1600" b="1" i="1" smtClean="0">
+                        <a:latin typeface="Cambria Math" panose="02040503050406030204" pitchFamily="18" charset="0"/>
+                        <a:cs typeface="Arial" panose="020B0604020202020204" pitchFamily="34" charset="0"/>
+                      </a:rPr>
+                      <m:t>=</m:t>
+                    </m:r>
+                    <m:sSub>
+                      <m:sSubPr>
+                        <m:ctrlPr>
+                          <a:rPr lang="en-US" sz="1600" b="0" i="1" smtClean="0">
+                            <a:latin typeface="Cambria Math" panose="02040503050406030204" pitchFamily="18" charset="0"/>
+                            <a:cs typeface="Arial" panose="020B0604020202020204" pitchFamily="34" charset="0"/>
+                          </a:rPr>
+                        </m:ctrlPr>
+                      </m:sSubPr>
+                      <m:e>
+                        <m:r>
+                          <a:rPr lang="en-US" sz="1600" b="1" i="1" smtClean="0">
+                            <a:latin typeface="Cambria Math" panose="02040503050406030204" pitchFamily="18" charset="0"/>
+                            <a:cs typeface="Arial" panose="020B0604020202020204" pitchFamily="34" charset="0"/>
+                          </a:rPr>
+                          <m:t>𝒆</m:t>
+                        </m:r>
+                      </m:e>
+                      <m:sub>
+                        <m:r>
+                          <a:rPr lang="en-US" sz="1600" b="0" i="1" smtClean="0">
+                            <a:latin typeface="Cambria Math" panose="02040503050406030204" pitchFamily="18" charset="0"/>
+                            <a:cs typeface="Arial" panose="020B0604020202020204" pitchFamily="34" charset="0"/>
+                          </a:rPr>
+                          <m:t>𝑧</m:t>
+                        </m:r>
+                      </m:sub>
+                    </m:sSub>
+                    <m:r>
+                      <a:rPr lang="en-US" sz="1600" b="0" i="1" smtClean="0">
+                        <a:latin typeface="Cambria Math" panose="02040503050406030204" pitchFamily="18" charset="0"/>
+                        <a:cs typeface="Arial" panose="020B0604020202020204" pitchFamily="34" charset="0"/>
+                      </a:rPr>
+                      <m:t>×</m:t>
+                    </m:r>
+                    <m:sSub>
+                      <m:sSubPr>
+                        <m:ctrlPr>
+                          <a:rPr lang="en-US" sz="1600" b="0" i="1" smtClean="0">
+                            <a:latin typeface="Cambria Math" panose="02040503050406030204" pitchFamily="18" charset="0"/>
+                            <a:cs typeface="Arial" panose="020B0604020202020204" pitchFamily="34" charset="0"/>
+                          </a:rPr>
+                        </m:ctrlPr>
+                      </m:sSubPr>
+                      <m:e>
+                        <m:r>
+                          <m:rPr>
+                            <m:sty m:val="p"/>
+                          </m:rPr>
+                          <a:rPr lang="en-US" sz="1600" b="0" i="0" smtClean="0">
+                            <a:latin typeface="Cambria Math" panose="02040503050406030204" pitchFamily="18" charset="0"/>
+                            <a:cs typeface="Arial" panose="020B0604020202020204" pitchFamily="34" charset="0"/>
+                          </a:rPr>
+                          <m:t>∇</m:t>
+                        </m:r>
+                      </m:e>
+                      <m:sub>
+                        <m:r>
+                          <a:rPr lang="en-US" sz="1600" b="0" i="1" smtClean="0">
+                            <a:latin typeface="Cambria Math" panose="02040503050406030204" pitchFamily="18" charset="0"/>
+                            <a:cs typeface="Arial" panose="020B0604020202020204" pitchFamily="34" charset="0"/>
+                          </a:rPr>
+                          <m:t>⊥</m:t>
+                        </m:r>
+                      </m:sub>
+                    </m:sSub>
+                    <m:r>
+                      <a:rPr lang="en-US" sz="1600" b="0" i="1" smtClean="0">
+                        <a:latin typeface="Cambria Math" panose="02040503050406030204" pitchFamily="18" charset="0"/>
+                        <a:cs typeface="Arial" panose="020B0604020202020204" pitchFamily="34" charset="0"/>
+                      </a:rPr>
+                      <m:t>𝜓</m:t>
+                    </m:r>
+                  </m:oMath>
+                </a14:m>
+                <a:r>
+                  <a:rPr lang="en-US" sz="1600" dirty="0">
+                    <a:latin typeface="Arial" panose="020B0604020202020204" pitchFamily="34" charset="0"/>
+                    <a:cs typeface="Arial" panose="020B0604020202020204" pitchFamily="34" charset="0"/>
+                  </a:rPr>
+                  <a:t> and have homogeneous Neumann and Dirichlet boundary conditions (</a:t>
+                </a:r>
+                <a14:m>
+                  <m:oMath xmlns:m="http://schemas.openxmlformats.org/officeDocument/2006/math">
+                    <m:sSub>
+                      <m:sSubPr>
+                        <m:ctrlPr>
+                          <a:rPr lang="en-US" sz="1600" b="0" i="1" smtClean="0">
+                            <a:latin typeface="Cambria Math" panose="02040503050406030204" pitchFamily="18" charset="0"/>
+                            <a:cs typeface="Arial" panose="020B0604020202020204" pitchFamily="34" charset="0"/>
+                          </a:rPr>
+                        </m:ctrlPr>
+                      </m:sSubPr>
+                      <m:e>
+                        <m:r>
+                          <a:rPr lang="en-US" sz="1600" b="0" i="1" smtClean="0">
+                            <a:latin typeface="Cambria Math" panose="02040503050406030204" pitchFamily="18" charset="0"/>
+                            <a:cs typeface="Arial" panose="020B0604020202020204" pitchFamily="34" charset="0"/>
+                          </a:rPr>
+                          <m:t>𝜕</m:t>
+                        </m:r>
+                      </m:e>
+                      <m:sub>
+                        <m:r>
+                          <a:rPr lang="en-US" sz="1600" b="1" i="1" smtClean="0">
+                            <a:latin typeface="Cambria Math" panose="02040503050406030204" pitchFamily="18" charset="0"/>
+                            <a:cs typeface="Arial" panose="020B0604020202020204" pitchFamily="34" charset="0"/>
+                          </a:rPr>
+                          <m:t>𝒏</m:t>
+                        </m:r>
+                      </m:sub>
+                    </m:sSub>
+                    <m:r>
+                      <a:rPr lang="en-US" sz="1600" b="0" i="1" smtClean="0">
+                        <a:latin typeface="Cambria Math" panose="02040503050406030204" pitchFamily="18" charset="0"/>
+                        <a:cs typeface="Arial" panose="020B0604020202020204" pitchFamily="34" charset="0"/>
+                      </a:rPr>
+                      <m:t>𝜙</m:t>
+                    </m:r>
+                  </m:oMath>
+                </a14:m>
+                <a:r>
+                  <a:rPr lang="en-US" sz="1600" dirty="0">
+                    <a:latin typeface="Arial" panose="020B0604020202020204" pitchFamily="34" charset="0"/>
+                    <a:cs typeface="Arial" panose="020B0604020202020204" pitchFamily="34" charset="0"/>
+                  </a:rPr>
+                  <a:t> and </a:t>
+                </a:r>
+                <a14:m>
+                  <m:oMath xmlns:m="http://schemas.openxmlformats.org/officeDocument/2006/math">
+                    <m:sSub>
+                      <m:sSubPr>
+                        <m:ctrlPr>
+                          <a:rPr lang="en-US" sz="1600" b="0" i="1" smtClean="0">
+                            <a:latin typeface="Cambria Math" panose="02040503050406030204" pitchFamily="18" charset="0"/>
+                            <a:cs typeface="Arial" panose="020B0604020202020204" pitchFamily="34" charset="0"/>
+                          </a:rPr>
+                        </m:ctrlPr>
+                      </m:sSubPr>
+                      <m:e>
+                        <m:r>
+                          <a:rPr lang="en-US" sz="1600" b="0" i="1" smtClean="0">
+                            <a:latin typeface="Cambria Math" panose="02040503050406030204" pitchFamily="18" charset="0"/>
+                            <a:cs typeface="Arial" panose="020B0604020202020204" pitchFamily="34" charset="0"/>
+                          </a:rPr>
+                          <m:t>𝜕</m:t>
+                        </m:r>
+                      </m:e>
+                      <m:sub>
+                        <m:r>
+                          <a:rPr lang="en-US" sz="1600" b="1" i="1" smtClean="0">
+                            <a:latin typeface="Cambria Math" panose="02040503050406030204" pitchFamily="18" charset="0"/>
+                            <a:cs typeface="Arial" panose="020B0604020202020204" pitchFamily="34" charset="0"/>
+                          </a:rPr>
+                          <m:t>𝒏</m:t>
+                        </m:r>
+                      </m:sub>
+                    </m:sSub>
+                    <m:r>
+                      <m:rPr>
+                        <m:sty m:val="p"/>
+                      </m:rPr>
+                      <a:rPr lang="en-US" sz="1600" b="0" i="0" smtClean="0">
+                        <a:latin typeface="Cambria Math" panose="02040503050406030204" pitchFamily="18" charset="0"/>
+                        <a:cs typeface="Arial" panose="020B0604020202020204" pitchFamily="34" charset="0"/>
+                      </a:rPr>
+                      <m:t>Φ</m:t>
+                    </m:r>
+                    <m:r>
+                      <a:rPr lang="en-US" sz="1600" b="0" i="0" smtClean="0">
+                        <a:latin typeface="Cambria Math" panose="02040503050406030204" pitchFamily="18" charset="0"/>
+                        <a:cs typeface="Arial" panose="020B0604020202020204" pitchFamily="34" charset="0"/>
+                      </a:rPr>
+                      <m:t>=0</m:t>
+                    </m:r>
+                  </m:oMath>
+                </a14:m>
+                <a:r>
+                  <a:rPr lang="en-US" sz="1600" dirty="0">
+                    <a:latin typeface="Arial" panose="020B0604020202020204" pitchFamily="34" charset="0"/>
+                    <a:cs typeface="Arial" panose="020B0604020202020204" pitchFamily="34" charset="0"/>
+                  </a:rPr>
+                  <a:t>, while </a:t>
+                </a:r>
+                <a14:m>
+                  <m:oMath xmlns:m="http://schemas.openxmlformats.org/officeDocument/2006/math">
+                    <m:r>
+                      <a:rPr lang="en-US" sz="1600" b="0" i="1" dirty="0" smtClean="0">
+                        <a:latin typeface="Cambria Math" panose="02040503050406030204" pitchFamily="18" charset="0"/>
+                        <a:cs typeface="Arial" panose="020B0604020202020204" pitchFamily="34" charset="0"/>
+                      </a:rPr>
+                      <m:t>𝜓</m:t>
+                    </m:r>
+                  </m:oMath>
+                </a14:m>
+                <a:r>
+                  <a:rPr lang="en-US" sz="1600" dirty="0">
+                    <a:latin typeface="Arial" panose="020B0604020202020204" pitchFamily="34" charset="0"/>
+                    <a:cs typeface="Arial" panose="020B0604020202020204" pitchFamily="34" charset="0"/>
+                  </a:rPr>
+                  <a:t> and </a:t>
+                </a:r>
+                <a14:m>
+                  <m:oMath xmlns:m="http://schemas.openxmlformats.org/officeDocument/2006/math">
+                    <m:r>
+                      <m:rPr>
+                        <m:sty m:val="p"/>
+                      </m:rPr>
+                      <a:rPr lang="en-US" sz="1600" b="0" i="0" dirty="0" smtClean="0">
+                        <a:latin typeface="Cambria Math" panose="02040503050406030204" pitchFamily="18" charset="0"/>
+                        <a:cs typeface="Arial" panose="020B0604020202020204" pitchFamily="34" charset="0"/>
+                      </a:rPr>
+                      <m:t>Ψ</m:t>
+                    </m:r>
+                    <m:r>
+                      <a:rPr lang="en-US" sz="1600" b="0" i="1" dirty="0" smtClean="0">
+                        <a:latin typeface="Cambria Math" panose="02040503050406030204" pitchFamily="18" charset="0"/>
+                        <a:cs typeface="Arial" panose="020B0604020202020204" pitchFamily="34" charset="0"/>
+                      </a:rPr>
+                      <m:t>=0</m:t>
+                    </m:r>
+                  </m:oMath>
+                </a14:m>
+                <a:r>
+                  <a:rPr lang="en-US" sz="1600" dirty="0">
+                    <a:latin typeface="Arial" panose="020B0604020202020204" pitchFamily="34" charset="0"/>
+                    <a:cs typeface="Arial" panose="020B0604020202020204" pitchFamily="34" charset="0"/>
+                  </a:rPr>
+                  <a:t> on the boundary). </a:t>
+                </a:r>
+              </a:p>
+              <a:p>
+                <a:endParaRPr lang="en-US" sz="1600" dirty="0">
+                  <a:latin typeface="Arial" panose="020B0604020202020204" pitchFamily="34" charset="0"/>
+                  <a:cs typeface="Arial" panose="020B0604020202020204" pitchFamily="34" charset="0"/>
+                </a:endParaRPr>
               </a:p>
               <a:p>
                 <a:r>
@@ -5740,34 +6903,513 @@
                 </a:r>
               </a:p>
               <a:p>
+                <a:pPr/>
+                <a14:m>
+                  <m:oMathPara xmlns:m="http://schemas.openxmlformats.org/officeDocument/2006/math">
+                    <m:oMathParaPr>
+                      <m:jc m:val="centerGroup"/>
+                    </m:oMathParaPr>
+                    <m:oMath xmlns:m="http://schemas.openxmlformats.org/officeDocument/2006/math">
+                      <m:r>
+                        <a:rPr lang="en-US" sz="2000" b="0" i="1" smtClean="0">
+                          <a:latin typeface="Cambria Math" panose="02040503050406030204" pitchFamily="18" charset="0"/>
+                          <a:cs typeface="Arial" panose="020B0604020202020204" pitchFamily="34" charset="0"/>
+                        </a:rPr>
+                        <m:t>𝑄</m:t>
+                      </m:r>
+                      <m:r>
+                        <a:rPr lang="en-US" sz="2000" b="0" i="1" smtClean="0">
+                          <a:latin typeface="Cambria Math" panose="02040503050406030204" pitchFamily="18" charset="0"/>
+                          <a:cs typeface="Arial" panose="020B0604020202020204" pitchFamily="34" charset="0"/>
+                        </a:rPr>
+                        <m:t>=</m:t>
+                      </m:r>
+                      <m:f>
+                        <m:fPr>
+                          <m:ctrlPr>
+                            <a:rPr lang="en-US" sz="2000" i="1">
+                              <a:latin typeface="Cambria Math" panose="02040503050406030204" pitchFamily="18" charset="0"/>
+                              <a:cs typeface="Arial" panose="020B0604020202020204" pitchFamily="34" charset="0"/>
+                            </a:rPr>
+                          </m:ctrlPr>
+                        </m:fPr>
+                        <m:num>
+                          <m:sSub>
+                            <m:sSubPr>
+                              <m:ctrlPr>
+                                <a:rPr lang="en-US" sz="2000" i="1">
+                                  <a:latin typeface="Cambria Math" panose="02040503050406030204" pitchFamily="18" charset="0"/>
+                                  <a:cs typeface="Arial" panose="020B0604020202020204" pitchFamily="34" charset="0"/>
+                                </a:rPr>
+                              </m:ctrlPr>
+                            </m:sSubPr>
+                            <m:e>
+                              <m:r>
+                                <a:rPr lang="en-US" sz="2000" i="1">
+                                  <a:latin typeface="Cambria Math" panose="02040503050406030204" pitchFamily="18" charset="0"/>
+                                  <a:cs typeface="Arial" panose="020B0604020202020204" pitchFamily="34" charset="0"/>
+                                </a:rPr>
+                                <m:t>𝐵</m:t>
+                              </m:r>
+                            </m:e>
+                            <m:sub>
+                              <m:r>
+                                <a:rPr lang="en-US" sz="2000" i="1">
+                                  <a:latin typeface="Cambria Math" panose="02040503050406030204" pitchFamily="18" charset="0"/>
+                                  <a:cs typeface="Arial" panose="020B0604020202020204" pitchFamily="34" charset="0"/>
+                                </a:rPr>
+                                <m:t>𝑧</m:t>
+                              </m:r>
+                            </m:sub>
+                          </m:sSub>
+                        </m:num>
+                        <m:den>
+                          <m:r>
+                            <a:rPr lang="en-US" sz="2000" i="1">
+                              <a:latin typeface="Cambria Math" panose="02040503050406030204" pitchFamily="18" charset="0"/>
+                              <a:cs typeface="Arial" panose="020B0604020202020204" pitchFamily="34" charset="0"/>
+                            </a:rPr>
+                            <m:t>𝜌</m:t>
+                          </m:r>
+                        </m:den>
+                      </m:f>
+                      <m:r>
+                        <a:rPr lang="en-US" sz="2000" b="0" i="1" smtClean="0">
+                          <a:latin typeface="Cambria Math" panose="02040503050406030204" pitchFamily="18" charset="0"/>
+                          <a:cs typeface="Arial" panose="020B0604020202020204" pitchFamily="34" charset="0"/>
+                        </a:rPr>
+                        <m:t>=</m:t>
+                      </m:r>
+                      <m:f>
+                        <m:fPr>
+                          <m:ctrlPr>
+                            <a:rPr lang="en-US" sz="2000" i="1">
+                              <a:latin typeface="Cambria Math" panose="02040503050406030204" pitchFamily="18" charset="0"/>
+                              <a:cs typeface="Arial" panose="020B0604020202020204" pitchFamily="34" charset="0"/>
+                            </a:rPr>
+                          </m:ctrlPr>
+                        </m:fPr>
+                        <m:num>
+                          <m:sSub>
+                            <m:sSubPr>
+                              <m:ctrlPr>
+                                <a:rPr lang="en-US" sz="2000" i="1">
+                                  <a:latin typeface="Cambria Math" panose="02040503050406030204" pitchFamily="18" charset="0"/>
+                                  <a:cs typeface="Arial" panose="020B0604020202020204" pitchFamily="34" charset="0"/>
+                                </a:rPr>
+                              </m:ctrlPr>
+                            </m:sSubPr>
+                            <m:e>
+                              <m:r>
+                                <a:rPr lang="en-US" sz="2000" i="1">
+                                  <a:latin typeface="Cambria Math" panose="02040503050406030204" pitchFamily="18" charset="0"/>
+                                  <a:cs typeface="Arial" panose="020B0604020202020204" pitchFamily="34" charset="0"/>
+                                </a:rPr>
+                                <m:t>𝐵</m:t>
+                              </m:r>
+                            </m:e>
+                            <m:sub>
+                              <m:r>
+                                <a:rPr lang="en-US" sz="2000" b="0" i="1" smtClean="0">
+                                  <a:latin typeface="Cambria Math" panose="02040503050406030204" pitchFamily="18" charset="0"/>
+                                  <a:cs typeface="Arial" panose="020B0604020202020204" pitchFamily="34" charset="0"/>
+                                </a:rPr>
+                                <m:t>0</m:t>
+                              </m:r>
+                            </m:sub>
+                          </m:sSub>
+                        </m:num>
+                        <m:den>
+                          <m:sSub>
+                            <m:sSubPr>
+                              <m:ctrlPr>
+                                <a:rPr lang="en-US" sz="2000" b="0" i="1" smtClean="0">
+                                  <a:latin typeface="Cambria Math" panose="02040503050406030204" pitchFamily="18" charset="0"/>
+                                  <a:cs typeface="Arial" panose="020B0604020202020204" pitchFamily="34" charset="0"/>
+                                </a:rPr>
+                              </m:ctrlPr>
+                            </m:sSubPr>
+                            <m:e>
+                              <m:r>
+                                <a:rPr lang="en-US" sz="2000" i="1">
+                                  <a:latin typeface="Cambria Math" panose="02040503050406030204" pitchFamily="18" charset="0"/>
+                                  <a:cs typeface="Arial" panose="020B0604020202020204" pitchFamily="34" charset="0"/>
+                                </a:rPr>
+                                <m:t>𝜌</m:t>
+                              </m:r>
+                            </m:e>
+                            <m:sub>
+                              <m:r>
+                                <a:rPr lang="en-US" sz="2000" b="0" i="1" smtClean="0">
+                                  <a:latin typeface="Cambria Math" panose="02040503050406030204" pitchFamily="18" charset="0"/>
+                                  <a:cs typeface="Arial" panose="020B0604020202020204" pitchFamily="34" charset="0"/>
+                                </a:rPr>
+                                <m:t>0</m:t>
+                              </m:r>
+                            </m:sub>
+                          </m:sSub>
+                        </m:den>
+                      </m:f>
+                      <m:f>
+                        <m:fPr>
+                          <m:ctrlPr>
+                            <a:rPr lang="en-US" sz="2000" b="0" i="1" smtClean="0">
+                              <a:latin typeface="Cambria Math" panose="02040503050406030204" pitchFamily="18" charset="0"/>
+                              <a:cs typeface="Arial" panose="020B0604020202020204" pitchFamily="34" charset="0"/>
+                            </a:rPr>
+                          </m:ctrlPr>
+                        </m:fPr>
+                        <m:num>
+                          <m:r>
+                            <a:rPr lang="en-US" sz="2000" b="0" i="1" smtClean="0">
+                              <a:latin typeface="Cambria Math" panose="02040503050406030204" pitchFamily="18" charset="0"/>
+                              <a:cs typeface="Arial" panose="020B0604020202020204" pitchFamily="34" charset="0"/>
+                            </a:rPr>
+                            <m:t>1+</m:t>
+                          </m:r>
+                          <m:r>
+                            <a:rPr lang="en-US" sz="2000" b="0" i="1" smtClean="0">
+                              <a:latin typeface="Cambria Math" panose="02040503050406030204" pitchFamily="18" charset="0"/>
+                              <a:cs typeface="Arial" panose="020B0604020202020204" pitchFamily="34" charset="0"/>
+                            </a:rPr>
+                            <m:t>𝜖</m:t>
+                          </m:r>
+                          <m:sSub>
+                            <m:sSubPr>
+                              <m:ctrlPr>
+                                <a:rPr lang="en-US" sz="2000" b="0" i="1" smtClean="0">
+                                  <a:latin typeface="Cambria Math" panose="02040503050406030204" pitchFamily="18" charset="0"/>
+                                  <a:cs typeface="Arial" panose="020B0604020202020204" pitchFamily="34" charset="0"/>
+                                </a:rPr>
+                              </m:ctrlPr>
+                            </m:sSubPr>
+                            <m:e>
+                              <m:r>
+                                <a:rPr lang="en-US" sz="2000" b="0" i="1" smtClean="0">
+                                  <a:latin typeface="Cambria Math" panose="02040503050406030204" pitchFamily="18" charset="0"/>
+                                  <a:cs typeface="Arial" panose="020B0604020202020204" pitchFamily="34" charset="0"/>
+                                </a:rPr>
+                                <m:t>𝛽</m:t>
+                              </m:r>
+                            </m:e>
+                            <m:sub>
+                              <m:r>
+                                <a:rPr lang="en-US" sz="2000" b="0" i="1" smtClean="0">
+                                  <a:latin typeface="Cambria Math" panose="02040503050406030204" pitchFamily="18" charset="0"/>
+                                  <a:cs typeface="Arial" panose="020B0604020202020204" pitchFamily="34" charset="0"/>
+                                </a:rPr>
+                                <m:t>∥</m:t>
+                              </m:r>
+                            </m:sub>
+                          </m:sSub>
+                        </m:num>
+                        <m:den>
+                          <m:r>
+                            <a:rPr lang="en-US" sz="2000" b="0" i="1" smtClean="0">
+                              <a:latin typeface="Cambria Math" panose="02040503050406030204" pitchFamily="18" charset="0"/>
+                              <a:cs typeface="Arial" panose="020B0604020202020204" pitchFamily="34" charset="0"/>
+                            </a:rPr>
+                            <m:t>1+</m:t>
+                          </m:r>
+                          <m:r>
+                            <a:rPr lang="en-US" sz="2000" b="0" i="1" smtClean="0">
+                              <a:latin typeface="Cambria Math" panose="02040503050406030204" pitchFamily="18" charset="0"/>
+                              <a:cs typeface="Arial" panose="020B0604020202020204" pitchFamily="34" charset="0"/>
+                            </a:rPr>
+                            <m:t>𝜖</m:t>
+                          </m:r>
+                          <m:r>
+                            <a:rPr lang="en-US" sz="2000" b="0" i="1" smtClean="0">
+                              <a:latin typeface="Cambria Math" panose="02040503050406030204" pitchFamily="18" charset="0"/>
+                              <a:cs typeface="Arial" panose="020B0604020202020204" pitchFamily="34" charset="0"/>
+                            </a:rPr>
+                            <m:t>𝑟</m:t>
+                          </m:r>
+                        </m:den>
+                      </m:f>
+                      <m:r>
+                        <a:rPr lang="en-US" sz="2000" b="0" i="1" smtClean="0">
+                          <a:latin typeface="Cambria Math" panose="02040503050406030204" pitchFamily="18" charset="0"/>
+                          <a:cs typeface="Arial" panose="020B0604020202020204" pitchFamily="34" charset="0"/>
+                        </a:rPr>
+                        <m:t>=</m:t>
+                      </m:r>
+                      <m:sSub>
+                        <m:sSubPr>
+                          <m:ctrlPr>
+                            <a:rPr lang="en-US" sz="2000" b="0" i="1" smtClean="0">
+                              <a:latin typeface="Cambria Math" panose="02040503050406030204" pitchFamily="18" charset="0"/>
+                              <a:cs typeface="Arial" panose="020B0604020202020204" pitchFamily="34" charset="0"/>
+                            </a:rPr>
+                          </m:ctrlPr>
+                        </m:sSubPr>
+                        <m:e>
+                          <m:r>
+                            <a:rPr lang="en-US" sz="2000" b="0" i="1" smtClean="0">
+                              <a:latin typeface="Cambria Math" panose="02040503050406030204" pitchFamily="18" charset="0"/>
+                              <a:cs typeface="Arial" panose="020B0604020202020204" pitchFamily="34" charset="0"/>
+                            </a:rPr>
+                            <m:t>𝑞</m:t>
+                          </m:r>
+                        </m:e>
+                        <m:sub>
+                          <m:r>
+                            <a:rPr lang="en-US" sz="2000" b="0" i="1" smtClean="0">
+                              <a:latin typeface="Cambria Math" panose="02040503050406030204" pitchFamily="18" charset="0"/>
+                              <a:cs typeface="Arial" panose="020B0604020202020204" pitchFamily="34" charset="0"/>
+                            </a:rPr>
+                            <m:t>0</m:t>
+                          </m:r>
+                        </m:sub>
+                      </m:sSub>
+                      <m:d>
+                        <m:dPr>
+                          <m:ctrlPr>
+                            <a:rPr lang="en-US" sz="2000" b="0" i="1" smtClean="0">
+                              <a:latin typeface="Cambria Math" panose="02040503050406030204" pitchFamily="18" charset="0"/>
+                              <a:cs typeface="Arial" panose="020B0604020202020204" pitchFamily="34" charset="0"/>
+                            </a:rPr>
+                          </m:ctrlPr>
+                        </m:dPr>
+                        <m:e>
+                          <m:r>
+                            <a:rPr lang="en-US" sz="2000" b="0" i="1" smtClean="0">
+                              <a:latin typeface="Cambria Math" panose="02040503050406030204" pitchFamily="18" charset="0"/>
+                              <a:cs typeface="Arial" panose="020B0604020202020204" pitchFamily="34" charset="0"/>
+                            </a:rPr>
+                            <m:t>1+</m:t>
+                          </m:r>
+                          <m:r>
+                            <a:rPr lang="en-US" sz="2000" b="0" i="1" smtClean="0">
+                              <a:latin typeface="Cambria Math" panose="02040503050406030204" pitchFamily="18" charset="0"/>
+                              <a:cs typeface="Arial" panose="020B0604020202020204" pitchFamily="34" charset="0"/>
+                            </a:rPr>
+                            <m:t>𝜖</m:t>
+                          </m:r>
+                          <m:r>
+                            <a:rPr lang="en-US" sz="2000" b="0" i="1" smtClean="0">
+                              <a:latin typeface="Cambria Math" panose="02040503050406030204" pitchFamily="18" charset="0"/>
+                              <a:cs typeface="Arial" panose="020B0604020202020204" pitchFamily="34" charset="0"/>
+                            </a:rPr>
+                            <m:t>𝑞</m:t>
+                          </m:r>
+                        </m:e>
+                      </m:d>
+                      <m:r>
+                        <a:rPr lang="en-US" sz="2000" b="0" i="1" smtClean="0">
+                          <a:latin typeface="Cambria Math" panose="02040503050406030204" pitchFamily="18" charset="0"/>
+                          <a:cs typeface="Arial" panose="020B0604020202020204" pitchFamily="34" charset="0"/>
+                        </a:rPr>
+                        <m:t>,</m:t>
+                      </m:r>
+                    </m:oMath>
+                  </m:oMathPara>
+                </a14:m>
                 <a:endParaRPr lang="en-US" sz="1600" dirty="0">
                   <a:latin typeface="Arial" panose="020B0604020202020204" pitchFamily="34" charset="0"/>
                   <a:cs typeface="Arial" panose="020B0604020202020204" pitchFamily="34" charset="0"/>
                 </a:endParaRPr>
               </a:p>
               <a:p>
-                <a:endParaRPr lang="en-US" sz="1600" dirty="0">
-                  <a:latin typeface="Arial" panose="020B0604020202020204" pitchFamily="34" charset="0"/>
-                  <a:cs typeface="Arial" panose="020B0604020202020204" pitchFamily="34" charset="0"/>
-                </a:endParaRPr>
-              </a:p>
-              <a:p>
-                <a:endParaRPr lang="en-US" sz="1600" dirty="0">
-                  <a:latin typeface="Arial" panose="020B0604020202020204" pitchFamily="34" charset="0"/>
-                  <a:cs typeface="Arial" panose="020B0604020202020204" pitchFamily="34" charset="0"/>
-                </a:endParaRPr>
-              </a:p>
-              <a:p>
-                <a:r>
-                  <a:rPr lang="en-US" sz="1600" dirty="0">
-                    <a:latin typeface="Arial" panose="020B0604020202020204" pitchFamily="34" charset="0"/>
-                    <a:cs typeface="Arial" panose="020B0604020202020204" pitchFamily="34" charset="0"/>
-                  </a:rPr>
-                  <a:t>with evolution </a:t>
-                </a:r>
-              </a:p>
-              <a:p>
-                <a:endParaRPr lang="en-US" sz="1600" dirty="0">
+                <a:pPr/>
+                <a14:m>
+                  <m:oMathPara xmlns:m="http://schemas.openxmlformats.org/officeDocument/2006/math">
+                    <m:oMathParaPr>
+                      <m:jc m:val="centerGroup"/>
+                    </m:oMathParaPr>
+                    <m:oMath xmlns:m="http://schemas.openxmlformats.org/officeDocument/2006/math">
+                      <m:f>
+                        <m:fPr>
+                          <m:ctrlPr>
+                            <a:rPr lang="en-US" sz="2000" b="0" i="1" smtClean="0">
+                              <a:latin typeface="Cambria Math" panose="02040503050406030204" pitchFamily="18" charset="0"/>
+                              <a:cs typeface="Arial" panose="020B0604020202020204" pitchFamily="34" charset="0"/>
+                            </a:rPr>
+                          </m:ctrlPr>
+                        </m:fPr>
+                        <m:num>
+                          <m:r>
+                            <a:rPr lang="en-US" sz="2000" b="0" i="1" smtClean="0">
+                              <a:latin typeface="Cambria Math" panose="02040503050406030204" pitchFamily="18" charset="0"/>
+                              <a:cs typeface="Arial" panose="020B0604020202020204" pitchFamily="34" charset="0"/>
+                            </a:rPr>
+                            <m:t>𝜕</m:t>
+                          </m:r>
+                          <m:r>
+                            <a:rPr lang="en-US" sz="2000" b="0" i="1" smtClean="0">
+                              <a:latin typeface="Cambria Math" panose="02040503050406030204" pitchFamily="18" charset="0"/>
+                              <a:cs typeface="Arial" panose="020B0604020202020204" pitchFamily="34" charset="0"/>
+                            </a:rPr>
+                            <m:t>𝑄</m:t>
+                          </m:r>
+                        </m:num>
+                        <m:den>
+                          <m:r>
+                            <a:rPr lang="en-US" sz="2000" b="0" i="1" smtClean="0">
+                              <a:latin typeface="Cambria Math" panose="02040503050406030204" pitchFamily="18" charset="0"/>
+                              <a:cs typeface="Arial" panose="020B0604020202020204" pitchFamily="34" charset="0"/>
+                            </a:rPr>
+                            <m:t>𝜕</m:t>
+                          </m:r>
+                          <m:r>
+                            <a:rPr lang="en-US" sz="2000" b="0" i="1" smtClean="0">
+                              <a:latin typeface="Cambria Math" panose="02040503050406030204" pitchFamily="18" charset="0"/>
+                              <a:cs typeface="Arial" panose="020B0604020202020204" pitchFamily="34" charset="0"/>
+                            </a:rPr>
+                            <m:t>𝑡</m:t>
+                          </m:r>
+                        </m:den>
+                      </m:f>
+                      <m:r>
+                        <a:rPr lang="en-US" sz="2000" b="0" i="1" smtClean="0">
+                          <a:latin typeface="Cambria Math" panose="02040503050406030204" pitchFamily="18" charset="0"/>
+                          <a:cs typeface="Arial" panose="020B0604020202020204" pitchFamily="34" charset="0"/>
+                        </a:rPr>
+                        <m:t>=</m:t>
+                      </m:r>
+                      <m:r>
+                        <a:rPr lang="en-US" sz="2000" b="0" i="1" smtClean="0">
+                          <a:latin typeface="Cambria Math" panose="02040503050406030204" pitchFamily="18" charset="0"/>
+                          <a:cs typeface="Arial" panose="020B0604020202020204" pitchFamily="34" charset="0"/>
+                        </a:rPr>
+                        <m:t>𝑄</m:t>
+                      </m:r>
+                      <m:f>
+                        <m:fPr>
+                          <m:ctrlPr>
+                            <a:rPr lang="en-US" sz="2000" i="1">
+                              <a:latin typeface="Cambria Math" panose="02040503050406030204" pitchFamily="18" charset="0"/>
+                              <a:cs typeface="Arial" panose="020B0604020202020204" pitchFamily="34" charset="0"/>
+                            </a:rPr>
+                          </m:ctrlPr>
+                        </m:fPr>
+                        <m:num>
+                          <m:r>
+                            <a:rPr lang="en-US" sz="2000" b="1" i="1" smtClean="0">
+                              <a:latin typeface="Cambria Math" panose="02040503050406030204" pitchFamily="18" charset="0"/>
+                              <a:cs typeface="Arial" panose="020B0604020202020204" pitchFamily="34" charset="0"/>
+                            </a:rPr>
+                            <m:t>𝑩</m:t>
+                          </m:r>
+                        </m:num>
+                        <m:den>
+                          <m:sSub>
+                            <m:sSubPr>
+                              <m:ctrlPr>
+                                <a:rPr lang="en-US" sz="2000" b="0" i="1" smtClean="0">
+                                  <a:latin typeface="Cambria Math" panose="02040503050406030204" pitchFamily="18" charset="0"/>
+                                  <a:cs typeface="Arial" panose="020B0604020202020204" pitchFamily="34" charset="0"/>
+                                </a:rPr>
+                              </m:ctrlPr>
+                            </m:sSubPr>
+                            <m:e>
+                              <m:r>
+                                <a:rPr lang="en-US" sz="2000" b="0" i="1" smtClean="0">
+                                  <a:latin typeface="Cambria Math" panose="02040503050406030204" pitchFamily="18" charset="0"/>
+                                  <a:cs typeface="Arial" panose="020B0604020202020204" pitchFamily="34" charset="0"/>
+                                </a:rPr>
+                                <m:t>𝐵</m:t>
+                              </m:r>
+                            </m:e>
+                            <m:sub>
+                              <m:r>
+                                <a:rPr lang="en-US" sz="2000" b="0" i="1" smtClean="0">
+                                  <a:latin typeface="Cambria Math" panose="02040503050406030204" pitchFamily="18" charset="0"/>
+                                  <a:cs typeface="Arial" panose="020B0604020202020204" pitchFamily="34" charset="0"/>
+                                </a:rPr>
+                                <m:t>𝑧</m:t>
+                              </m:r>
+                            </m:sub>
+                          </m:sSub>
+                        </m:den>
+                      </m:f>
+                      <m:r>
+                        <a:rPr lang="en-US" sz="2000" b="0" i="1" smtClean="0">
+                          <a:latin typeface="Cambria Math" panose="02040503050406030204" pitchFamily="18" charset="0"/>
+                          <a:cs typeface="Arial" panose="020B0604020202020204" pitchFamily="34" charset="0"/>
+                        </a:rPr>
+                        <m:t>⋅</m:t>
+                      </m:r>
+                      <m:r>
+                        <m:rPr>
+                          <m:sty m:val="p"/>
+                        </m:rPr>
+                        <a:rPr lang="en-US" sz="2000" b="0" i="0" smtClean="0">
+                          <a:latin typeface="Cambria Math" panose="02040503050406030204" pitchFamily="18" charset="0"/>
+                          <a:cs typeface="Arial" panose="020B0604020202020204" pitchFamily="34" charset="0"/>
+                        </a:rPr>
+                        <m:t>∇</m:t>
+                      </m:r>
+                      <m:sSub>
+                        <m:sSubPr>
+                          <m:ctrlPr>
+                            <a:rPr lang="en-US" sz="2000" b="0" i="1" smtClean="0">
+                              <a:latin typeface="Cambria Math" panose="02040503050406030204" pitchFamily="18" charset="0"/>
+                              <a:cs typeface="Arial" panose="020B0604020202020204" pitchFamily="34" charset="0"/>
+                            </a:rPr>
+                          </m:ctrlPr>
+                        </m:sSubPr>
+                        <m:e>
+                          <m:r>
+                            <a:rPr lang="en-US" sz="2000" b="0" i="1" smtClean="0">
+                              <a:latin typeface="Cambria Math" panose="02040503050406030204" pitchFamily="18" charset="0"/>
+                              <a:cs typeface="Arial" panose="020B0604020202020204" pitchFamily="34" charset="0"/>
+                            </a:rPr>
+                            <m:t>𝑣</m:t>
+                          </m:r>
+                        </m:e>
+                        <m:sub>
+                          <m:r>
+                            <a:rPr lang="en-US" sz="2000" b="0" i="1" smtClean="0">
+                              <a:latin typeface="Cambria Math" panose="02040503050406030204" pitchFamily="18" charset="0"/>
+                              <a:cs typeface="Arial" panose="020B0604020202020204" pitchFamily="34" charset="0"/>
+                            </a:rPr>
+                            <m:t>𝑧</m:t>
+                          </m:r>
+                        </m:sub>
+                      </m:sSub>
+                      <m:r>
+                        <a:rPr lang="en-US" sz="2000" b="0" i="1" smtClean="0">
+                          <a:latin typeface="Cambria Math" panose="02040503050406030204" pitchFamily="18" charset="0"/>
+                          <a:cs typeface="Arial" panose="020B0604020202020204" pitchFamily="34" charset="0"/>
+                        </a:rPr>
+                        <m:t>−</m:t>
+                      </m:r>
+                      <m:r>
+                        <a:rPr lang="en-US" sz="2000" b="1" i="1">
+                          <a:latin typeface="Cambria Math" panose="02040503050406030204" pitchFamily="18" charset="0"/>
+                          <a:cs typeface="Arial" panose="020B0604020202020204" pitchFamily="34" charset="0"/>
+                        </a:rPr>
+                        <m:t>𝒗</m:t>
+                      </m:r>
+                      <m:r>
+                        <a:rPr lang="en-US" sz="2000" i="1">
+                          <a:latin typeface="Cambria Math" panose="02040503050406030204" pitchFamily="18" charset="0"/>
+                          <a:cs typeface="Arial" panose="020B0604020202020204" pitchFamily="34" charset="0"/>
+                        </a:rPr>
+                        <m:t>⋅</m:t>
+                      </m:r>
+                      <m:r>
+                        <m:rPr>
+                          <m:sty m:val="p"/>
+                        </m:rPr>
+                        <a:rPr lang="en-US" sz="2000">
+                          <a:latin typeface="Cambria Math" panose="02040503050406030204" pitchFamily="18" charset="0"/>
+                          <a:cs typeface="Arial" panose="020B0604020202020204" pitchFamily="34" charset="0"/>
+                        </a:rPr>
+                        <m:t>∇</m:t>
+                      </m:r>
+                      <m:r>
+                        <a:rPr lang="en-US" sz="2000" i="1">
+                          <a:latin typeface="Cambria Math" panose="02040503050406030204" pitchFamily="18" charset="0"/>
+                          <a:cs typeface="Arial" panose="020B0604020202020204" pitchFamily="34" charset="0"/>
+                        </a:rPr>
+                        <m:t>𝑄</m:t>
+                      </m:r>
+                    </m:oMath>
+                  </m:oMathPara>
+                </a14:m>
+                <a:endParaRPr lang="en-US" sz="2000" dirty="0">
                   <a:latin typeface="Arial" panose="020B0604020202020204" pitchFamily="34" charset="0"/>
                   <a:cs typeface="Arial" panose="020B0604020202020204" pitchFamily="34" charset="0"/>
                 </a:endParaRPr>
@@ -5973,222 +7615,6 @@
                   <a:t> limit. </a:t>
                 </a:r>
               </a:p>
-              <a:p>
-                <a:endParaRPr lang="en-US" sz="1600" dirty="0">
-                  <a:latin typeface="Arial" panose="020B0604020202020204" pitchFamily="34" charset="0"/>
-                  <a:cs typeface="Arial" panose="020B0604020202020204" pitchFamily="34" charset="0"/>
-                </a:endParaRPr>
-              </a:p>
-              <a:p>
-                <a:r>
-                  <a:rPr lang="en-US" sz="1600" dirty="0">
-                    <a:latin typeface="Arial" panose="020B0604020202020204" pitchFamily="34" charset="0"/>
-                    <a:cs typeface="Arial" panose="020B0604020202020204" pitchFamily="34" charset="0"/>
-                  </a:rPr>
-                  <a:t>        Fast-slow split is between </a:t>
-                </a:r>
-                <a14:m>
-                  <m:oMath xmlns:m="http://schemas.openxmlformats.org/officeDocument/2006/math">
-                    <m:r>
-                      <a:rPr lang="en-US" sz="1600" b="0" i="1" smtClean="0">
-                        <a:latin typeface="Cambria Math" panose="02040503050406030204" pitchFamily="18" charset="0"/>
-                        <a:cs typeface="Arial" panose="020B0604020202020204" pitchFamily="34" charset="0"/>
-                      </a:rPr>
-                      <m:t>𝑥</m:t>
-                    </m:r>
-                    <m:r>
-                      <a:rPr lang="en-US" sz="1600" b="0" i="1" smtClean="0">
-                        <a:latin typeface="Cambria Math" panose="02040503050406030204" pitchFamily="18" charset="0"/>
-                        <a:cs typeface="Arial" panose="020B0604020202020204" pitchFamily="34" charset="0"/>
-                      </a:rPr>
-                      <m:t>=(</m:t>
-                    </m:r>
-                    <m:r>
-                      <a:rPr lang="en-US" sz="1600" b="0" i="1" smtClean="0">
-                        <a:latin typeface="Cambria Math" panose="02040503050406030204" pitchFamily="18" charset="0"/>
-                        <a:cs typeface="Arial" panose="020B0604020202020204" pitchFamily="34" charset="0"/>
-                      </a:rPr>
-                      <m:t>𝜓</m:t>
-                    </m:r>
-                    <m:r>
-                      <a:rPr lang="en-US" sz="1600" b="0" i="1" smtClean="0">
-                        <a:latin typeface="Cambria Math" panose="02040503050406030204" pitchFamily="18" charset="0"/>
-                        <a:cs typeface="Arial" panose="020B0604020202020204" pitchFamily="34" charset="0"/>
-                      </a:rPr>
-                      <m:t>,</m:t>
-                    </m:r>
-                    <m:sSub>
-                      <m:sSubPr>
-                        <m:ctrlPr>
-                          <a:rPr lang="en-US" sz="1600" b="0" i="1" smtClean="0">
-                            <a:latin typeface="Cambria Math" panose="02040503050406030204" pitchFamily="18" charset="0"/>
-                            <a:cs typeface="Arial" panose="020B0604020202020204" pitchFamily="34" charset="0"/>
-                          </a:rPr>
-                        </m:ctrlPr>
-                      </m:sSubPr>
-                      <m:e>
-                        <m:r>
-                          <a:rPr lang="en-US" sz="1600" b="0" i="1" smtClean="0">
-                            <a:latin typeface="Cambria Math" panose="02040503050406030204" pitchFamily="18" charset="0"/>
-                            <a:cs typeface="Arial" panose="020B0604020202020204" pitchFamily="34" charset="0"/>
-                          </a:rPr>
-                          <m:t>𝜈</m:t>
-                        </m:r>
-                      </m:e>
-                      <m:sub>
-                        <m:r>
-                          <a:rPr lang="en-US" sz="1600" b="0" i="1" smtClean="0">
-                            <a:latin typeface="Cambria Math" panose="02040503050406030204" pitchFamily="18" charset="0"/>
-                            <a:cs typeface="Arial" panose="020B0604020202020204" pitchFamily="34" charset="0"/>
-                          </a:rPr>
-                          <m:t>∥</m:t>
-                        </m:r>
-                      </m:sub>
-                    </m:sSub>
-                    <m:r>
-                      <a:rPr lang="en-US" sz="1600" b="0" i="1" smtClean="0">
-                        <a:latin typeface="Cambria Math" panose="02040503050406030204" pitchFamily="18" charset="0"/>
-                        <a:cs typeface="Arial" panose="020B0604020202020204" pitchFamily="34" charset="0"/>
-                      </a:rPr>
-                      <m:t>,</m:t>
-                    </m:r>
-                    <m:r>
-                      <m:rPr>
-                        <m:sty m:val="p"/>
-                      </m:rPr>
-                      <a:rPr lang="en-US" sz="1600" b="0" i="0" smtClean="0">
-                        <a:latin typeface="Cambria Math" panose="02040503050406030204" pitchFamily="18" charset="0"/>
-                        <a:cs typeface="Arial" panose="020B0604020202020204" pitchFamily="34" charset="0"/>
-                      </a:rPr>
-                      <m:t>Φ</m:t>
-                    </m:r>
-                    <m:r>
-                      <a:rPr lang="en-US" sz="1600" b="0" i="1" smtClean="0">
-                        <a:latin typeface="Cambria Math" panose="02040503050406030204" pitchFamily="18" charset="0"/>
-                        <a:cs typeface="Arial" panose="020B0604020202020204" pitchFamily="34" charset="0"/>
-                      </a:rPr>
-                      <m:t>,</m:t>
-                    </m:r>
-                    <m:r>
-                      <m:rPr>
-                        <m:sty m:val="p"/>
-                      </m:rPr>
-                      <a:rPr lang="en-US" sz="1600" b="0" i="0" smtClean="0">
-                        <a:latin typeface="Cambria Math" panose="02040503050406030204" pitchFamily="18" charset="0"/>
-                        <a:cs typeface="Arial" panose="020B0604020202020204" pitchFamily="34" charset="0"/>
-                      </a:rPr>
-                      <m:t>Ψ</m:t>
-                    </m:r>
-                    <m:r>
-                      <a:rPr lang="en-US" sz="1600" b="0" i="1" smtClean="0">
-                        <a:latin typeface="Cambria Math" panose="02040503050406030204" pitchFamily="18" charset="0"/>
-                        <a:cs typeface="Arial" panose="020B0604020202020204" pitchFamily="34" charset="0"/>
-                      </a:rPr>
-                      <m:t>,</m:t>
-                    </m:r>
-                    <m:r>
-                      <a:rPr lang="en-US" sz="1600" b="0" i="1" smtClean="0">
-                        <a:latin typeface="Cambria Math" panose="02040503050406030204" pitchFamily="18" charset="0"/>
-                        <a:cs typeface="Arial" panose="020B0604020202020204" pitchFamily="34" charset="0"/>
-                      </a:rPr>
-                      <m:t>𝑞</m:t>
-                    </m:r>
-                    <m:r>
-                      <a:rPr lang="en-US" sz="1600" b="0" i="1" smtClean="0">
-                        <a:latin typeface="Cambria Math" panose="02040503050406030204" pitchFamily="18" charset="0"/>
-                        <a:cs typeface="Arial" panose="020B0604020202020204" pitchFamily="34" charset="0"/>
-                      </a:rPr>
-                      <m:t>)</m:t>
-                    </m:r>
-                  </m:oMath>
-                </a14:m>
-                <a:r>
-                  <a:rPr lang="en-US" sz="1600" dirty="0">
-                    <a:latin typeface="Arial" panose="020B0604020202020204" pitchFamily="34" charset="0"/>
-                    <a:cs typeface="Arial" panose="020B0604020202020204" pitchFamily="34" charset="0"/>
-                  </a:rPr>
-                  <a:t>, while fast variables are </a:t>
-                </a:r>
-                <a14:m>
-                  <m:oMath xmlns:m="http://schemas.openxmlformats.org/officeDocument/2006/math">
-                    <m:r>
-                      <a:rPr lang="en-US" sz="1600" b="0" i="1" smtClean="0">
-                        <a:latin typeface="Cambria Math" panose="02040503050406030204" pitchFamily="18" charset="0"/>
-                        <a:cs typeface="Arial" panose="020B0604020202020204" pitchFamily="34" charset="0"/>
-                      </a:rPr>
-                      <m:t>𝑦</m:t>
-                    </m:r>
-                    <m:r>
-                      <a:rPr lang="en-US" sz="1600" b="0" i="1" smtClean="0">
-                        <a:latin typeface="Cambria Math" panose="02040503050406030204" pitchFamily="18" charset="0"/>
-                        <a:cs typeface="Arial" panose="020B0604020202020204" pitchFamily="34" charset="0"/>
-                      </a:rPr>
-                      <m:t>=</m:t>
-                    </m:r>
-                    <m:d>
-                      <m:dPr>
-                        <m:ctrlPr>
-                          <a:rPr lang="en-US" sz="1600" b="0" i="1" smtClean="0">
-                            <a:latin typeface="Cambria Math" panose="02040503050406030204" pitchFamily="18" charset="0"/>
-                            <a:cs typeface="Arial" panose="020B0604020202020204" pitchFamily="34" charset="0"/>
-                          </a:rPr>
-                        </m:ctrlPr>
-                      </m:dPr>
-                      <m:e>
-                        <m:r>
-                          <a:rPr lang="en-US" sz="1600" b="0" i="1" smtClean="0">
-                            <a:latin typeface="Cambria Math" panose="02040503050406030204" pitchFamily="18" charset="0"/>
-                            <a:cs typeface="Arial" panose="020B0604020202020204" pitchFamily="34" charset="0"/>
-                          </a:rPr>
-                          <m:t>𝜙</m:t>
-                        </m:r>
-                        <m:r>
-                          <a:rPr lang="en-US" sz="1600" b="0" i="1" smtClean="0">
-                            <a:latin typeface="Cambria Math" panose="02040503050406030204" pitchFamily="18" charset="0"/>
-                            <a:cs typeface="Arial" panose="020B0604020202020204" pitchFamily="34" charset="0"/>
-                          </a:rPr>
-                          <m:t>,</m:t>
-                        </m:r>
-                        <m:sSub>
-                          <m:sSubPr>
-                            <m:ctrlPr>
-                              <a:rPr lang="en-US" sz="1600" b="0" i="1" smtClean="0">
-                                <a:latin typeface="Cambria Math" panose="02040503050406030204" pitchFamily="18" charset="0"/>
-                                <a:cs typeface="Arial" panose="020B0604020202020204" pitchFamily="34" charset="0"/>
-                              </a:rPr>
-                            </m:ctrlPr>
-                          </m:sSubPr>
-                          <m:e>
-                            <m:r>
-                              <a:rPr lang="en-US" sz="1600" b="0" i="1" smtClean="0">
-                                <a:latin typeface="Cambria Math" panose="02040503050406030204" pitchFamily="18" charset="0"/>
-                                <a:cs typeface="Arial" panose="020B0604020202020204" pitchFamily="34" charset="0"/>
-                              </a:rPr>
-                              <m:t>𝛽</m:t>
-                            </m:r>
-                          </m:e>
-                          <m:sub>
-                            <m:r>
-                              <a:rPr lang="en-US" sz="1600" b="0" i="1" smtClean="0">
-                                <a:latin typeface="Cambria Math" panose="02040503050406030204" pitchFamily="18" charset="0"/>
-                                <a:cs typeface="Arial" panose="020B0604020202020204" pitchFamily="34" charset="0"/>
-                              </a:rPr>
-                              <m:t>∥</m:t>
-                            </m:r>
-                          </m:sub>
-                        </m:sSub>
-                      </m:e>
-                    </m:d>
-                  </m:oMath>
-                </a14:m>
-                <a:r>
-                  <a:rPr lang="en-US" sz="1600" dirty="0">
-                    <a:latin typeface="Arial" panose="020B0604020202020204" pitchFamily="34" charset="0"/>
-                    <a:cs typeface="Arial" panose="020B0604020202020204" pitchFamily="34" charset="0"/>
-                  </a:rPr>
-                  <a:t>. Dimensional reduction! </a:t>
-                </a:r>
-              </a:p>
             </p:txBody>
           </p:sp>
         </mc:Choice>
@@ -6209,8 +7635,8 @@
             </p:nvSpPr>
             <p:spPr>
               <a:xfrm>
-                <a:off x="9997406" y="12931507"/>
-                <a:ext cx="7429499" cy="6258380"/>
+                <a:off x="10011920" y="12522160"/>
+                <a:ext cx="7431757" cy="5924955"/>
               </a:xfrm>
               <a:prstGeom prst="rect">
                 <a:avLst/>
@@ -6218,7 +7644,7 @@
               <a:blipFill>
                 <a:blip r:embed="rId5"/>
                 <a:stretch>
-                  <a:fillRect l="-492" t="-292" b="-292"/>
+                  <a:fillRect l="-410" r="-328" b="-412"/>
                 </a:stretch>
               </a:blipFill>
             </p:spPr>
@@ -6498,7 +7924,7 @@
             <p:spPr>
               <a:xfrm>
                 <a:off x="18900775" y="9649163"/>
-                <a:ext cx="7429499" cy="3266279"/>
+                <a:ext cx="7429499" cy="3772315"/>
               </a:xfrm>
               <a:prstGeom prst="rect">
                 <a:avLst/>
@@ -6510,6 +7936,216 @@
                 <a:spAutoFit/>
               </a:bodyPr>
               <a:lstStyle/>
+              <a:p>
+                <a:r>
+                  <a:rPr lang="en-US" sz="1600" dirty="0">
+                    <a:latin typeface="Arial" panose="020B0604020202020204" pitchFamily="34" charset="0"/>
+                    <a:cs typeface="Arial" panose="020B0604020202020204" pitchFamily="34" charset="0"/>
+                  </a:rPr>
+                  <a:t>        Fast-slow split is between </a:t>
+                </a:r>
+                <a14:m>
+                  <m:oMath xmlns:m="http://schemas.openxmlformats.org/officeDocument/2006/math">
+                    <m:r>
+                      <a:rPr lang="en-US" sz="1600" b="0" i="1" smtClean="0">
+                        <a:latin typeface="Cambria Math" panose="02040503050406030204" pitchFamily="18" charset="0"/>
+                        <a:cs typeface="Arial" panose="020B0604020202020204" pitchFamily="34" charset="0"/>
+                      </a:rPr>
+                      <m:t>𝑥</m:t>
+                    </m:r>
+                    <m:r>
+                      <a:rPr lang="en-US" sz="1600" b="0" i="1" smtClean="0">
+                        <a:latin typeface="Cambria Math" panose="02040503050406030204" pitchFamily="18" charset="0"/>
+                        <a:cs typeface="Arial" panose="020B0604020202020204" pitchFamily="34" charset="0"/>
+                      </a:rPr>
+                      <m:t>=(</m:t>
+                    </m:r>
+                    <m:r>
+                      <a:rPr lang="en-US" sz="1600" b="0" i="1" smtClean="0">
+                        <a:latin typeface="Cambria Math" panose="02040503050406030204" pitchFamily="18" charset="0"/>
+                        <a:cs typeface="Arial" panose="020B0604020202020204" pitchFamily="34" charset="0"/>
+                      </a:rPr>
+                      <m:t>𝜓</m:t>
+                    </m:r>
+                    <m:r>
+                      <a:rPr lang="en-US" sz="1600" b="0" i="1" smtClean="0">
+                        <a:latin typeface="Cambria Math" panose="02040503050406030204" pitchFamily="18" charset="0"/>
+                        <a:cs typeface="Arial" panose="020B0604020202020204" pitchFamily="34" charset="0"/>
+                      </a:rPr>
+                      <m:t>,</m:t>
+                    </m:r>
+                    <m:sSub>
+                      <m:sSubPr>
+                        <m:ctrlPr>
+                          <a:rPr lang="en-US" sz="1600" b="0" i="1" smtClean="0">
+                            <a:latin typeface="Cambria Math" panose="02040503050406030204" pitchFamily="18" charset="0"/>
+                            <a:cs typeface="Arial" panose="020B0604020202020204" pitchFamily="34" charset="0"/>
+                          </a:rPr>
+                        </m:ctrlPr>
+                      </m:sSubPr>
+                      <m:e>
+                        <m:r>
+                          <a:rPr lang="en-US" sz="1600" b="0" i="1" smtClean="0">
+                            <a:latin typeface="Cambria Math" panose="02040503050406030204" pitchFamily="18" charset="0"/>
+                            <a:cs typeface="Arial" panose="020B0604020202020204" pitchFamily="34" charset="0"/>
+                          </a:rPr>
+                          <m:t>𝜈</m:t>
+                        </m:r>
+                      </m:e>
+                      <m:sub>
+                        <m:r>
+                          <a:rPr lang="en-US" sz="1600" b="0" i="1" smtClean="0">
+                            <a:latin typeface="Cambria Math" panose="02040503050406030204" pitchFamily="18" charset="0"/>
+                            <a:cs typeface="Arial" panose="020B0604020202020204" pitchFamily="34" charset="0"/>
+                          </a:rPr>
+                          <m:t>∥</m:t>
+                        </m:r>
+                      </m:sub>
+                    </m:sSub>
+                    <m:r>
+                      <a:rPr lang="en-US" sz="1600" b="0" i="1" smtClean="0">
+                        <a:latin typeface="Cambria Math" panose="02040503050406030204" pitchFamily="18" charset="0"/>
+                        <a:cs typeface="Arial" panose="020B0604020202020204" pitchFamily="34" charset="0"/>
+                      </a:rPr>
+                      <m:t>,</m:t>
+                    </m:r>
+                    <m:r>
+                      <m:rPr>
+                        <m:sty m:val="p"/>
+                      </m:rPr>
+                      <a:rPr lang="en-US" sz="1600" b="0" i="0" smtClean="0">
+                        <a:latin typeface="Cambria Math" panose="02040503050406030204" pitchFamily="18" charset="0"/>
+                        <a:cs typeface="Arial" panose="020B0604020202020204" pitchFamily="34" charset="0"/>
+                      </a:rPr>
+                      <m:t>Φ</m:t>
+                    </m:r>
+                    <m:r>
+                      <a:rPr lang="en-US" sz="1600" b="0" i="1" smtClean="0">
+                        <a:latin typeface="Cambria Math" panose="02040503050406030204" pitchFamily="18" charset="0"/>
+                        <a:cs typeface="Arial" panose="020B0604020202020204" pitchFamily="34" charset="0"/>
+                      </a:rPr>
+                      <m:t>,</m:t>
+                    </m:r>
+                    <m:r>
+                      <m:rPr>
+                        <m:sty m:val="p"/>
+                      </m:rPr>
+                      <a:rPr lang="en-US" sz="1600" b="0" i="0" smtClean="0">
+                        <a:latin typeface="Cambria Math" panose="02040503050406030204" pitchFamily="18" charset="0"/>
+                        <a:cs typeface="Arial" panose="020B0604020202020204" pitchFamily="34" charset="0"/>
+                      </a:rPr>
+                      <m:t>Ψ</m:t>
+                    </m:r>
+                    <m:r>
+                      <a:rPr lang="en-US" sz="1600" b="0" i="1" smtClean="0">
+                        <a:latin typeface="Cambria Math" panose="02040503050406030204" pitchFamily="18" charset="0"/>
+                        <a:cs typeface="Arial" panose="020B0604020202020204" pitchFamily="34" charset="0"/>
+                      </a:rPr>
+                      <m:t>,</m:t>
+                    </m:r>
+                    <m:r>
+                      <a:rPr lang="en-US" sz="1600" b="0" i="1" smtClean="0">
+                        <a:latin typeface="Cambria Math" panose="02040503050406030204" pitchFamily="18" charset="0"/>
+                        <a:cs typeface="Arial" panose="020B0604020202020204" pitchFamily="34" charset="0"/>
+                      </a:rPr>
+                      <m:t>𝑞</m:t>
+                    </m:r>
+                    <m:r>
+                      <a:rPr lang="en-US" sz="1600" b="0" i="1" smtClean="0">
+                        <a:latin typeface="Cambria Math" panose="02040503050406030204" pitchFamily="18" charset="0"/>
+                        <a:cs typeface="Arial" panose="020B0604020202020204" pitchFamily="34" charset="0"/>
+                      </a:rPr>
+                      <m:t>)</m:t>
+                    </m:r>
+                  </m:oMath>
+                </a14:m>
+                <a:r>
+                  <a:rPr lang="en-US" sz="1600" dirty="0">
+                    <a:latin typeface="Arial" panose="020B0604020202020204" pitchFamily="34" charset="0"/>
+                    <a:cs typeface="Arial" panose="020B0604020202020204" pitchFamily="34" charset="0"/>
+                  </a:rPr>
+                  <a:t>, while fast variables are </a:t>
+                </a:r>
+                <a14:m>
+                  <m:oMath xmlns:m="http://schemas.openxmlformats.org/officeDocument/2006/math">
+                    <m:r>
+                      <a:rPr lang="en-US" sz="1600" b="0" i="1" smtClean="0">
+                        <a:latin typeface="Cambria Math" panose="02040503050406030204" pitchFamily="18" charset="0"/>
+                        <a:cs typeface="Arial" panose="020B0604020202020204" pitchFamily="34" charset="0"/>
+                      </a:rPr>
+                      <m:t>𝑦</m:t>
+                    </m:r>
+                    <m:r>
+                      <a:rPr lang="en-US" sz="1600" b="0" i="1" smtClean="0">
+                        <a:latin typeface="Cambria Math" panose="02040503050406030204" pitchFamily="18" charset="0"/>
+                        <a:cs typeface="Arial" panose="020B0604020202020204" pitchFamily="34" charset="0"/>
+                      </a:rPr>
+                      <m:t>=</m:t>
+                    </m:r>
+                    <m:d>
+                      <m:dPr>
+                        <m:ctrlPr>
+                          <a:rPr lang="en-US" sz="1600" b="0" i="1" smtClean="0">
+                            <a:latin typeface="Cambria Math" panose="02040503050406030204" pitchFamily="18" charset="0"/>
+                            <a:cs typeface="Arial" panose="020B0604020202020204" pitchFamily="34" charset="0"/>
+                          </a:rPr>
+                        </m:ctrlPr>
+                      </m:dPr>
+                      <m:e>
+                        <m:r>
+                          <a:rPr lang="en-US" sz="1600" b="0" i="1" smtClean="0">
+                            <a:latin typeface="Cambria Math" panose="02040503050406030204" pitchFamily="18" charset="0"/>
+                            <a:cs typeface="Arial" panose="020B0604020202020204" pitchFamily="34" charset="0"/>
+                          </a:rPr>
+                          <m:t>𝜙</m:t>
+                        </m:r>
+                        <m:r>
+                          <a:rPr lang="en-US" sz="1600" b="0" i="1" smtClean="0">
+                            <a:latin typeface="Cambria Math" panose="02040503050406030204" pitchFamily="18" charset="0"/>
+                            <a:cs typeface="Arial" panose="020B0604020202020204" pitchFamily="34" charset="0"/>
+                          </a:rPr>
+                          <m:t>,</m:t>
+                        </m:r>
+                        <m:sSub>
+                          <m:sSubPr>
+                            <m:ctrlPr>
+                              <a:rPr lang="en-US" sz="1600" b="0" i="1" smtClean="0">
+                                <a:latin typeface="Cambria Math" panose="02040503050406030204" pitchFamily="18" charset="0"/>
+                                <a:cs typeface="Arial" panose="020B0604020202020204" pitchFamily="34" charset="0"/>
+                              </a:rPr>
+                            </m:ctrlPr>
+                          </m:sSubPr>
+                          <m:e>
+                            <m:r>
+                              <a:rPr lang="en-US" sz="1600" b="0" i="1" smtClean="0">
+                                <a:latin typeface="Cambria Math" panose="02040503050406030204" pitchFamily="18" charset="0"/>
+                                <a:cs typeface="Arial" panose="020B0604020202020204" pitchFamily="34" charset="0"/>
+                              </a:rPr>
+                              <m:t>𝛽</m:t>
+                            </m:r>
+                          </m:e>
+                          <m:sub>
+                            <m:r>
+                              <a:rPr lang="en-US" sz="1600" b="0" i="1" smtClean="0">
+                                <a:latin typeface="Cambria Math" panose="02040503050406030204" pitchFamily="18" charset="0"/>
+                                <a:cs typeface="Arial" panose="020B0604020202020204" pitchFamily="34" charset="0"/>
+                              </a:rPr>
+                              <m:t>∥</m:t>
+                            </m:r>
+                          </m:sub>
+                        </m:sSub>
+                      </m:e>
+                    </m:d>
+                  </m:oMath>
+                </a14:m>
+                <a:r>
+                  <a:rPr lang="en-US" sz="1600" dirty="0">
+                    <a:latin typeface="Arial" panose="020B0604020202020204" pitchFamily="34" charset="0"/>
+                    <a:cs typeface="Arial" panose="020B0604020202020204" pitchFamily="34" charset="0"/>
+                  </a:rPr>
+                  <a:t>. Dimensional reduction! </a:t>
+                </a:r>
+              </a:p>
               <a:p>
                 <a:r>
                   <a:rPr lang="en-US" sz="1600" dirty="0">
@@ -6594,6 +8230,7 @@
                         <m:ctrlPr>
                           <a:rPr lang="en-US" sz="2200" b="0" i="1" smtClean="0">
                             <a:latin typeface="Cambria Math" panose="02040503050406030204" pitchFamily="18" charset="0"/>
+                            <a:ea typeface="Cambria Math" panose="02040503050406030204" pitchFamily="18" charset="0"/>
                             <a:cs typeface="Arial" panose="020B0604020202020204" pitchFamily="34" charset="0"/>
                           </a:rPr>
                         </m:ctrlPr>
@@ -6602,6 +8239,7 @@
                         <m:r>
                           <a:rPr lang="en-US" sz="2200" b="0" i="1" smtClean="0">
                             <a:latin typeface="Cambria Math" panose="02040503050406030204" pitchFamily="18" charset="0"/>
+                            <a:ea typeface="Cambria Math" panose="02040503050406030204" pitchFamily="18" charset="0"/>
                             <a:cs typeface="Arial" panose="020B0604020202020204" pitchFamily="34" charset="0"/>
                           </a:rPr>
                           <m:t>𝑥</m:t>
@@ -6611,6 +8249,7 @@
                     <m:r>
                       <a:rPr lang="en-US" sz="2200" b="0" i="1" dirty="0" smtClean="0">
                         <a:latin typeface="Cambria Math" panose="02040503050406030204" pitchFamily="18" charset="0"/>
+                        <a:ea typeface="Cambria Math" panose="02040503050406030204" pitchFamily="18" charset="0"/>
                         <a:cs typeface="Arial" panose="020B0604020202020204" pitchFamily="34" charset="0"/>
                       </a:rPr>
                       <m:t>=0</m:t>
@@ -6619,7 +8258,8 @@
                 </a14:m>
                 <a:r>
                   <a:rPr lang="en-US" sz="2200" dirty="0">
-                    <a:latin typeface="Arial" panose="020B0604020202020204" pitchFamily="34" charset="0"/>
+                    <a:latin typeface="Cambria Math" panose="02040503050406030204" pitchFamily="18" charset="0"/>
+                    <a:ea typeface="Cambria Math" panose="02040503050406030204" pitchFamily="18" charset="0"/>
                     <a:cs typeface="Arial" panose="020B0604020202020204" pitchFamily="34" charset="0"/>
                   </a:rPr>
                   <a:t>, </a:t>
@@ -6632,6 +8272,7 @@
                         <m:ctrlPr>
                           <a:rPr lang="en-US" sz="2200" b="0" i="1" smtClean="0">
                             <a:latin typeface="Cambria Math" panose="02040503050406030204" pitchFamily="18" charset="0"/>
+                            <a:ea typeface="Cambria Math" panose="02040503050406030204" pitchFamily="18" charset="0"/>
                             <a:cs typeface="Arial" panose="020B0604020202020204" pitchFamily="34" charset="0"/>
                           </a:rPr>
                         </m:ctrlPr>
@@ -6640,6 +8281,7 @@
                         <m:r>
                           <a:rPr lang="en-US" sz="2200" b="0" i="1" smtClean="0">
                             <a:latin typeface="Cambria Math" panose="02040503050406030204" pitchFamily="18" charset="0"/>
+                            <a:ea typeface="Cambria Math" panose="02040503050406030204" pitchFamily="18" charset="0"/>
                             <a:cs typeface="Arial" panose="020B0604020202020204" pitchFamily="34" charset="0"/>
                           </a:rPr>
                           <m:t>𝜙</m:t>
@@ -6649,6 +8291,7 @@
                     <m:r>
                       <a:rPr lang="en-US" sz="2200" b="0" i="1" dirty="0" smtClean="0">
                         <a:latin typeface="Cambria Math" panose="02040503050406030204" pitchFamily="18" charset="0"/>
+                        <a:ea typeface="Cambria Math" panose="02040503050406030204" pitchFamily="18" charset="0"/>
                         <a:cs typeface="Arial" panose="020B0604020202020204" pitchFamily="34" charset="0"/>
                       </a:rPr>
                       <m:t>=</m:t>
@@ -6658,6 +8301,7 @@
                         <m:ctrlPr>
                           <a:rPr lang="en-US" sz="2200" b="0" i="1" dirty="0" smtClean="0">
                             <a:latin typeface="Cambria Math" panose="02040503050406030204" pitchFamily="18" charset="0"/>
+                            <a:ea typeface="Cambria Math" panose="02040503050406030204" pitchFamily="18" charset="0"/>
                             <a:cs typeface="Arial" panose="020B0604020202020204" pitchFamily="34" charset="0"/>
                           </a:rPr>
                         </m:ctrlPr>
@@ -6666,6 +8310,7 @@
                         <m:r>
                           <a:rPr lang="en-US" sz="2200" b="0" i="1" dirty="0" smtClean="0">
                             <a:latin typeface="Cambria Math" panose="02040503050406030204" pitchFamily="18" charset="0"/>
+                            <a:ea typeface="Cambria Math" panose="02040503050406030204" pitchFamily="18" charset="0"/>
                             <a:cs typeface="Arial" panose="020B0604020202020204" pitchFamily="34" charset="0"/>
                           </a:rPr>
                           <m:t>𝐻</m:t>
@@ -6677,6 +8322,7 @@
                             <m:ctrlPr>
                               <a:rPr lang="en-US" sz="2200" b="0" i="1" dirty="0" smtClean="0">
                                 <a:latin typeface="Cambria Math" panose="02040503050406030204" pitchFamily="18" charset="0"/>
+                                <a:ea typeface="Cambria Math" panose="02040503050406030204" pitchFamily="18" charset="0"/>
                                 <a:cs typeface="Arial" panose="020B0604020202020204" pitchFamily="34" charset="0"/>
                               </a:rPr>
                             </m:ctrlPr>
@@ -6685,6 +8331,7 @@
                             <m:r>
                               <a:rPr lang="en-US" sz="2200" b="0" i="1" dirty="0" smtClean="0">
                                 <a:latin typeface="Cambria Math" panose="02040503050406030204" pitchFamily="18" charset="0"/>
+                                <a:ea typeface="Cambria Math" panose="02040503050406030204" pitchFamily="18" charset="0"/>
                                 <a:cs typeface="Arial" panose="020B0604020202020204" pitchFamily="34" charset="0"/>
                               </a:rPr>
                               <m:t>𝛽</m:t>
@@ -6694,6 +8341,7 @@
                             <m:r>
                               <a:rPr lang="en-US" sz="2200" b="0" i="1" dirty="0" smtClean="0">
                                 <a:latin typeface="Cambria Math" panose="02040503050406030204" pitchFamily="18" charset="0"/>
+                                <a:ea typeface="Cambria Math" panose="02040503050406030204" pitchFamily="18" charset="0"/>
                                 <a:cs typeface="Arial" panose="020B0604020202020204" pitchFamily="34" charset="0"/>
                               </a:rPr>
                               <m:t>∥</m:t>
@@ -6705,6 +8353,7 @@
                     <m:r>
                       <a:rPr lang="en-US" sz="2200" b="0" i="1" dirty="0" smtClean="0">
                         <a:latin typeface="Cambria Math" panose="02040503050406030204" pitchFamily="18" charset="0"/>
+                        <a:ea typeface="Cambria Math" panose="02040503050406030204" pitchFamily="18" charset="0"/>
                         <a:cs typeface="Arial" panose="020B0604020202020204" pitchFamily="34" charset="0"/>
                       </a:rPr>
                       <m:t>−</m:t>
@@ -6714,6 +8363,7 @@
                         <m:ctrlPr>
                           <a:rPr lang="en-US" sz="2200" b="0" i="1" dirty="0" smtClean="0">
                             <a:latin typeface="Cambria Math" panose="02040503050406030204" pitchFamily="18" charset="0"/>
+                            <a:ea typeface="Cambria Math" panose="02040503050406030204" pitchFamily="18" charset="0"/>
                             <a:cs typeface="Arial" panose="020B0604020202020204" pitchFamily="34" charset="0"/>
                           </a:rPr>
                         </m:ctrlPr>
@@ -6722,6 +8372,7 @@
                         <m:r>
                           <a:rPr lang="en-US" sz="2200" b="0" i="1" dirty="0" smtClean="0">
                             <a:latin typeface="Cambria Math" panose="02040503050406030204" pitchFamily="18" charset="0"/>
+                            <a:ea typeface="Cambria Math" panose="02040503050406030204" pitchFamily="18" charset="0"/>
                             <a:cs typeface="Arial" panose="020B0604020202020204" pitchFamily="34" charset="0"/>
                           </a:rPr>
                           <m:t>𝛽</m:t>
@@ -6731,6 +8382,7 @@
                         <m:r>
                           <a:rPr lang="en-US" sz="2200" b="0" i="1" dirty="0" smtClean="0">
                             <a:latin typeface="Cambria Math" panose="02040503050406030204" pitchFamily="18" charset="0"/>
+                            <a:ea typeface="Cambria Math" panose="02040503050406030204" pitchFamily="18" charset="0"/>
                             <a:cs typeface="Arial" panose="020B0604020202020204" pitchFamily="34" charset="0"/>
                           </a:rPr>
                           <m:t>∥</m:t>
@@ -6741,21 +8393,24 @@
                 </a14:m>
                 <a:r>
                   <a:rPr lang="en-US" sz="2200" dirty="0">
-                    <a:latin typeface="Arial" panose="020B0604020202020204" pitchFamily="34" charset="0"/>
+                    <a:latin typeface="Cambria Math" panose="02040503050406030204" pitchFamily="18" charset="0"/>
+                    <a:ea typeface="Cambria Math" panose="02040503050406030204" pitchFamily="18" charset="0"/>
                     <a:cs typeface="Arial" panose="020B0604020202020204" pitchFamily="34" charset="0"/>
                   </a:rPr>
                   <a:t>, </a:t>
                 </a:r>
                 <a:r>
                   <a:rPr lang="en-US" sz="1600" dirty="0">
-                    <a:latin typeface="Arial" panose="020B0604020202020204" pitchFamily="34" charset="0"/>
+                    <a:latin typeface="Cambria Math" panose="02040503050406030204" pitchFamily="18" charset="0"/>
+                    <a:ea typeface="Cambria Math" panose="02040503050406030204" pitchFamily="18" charset="0"/>
                     <a:cs typeface="Arial" panose="020B0604020202020204" pitchFamily="34" charset="0"/>
                   </a:rPr>
                   <a:t>and</a:t>
                 </a:r>
                 <a:r>
                   <a:rPr lang="en-US" sz="2200" dirty="0">
-                    <a:latin typeface="Arial" panose="020B0604020202020204" pitchFamily="34" charset="0"/>
+                    <a:latin typeface="Cambria Math" panose="02040503050406030204" pitchFamily="18" charset="0"/>
+                    <a:ea typeface="Cambria Math" panose="02040503050406030204" pitchFamily="18" charset="0"/>
                     <a:cs typeface="Arial" panose="020B0604020202020204" pitchFamily="34" charset="0"/>
                   </a:rPr>
                   <a:t> </a:t>
@@ -6768,6 +8423,7 @@
                         <m:ctrlPr>
                           <a:rPr lang="en-US" sz="2200" i="1">
                             <a:latin typeface="Cambria Math" panose="02040503050406030204" pitchFamily="18" charset="0"/>
+                            <a:ea typeface="Cambria Math" panose="02040503050406030204" pitchFamily="18" charset="0"/>
                             <a:cs typeface="Arial" panose="020B0604020202020204" pitchFamily="34" charset="0"/>
                           </a:rPr>
                         </m:ctrlPr>
@@ -6778,6 +8434,7 @@
                             <m:ctrlPr>
                               <a:rPr lang="en-US" sz="2200" b="0" i="1" smtClean="0">
                                 <a:latin typeface="Cambria Math" panose="02040503050406030204" pitchFamily="18" charset="0"/>
+                                <a:ea typeface="Cambria Math" panose="02040503050406030204" pitchFamily="18" charset="0"/>
                                 <a:cs typeface="Arial" panose="020B0604020202020204" pitchFamily="34" charset="0"/>
                               </a:rPr>
                             </m:ctrlPr>
@@ -6786,6 +8443,7 @@
                             <m:r>
                               <a:rPr lang="en-US" sz="2200" b="0" i="1" smtClean="0">
                                 <a:latin typeface="Cambria Math" panose="02040503050406030204" pitchFamily="18" charset="0"/>
+                                <a:ea typeface="Cambria Math" panose="02040503050406030204" pitchFamily="18" charset="0"/>
                                 <a:cs typeface="Arial" panose="020B0604020202020204" pitchFamily="34" charset="0"/>
                               </a:rPr>
                               <m:t>𝛽</m:t>
@@ -6795,6 +8453,7 @@
                             <m:r>
                               <a:rPr lang="en-US" sz="2200" b="0" i="1" smtClean="0">
                                 <a:latin typeface="Cambria Math" panose="02040503050406030204" pitchFamily="18" charset="0"/>
+                                <a:ea typeface="Cambria Math" panose="02040503050406030204" pitchFamily="18" charset="0"/>
                                 <a:cs typeface="Arial" panose="020B0604020202020204" pitchFamily="34" charset="0"/>
                               </a:rPr>
                               <m:t>∥</m:t>
@@ -6806,6 +8465,7 @@
                     <m:r>
                       <a:rPr lang="en-US" sz="2200" b="0" i="1" smtClean="0">
                         <a:latin typeface="Cambria Math" panose="02040503050406030204" pitchFamily="18" charset="0"/>
+                        <a:ea typeface="Cambria Math" panose="02040503050406030204" pitchFamily="18" charset="0"/>
                         <a:cs typeface="Arial" panose="020B0604020202020204" pitchFamily="34" charset="0"/>
                       </a:rPr>
                       <m:t>=−</m:t>
@@ -6815,6 +8475,7 @@
                         <m:ctrlPr>
                           <a:rPr lang="en-US" sz="2200" b="0" i="1" smtClean="0">
                             <a:latin typeface="Cambria Math" panose="02040503050406030204" pitchFamily="18" charset="0"/>
+                            <a:ea typeface="Cambria Math" panose="02040503050406030204" pitchFamily="18" charset="0"/>
                             <a:cs typeface="Arial" panose="020B0604020202020204" pitchFamily="34" charset="0"/>
                           </a:rPr>
                         </m:ctrlPr>
@@ -6826,6 +8487,7 @@
                           </m:rPr>
                           <a:rPr lang="en-US" sz="2200" b="0" i="0" smtClean="0">
                             <a:latin typeface="Cambria Math" panose="02040503050406030204" pitchFamily="18" charset="0"/>
+                            <a:ea typeface="Cambria Math" panose="02040503050406030204" pitchFamily="18" charset="0"/>
                             <a:cs typeface="Arial" panose="020B0604020202020204" pitchFamily="34" charset="0"/>
                           </a:rPr>
                           <m:t>Δ</m:t>
@@ -6835,6 +8497,7 @@
                         <m:r>
                           <a:rPr lang="en-US" sz="2200" b="0" i="1" smtClean="0">
                             <a:latin typeface="Cambria Math" panose="02040503050406030204" pitchFamily="18" charset="0"/>
+                            <a:ea typeface="Cambria Math" panose="02040503050406030204" pitchFamily="18" charset="0"/>
                             <a:cs typeface="Arial" panose="020B0604020202020204" pitchFamily="34" charset="0"/>
                           </a:rPr>
                           <m:t>⊥</m:t>
@@ -6844,6 +8507,7 @@
                     <m:r>
                       <a:rPr lang="en-US" sz="2200" b="0" i="1" smtClean="0">
                         <a:latin typeface="Cambria Math" panose="02040503050406030204" pitchFamily="18" charset="0"/>
+                        <a:ea typeface="Cambria Math" panose="02040503050406030204" pitchFamily="18" charset="0"/>
                         <a:cs typeface="Arial" panose="020B0604020202020204" pitchFamily="34" charset="0"/>
                       </a:rPr>
                       <m:t>𝜙</m:t>
@@ -7174,7 +8838,7 @@
             <p:spPr>
               <a:xfrm>
                 <a:off x="18900775" y="9649163"/>
-                <a:ext cx="7429499" cy="3266279"/>
+                <a:ext cx="7429499" cy="3772315"/>
               </a:xfrm>
               <a:prstGeom prst="rect">
                 <a:avLst/>
@@ -7182,7 +8846,7 @@
               <a:blipFill>
                 <a:blip r:embed="rId6"/>
                 <a:stretch>
-                  <a:fillRect l="-493" t="-560" r="-985" b="-1493"/>
+                  <a:fillRect l="-493" t="-485" r="-985" b="-2100"/>
                 </a:stretch>
               </a:blipFill>
             </p:spPr>
@@ -7201,36 +8865,6 @@
           </p:sp>
         </mc:Fallback>
       </mc:AlternateContent>
-      <p:pic>
-        <p:nvPicPr>
-          <p:cNvPr id="55" name="Picture 54">
-            <a:extLst>
-              <a:ext uri="{FF2B5EF4-FFF2-40B4-BE49-F238E27FC236}">
-                <a16:creationId xmlns:a16="http://schemas.microsoft.com/office/drawing/2014/main" id="{5D352562-AA31-C579-CA29-DD8F0AFC06ED}"/>
-              </a:ext>
-            </a:extLst>
-          </p:cNvPr>
-          <p:cNvPicPr>
-            <a:picLocks noChangeAspect="1"/>
-          </p:cNvPicPr>
-          <p:nvPr/>
-        </p:nvPicPr>
-        <p:blipFill>
-          <a:blip r:embed="rId7"/>
-          <a:stretch>
-            <a:fillRect/>
-          </a:stretch>
-        </p:blipFill>
-        <p:spPr>
-          <a:xfrm>
-            <a:off x="15251604" y="9076083"/>
-            <a:ext cx="2120478" cy="1688529"/>
-          </a:xfrm>
-          <a:prstGeom prst="rect">
-            <a:avLst/>
-          </a:prstGeom>
-        </p:spPr>
-      </p:pic>
       <p:sp>
         <p:nvSpPr>
           <p:cNvPr id="62" name="Rectangle 61">
@@ -7245,7 +8879,7 @@
         </p:nvSpPr>
         <p:spPr>
           <a:xfrm>
-            <a:off x="9632951" y="12231350"/>
+            <a:off x="9643621" y="11845058"/>
             <a:ext cx="8164512" cy="677102"/>
           </a:xfrm>
           <a:prstGeom prst="rect">
@@ -8008,7 +9642,52 @@
                     <a:latin typeface="Arial" panose="020B0604020202020204" pitchFamily="34" charset="0"/>
                     <a:cs typeface="Arial" panose="020B0604020202020204" pitchFamily="34" charset="0"/>
                   </a:rPr>
-                  <a:t>, the slow variables appears to stop evolving, resulting in an effective dimensional reduction. The condition on the derivative of the limit system may seem strange, but it ultimately allows for perturbative solutions of the form </a:t>
+                  <a:t>, the slow variables appears to stop evolving (</a:t>
+                </a:r>
+                <a14:m>
+                  <m:oMath xmlns:m="http://schemas.openxmlformats.org/officeDocument/2006/math">
+                    <m:acc>
+                      <m:accPr>
+                        <m:chr m:val="̇"/>
+                        <m:ctrlPr>
+                          <a:rPr lang="en-US" sz="1600" i="1" dirty="0">
+                            <a:latin typeface="Cambria Math" panose="02040503050406030204" pitchFamily="18" charset="0"/>
+                            <a:cs typeface="Arial" panose="020B0604020202020204" pitchFamily="34" charset="0"/>
+                          </a:rPr>
+                        </m:ctrlPr>
+                      </m:accPr>
+                      <m:e>
+                        <m:r>
+                          <a:rPr lang="en-US" sz="1600" i="1" dirty="0">
+                            <a:latin typeface="Cambria Math" panose="02040503050406030204" pitchFamily="18" charset="0"/>
+                            <a:cs typeface="Arial" panose="020B0604020202020204" pitchFamily="34" charset="0"/>
+                          </a:rPr>
+                          <m:t>𝑥</m:t>
+                        </m:r>
+                      </m:e>
+                    </m:acc>
+                    <m:r>
+                      <a:rPr lang="en-US" sz="1600" i="1" dirty="0">
+                        <a:latin typeface="Cambria Math" panose="02040503050406030204" pitchFamily="18" charset="0"/>
+                        <a:cs typeface="Arial" panose="020B0604020202020204" pitchFamily="34" charset="0"/>
+                      </a:rPr>
+                      <m:t>=</m:t>
+                    </m:r>
+                    <m:r>
+                      <a:rPr lang="en-US" sz="1600" b="0" i="1" dirty="0" smtClean="0">
+                        <a:latin typeface="Cambria Math" panose="02040503050406030204" pitchFamily="18" charset="0"/>
+                        <a:cs typeface="Arial" panose="020B0604020202020204" pitchFamily="34" charset="0"/>
+                      </a:rPr>
+                      <m:t>0</m:t>
+                    </m:r>
+                  </m:oMath>
+                </a14:m>
+                <a:r>
+                  <a:rPr lang="en-US" sz="1600" dirty="0">
+                    <a:latin typeface="Arial" panose="020B0604020202020204" pitchFamily="34" charset="0"/>
+                    <a:cs typeface="Arial" panose="020B0604020202020204" pitchFamily="34" charset="0"/>
+                  </a:rPr>
+                  <a:t>), resulting in an effective dimensional reduction. The condition on the derivative of the limit system may seem strange, but it ultimately allows for perturbative solutions of the form </a:t>
                 </a:r>
               </a:p>
               <a:p>
@@ -9174,9 +10853,9 @@
                 <a:avLst/>
               </a:prstGeom>
               <a:blipFill>
-                <a:blip r:embed="rId8"/>
+                <a:blip r:embed="rId7"/>
                 <a:stretch>
-                  <a:fillRect l="-410" t="-260" r="-410"/>
+                  <a:fillRect l="-410" t="-260" r="-1231"/>
                 </a:stretch>
               </a:blipFill>
             </p:spPr>
@@ -9195,96 +10874,6 @@
           </p:sp>
         </mc:Fallback>
       </mc:AlternateContent>
-      <p:pic>
-        <p:nvPicPr>
-          <p:cNvPr id="1037" name="Picture 1036">
-            <a:extLst>
-              <a:ext uri="{FF2B5EF4-FFF2-40B4-BE49-F238E27FC236}">
-                <a16:creationId xmlns:a16="http://schemas.microsoft.com/office/drawing/2014/main" id="{1F10105C-1EBA-C5EB-DAA4-62DD3605170E}"/>
-              </a:ext>
-            </a:extLst>
-          </p:cNvPr>
-          <p:cNvPicPr>
-            <a:picLocks noChangeAspect="1"/>
-          </p:cNvPicPr>
-          <p:nvPr/>
-        </p:nvPicPr>
-        <p:blipFill>
-          <a:blip r:embed="rId9"/>
-          <a:stretch>
-            <a:fillRect/>
-          </a:stretch>
-        </p:blipFill>
-        <p:spPr>
-          <a:xfrm>
-            <a:off x="12203351" y="13823287"/>
-            <a:ext cx="2722518" cy="682736"/>
-          </a:xfrm>
-          <a:prstGeom prst="rect">
-            <a:avLst/>
-          </a:prstGeom>
-        </p:spPr>
-      </p:pic>
-      <p:pic>
-        <p:nvPicPr>
-          <p:cNvPr id="1039" name="Picture 1038">
-            <a:extLst>
-              <a:ext uri="{FF2B5EF4-FFF2-40B4-BE49-F238E27FC236}">
-                <a16:creationId xmlns:a16="http://schemas.microsoft.com/office/drawing/2014/main" id="{9B4C86BA-568B-8550-0D49-3F21A53A5D00}"/>
-              </a:ext>
-            </a:extLst>
-          </p:cNvPr>
-          <p:cNvPicPr>
-            <a:picLocks noChangeAspect="1"/>
-          </p:cNvPicPr>
-          <p:nvPr/>
-        </p:nvPicPr>
-        <p:blipFill>
-          <a:blip r:embed="rId10"/>
-          <a:stretch>
-            <a:fillRect/>
-          </a:stretch>
-        </p:blipFill>
-        <p:spPr>
-          <a:xfrm>
-            <a:off x="11748989" y="15759584"/>
-            <a:ext cx="3631242" cy="673481"/>
-          </a:xfrm>
-          <a:prstGeom prst="rect">
-            <a:avLst/>
-          </a:prstGeom>
-        </p:spPr>
-      </p:pic>
-      <p:pic>
-        <p:nvPicPr>
-          <p:cNvPr id="1041" name="Picture 1040">
-            <a:extLst>
-              <a:ext uri="{FF2B5EF4-FFF2-40B4-BE49-F238E27FC236}">
-                <a16:creationId xmlns:a16="http://schemas.microsoft.com/office/drawing/2014/main" id="{B8DBE208-4B12-2D14-D824-B1E3BE8093C7}"/>
-              </a:ext>
-            </a:extLst>
-          </p:cNvPr>
-          <p:cNvPicPr>
-            <a:picLocks noChangeAspect="1"/>
-          </p:cNvPicPr>
-          <p:nvPr/>
-        </p:nvPicPr>
-        <p:blipFill>
-          <a:blip r:embed="rId11"/>
-          <a:stretch>
-            <a:fillRect/>
-          </a:stretch>
-        </p:blipFill>
-        <p:spPr>
-          <a:xfrm>
-            <a:off x="12051962" y="16425447"/>
-            <a:ext cx="3025295" cy="558393"/>
-          </a:xfrm>
-          <a:prstGeom prst="rect">
-            <a:avLst/>
-          </a:prstGeom>
-        </p:spPr>
-      </p:pic>
       <p:grpSp>
         <p:nvGrpSpPr>
           <p:cNvPr id="1042" name="Group 1041">
@@ -9322,7 +10911,7 @@
             <p:nvPr/>
           </p:nvPicPr>
           <p:blipFill>
-            <a:blip r:embed="rId12">
+            <a:blip r:embed="rId8">
               <a:extLst>
                 <a:ext uri="{28A0092B-C50C-407E-A947-70E740481C1C}">
                   <a14:useLocalDpi xmlns:a14="http://schemas.microsoft.com/office/drawing/2010/main" val="0"/>
@@ -9384,7 +10973,7 @@
             <a:p>
               <a:r>
                 <a:rPr lang="en-US" sz="1200" dirty="0">
-                  <a:hlinkClick r:id="rId13"/>
+                  <a:hlinkClick r:id="rId9"/>
                 </a:rPr>
                 <a:t>https://www.iaea.org/bulletin/magnetic-fusion-confinement-with-tokamaks-and-stellarators</a:t>
               </a:r>
@@ -9396,6 +10985,126 @@
           </p:txBody>
         </p:sp>
       </p:grpSp>
+      <p:sp>
+        <p:nvSpPr>
+          <p:cNvPr id="3" name="Rectangle 2">
+            <a:extLst>
+              <a:ext uri="{FF2B5EF4-FFF2-40B4-BE49-F238E27FC236}">
+                <a16:creationId xmlns:a16="http://schemas.microsoft.com/office/drawing/2014/main" id="{2B0BCDE7-F402-B6FB-8066-FDCEFFD8BA61}"/>
+              </a:ext>
+            </a:extLst>
+          </p:cNvPr>
+          <p:cNvSpPr/>
+          <p:nvPr/>
+        </p:nvSpPr>
+        <p:spPr>
+          <a:xfrm>
+            <a:off x="18532475" y="16041238"/>
+            <a:ext cx="8164512" cy="677102"/>
+          </a:xfrm>
+          <a:prstGeom prst="rect">
+            <a:avLst/>
+          </a:prstGeom>
+          <a:solidFill>
+            <a:srgbClr val="BF5700"/>
+          </a:solidFill>
+          <a:ln w="101600">
+            <a:noFill/>
+          </a:ln>
+        </p:spPr>
+        <p:style>
+          <a:lnRef idx="2">
+            <a:schemeClr val="accent1">
+              <a:shade val="50000"/>
+            </a:schemeClr>
+          </a:lnRef>
+          <a:fillRef idx="1">
+            <a:schemeClr val="accent1"/>
+          </a:fillRef>
+          <a:effectRef idx="0">
+            <a:schemeClr val="accent1"/>
+          </a:effectRef>
+          <a:fontRef idx="minor">
+            <a:schemeClr val="lt1"/>
+          </a:fontRef>
+        </p:style>
+        <p:txBody>
+          <a:bodyPr rtlCol="0" anchor="ctr"/>
+          <a:lstStyle/>
+          <a:p>
+            <a:pPr algn="ctr"/>
+            <a:r>
+              <a:rPr lang="en-US" sz="3000" b="1" dirty="0">
+                <a:latin typeface="Arial" panose="020B0604020202020204" pitchFamily="34" charset="0"/>
+                <a:cs typeface="Arial" panose="020B0604020202020204" pitchFamily="34" charset="0"/>
+              </a:rPr>
+              <a:t>References</a:t>
+            </a:r>
+          </a:p>
+        </p:txBody>
+      </p:sp>
+      <p:sp>
+        <p:nvSpPr>
+          <p:cNvPr id="4" name="Rectangle 3">
+            <a:extLst>
+              <a:ext uri="{FF2B5EF4-FFF2-40B4-BE49-F238E27FC236}">
+                <a16:creationId xmlns:a16="http://schemas.microsoft.com/office/drawing/2014/main" id="{D0E199EB-A4A9-C20D-BC1A-BE41F3F3330C}"/>
+              </a:ext>
+            </a:extLst>
+          </p:cNvPr>
+          <p:cNvSpPr/>
+          <p:nvPr/>
+        </p:nvSpPr>
+        <p:spPr>
+          <a:xfrm>
+            <a:off x="18532476" y="14041425"/>
+            <a:ext cx="8164512" cy="677102"/>
+          </a:xfrm>
+          <a:prstGeom prst="rect">
+            <a:avLst/>
+          </a:prstGeom>
+          <a:solidFill>
+            <a:srgbClr val="BF5700"/>
+          </a:solidFill>
+          <a:ln w="101600">
+            <a:noFill/>
+          </a:ln>
+        </p:spPr>
+        <p:style>
+          <a:lnRef idx="2">
+            <a:schemeClr val="accent1">
+              <a:shade val="50000"/>
+            </a:schemeClr>
+          </a:lnRef>
+          <a:fillRef idx="1">
+            <a:schemeClr val="accent1"/>
+          </a:fillRef>
+          <a:effectRef idx="0">
+            <a:schemeClr val="accent1"/>
+          </a:effectRef>
+          <a:fontRef idx="minor">
+            <a:schemeClr val="lt1"/>
+          </a:fontRef>
+        </p:style>
+        <p:txBody>
+          <a:bodyPr rtlCol="0" anchor="ctr"/>
+          <a:lstStyle/>
+          <a:p>
+            <a:pPr algn="ctr"/>
+            <a:r>
+              <a:rPr lang="en-US" sz="3000" b="1" dirty="0">
+                <a:latin typeface="Arial" panose="020B0604020202020204" pitchFamily="34" charset="0"/>
+                <a:cs typeface="Arial" panose="020B0604020202020204" pitchFamily="34" charset="0"/>
+              </a:rPr>
+              <a:t>Acknowledgements</a:t>
+            </a:r>
+            <a:endParaRPr lang="en-US" sz="3000" dirty="0">
+              <a:latin typeface="Arial" panose="020B0604020202020204" pitchFamily="34" charset="0"/>
+              <a:cs typeface="Arial" panose="020B0604020202020204" pitchFamily="34" charset="0"/>
+            </a:endParaRPr>
+          </a:p>
+        </p:txBody>
+      </p:sp>
     </p:spTree>
     <p:extLst>
       <p:ext uri="{BB962C8B-B14F-4D97-AF65-F5344CB8AC3E}">

--- a/RMHD Presentation.pptx
+++ b/RMHD Presentation.pptx
@@ -4065,8 +4065,8 @@
           <a:chExt cx="0" cy="0"/>
         </a:xfrm>
       </p:grpSpPr>
-      <mc:AlternateContent xmlns:mc="http://schemas.openxmlformats.org/markup-compatibility/2006" xmlns:a14="http://schemas.microsoft.com/office/drawing/2010/main">
-        <mc:Choice Requires="a14">
+      <mc:AlternateContent xmlns:mc="http://schemas.openxmlformats.org/markup-compatibility/2006">
+        <mc:Choice xmlns:a14="http://schemas.microsoft.com/office/drawing/2010/main" Requires="a14">
           <p:sp>
             <p:nvSpPr>
               <p:cNvPr id="6" name="TextBox 5">
@@ -4081,8 +4081,8 @@
             </p:nvSpPr>
             <p:spPr>
               <a:xfrm>
-                <a:off x="1101726" y="4343400"/>
-                <a:ext cx="7424454" cy="4031873"/>
+                <a:off x="1106806" y="4122090"/>
+                <a:ext cx="7424454" cy="4524315"/>
               </a:xfrm>
               <a:prstGeom prst="rect">
                 <a:avLst/>
@@ -4094,6 +4094,12 @@
                 <a:spAutoFit/>
               </a:bodyPr>
               <a:lstStyle/>
+              <a:p>
+                <a:endParaRPr lang="en-US" sz="1600" dirty="0">
+                  <a:latin typeface="Arial" panose="020B0604020202020204" pitchFamily="34" charset="0"/>
+                  <a:cs typeface="Arial" panose="020B0604020202020204" pitchFamily="34" charset="0"/>
+                </a:endParaRPr>
+              </a:p>
               <a:p>
                 <a:r>
                   <a:rPr lang="en-US" sz="1600" dirty="0">
@@ -4184,10 +4190,16 @@
                   <a:t> and low-flow scaling regimes. Additionally, we identify the dynamics of these new variables as evolving coordinates of a manifold. Future work will explore how this geometric interpretation connects with Hamiltonian and symplectic structures.</a:t>
                 </a:r>
               </a:p>
+              <a:p>
+                <a:endParaRPr lang="en-US" sz="1600" dirty="0">
+                  <a:latin typeface="Arial" panose="020B0604020202020204" pitchFamily="34" charset="0"/>
+                  <a:cs typeface="Arial" panose="020B0604020202020204" pitchFamily="34" charset="0"/>
+                </a:endParaRPr>
+              </a:p>
             </p:txBody>
           </p:sp>
         </mc:Choice>
-        <mc:Fallback xmlns="">
+        <mc:Fallback>
           <p:sp>
             <p:nvSpPr>
               <p:cNvPr id="6" name="TextBox 5">
@@ -4204,8 +4216,8 @@
             </p:nvSpPr>
             <p:spPr>
               <a:xfrm>
-                <a:off x="1101726" y="4343400"/>
-                <a:ext cx="7424454" cy="4031873"/>
+                <a:off x="1106806" y="4122090"/>
+                <a:ext cx="7424454" cy="4524315"/>
               </a:xfrm>
               <a:prstGeom prst="rect">
                 <a:avLst/>
@@ -4213,7 +4225,7 @@
               <a:blipFill>
                 <a:blip r:embed="rId2"/>
                 <a:stretch>
-                  <a:fillRect l="-493" t="-454" r="-739" b="-908"/>
+                  <a:fillRect l="-493" r="-822"/>
                 </a:stretch>
               </a:blipFill>
             </p:spPr>
@@ -4246,8 +4258,8 @@
         </p:nvSpPr>
         <p:spPr>
           <a:xfrm>
-            <a:off x="1111287" y="9602996"/>
-            <a:ext cx="7422196" cy="830997"/>
+            <a:off x="1106805" y="9321168"/>
+            <a:ext cx="7422196" cy="1323439"/>
           </a:xfrm>
           <a:prstGeom prst="rect">
             <a:avLst/>
@@ -4260,6 +4272,12 @@
           </a:bodyPr>
           <a:lstStyle/>
           <a:p>
+            <a:endParaRPr lang="en-US" sz="1600" dirty="0">
+              <a:latin typeface="Arial" panose="020B0604020202020204" pitchFamily="34" charset="0"/>
+              <a:cs typeface="Arial" panose="020B0604020202020204" pitchFamily="34" charset="0"/>
+            </a:endParaRPr>
+          </a:p>
+          <a:p>
             <a:r>
               <a:rPr lang="en-US" sz="1600" dirty="0">
                 <a:latin typeface="Arial" panose="020B0604020202020204" pitchFamily="34" charset="0"/>
@@ -4267,6 +4285,12 @@
               </a:rPr>
               <a:t>        In this project, we carry out a dimensional reduction of the MHD equations by observing a fast-slow split. Reducing the typical tokamak equations this way is a necessary precursor for reducing MHD in general stellarator geometries. </a:t>
             </a:r>
+          </a:p>
+          <a:p>
+            <a:endParaRPr lang="en-US" sz="1600" dirty="0">
+              <a:latin typeface="Arial" panose="020B0604020202020204" pitchFamily="34" charset="0"/>
+              <a:cs typeface="Arial" panose="020B0604020202020204" pitchFamily="34" charset="0"/>
+            </a:endParaRPr>
           </a:p>
         </p:txBody>
       </p:sp>
@@ -4538,7 +4562,46 @@
                     <a:latin typeface="Arial" panose="020B0604020202020204" pitchFamily="34" charset="0"/>
                     <a:cs typeface="Arial" panose="020B0604020202020204" pitchFamily="34" charset="0"/>
                   </a:rPr>
-                  <a:t>        Charged fluids such as plasmas can be described using a consistent combination of fluid transport laws and Maxwell’s equations known as the magnetohydrodynamic (MHD) equations. In the ideal case, resistance is negligible, and the MHD system consists of a continuity equation, momentum conservation, and Faraday’s law: </a:t>
+                  <a:t>        Charged fluids such as plasmas can be described using a consistent combination of fluid transport laws and Maxwell’s equations known as the magnetohydrodynamic (MHD) equations. In the ideal case, resistance is negligible, and the MHD system consists of a continuity equation, momentum conservation, and Faraday’s law (assuming </a:t>
+                </a:r>
+                <a14:m>
+                  <m:oMath xmlns:m="http://schemas.openxmlformats.org/officeDocument/2006/math">
+                    <m:r>
+                      <a:rPr lang="en-US" sz="1600" b="1" i="1" smtClean="0">
+                        <a:latin typeface="Cambria Math" panose="02040503050406030204" pitchFamily="18" charset="0"/>
+                        <a:cs typeface="Arial" panose="020B0604020202020204" pitchFamily="34" charset="0"/>
+                      </a:rPr>
+                      <m:t>𝑩</m:t>
+                    </m:r>
+                    <m:r>
+                      <a:rPr lang="en-US" sz="1600" b="0" i="1" smtClean="0">
+                        <a:latin typeface="Cambria Math" panose="02040503050406030204" pitchFamily="18" charset="0"/>
+                        <a:cs typeface="Arial" panose="020B0604020202020204" pitchFamily="34" charset="0"/>
+                      </a:rPr>
+                      <m:t>⋅</m:t>
+                    </m:r>
+                    <m:r>
+                      <a:rPr lang="en-US" sz="1600" b="1" i="1" smtClean="0">
+                        <a:latin typeface="Cambria Math" panose="02040503050406030204" pitchFamily="18" charset="0"/>
+                        <a:cs typeface="Arial" panose="020B0604020202020204" pitchFamily="34" charset="0"/>
+                      </a:rPr>
+                      <m:t>𝒏</m:t>
+                    </m:r>
+                    <m:r>
+                      <a:rPr lang="en-US" sz="1600" b="0" i="1" smtClean="0">
+                        <a:latin typeface="Cambria Math" panose="02040503050406030204" pitchFamily="18" charset="0"/>
+                        <a:cs typeface="Arial" panose="020B0604020202020204" pitchFamily="34" charset="0"/>
+                      </a:rPr>
+                      <m:t>=0</m:t>
+                    </m:r>
+                  </m:oMath>
+                </a14:m>
+                <a:r>
+                  <a:rPr lang="en-US" sz="1600" dirty="0">
+                    <a:latin typeface="Arial" panose="020B0604020202020204" pitchFamily="34" charset="0"/>
+                    <a:cs typeface="Arial" panose="020B0604020202020204" pitchFamily="34" charset="0"/>
+                  </a:rPr>
+                  <a:t> on the boundary): </a:t>
                 </a:r>
               </a:p>
               <a:p>
@@ -4603,15 +4666,12 @@
                         <m:t>=−</m:t>
                       </m:r>
                       <m:r>
-                        <m:rPr>
-                          <m:sty m:val="p"/>
-                        </m:rPr>
-                        <a:rPr lang="en-US" sz="2200" b="0" i="0" smtClean="0">
+                        <a:rPr lang="en-US" sz="2200" b="0" i="1" smtClean="0">
                           <a:latin typeface="Cambria Math" panose="02040503050406030204" pitchFamily="18" charset="0"/>
                           <a:ea typeface="Cambria Math" panose="02040503050406030204" pitchFamily="18" charset="0"/>
                           <a:cs typeface="Arial" panose="020B0604020202020204" pitchFamily="34" charset="0"/>
                         </a:rPr>
-                        <m:t>∇</m:t>
+                        <m:t>𝛻</m:t>
                       </m:r>
                       <m:r>
                         <a:rPr lang="en-US" sz="2200" b="0" i="1" smtClean="0">
@@ -4648,7 +4708,7 @@
                     </m:oMath>
                   </m:oMathPara>
                 </a14:m>
-                <a:endParaRPr lang="en-US" sz="2200" dirty="0">
+                <a:endParaRPr lang="en-US" sz="2200" i="1" dirty="0">
                   <a:latin typeface="Cambria Math" panose="02040503050406030204" pitchFamily="18" charset="0"/>
                   <a:ea typeface="Cambria Math" panose="02040503050406030204" pitchFamily="18" charset="0"/>
                   <a:cs typeface="Times New Roman" panose="02020603050405020304" pitchFamily="18" charset="0"/>
@@ -4775,15 +4835,12 @@
                         <m:t>(</m:t>
                       </m:r>
                       <m:r>
-                        <m:rPr>
-                          <m:sty m:val="p"/>
-                        </m:rPr>
-                        <a:rPr lang="en-US" sz="2200" b="0" i="0" smtClean="0">
+                        <a:rPr lang="en-US" sz="2200" b="0" i="1" smtClean="0">
                           <a:latin typeface="Cambria Math" panose="02040503050406030204" pitchFamily="18" charset="0"/>
                           <a:ea typeface="Cambria Math" panose="02040503050406030204" pitchFamily="18" charset="0"/>
                           <a:cs typeface="Arial" panose="020B0604020202020204" pitchFamily="34" charset="0"/>
                         </a:rPr>
-                        <m:t>∇</m:t>
+                        <m:t>𝛻</m:t>
                       </m:r>
                       <m:r>
                         <a:rPr lang="en-US" sz="2200" b="1" i="1" smtClean="0">
@@ -4826,15 +4883,12 @@
                         <m:t>−</m:t>
                       </m:r>
                       <m:r>
-                        <m:rPr>
-                          <m:sty m:val="p"/>
-                        </m:rPr>
-                        <a:rPr lang="en-US" sz="2200" b="0" i="0" smtClean="0">
+                        <a:rPr lang="en-US" sz="2200" b="0" i="1" smtClean="0">
                           <a:latin typeface="Cambria Math" panose="02040503050406030204" pitchFamily="18" charset="0"/>
                           <a:ea typeface="Cambria Math" panose="02040503050406030204" pitchFamily="18" charset="0"/>
                           <a:cs typeface="Arial" panose="020B0604020202020204" pitchFamily="34" charset="0"/>
                         </a:rPr>
-                        <m:t>∇</m:t>
+                        <m:t>𝛻</m:t>
                       </m:r>
                       <m:r>
                         <a:rPr lang="en-US" sz="2200" b="0" i="1" smtClean="0">
@@ -4893,15 +4947,12 @@
                         <m:t>⋅</m:t>
                       </m:r>
                       <m:r>
-                        <m:rPr>
-                          <m:sty m:val="p"/>
-                        </m:rPr>
-                        <a:rPr lang="en-US" sz="2200" b="0" i="0" smtClean="0">
+                        <a:rPr lang="en-US" sz="2200" b="0" i="1" smtClean="0">
                           <a:latin typeface="Cambria Math" panose="02040503050406030204" pitchFamily="18" charset="0"/>
                           <a:ea typeface="Cambria Math" panose="02040503050406030204" pitchFamily="18" charset="0"/>
                           <a:cs typeface="Arial" panose="020B0604020202020204" pitchFamily="34" charset="0"/>
                         </a:rPr>
-                        <m:t>∇</m:t>
+                        <m:t>𝛻</m:t>
                       </m:r>
                       <m:r>
                         <a:rPr lang="en-US" sz="2200" b="1" i="1" smtClean="0">
@@ -4914,7 +4965,7 @@
                     </m:oMath>
                   </m:oMathPara>
                 </a14:m>
-                <a:endParaRPr lang="en-US" sz="2200" dirty="0">
+                <a:endParaRPr lang="en-US" sz="2200" i="1" dirty="0">
                   <a:latin typeface="Cambria Math" panose="02040503050406030204" pitchFamily="18" charset="0"/>
                   <a:ea typeface="Cambria Math" panose="02040503050406030204" pitchFamily="18" charset="0"/>
                   <a:cs typeface="Arial" panose="020B0604020202020204" pitchFamily="34" charset="0"/>
@@ -4984,15 +5035,12 @@
                         <m:t>=</m:t>
                       </m:r>
                       <m:r>
-                        <m:rPr>
-                          <m:sty m:val="p"/>
-                        </m:rPr>
-                        <a:rPr lang="en-US" sz="2200" b="0" i="0" smtClean="0">
+                        <a:rPr lang="en-US" sz="2200" b="0" i="1" smtClean="0">
                           <a:latin typeface="Cambria Math" panose="02040503050406030204" pitchFamily="18" charset="0"/>
                           <a:ea typeface="Cambria Math" panose="02040503050406030204" pitchFamily="18" charset="0"/>
                           <a:cs typeface="Arial" panose="020B0604020202020204" pitchFamily="34" charset="0"/>
                         </a:rPr>
-                        <m:t>∇</m:t>
+                        <m:t>𝛻</m:t>
                       </m:r>
                       <m:r>
                         <a:rPr lang="en-US" sz="2200" b="0" i="1" smtClean="0">
@@ -5050,7 +5098,7 @@
                     </m:oMath>
                   </m:oMathPara>
                 </a14:m>
-                <a:endParaRPr lang="en-US" sz="2200" dirty="0">
+                <a:endParaRPr lang="en-US" sz="2200" i="1" dirty="0">
                   <a:latin typeface="Cambria Math" panose="02040503050406030204" pitchFamily="18" charset="0"/>
                   <a:ea typeface="Cambria Math" panose="02040503050406030204" pitchFamily="18" charset="0"/>
                   <a:cs typeface="Arial" panose="020B0604020202020204" pitchFamily="34" charset="0"/>
@@ -5222,7 +5270,7 @@
                     </m:oMathParaPr>
                     <m:oMath xmlns:m="http://schemas.openxmlformats.org/officeDocument/2006/math">
                       <m:r>
-                        <a:rPr lang="en-US" sz="2200" b="0" i="1" smtClean="0">
+                        <a:rPr lang="en-US" sz="2000" b="0" i="1" smtClean="0">
                           <a:latin typeface="Cambria Math" panose="02040503050406030204" pitchFamily="18" charset="0"/>
                           <a:ea typeface="Cambria Math" panose="02040503050406030204" pitchFamily="18" charset="0"/>
                           <a:cs typeface="Arial" panose="020B0604020202020204" pitchFamily="34" charset="0"/>
@@ -5230,7 +5278,7 @@
                         <m:t>𝜌</m:t>
                       </m:r>
                       <m:r>
-                        <a:rPr lang="en-US" sz="2200" b="0" i="1" smtClean="0">
+                        <a:rPr lang="en-US" sz="2000" b="0" i="1" smtClean="0">
                           <a:latin typeface="Cambria Math" panose="02040503050406030204" pitchFamily="18" charset="0"/>
                           <a:ea typeface="Cambria Math" panose="02040503050406030204" pitchFamily="18" charset="0"/>
                           <a:cs typeface="Arial" panose="020B0604020202020204" pitchFamily="34" charset="0"/>
@@ -5240,7 +5288,7 @@
                       <m:sSub>
                         <m:sSubPr>
                           <m:ctrlPr>
-                            <a:rPr lang="en-US" sz="2200" b="0" i="1" smtClean="0">
+                            <a:rPr lang="en-US" sz="2000" b="0" i="1" smtClean="0">
                               <a:latin typeface="Cambria Math" panose="02040503050406030204" pitchFamily="18" charset="0"/>
                               <a:ea typeface="Cambria Math" panose="02040503050406030204" pitchFamily="18" charset="0"/>
                               <a:cs typeface="Arial" panose="020B0604020202020204" pitchFamily="34" charset="0"/>
@@ -5249,7 +5297,7 @@
                         </m:sSubPr>
                         <m:e>
                           <m:r>
-                            <a:rPr lang="en-US" sz="2200" b="0" i="1" smtClean="0">
+                            <a:rPr lang="en-US" sz="2000" b="0" i="1" smtClean="0">
                               <a:latin typeface="Cambria Math" panose="02040503050406030204" pitchFamily="18" charset="0"/>
                               <a:ea typeface="Cambria Math" panose="02040503050406030204" pitchFamily="18" charset="0"/>
                               <a:cs typeface="Arial" panose="020B0604020202020204" pitchFamily="34" charset="0"/>
@@ -5259,7 +5307,7 @@
                         </m:e>
                         <m:sub>
                           <m:r>
-                            <a:rPr lang="en-US" sz="2200" b="0" i="1" smtClean="0">
+                            <a:rPr lang="en-US" sz="2000" b="0" i="1" smtClean="0">
                               <a:latin typeface="Cambria Math" panose="02040503050406030204" pitchFamily="18" charset="0"/>
                               <a:ea typeface="Cambria Math" panose="02040503050406030204" pitchFamily="18" charset="0"/>
                               <a:cs typeface="Arial" panose="020B0604020202020204" pitchFamily="34" charset="0"/>
@@ -5269,7 +5317,7 @@
                         </m:sub>
                       </m:sSub>
                       <m:r>
-                        <a:rPr lang="en-US" sz="2200" b="0" i="1" smtClean="0">
+                        <a:rPr lang="en-US" sz="2000" b="0" i="1" smtClean="0">
                           <a:latin typeface="Cambria Math" panose="02040503050406030204" pitchFamily="18" charset="0"/>
                           <a:ea typeface="Cambria Math" panose="02040503050406030204" pitchFamily="18" charset="0"/>
                           <a:cs typeface="Arial" panose="020B0604020202020204" pitchFamily="34" charset="0"/>
@@ -5277,7 +5325,7 @@
                         <m:t>(1+</m:t>
                       </m:r>
                       <m:r>
-                        <a:rPr lang="en-US" sz="2200" b="0" i="1" smtClean="0">
+                        <a:rPr lang="en-US" sz="2000" b="0" i="1" smtClean="0">
                           <a:latin typeface="Cambria Math" panose="02040503050406030204" pitchFamily="18" charset="0"/>
                           <a:ea typeface="Cambria Math" panose="02040503050406030204" pitchFamily="18" charset="0"/>
                           <a:cs typeface="Arial" panose="020B0604020202020204" pitchFamily="34" charset="0"/>
@@ -5285,7 +5333,7 @@
                         <m:t>𝜖</m:t>
                       </m:r>
                       <m:r>
-                        <a:rPr lang="en-US" sz="2200" b="0" i="1" smtClean="0">
+                        <a:rPr lang="en-US" sz="2000" b="0" i="1" smtClean="0">
                           <a:latin typeface="Cambria Math" panose="02040503050406030204" pitchFamily="18" charset="0"/>
                           <a:ea typeface="Cambria Math" panose="02040503050406030204" pitchFamily="18" charset="0"/>
                           <a:cs typeface="Arial" panose="020B0604020202020204" pitchFamily="34" charset="0"/>
@@ -5293,7 +5341,7 @@
                         <m:t>𝑟</m:t>
                       </m:r>
                       <m:r>
-                        <a:rPr lang="en-US" sz="2200" b="0" i="1" smtClean="0">
+                        <a:rPr lang="en-US" sz="2000" b="0" i="1" smtClean="0">
                           <a:latin typeface="Cambria Math" panose="02040503050406030204" pitchFamily="18" charset="0"/>
                           <a:ea typeface="Cambria Math" panose="02040503050406030204" pitchFamily="18" charset="0"/>
                           <a:cs typeface="Arial" panose="020B0604020202020204" pitchFamily="34" charset="0"/>
@@ -5303,7 +5351,7 @@
                     </m:oMath>
                   </m:oMathPara>
                 </a14:m>
-                <a:endParaRPr lang="en-US" sz="2200" b="0" dirty="0">
+                <a:endParaRPr lang="en-US" sz="2000" b="0" i="1" dirty="0">
                   <a:latin typeface="Cambria Math" panose="02040503050406030204" pitchFamily="18" charset="0"/>
                   <a:ea typeface="Cambria Math" panose="02040503050406030204" pitchFamily="18" charset="0"/>
                   <a:cs typeface="Arial" panose="020B0604020202020204" pitchFamily="34" charset="0"/>
@@ -5318,7 +5366,7 @@
                     </m:oMathParaPr>
                     <m:oMath xmlns:m="http://schemas.openxmlformats.org/officeDocument/2006/math">
                       <m:r>
-                        <a:rPr lang="en-US" sz="2200" b="1" i="1" smtClean="0">
+                        <a:rPr lang="en-US" sz="2000" b="1" i="1" smtClean="0">
                           <a:latin typeface="Latin Modern Math" panose="02000503000000000000" pitchFamily="50" charset="0"/>
                           <a:ea typeface="Latin Modern Math" panose="02000503000000000000" pitchFamily="50" charset="0"/>
                           <a:cs typeface="Arial" panose="020B0604020202020204" pitchFamily="34" charset="0"/>
@@ -5326,7 +5374,7 @@
                         <m:t>𝒗</m:t>
                       </m:r>
                       <m:r>
-                        <a:rPr lang="en-US" sz="2200" b="0" i="1" smtClean="0">
+                        <a:rPr lang="en-US" sz="2000" b="0" i="1" smtClean="0">
                           <a:latin typeface="Cambria Math" panose="02040503050406030204" pitchFamily="18" charset="0"/>
                           <a:ea typeface="Cambria Math" panose="02040503050406030204" pitchFamily="18" charset="0"/>
                           <a:cs typeface="Arial" panose="020B0604020202020204" pitchFamily="34" charset="0"/>
@@ -5336,7 +5384,7 @@
                       <m:sSub>
                         <m:sSubPr>
                           <m:ctrlPr>
-                            <a:rPr lang="en-US" sz="2200" b="0" i="1" smtClean="0">
+                            <a:rPr lang="en-US" sz="2000" b="0" i="1" smtClean="0">
                               <a:latin typeface="Cambria Math" panose="02040503050406030204" pitchFamily="18" charset="0"/>
                               <a:ea typeface="Cambria Math" panose="02040503050406030204" pitchFamily="18" charset="0"/>
                               <a:cs typeface="Arial" panose="020B0604020202020204" pitchFamily="34" charset="0"/>
@@ -5345,7 +5393,7 @@
                         </m:sSubPr>
                         <m:e>
                           <m:r>
-                            <a:rPr lang="en-US" sz="2200" b="0" i="1" smtClean="0">
+                            <a:rPr lang="en-US" sz="2000" b="0" i="1" smtClean="0">
                               <a:latin typeface="Cambria Math" panose="02040503050406030204" pitchFamily="18" charset="0"/>
                               <a:ea typeface="Cambria Math" panose="02040503050406030204" pitchFamily="18" charset="0"/>
                               <a:cs typeface="Arial" panose="020B0604020202020204" pitchFamily="34" charset="0"/>
@@ -5355,7 +5403,7 @@
                         </m:e>
                         <m:sub>
                           <m:r>
-                            <a:rPr lang="en-US" sz="2200" b="0" i="1" smtClean="0">
+                            <a:rPr lang="en-US" sz="2000" b="0" i="1" smtClean="0">
                               <a:latin typeface="Cambria Math" panose="02040503050406030204" pitchFamily="18" charset="0"/>
                               <a:ea typeface="Cambria Math" panose="02040503050406030204" pitchFamily="18" charset="0"/>
                               <a:cs typeface="Arial" panose="020B0604020202020204" pitchFamily="34" charset="0"/>
@@ -5365,17 +5413,17 @@
                         </m:sub>
                       </m:sSub>
                       <m:r>
-                        <a:rPr lang="en-US" sz="2200" b="1" i="1" smtClean="0">
+                        <a:rPr lang="en-US" sz="2000" b="1" i="0" smtClean="0">
                           <a:latin typeface="Cambria Math" panose="02040503050406030204" pitchFamily="18" charset="0"/>
                           <a:ea typeface="Cambria Math" panose="02040503050406030204" pitchFamily="18" charset="0"/>
                           <a:cs typeface="Arial" panose="020B0604020202020204" pitchFamily="34" charset="0"/>
                         </a:rPr>
-                        <m:t>𝝂</m:t>
+                        <m:t>𝛎</m:t>
                       </m:r>
                     </m:oMath>
                   </m:oMathPara>
                 </a14:m>
-                <a:endParaRPr lang="en-US" sz="2200" b="1" dirty="0">
+                <a:endParaRPr lang="en-US" sz="2000" b="1" dirty="0">
                   <a:latin typeface="Cambria Math" panose="02040503050406030204" pitchFamily="18" charset="0"/>
                   <a:ea typeface="Cambria Math" panose="02040503050406030204" pitchFamily="18" charset="0"/>
                   <a:cs typeface="Arial" panose="020B0604020202020204" pitchFamily="34" charset="0"/>
@@ -5390,7 +5438,7 @@
                     </m:oMathParaPr>
                     <m:oMath xmlns:m="http://schemas.openxmlformats.org/officeDocument/2006/math">
                       <m:r>
-                        <a:rPr lang="en-US" sz="2200" b="1" i="1" smtClean="0">
+                        <a:rPr lang="en-US" sz="2000" b="1" i="1" smtClean="0">
                           <a:latin typeface="Cambria Math" panose="02040503050406030204" pitchFamily="18" charset="0"/>
                           <a:ea typeface="Cambria Math" panose="02040503050406030204" pitchFamily="18" charset="0"/>
                           <a:cs typeface="Arial" panose="020B0604020202020204" pitchFamily="34" charset="0"/>
@@ -5398,7 +5446,7 @@
                         <m:t>𝑩</m:t>
                       </m:r>
                       <m:r>
-                        <a:rPr lang="en-US" sz="2200" b="0" i="1" smtClean="0">
+                        <a:rPr lang="en-US" sz="2000" b="0" i="1" smtClean="0">
                           <a:latin typeface="Cambria Math" panose="02040503050406030204" pitchFamily="18" charset="0"/>
                           <a:ea typeface="Cambria Math" panose="02040503050406030204" pitchFamily="18" charset="0"/>
                           <a:cs typeface="Arial" panose="020B0604020202020204" pitchFamily="34" charset="0"/>
@@ -5408,7 +5456,7 @@
                       <m:sSub>
                         <m:sSubPr>
                           <m:ctrlPr>
-                            <a:rPr lang="en-US" sz="2200" b="0" i="1" smtClean="0">
+                            <a:rPr lang="en-US" sz="2000" b="0" i="1" smtClean="0">
                               <a:latin typeface="Cambria Math" panose="02040503050406030204" pitchFamily="18" charset="0"/>
                               <a:ea typeface="Cambria Math" panose="02040503050406030204" pitchFamily="18" charset="0"/>
                               <a:cs typeface="Arial" panose="020B0604020202020204" pitchFamily="34" charset="0"/>
@@ -5417,7 +5465,7 @@
                         </m:sSubPr>
                         <m:e>
                           <m:r>
-                            <a:rPr lang="en-US" sz="2200" b="0" i="1" smtClean="0">
+                            <a:rPr lang="en-US" sz="2000" b="0" i="1" smtClean="0">
                               <a:latin typeface="Cambria Math" panose="02040503050406030204" pitchFamily="18" charset="0"/>
                               <a:ea typeface="Cambria Math" panose="02040503050406030204" pitchFamily="18" charset="0"/>
                               <a:cs typeface="Arial" panose="020B0604020202020204" pitchFamily="34" charset="0"/>
@@ -5427,7 +5475,7 @@
                         </m:e>
                         <m:sub>
                           <m:r>
-                            <a:rPr lang="en-US" sz="2200" b="0" i="1" smtClean="0">
+                            <a:rPr lang="en-US" sz="2000" b="0" i="1" smtClean="0">
                               <a:latin typeface="Cambria Math" panose="02040503050406030204" pitchFamily="18" charset="0"/>
                               <a:ea typeface="Cambria Math" panose="02040503050406030204" pitchFamily="18" charset="0"/>
                               <a:cs typeface="Arial" panose="020B0604020202020204" pitchFamily="34" charset="0"/>
@@ -5439,7 +5487,7 @@
                       <m:d>
                         <m:dPr>
                           <m:ctrlPr>
-                            <a:rPr lang="en-US" sz="2200" i="1">
+                            <a:rPr lang="en-US" sz="2000" i="1">
                               <a:latin typeface="Cambria Math" panose="02040503050406030204" pitchFamily="18" charset="0"/>
                               <a:ea typeface="Cambria Math" panose="02040503050406030204" pitchFamily="18" charset="0"/>
                               <a:cs typeface="Arial" panose="020B0604020202020204" pitchFamily="34" charset="0"/>
@@ -5458,7 +5506,7 @@
                                 </m:mc>
                               </m:mcs>
                               <m:ctrlPr>
-                                <a:rPr lang="en-US" sz="2200" i="1" smtClean="0">
+                                <a:rPr lang="en-US" sz="2000" i="1" smtClean="0">
                                   <a:latin typeface="Cambria Math" panose="02040503050406030204" pitchFamily="18" charset="0"/>
                                   <a:ea typeface="Cambria Math" panose="02040503050406030204" pitchFamily="18" charset="0"/>
                                   <a:cs typeface="Arial" panose="020B0604020202020204" pitchFamily="34" charset="0"/>
@@ -5468,7 +5516,7 @@
                             <m:mr>
                               <m:e>
                                 <m:r>
-                                  <a:rPr lang="en-US" sz="2200" b="0" i="1" smtClean="0">
+                                  <a:rPr lang="en-US" sz="2000" b="0" i="1" smtClean="0">
                                     <a:latin typeface="Cambria Math" panose="02040503050406030204" pitchFamily="18" charset="0"/>
                                     <a:ea typeface="Cambria Math" panose="02040503050406030204" pitchFamily="18" charset="0"/>
                                     <a:cs typeface="Arial" panose="020B0604020202020204" pitchFamily="34" charset="0"/>
@@ -5478,7 +5526,7 @@
                                 <m:sSub>
                                   <m:sSubPr>
                                     <m:ctrlPr>
-                                      <a:rPr lang="en-US" sz="2200" b="0" i="1" smtClean="0">
+                                      <a:rPr lang="en-US" sz="2000" b="0" i="1" smtClean="0">
                                         <a:latin typeface="Cambria Math" panose="02040503050406030204" pitchFamily="18" charset="0"/>
                                         <a:ea typeface="Cambria Math" panose="02040503050406030204" pitchFamily="18" charset="0"/>
                                         <a:cs typeface="Arial" panose="020B0604020202020204" pitchFamily="34" charset="0"/>
@@ -5487,7 +5535,7 @@
                                   </m:sSubPr>
                                   <m:e>
                                     <m:r>
-                                      <a:rPr lang="en-US" sz="2200" b="0" i="1" smtClean="0">
+                                      <a:rPr lang="en-US" sz="2000" b="0" i="1" smtClean="0">
                                         <a:latin typeface="Cambria Math" panose="02040503050406030204" pitchFamily="18" charset="0"/>
                                         <a:ea typeface="Cambria Math" panose="02040503050406030204" pitchFamily="18" charset="0"/>
                                         <a:cs typeface="Arial" panose="020B0604020202020204" pitchFamily="34" charset="0"/>
@@ -5497,7 +5545,7 @@
                                   </m:e>
                                   <m:sub>
                                     <m:r>
-                                      <a:rPr lang="en-US" sz="2200" b="0" i="1" smtClean="0">
+                                      <a:rPr lang="en-US" sz="2000" b="0" i="1" smtClean="0">
                                         <a:latin typeface="Cambria Math" panose="02040503050406030204" pitchFamily="18" charset="0"/>
                                         <a:ea typeface="Cambria Math" panose="02040503050406030204" pitchFamily="18" charset="0"/>
                                         <a:cs typeface="Arial" panose="020B0604020202020204" pitchFamily="34" charset="0"/>
@@ -5511,7 +5559,7 @@
                             <m:mr>
                               <m:e>
                                 <m:r>
-                                  <a:rPr lang="en-US" sz="2200" b="0" i="1" smtClean="0">
+                                  <a:rPr lang="en-US" sz="2000" b="0" i="1" smtClean="0">
                                     <a:latin typeface="Cambria Math" panose="02040503050406030204" pitchFamily="18" charset="0"/>
                                     <a:ea typeface="Cambria Math" panose="02040503050406030204" pitchFamily="18" charset="0"/>
                                     <a:cs typeface="Arial" panose="020B0604020202020204" pitchFamily="34" charset="0"/>
@@ -5521,7 +5569,7 @@
                                 <m:sSub>
                                   <m:sSubPr>
                                     <m:ctrlPr>
-                                      <a:rPr lang="en-US" sz="2200" b="0" i="1" smtClean="0">
+                                      <a:rPr lang="en-US" sz="2000" b="0" i="1" smtClean="0">
                                         <a:latin typeface="Cambria Math" panose="02040503050406030204" pitchFamily="18" charset="0"/>
                                         <a:ea typeface="Cambria Math" panose="02040503050406030204" pitchFamily="18" charset="0"/>
                                         <a:cs typeface="Arial" panose="020B0604020202020204" pitchFamily="34" charset="0"/>
@@ -5530,7 +5578,7 @@
                                   </m:sSubPr>
                                   <m:e>
                                     <m:r>
-                                      <a:rPr lang="en-US" sz="2200" b="0" i="1" smtClean="0">
+                                      <a:rPr lang="en-US" sz="2000" b="0" i="1" smtClean="0">
                                         <a:latin typeface="Cambria Math" panose="02040503050406030204" pitchFamily="18" charset="0"/>
                                         <a:ea typeface="Cambria Math" panose="02040503050406030204" pitchFamily="18" charset="0"/>
                                         <a:cs typeface="Arial" panose="020B0604020202020204" pitchFamily="34" charset="0"/>
@@ -5540,7 +5588,7 @@
                                   </m:e>
                                   <m:sub>
                                     <m:r>
-                                      <a:rPr lang="en-US" sz="2200" b="0" i="1" smtClean="0">
+                                      <a:rPr lang="en-US" sz="2000" b="0" i="1" smtClean="0">
                                         <a:latin typeface="Cambria Math" panose="02040503050406030204" pitchFamily="18" charset="0"/>
                                         <a:ea typeface="Cambria Math" panose="02040503050406030204" pitchFamily="18" charset="0"/>
                                         <a:cs typeface="Arial" panose="020B0604020202020204" pitchFamily="34" charset="0"/>
@@ -5554,7 +5602,7 @@
                             <m:mr>
                               <m:e>
                                 <m:r>
-                                  <a:rPr lang="en-US" sz="2200" b="0" i="1" smtClean="0">
+                                  <a:rPr lang="en-US" sz="2000" b="0" i="1" smtClean="0">
                                     <a:latin typeface="Cambria Math" panose="02040503050406030204" pitchFamily="18" charset="0"/>
                                     <a:ea typeface="Cambria Math" panose="02040503050406030204" pitchFamily="18" charset="0"/>
                                     <a:cs typeface="Arial" panose="020B0604020202020204" pitchFamily="34" charset="0"/>
@@ -5562,7 +5610,7 @@
                                   <m:t>1+</m:t>
                                 </m:r>
                                 <m:r>
-                                  <a:rPr lang="en-US" sz="2200" b="0" i="1" smtClean="0">
+                                  <a:rPr lang="en-US" sz="2000" b="0" i="1" smtClean="0">
                                     <a:latin typeface="Cambria Math" panose="02040503050406030204" pitchFamily="18" charset="0"/>
                                     <a:ea typeface="Cambria Math" panose="02040503050406030204" pitchFamily="18" charset="0"/>
                                     <a:cs typeface="Arial" panose="020B0604020202020204" pitchFamily="34" charset="0"/>
@@ -5572,7 +5620,7 @@
                                 <m:sSub>
                                   <m:sSubPr>
                                     <m:ctrlPr>
-                                      <a:rPr lang="en-US" sz="2200" b="0" i="1" smtClean="0">
+                                      <a:rPr lang="en-US" sz="2000" b="0" i="1" smtClean="0">
                                         <a:latin typeface="Cambria Math" panose="02040503050406030204" pitchFamily="18" charset="0"/>
                                         <a:ea typeface="Cambria Math" panose="02040503050406030204" pitchFamily="18" charset="0"/>
                                         <a:cs typeface="Arial" panose="020B0604020202020204" pitchFamily="34" charset="0"/>
@@ -5581,7 +5629,7 @@
                                   </m:sSubPr>
                                   <m:e>
                                     <m:r>
-                                      <a:rPr lang="en-US" sz="2200" b="0" i="1" smtClean="0">
+                                      <a:rPr lang="en-US" sz="2000" b="0" i="1" smtClean="0">
                                         <a:latin typeface="Cambria Math" panose="02040503050406030204" pitchFamily="18" charset="0"/>
                                         <a:ea typeface="Cambria Math" panose="02040503050406030204" pitchFamily="18" charset="0"/>
                                         <a:cs typeface="Arial" panose="020B0604020202020204" pitchFamily="34" charset="0"/>
@@ -5591,7 +5639,7 @@
                                   </m:e>
                                   <m:sub>
                                     <m:r>
-                                      <a:rPr lang="en-US" sz="2200" b="0" i="1" smtClean="0">
+                                      <a:rPr lang="en-US" sz="2000" b="0" i="1" smtClean="0">
                                         <a:latin typeface="Cambria Math" panose="02040503050406030204" pitchFamily="18" charset="0"/>
                                         <a:ea typeface="Cambria Math" panose="02040503050406030204" pitchFamily="18" charset="0"/>
                                         <a:cs typeface="Arial" panose="020B0604020202020204" pitchFamily="34" charset="0"/>
@@ -5606,7 +5654,7 @@
                         </m:e>
                       </m:d>
                       <m:r>
-                        <a:rPr lang="en-US" sz="2200" b="0" i="1" smtClean="0">
+                        <a:rPr lang="en-US" sz="2000" b="0" i="1" smtClean="0">
                           <a:latin typeface="Cambria Math" panose="02040503050406030204" pitchFamily="18" charset="0"/>
                           <a:ea typeface="Cambria Math" panose="02040503050406030204" pitchFamily="18" charset="0"/>
                           <a:cs typeface="Arial" panose="020B0604020202020204" pitchFamily="34" charset="0"/>
@@ -5616,9 +5664,9 @@
                     </m:oMath>
                   </m:oMathPara>
                 </a14:m>
-                <a:endParaRPr lang="en-US" sz="2200" b="1" dirty="0">
-                  <a:latin typeface="Latin Modern Math" panose="02000503000000000000" pitchFamily="50" charset="0"/>
-                  <a:ea typeface="Latin Modern Math" panose="02000503000000000000" pitchFamily="50" charset="0"/>
+                <a:endParaRPr lang="en-US" sz="2000" b="1" i="1" dirty="0">
+                  <a:latin typeface="Cambria Math" panose="02040503050406030204" pitchFamily="18" charset="0"/>
+                  <a:ea typeface="Cambria Math" panose="02040503050406030204" pitchFamily="18" charset="0"/>
                   <a:cs typeface="Arial" panose="020B0604020202020204" pitchFamily="34" charset="0"/>
                 </a:endParaRPr>
               </a:p>
@@ -5646,7 +5694,25 @@
                     <a:latin typeface="Arial" panose="020B0604020202020204" pitchFamily="34" charset="0"/>
                     <a:cs typeface="Arial" panose="020B0604020202020204" pitchFamily="34" charset="0"/>
                   </a:rPr>
-                  <a:t>, with constants </a:t>
+                  <a:t>. Ratios such as the plasma-</a:t>
+                </a:r>
+                <a14:m>
+                  <m:oMath xmlns:m="http://schemas.openxmlformats.org/officeDocument/2006/math">
+                    <m:r>
+                      <a:rPr lang="en-US" sz="1600" b="0" i="1" smtClean="0">
+                        <a:latin typeface="Cambria Math" panose="02040503050406030204" pitchFamily="18" charset="0"/>
+                        <a:cs typeface="Arial" panose="020B0604020202020204" pitchFamily="34" charset="0"/>
+                      </a:rPr>
+                      <m:t>𝛽</m:t>
+                    </m:r>
+                  </m:oMath>
+                </a14:m>
+                <a:r>
+                  <a:rPr lang="en-US" sz="1600" dirty="0">
+                    <a:latin typeface="Arial" panose="020B0604020202020204" pitchFamily="34" charset="0"/>
+                    <a:cs typeface="Arial" panose="020B0604020202020204" pitchFamily="34" charset="0"/>
+                  </a:rPr>
+                  <a:t> or Mach number involving </a:t>
                 </a:r>
                 <a14:m>
                   <m:oMath xmlns:m="http://schemas.openxmlformats.org/officeDocument/2006/math">
@@ -5766,14 +5832,8 @@
                     <a:latin typeface="Arial" panose="020B0604020202020204" pitchFamily="34" charset="0"/>
                     <a:cs typeface="Arial" panose="020B0604020202020204" pitchFamily="34" charset="0"/>
                   </a:rPr>
-                  <a:t> representing typical experimental values. </a:t>
+                  <a:t> characterize different dynamical regimes depending on their order. </a:t>
                 </a:r>
-              </a:p>
-              <a:p>
-                <a:endParaRPr lang="en-US" sz="1600" dirty="0">
-                  <a:latin typeface="Arial" panose="020B0604020202020204" pitchFamily="34" charset="0"/>
-                  <a:cs typeface="Arial" panose="020B0604020202020204" pitchFamily="34" charset="0"/>
-                </a:endParaRPr>
               </a:p>
             </p:txBody>
           </p:sp>
@@ -5987,7 +6047,7 @@
             <p:spPr>
               <a:xfrm>
                 <a:off x="10011920" y="12522160"/>
-                <a:ext cx="7431757" cy="5924955"/>
+                <a:ext cx="7431757" cy="5678734"/>
               </a:xfrm>
               <a:prstGeom prst="rect">
                 <a:avLst/>
@@ -6011,7 +6071,7 @@
                     <a:latin typeface="Arial" panose="020B0604020202020204" pitchFamily="34" charset="0"/>
                     <a:cs typeface="Arial" panose="020B0604020202020204" pitchFamily="34" charset="0"/>
                   </a:rPr>
-                  <a:t>        This choice of dimensionless coordinates do not admit a fast-slow split, so we reintroduce Strauss’s original stream function descriptions of </a:t>
+                  <a:t>        This choice of dimensionless coordinates does not admit a fast-slow split, but a different choice still can. Thus, we reintroduce Strauss’s original stream function descriptions of </a:t>
                 </a:r>
                 <a14:m>
                   <m:oMath xmlns:m="http://schemas.openxmlformats.org/officeDocument/2006/math">
@@ -6449,7 +6509,85 @@
                     <a:latin typeface="Arial" panose="020B0604020202020204" pitchFamily="34" charset="0"/>
                     <a:cs typeface="Arial" panose="020B0604020202020204" pitchFamily="34" charset="0"/>
                   </a:rPr>
-                  <a:t>These scalar fields are solved for using </a:t>
+                  <a:t>These scalar fields inherit boundary conditions from </a:t>
+                </a:r>
+                <a14:m>
+                  <m:oMath xmlns:m="http://schemas.openxmlformats.org/officeDocument/2006/math">
+                    <m:sSub>
+                      <m:sSubPr>
+                        <m:ctrlPr>
+                          <a:rPr lang="en-US" sz="1600" b="1" i="1" dirty="0">
+                            <a:latin typeface="Cambria Math" panose="02040503050406030204" pitchFamily="18" charset="0"/>
+                            <a:cs typeface="Arial" panose="020B0604020202020204" pitchFamily="34" charset="0"/>
+                          </a:rPr>
+                        </m:ctrlPr>
+                      </m:sSubPr>
+                      <m:e>
+                        <m:r>
+                          <a:rPr lang="en-US" sz="1600" b="1" i="1" dirty="0">
+                            <a:latin typeface="Cambria Math" panose="02040503050406030204" pitchFamily="18" charset="0"/>
+                            <a:cs typeface="Arial" panose="020B0604020202020204" pitchFamily="34" charset="0"/>
+                          </a:rPr>
+                          <m:t>𝝂</m:t>
+                        </m:r>
+                      </m:e>
+                      <m:sub>
+                        <m:r>
+                          <a:rPr lang="en-US" sz="1600" b="1" i="1" dirty="0">
+                            <a:latin typeface="Cambria Math" panose="02040503050406030204" pitchFamily="18" charset="0"/>
+                            <a:cs typeface="Arial" panose="020B0604020202020204" pitchFamily="34" charset="0"/>
+                          </a:rPr>
+                          <m:t>⊥</m:t>
+                        </m:r>
+                      </m:sub>
+                    </m:sSub>
+                  </m:oMath>
+                </a14:m>
+                <a:r>
+                  <a:rPr lang="en-US" sz="1600" dirty="0">
+                    <a:latin typeface="Arial" panose="020B0604020202020204" pitchFamily="34" charset="0"/>
+                    <a:cs typeface="Arial" panose="020B0604020202020204" pitchFamily="34" charset="0"/>
+                  </a:rPr>
+                  <a:t> and </a:t>
+                </a:r>
+                <a14:m>
+                  <m:oMath xmlns:m="http://schemas.openxmlformats.org/officeDocument/2006/math">
+                    <m:sSub>
+                      <m:sSubPr>
+                        <m:ctrlPr>
+                          <a:rPr lang="en-US" sz="1600" b="1" i="1" dirty="0">
+                            <a:latin typeface="Cambria Math" panose="02040503050406030204" pitchFamily="18" charset="0"/>
+                            <a:cs typeface="Arial" panose="020B0604020202020204" pitchFamily="34" charset="0"/>
+                          </a:rPr>
+                        </m:ctrlPr>
+                      </m:sSubPr>
+                      <m:e>
+                        <m:r>
+                          <a:rPr lang="en-US" sz="1600" b="1" i="1" dirty="0">
+                            <a:latin typeface="Cambria Math" panose="02040503050406030204" pitchFamily="18" charset="0"/>
+                            <a:cs typeface="Arial" panose="020B0604020202020204" pitchFamily="34" charset="0"/>
+                          </a:rPr>
+                          <m:t>𝜷</m:t>
+                        </m:r>
+                      </m:e>
+                      <m:sub>
+                        <m:r>
+                          <a:rPr lang="en-US" sz="1600" b="1" i="1" dirty="0">
+                            <a:latin typeface="Cambria Math" panose="02040503050406030204" pitchFamily="18" charset="0"/>
+                            <a:cs typeface="Arial" panose="020B0604020202020204" pitchFamily="34" charset="0"/>
+                          </a:rPr>
+                          <m:t>⊥</m:t>
+                        </m:r>
+                      </m:sub>
+                    </m:sSub>
+                  </m:oMath>
+                </a14:m>
+                <a:r>
+                  <a:rPr lang="en-US" sz="1600" dirty="0">
+                    <a:latin typeface="Arial" panose="020B0604020202020204" pitchFamily="34" charset="0"/>
+                    <a:cs typeface="Arial" panose="020B0604020202020204" pitchFamily="34" charset="0"/>
+                  </a:rPr>
+                  <a:t>, where the Poisson equations </a:t>
                 </a:r>
                 <a14:m>
                   <m:oMath xmlns:m="http://schemas.openxmlformats.org/officeDocument/2006/math">
@@ -6700,7 +6838,7 @@
                     <a:latin typeface="Arial" panose="020B0604020202020204" pitchFamily="34" charset="0"/>
                     <a:cs typeface="Arial" panose="020B0604020202020204" pitchFamily="34" charset="0"/>
                   </a:rPr>
-                  <a:t> and have homogeneous Neumann and Dirichlet boundary conditions (</a:t>
+                  <a:t> satisfy homogeneous Neumann and Dirichlet boundary conditions (</a:t>
                 </a:r>
                 <a14:m>
                   <m:oMath xmlns:m="http://schemas.openxmlformats.org/officeDocument/2006/math">
@@ -6739,17 +6877,13 @@
                       </a:rPr>
                       <m:t>𝜙</m:t>
                     </m:r>
-                  </m:oMath>
-                </a14:m>
-                <a:r>
-                  <a:rPr lang="en-US" sz="1600" dirty="0">
-                    <a:latin typeface="Arial" panose="020B0604020202020204" pitchFamily="34" charset="0"/>
-                    <a:cs typeface="Arial" panose="020B0604020202020204" pitchFamily="34" charset="0"/>
-                  </a:rPr>
-                  <a:t> and </a:t>
-                </a:r>
-                <a14:m>
-                  <m:oMath xmlns:m="http://schemas.openxmlformats.org/officeDocument/2006/math">
+                    <m:r>
+                      <a:rPr lang="en-US" sz="1600" b="0" i="0" smtClean="0">
+                        <a:latin typeface="Cambria Math" panose="02040503050406030204" pitchFamily="18" charset="0"/>
+                        <a:cs typeface="Arial" panose="020B0604020202020204" pitchFamily="34" charset="0"/>
+                      </a:rPr>
+                      <m:t>=</m:t>
+                    </m:r>
                     <m:sSub>
                       <m:sSubPr>
                         <m:ctrlPr>
@@ -6802,7 +6936,7 @@
                     <a:latin typeface="Arial" panose="020B0604020202020204" pitchFamily="34" charset="0"/>
                     <a:cs typeface="Arial" panose="020B0604020202020204" pitchFamily="34" charset="0"/>
                   </a:rPr>
-                  <a:t>, while </a:t>
+                  <a:t>, and </a:t>
                 </a:r>
                 <a14:m>
                   <m:oMath xmlns:m="http://schemas.openxmlformats.org/officeDocument/2006/math">
@@ -6813,17 +6947,13 @@
                       </a:rPr>
                       <m:t>𝜓</m:t>
                     </m:r>
-                  </m:oMath>
-                </a14:m>
-                <a:r>
-                  <a:rPr lang="en-US" sz="1600" dirty="0">
-                    <a:latin typeface="Arial" panose="020B0604020202020204" pitchFamily="34" charset="0"/>
-                    <a:cs typeface="Arial" panose="020B0604020202020204" pitchFamily="34" charset="0"/>
-                  </a:rPr>
-                  <a:t> and </a:t>
-                </a:r>
-                <a14:m>
-                  <m:oMath xmlns:m="http://schemas.openxmlformats.org/officeDocument/2006/math">
+                    <m:r>
+                      <a:rPr lang="en-US" sz="1600" b="0" i="0" dirty="0" smtClean="0">
+                        <a:latin typeface="Cambria Math" panose="02040503050406030204" pitchFamily="18" charset="0"/>
+                        <a:cs typeface="Arial" panose="020B0604020202020204" pitchFamily="34" charset="0"/>
+                      </a:rPr>
+                      <m:t>=</m:t>
+                    </m:r>
                     <m:r>
                       <m:rPr>
                         <m:sty m:val="p"/>
@@ -6848,7 +6978,7 @@
                     <a:latin typeface="Arial" panose="020B0604020202020204" pitchFamily="34" charset="0"/>
                     <a:cs typeface="Arial" panose="020B0604020202020204" pitchFamily="34" charset="0"/>
                   </a:rPr>
-                  <a:t> on the boundary). </a:t>
+                  <a:t>). </a:t>
                 </a:r>
               </a:p>
               <a:p>
@@ -6903,7 +7033,6 @@
                 </a:r>
               </a:p>
               <a:p>
-                <a:pPr/>
                 <a14:m>
                   <m:oMathPara xmlns:m="http://schemas.openxmlformats.org/officeDocument/2006/math">
                     <m:oMathParaPr>
@@ -7211,7 +7340,7 @@
                 </a:endParaRPr>
               </a:p>
               <a:p>
-                <a:pPr/>
+                <a:pPr lvl="1"/>
                 <a14:m>
                   <m:oMathPara xmlns:m="http://schemas.openxmlformats.org/officeDocument/2006/math">
                     <m:oMathParaPr>
@@ -7406,15 +7535,16 @@
                         </a:rPr>
                         <m:t>𝑄</m:t>
                       </m:r>
+                      <m:r>
+                        <a:rPr lang="en-US" sz="2000" b="0" i="0" smtClean="0">
+                          <a:latin typeface="Cambria Math" panose="02040503050406030204" pitchFamily="18" charset="0"/>
+                          <a:cs typeface="Arial" panose="020B0604020202020204" pitchFamily="34" charset="0"/>
+                        </a:rPr>
+                        <m:t>.</m:t>
+                      </m:r>
                     </m:oMath>
                   </m:oMathPara>
                 </a14:m>
-                <a:endParaRPr lang="en-US" sz="2000" dirty="0">
-                  <a:latin typeface="Arial" panose="020B0604020202020204" pitchFamily="34" charset="0"/>
-                  <a:cs typeface="Arial" panose="020B0604020202020204" pitchFamily="34" charset="0"/>
-                </a:endParaRPr>
-              </a:p>
-              <a:p>
                 <a:endParaRPr lang="en-US" sz="1600" dirty="0">
                   <a:latin typeface="Arial" panose="020B0604020202020204" pitchFamily="34" charset="0"/>
                   <a:cs typeface="Arial" panose="020B0604020202020204" pitchFamily="34" charset="0"/>
@@ -7587,7 +7717,7 @@
                     <a:latin typeface="Arial" panose="020B0604020202020204" pitchFamily="34" charset="0"/>
                     <a:cs typeface="Arial" panose="020B0604020202020204" pitchFamily="34" charset="0"/>
                   </a:rPr>
-                  <a:t>. The equations of motion for these complicated new coordinates are computed in Mathematica by substituting the above relations into the original system. The results are too tedious to present but simplify dramatically in the </a:t>
+                  <a:t>. Substituting the above relations into the original system yields complicated evolution equations. These calculations were performed in Mathematica, but the results simplify dramatically in the </a:t>
                 </a:r>
                 <a14:m>
                   <m:oMath xmlns:m="http://schemas.openxmlformats.org/officeDocument/2006/math">
@@ -7636,7 +7766,7 @@
             <p:spPr>
               <a:xfrm>
                 <a:off x="10011920" y="12522160"/>
-                <a:ext cx="7431757" cy="5924955"/>
+                <a:ext cx="7431757" cy="5678734"/>
               </a:xfrm>
               <a:prstGeom prst="rect">
                 <a:avLst/>
@@ -7644,7 +7774,7 @@
               <a:blipFill>
                 <a:blip r:embed="rId5"/>
                 <a:stretch>
-                  <a:fillRect l="-410" r="-328" b="-412"/>
+                  <a:fillRect l="-410" r="-1148" b="-429"/>
                 </a:stretch>
               </a:blipFill>
             </p:spPr>
@@ -7677,8 +7807,8 @@
         </p:nvSpPr>
         <p:spPr>
           <a:xfrm>
-            <a:off x="735013" y="3437698"/>
-            <a:ext cx="8164512" cy="677102"/>
+            <a:off x="740093" y="3432618"/>
+            <a:ext cx="8164512" cy="689472"/>
           </a:xfrm>
           <a:prstGeom prst="rect">
             <a:avLst/>
@@ -7797,7 +7927,7 @@
         </p:nvSpPr>
         <p:spPr>
           <a:xfrm>
-            <a:off x="735013" y="8669655"/>
+            <a:off x="740093" y="8644066"/>
             <a:ext cx="8164512" cy="677102"/>
           </a:xfrm>
           <a:prstGeom prst="rect">
@@ -7924,7 +8054,7 @@
             <p:spPr>
               <a:xfrm>
                 <a:off x="18900775" y="9649163"/>
-                <a:ext cx="7429499" cy="3772315"/>
+                <a:ext cx="7429499" cy="3935244"/>
               </a:xfrm>
               <a:prstGeom prst="rect">
                 <a:avLst/>
@@ -7936,216 +8066,6 @@
                 <a:spAutoFit/>
               </a:bodyPr>
               <a:lstStyle/>
-              <a:p>
-                <a:r>
-                  <a:rPr lang="en-US" sz="1600" dirty="0">
-                    <a:latin typeface="Arial" panose="020B0604020202020204" pitchFamily="34" charset="0"/>
-                    <a:cs typeface="Arial" panose="020B0604020202020204" pitchFamily="34" charset="0"/>
-                  </a:rPr>
-                  <a:t>        Fast-slow split is between </a:t>
-                </a:r>
-                <a14:m>
-                  <m:oMath xmlns:m="http://schemas.openxmlformats.org/officeDocument/2006/math">
-                    <m:r>
-                      <a:rPr lang="en-US" sz="1600" b="0" i="1" smtClean="0">
-                        <a:latin typeface="Cambria Math" panose="02040503050406030204" pitchFamily="18" charset="0"/>
-                        <a:cs typeface="Arial" panose="020B0604020202020204" pitchFamily="34" charset="0"/>
-                      </a:rPr>
-                      <m:t>𝑥</m:t>
-                    </m:r>
-                    <m:r>
-                      <a:rPr lang="en-US" sz="1600" b="0" i="1" smtClean="0">
-                        <a:latin typeface="Cambria Math" panose="02040503050406030204" pitchFamily="18" charset="0"/>
-                        <a:cs typeface="Arial" panose="020B0604020202020204" pitchFamily="34" charset="0"/>
-                      </a:rPr>
-                      <m:t>=(</m:t>
-                    </m:r>
-                    <m:r>
-                      <a:rPr lang="en-US" sz="1600" b="0" i="1" smtClean="0">
-                        <a:latin typeface="Cambria Math" panose="02040503050406030204" pitchFamily="18" charset="0"/>
-                        <a:cs typeface="Arial" panose="020B0604020202020204" pitchFamily="34" charset="0"/>
-                      </a:rPr>
-                      <m:t>𝜓</m:t>
-                    </m:r>
-                    <m:r>
-                      <a:rPr lang="en-US" sz="1600" b="0" i="1" smtClean="0">
-                        <a:latin typeface="Cambria Math" panose="02040503050406030204" pitchFamily="18" charset="0"/>
-                        <a:cs typeface="Arial" panose="020B0604020202020204" pitchFamily="34" charset="0"/>
-                      </a:rPr>
-                      <m:t>,</m:t>
-                    </m:r>
-                    <m:sSub>
-                      <m:sSubPr>
-                        <m:ctrlPr>
-                          <a:rPr lang="en-US" sz="1600" b="0" i="1" smtClean="0">
-                            <a:latin typeface="Cambria Math" panose="02040503050406030204" pitchFamily="18" charset="0"/>
-                            <a:cs typeface="Arial" panose="020B0604020202020204" pitchFamily="34" charset="0"/>
-                          </a:rPr>
-                        </m:ctrlPr>
-                      </m:sSubPr>
-                      <m:e>
-                        <m:r>
-                          <a:rPr lang="en-US" sz="1600" b="0" i="1" smtClean="0">
-                            <a:latin typeface="Cambria Math" panose="02040503050406030204" pitchFamily="18" charset="0"/>
-                            <a:cs typeface="Arial" panose="020B0604020202020204" pitchFamily="34" charset="0"/>
-                          </a:rPr>
-                          <m:t>𝜈</m:t>
-                        </m:r>
-                      </m:e>
-                      <m:sub>
-                        <m:r>
-                          <a:rPr lang="en-US" sz="1600" b="0" i="1" smtClean="0">
-                            <a:latin typeface="Cambria Math" panose="02040503050406030204" pitchFamily="18" charset="0"/>
-                            <a:cs typeface="Arial" panose="020B0604020202020204" pitchFamily="34" charset="0"/>
-                          </a:rPr>
-                          <m:t>∥</m:t>
-                        </m:r>
-                      </m:sub>
-                    </m:sSub>
-                    <m:r>
-                      <a:rPr lang="en-US" sz="1600" b="0" i="1" smtClean="0">
-                        <a:latin typeface="Cambria Math" panose="02040503050406030204" pitchFamily="18" charset="0"/>
-                        <a:cs typeface="Arial" panose="020B0604020202020204" pitchFamily="34" charset="0"/>
-                      </a:rPr>
-                      <m:t>,</m:t>
-                    </m:r>
-                    <m:r>
-                      <m:rPr>
-                        <m:sty m:val="p"/>
-                      </m:rPr>
-                      <a:rPr lang="en-US" sz="1600" b="0" i="0" smtClean="0">
-                        <a:latin typeface="Cambria Math" panose="02040503050406030204" pitchFamily="18" charset="0"/>
-                        <a:cs typeface="Arial" panose="020B0604020202020204" pitchFamily="34" charset="0"/>
-                      </a:rPr>
-                      <m:t>Φ</m:t>
-                    </m:r>
-                    <m:r>
-                      <a:rPr lang="en-US" sz="1600" b="0" i="1" smtClean="0">
-                        <a:latin typeface="Cambria Math" panose="02040503050406030204" pitchFamily="18" charset="0"/>
-                        <a:cs typeface="Arial" panose="020B0604020202020204" pitchFamily="34" charset="0"/>
-                      </a:rPr>
-                      <m:t>,</m:t>
-                    </m:r>
-                    <m:r>
-                      <m:rPr>
-                        <m:sty m:val="p"/>
-                      </m:rPr>
-                      <a:rPr lang="en-US" sz="1600" b="0" i="0" smtClean="0">
-                        <a:latin typeface="Cambria Math" panose="02040503050406030204" pitchFamily="18" charset="0"/>
-                        <a:cs typeface="Arial" panose="020B0604020202020204" pitchFamily="34" charset="0"/>
-                      </a:rPr>
-                      <m:t>Ψ</m:t>
-                    </m:r>
-                    <m:r>
-                      <a:rPr lang="en-US" sz="1600" b="0" i="1" smtClean="0">
-                        <a:latin typeface="Cambria Math" panose="02040503050406030204" pitchFamily="18" charset="0"/>
-                        <a:cs typeface="Arial" panose="020B0604020202020204" pitchFamily="34" charset="0"/>
-                      </a:rPr>
-                      <m:t>,</m:t>
-                    </m:r>
-                    <m:r>
-                      <a:rPr lang="en-US" sz="1600" b="0" i="1" smtClean="0">
-                        <a:latin typeface="Cambria Math" panose="02040503050406030204" pitchFamily="18" charset="0"/>
-                        <a:cs typeface="Arial" panose="020B0604020202020204" pitchFamily="34" charset="0"/>
-                      </a:rPr>
-                      <m:t>𝑞</m:t>
-                    </m:r>
-                    <m:r>
-                      <a:rPr lang="en-US" sz="1600" b="0" i="1" smtClean="0">
-                        <a:latin typeface="Cambria Math" panose="02040503050406030204" pitchFamily="18" charset="0"/>
-                        <a:cs typeface="Arial" panose="020B0604020202020204" pitchFamily="34" charset="0"/>
-                      </a:rPr>
-                      <m:t>)</m:t>
-                    </m:r>
-                  </m:oMath>
-                </a14:m>
-                <a:r>
-                  <a:rPr lang="en-US" sz="1600" dirty="0">
-                    <a:latin typeface="Arial" panose="020B0604020202020204" pitchFamily="34" charset="0"/>
-                    <a:cs typeface="Arial" panose="020B0604020202020204" pitchFamily="34" charset="0"/>
-                  </a:rPr>
-                  <a:t>, while fast variables are </a:t>
-                </a:r>
-                <a14:m>
-                  <m:oMath xmlns:m="http://schemas.openxmlformats.org/officeDocument/2006/math">
-                    <m:r>
-                      <a:rPr lang="en-US" sz="1600" b="0" i="1" smtClean="0">
-                        <a:latin typeface="Cambria Math" panose="02040503050406030204" pitchFamily="18" charset="0"/>
-                        <a:cs typeface="Arial" panose="020B0604020202020204" pitchFamily="34" charset="0"/>
-                      </a:rPr>
-                      <m:t>𝑦</m:t>
-                    </m:r>
-                    <m:r>
-                      <a:rPr lang="en-US" sz="1600" b="0" i="1" smtClean="0">
-                        <a:latin typeface="Cambria Math" panose="02040503050406030204" pitchFamily="18" charset="0"/>
-                        <a:cs typeface="Arial" panose="020B0604020202020204" pitchFamily="34" charset="0"/>
-                      </a:rPr>
-                      <m:t>=</m:t>
-                    </m:r>
-                    <m:d>
-                      <m:dPr>
-                        <m:ctrlPr>
-                          <a:rPr lang="en-US" sz="1600" b="0" i="1" smtClean="0">
-                            <a:latin typeface="Cambria Math" panose="02040503050406030204" pitchFamily="18" charset="0"/>
-                            <a:cs typeface="Arial" panose="020B0604020202020204" pitchFamily="34" charset="0"/>
-                          </a:rPr>
-                        </m:ctrlPr>
-                      </m:dPr>
-                      <m:e>
-                        <m:r>
-                          <a:rPr lang="en-US" sz="1600" b="0" i="1" smtClean="0">
-                            <a:latin typeface="Cambria Math" panose="02040503050406030204" pitchFamily="18" charset="0"/>
-                            <a:cs typeface="Arial" panose="020B0604020202020204" pitchFamily="34" charset="0"/>
-                          </a:rPr>
-                          <m:t>𝜙</m:t>
-                        </m:r>
-                        <m:r>
-                          <a:rPr lang="en-US" sz="1600" b="0" i="1" smtClean="0">
-                            <a:latin typeface="Cambria Math" panose="02040503050406030204" pitchFamily="18" charset="0"/>
-                            <a:cs typeface="Arial" panose="020B0604020202020204" pitchFamily="34" charset="0"/>
-                          </a:rPr>
-                          <m:t>,</m:t>
-                        </m:r>
-                        <m:sSub>
-                          <m:sSubPr>
-                            <m:ctrlPr>
-                              <a:rPr lang="en-US" sz="1600" b="0" i="1" smtClean="0">
-                                <a:latin typeface="Cambria Math" panose="02040503050406030204" pitchFamily="18" charset="0"/>
-                                <a:cs typeface="Arial" panose="020B0604020202020204" pitchFamily="34" charset="0"/>
-                              </a:rPr>
-                            </m:ctrlPr>
-                          </m:sSubPr>
-                          <m:e>
-                            <m:r>
-                              <a:rPr lang="en-US" sz="1600" b="0" i="1" smtClean="0">
-                                <a:latin typeface="Cambria Math" panose="02040503050406030204" pitchFamily="18" charset="0"/>
-                                <a:cs typeface="Arial" panose="020B0604020202020204" pitchFamily="34" charset="0"/>
-                              </a:rPr>
-                              <m:t>𝛽</m:t>
-                            </m:r>
-                          </m:e>
-                          <m:sub>
-                            <m:r>
-                              <a:rPr lang="en-US" sz="1600" b="0" i="1" smtClean="0">
-                                <a:latin typeface="Cambria Math" panose="02040503050406030204" pitchFamily="18" charset="0"/>
-                                <a:cs typeface="Arial" panose="020B0604020202020204" pitchFamily="34" charset="0"/>
-                              </a:rPr>
-                              <m:t>∥</m:t>
-                            </m:r>
-                          </m:sub>
-                        </m:sSub>
-                      </m:e>
-                    </m:d>
-                  </m:oMath>
-                </a14:m>
-                <a:r>
-                  <a:rPr lang="en-US" sz="1600" dirty="0">
-                    <a:latin typeface="Arial" panose="020B0604020202020204" pitchFamily="34" charset="0"/>
-                    <a:cs typeface="Arial" panose="020B0604020202020204" pitchFamily="34" charset="0"/>
-                  </a:rPr>
-                  <a:t>. Dimensional reduction! </a:t>
-                </a:r>
-              </a:p>
               <a:p>
                 <a:r>
                   <a:rPr lang="en-US" sz="1600" dirty="0">
@@ -8215,312 +8135,462 @@
                   </a:rPr>
                   <a:t>:</a:t>
                 </a:r>
-                <a:endParaRPr lang="en-US" sz="1600" b="0" i="1" dirty="0">
+              </a:p>
+              <a:p>
+                <a14:m>
+                  <m:oMathPara xmlns:m="http://schemas.openxmlformats.org/officeDocument/2006/math">
+                    <m:oMathParaPr>
+                      <m:jc m:val="centerGroup"/>
+                    </m:oMathParaPr>
+                    <m:oMath xmlns:m="http://schemas.openxmlformats.org/officeDocument/2006/math">
+                      <m:acc>
+                        <m:accPr>
+                          <m:chr m:val="̇"/>
+                          <m:ctrlPr>
+                            <a:rPr lang="en-US" sz="2200" b="0" i="1" smtClean="0">
+                              <a:latin typeface="Cambria Math" panose="02040503050406030204" pitchFamily="18" charset="0"/>
+                              <a:cs typeface="Arial" panose="020B0604020202020204" pitchFamily="34" charset="0"/>
+                            </a:rPr>
+                          </m:ctrlPr>
+                        </m:accPr>
+                        <m:e>
+                          <m:r>
+                            <a:rPr lang="en-US" sz="2200" b="0" i="1" smtClean="0">
+                              <a:latin typeface="Cambria Math" panose="02040503050406030204" pitchFamily="18" charset="0"/>
+                              <a:cs typeface="Arial" panose="020B0604020202020204" pitchFamily="34" charset="0"/>
+                            </a:rPr>
+                            <m:t>𝜓</m:t>
+                          </m:r>
+                        </m:e>
+                      </m:acc>
+                      <m:r>
+                        <a:rPr lang="en-US" sz="2200" b="0" i="1" dirty="0" smtClean="0">
+                          <a:latin typeface="Cambria Math" panose="02040503050406030204" pitchFamily="18" charset="0"/>
+                          <a:cs typeface="Arial" panose="020B0604020202020204" pitchFamily="34" charset="0"/>
+                        </a:rPr>
+                        <m:t>=0,  </m:t>
+                      </m:r>
+                      <m:sSub>
+                        <m:sSubPr>
+                          <m:ctrlPr>
+                            <a:rPr lang="en-US" sz="2200" b="0" i="1" dirty="0" smtClean="0">
+                              <a:latin typeface="Cambria Math" panose="02040503050406030204" pitchFamily="18" charset="0"/>
+                              <a:cs typeface="Arial" panose="020B0604020202020204" pitchFamily="34" charset="0"/>
+                            </a:rPr>
+                          </m:ctrlPr>
+                        </m:sSubPr>
+                        <m:e>
+                          <m:acc>
+                            <m:accPr>
+                              <m:chr m:val="̇"/>
+                              <m:ctrlPr>
+                                <a:rPr lang="en-US" sz="2200" b="0" i="1" dirty="0" smtClean="0">
+                                  <a:latin typeface="Cambria Math" panose="02040503050406030204" pitchFamily="18" charset="0"/>
+                                  <a:cs typeface="Arial" panose="020B0604020202020204" pitchFamily="34" charset="0"/>
+                                </a:rPr>
+                              </m:ctrlPr>
+                            </m:accPr>
+                            <m:e>
+                              <m:r>
+                                <a:rPr lang="en-US" sz="2200" b="0" i="1" dirty="0" smtClean="0">
+                                  <a:latin typeface="Cambria Math" panose="02040503050406030204" pitchFamily="18" charset="0"/>
+                                  <a:cs typeface="Arial" panose="020B0604020202020204" pitchFamily="34" charset="0"/>
+                                </a:rPr>
+                                <m:t>𝜈</m:t>
+                              </m:r>
+                            </m:e>
+                          </m:acc>
+                        </m:e>
+                        <m:sub>
+                          <m:r>
+                            <a:rPr lang="en-US" sz="2200" b="0" i="1" dirty="0" smtClean="0">
+                              <a:latin typeface="Cambria Math" panose="02040503050406030204" pitchFamily="18" charset="0"/>
+                              <a:cs typeface="Arial" panose="020B0604020202020204" pitchFamily="34" charset="0"/>
+                            </a:rPr>
+                            <m:t>∥</m:t>
+                          </m:r>
+                        </m:sub>
+                      </m:sSub>
+                      <m:r>
+                        <a:rPr lang="en-US" sz="2200" b="0" i="1" dirty="0" smtClean="0">
+                          <a:latin typeface="Cambria Math" panose="02040503050406030204" pitchFamily="18" charset="0"/>
+                          <a:cs typeface="Arial" panose="020B0604020202020204" pitchFamily="34" charset="0"/>
+                        </a:rPr>
+                        <m:t>=0,  </m:t>
+                      </m:r>
+                      <m:acc>
+                        <m:accPr>
+                          <m:chr m:val="̇"/>
+                          <m:ctrlPr>
+                            <a:rPr lang="en-US" sz="2200" b="0" i="1" dirty="0" smtClean="0">
+                              <a:latin typeface="Cambria Math" panose="02040503050406030204" pitchFamily="18" charset="0"/>
+                              <a:cs typeface="Arial" panose="020B0604020202020204" pitchFamily="34" charset="0"/>
+                            </a:rPr>
+                          </m:ctrlPr>
+                        </m:accPr>
+                        <m:e>
+                          <m:r>
+                            <m:rPr>
+                              <m:sty m:val="p"/>
+                            </m:rPr>
+                            <a:rPr lang="en-US" sz="2200" b="0" i="0" dirty="0" smtClean="0">
+                              <a:latin typeface="Cambria Math" panose="02040503050406030204" pitchFamily="18" charset="0"/>
+                              <a:cs typeface="Arial" panose="020B0604020202020204" pitchFamily="34" charset="0"/>
+                            </a:rPr>
+                            <m:t>Φ</m:t>
+                          </m:r>
+                        </m:e>
+                      </m:acc>
+                      <m:r>
+                        <a:rPr lang="en-US" sz="2200" b="0" i="1" dirty="0" smtClean="0">
+                          <a:latin typeface="Cambria Math" panose="02040503050406030204" pitchFamily="18" charset="0"/>
+                          <a:cs typeface="Arial" panose="020B0604020202020204" pitchFamily="34" charset="0"/>
+                        </a:rPr>
+                        <m:t>=0,  </m:t>
+                      </m:r>
+                      <m:acc>
+                        <m:accPr>
+                          <m:chr m:val="̇"/>
+                          <m:ctrlPr>
+                            <a:rPr lang="en-US" sz="2200" b="0" i="1" dirty="0" smtClean="0">
+                              <a:latin typeface="Cambria Math" panose="02040503050406030204" pitchFamily="18" charset="0"/>
+                              <a:cs typeface="Arial" panose="020B0604020202020204" pitchFamily="34" charset="0"/>
+                            </a:rPr>
+                          </m:ctrlPr>
+                        </m:accPr>
+                        <m:e>
+                          <m:r>
+                            <m:rPr>
+                              <m:sty m:val="p"/>
+                            </m:rPr>
+                            <a:rPr lang="en-US" sz="2200" b="0" i="0" dirty="0" smtClean="0">
+                              <a:latin typeface="Cambria Math" panose="02040503050406030204" pitchFamily="18" charset="0"/>
+                              <a:cs typeface="Arial" panose="020B0604020202020204" pitchFamily="34" charset="0"/>
+                            </a:rPr>
+                            <m:t>Ψ</m:t>
+                          </m:r>
+                        </m:e>
+                      </m:acc>
+                      <m:r>
+                        <a:rPr lang="en-US" sz="2200" b="0" i="1" dirty="0" smtClean="0">
+                          <a:latin typeface="Cambria Math" panose="02040503050406030204" pitchFamily="18" charset="0"/>
+                          <a:cs typeface="Arial" panose="020B0604020202020204" pitchFamily="34" charset="0"/>
+                        </a:rPr>
+                        <m:t>=0,  </m:t>
+                      </m:r>
+                      <m:acc>
+                        <m:accPr>
+                          <m:chr m:val="̇"/>
+                          <m:ctrlPr>
+                            <a:rPr lang="en-US" sz="2200" b="0" i="1" dirty="0" smtClean="0">
+                              <a:latin typeface="Cambria Math" panose="02040503050406030204" pitchFamily="18" charset="0"/>
+                              <a:cs typeface="Arial" panose="020B0604020202020204" pitchFamily="34" charset="0"/>
+                            </a:rPr>
+                          </m:ctrlPr>
+                        </m:accPr>
+                        <m:e>
+                          <m:r>
+                            <a:rPr lang="en-US" sz="2200" b="0" i="1" dirty="0" smtClean="0">
+                              <a:latin typeface="Cambria Math" panose="02040503050406030204" pitchFamily="18" charset="0"/>
+                              <a:cs typeface="Arial" panose="020B0604020202020204" pitchFamily="34" charset="0"/>
+                            </a:rPr>
+                            <m:t>𝑞</m:t>
+                          </m:r>
+                        </m:e>
+                      </m:acc>
+                      <m:r>
+                        <a:rPr lang="en-US" sz="2200" b="0" i="1" dirty="0" smtClean="0">
+                          <a:latin typeface="Cambria Math" panose="02040503050406030204" pitchFamily="18" charset="0"/>
+                          <a:cs typeface="Arial" panose="020B0604020202020204" pitchFamily="34" charset="0"/>
+                        </a:rPr>
+                        <m:t>=0,</m:t>
+                      </m:r>
+                    </m:oMath>
+                  </m:oMathPara>
+                </a14:m>
+                <a:endParaRPr lang="en-US" sz="2200" b="0" i="1" dirty="0">
                   <a:latin typeface="Cambria Math" panose="02040503050406030204" pitchFamily="18" charset="0"/>
                   <a:cs typeface="Arial" panose="020B0604020202020204" pitchFamily="34" charset="0"/>
                 </a:endParaRPr>
               </a:p>
               <a:p>
-                <a:pPr algn="ctr"/>
                 <a14:m>
-                  <m:oMath xmlns:m="http://schemas.openxmlformats.org/officeDocument/2006/math">
-                    <m:acc>
-                      <m:accPr>
-                        <m:chr m:val="̇"/>
-                        <m:ctrlPr>
-                          <a:rPr lang="en-US" sz="2200" b="0" i="1" smtClean="0">
-                            <a:latin typeface="Cambria Math" panose="02040503050406030204" pitchFamily="18" charset="0"/>
-                            <a:ea typeface="Cambria Math" panose="02040503050406030204" pitchFamily="18" charset="0"/>
-                            <a:cs typeface="Arial" panose="020B0604020202020204" pitchFamily="34" charset="0"/>
-                          </a:rPr>
-                        </m:ctrlPr>
-                      </m:accPr>
-                      <m:e>
-                        <m:r>
-                          <a:rPr lang="en-US" sz="2200" b="0" i="1" smtClean="0">
-                            <a:latin typeface="Cambria Math" panose="02040503050406030204" pitchFamily="18" charset="0"/>
-                            <a:ea typeface="Cambria Math" panose="02040503050406030204" pitchFamily="18" charset="0"/>
-                            <a:cs typeface="Arial" panose="020B0604020202020204" pitchFamily="34" charset="0"/>
-                          </a:rPr>
-                          <m:t>𝑥</m:t>
-                        </m:r>
-                      </m:e>
-                    </m:acc>
-                    <m:r>
-                      <a:rPr lang="en-US" sz="2200" b="0" i="1" dirty="0" smtClean="0">
-                        <a:latin typeface="Cambria Math" panose="02040503050406030204" pitchFamily="18" charset="0"/>
-                        <a:ea typeface="Cambria Math" panose="02040503050406030204" pitchFamily="18" charset="0"/>
-                        <a:cs typeface="Arial" panose="020B0604020202020204" pitchFamily="34" charset="0"/>
-                      </a:rPr>
-                      <m:t>=0</m:t>
-                    </m:r>
-                  </m:oMath>
+                  <m:oMathPara xmlns:m="http://schemas.openxmlformats.org/officeDocument/2006/math">
+                    <m:oMathParaPr>
+                      <m:jc m:val="centerGroup"/>
+                    </m:oMathParaPr>
+                    <m:oMath xmlns:m="http://schemas.openxmlformats.org/officeDocument/2006/math">
+                      <m:acc>
+                        <m:accPr>
+                          <m:chr m:val="̇"/>
+                          <m:ctrlPr>
+                            <a:rPr lang="en-US" sz="2200" i="1">
+                              <a:latin typeface="Cambria Math" panose="02040503050406030204" pitchFamily="18" charset="0"/>
+                              <a:ea typeface="Cambria Math" panose="02040503050406030204" pitchFamily="18" charset="0"/>
+                              <a:cs typeface="Arial" panose="020B0604020202020204" pitchFamily="34" charset="0"/>
+                            </a:rPr>
+                          </m:ctrlPr>
+                        </m:accPr>
+                        <m:e>
+                          <m:r>
+                            <a:rPr lang="en-US" sz="2200" i="1">
+                              <a:latin typeface="Cambria Math" panose="02040503050406030204" pitchFamily="18" charset="0"/>
+                              <a:ea typeface="Cambria Math" panose="02040503050406030204" pitchFamily="18" charset="0"/>
+                              <a:cs typeface="Arial" panose="020B0604020202020204" pitchFamily="34" charset="0"/>
+                            </a:rPr>
+                            <m:t>𝜙</m:t>
+                          </m:r>
+                        </m:e>
+                      </m:acc>
+                      <m:r>
+                        <a:rPr lang="en-US" sz="2200" i="1" dirty="0">
+                          <a:latin typeface="Cambria Math" panose="02040503050406030204" pitchFamily="18" charset="0"/>
+                          <a:ea typeface="Cambria Math" panose="02040503050406030204" pitchFamily="18" charset="0"/>
+                          <a:cs typeface="Arial" panose="020B0604020202020204" pitchFamily="34" charset="0"/>
+                        </a:rPr>
+                        <m:t>=</m:t>
+                      </m:r>
+                      <m:sSub>
+                        <m:sSubPr>
+                          <m:ctrlPr>
+                            <a:rPr lang="en-US" sz="2200" i="1" dirty="0">
+                              <a:latin typeface="Cambria Math" panose="02040503050406030204" pitchFamily="18" charset="0"/>
+                              <a:ea typeface="Cambria Math" panose="02040503050406030204" pitchFamily="18" charset="0"/>
+                              <a:cs typeface="Arial" panose="020B0604020202020204" pitchFamily="34" charset="0"/>
+                            </a:rPr>
+                          </m:ctrlPr>
+                        </m:sSubPr>
+                        <m:e>
+                          <m:r>
+                            <a:rPr lang="en-US" sz="2200" i="1" dirty="0">
+                              <a:latin typeface="Cambria Math" panose="02040503050406030204" pitchFamily="18" charset="0"/>
+                              <a:ea typeface="Cambria Math" panose="02040503050406030204" pitchFamily="18" charset="0"/>
+                              <a:cs typeface="Arial" panose="020B0604020202020204" pitchFamily="34" charset="0"/>
+                            </a:rPr>
+                            <m:t>𝐻</m:t>
+                          </m:r>
+                        </m:e>
+                        <m:sub>
+                          <m:sSub>
+                            <m:sSubPr>
+                              <m:ctrlPr>
+                                <a:rPr lang="en-US" sz="2200" i="1" dirty="0">
+                                  <a:latin typeface="Cambria Math" panose="02040503050406030204" pitchFamily="18" charset="0"/>
+                                  <a:ea typeface="Cambria Math" panose="02040503050406030204" pitchFamily="18" charset="0"/>
+                                  <a:cs typeface="Arial" panose="020B0604020202020204" pitchFamily="34" charset="0"/>
+                                </a:rPr>
+                              </m:ctrlPr>
+                            </m:sSubPr>
+                            <m:e>
+                              <m:r>
+                                <a:rPr lang="en-US" sz="2200" i="1" dirty="0">
+                                  <a:latin typeface="Cambria Math" panose="02040503050406030204" pitchFamily="18" charset="0"/>
+                                  <a:ea typeface="Cambria Math" panose="02040503050406030204" pitchFamily="18" charset="0"/>
+                                  <a:cs typeface="Arial" panose="020B0604020202020204" pitchFamily="34" charset="0"/>
+                                </a:rPr>
+                                <m:t>𝛽</m:t>
+                              </m:r>
+                            </m:e>
+                            <m:sub>
+                              <m:r>
+                                <a:rPr lang="en-US" sz="2200" i="1" dirty="0">
+                                  <a:latin typeface="Cambria Math" panose="02040503050406030204" pitchFamily="18" charset="0"/>
+                                  <a:ea typeface="Cambria Math" panose="02040503050406030204" pitchFamily="18" charset="0"/>
+                                  <a:cs typeface="Arial" panose="020B0604020202020204" pitchFamily="34" charset="0"/>
+                                </a:rPr>
+                                <m:t>∥</m:t>
+                              </m:r>
+                            </m:sub>
+                          </m:sSub>
+                        </m:sub>
+                      </m:sSub>
+                      <m:r>
+                        <a:rPr lang="en-US" sz="2200" i="1" dirty="0">
+                          <a:latin typeface="Cambria Math" panose="02040503050406030204" pitchFamily="18" charset="0"/>
+                          <a:ea typeface="Cambria Math" panose="02040503050406030204" pitchFamily="18" charset="0"/>
+                          <a:cs typeface="Arial" panose="020B0604020202020204" pitchFamily="34" charset="0"/>
+                        </a:rPr>
+                        <m:t>−</m:t>
+                      </m:r>
+                      <m:sSub>
+                        <m:sSubPr>
+                          <m:ctrlPr>
+                            <a:rPr lang="en-US" sz="2200" i="1" dirty="0">
+                              <a:latin typeface="Cambria Math" panose="02040503050406030204" pitchFamily="18" charset="0"/>
+                              <a:ea typeface="Cambria Math" panose="02040503050406030204" pitchFamily="18" charset="0"/>
+                              <a:cs typeface="Arial" panose="020B0604020202020204" pitchFamily="34" charset="0"/>
+                            </a:rPr>
+                          </m:ctrlPr>
+                        </m:sSubPr>
+                        <m:e>
+                          <m:r>
+                            <a:rPr lang="en-US" sz="2200" i="1" dirty="0">
+                              <a:latin typeface="Cambria Math" panose="02040503050406030204" pitchFamily="18" charset="0"/>
+                              <a:ea typeface="Cambria Math" panose="02040503050406030204" pitchFamily="18" charset="0"/>
+                              <a:cs typeface="Arial" panose="020B0604020202020204" pitchFamily="34" charset="0"/>
+                            </a:rPr>
+                            <m:t>𝛽</m:t>
+                          </m:r>
+                        </m:e>
+                        <m:sub>
+                          <m:r>
+                            <a:rPr lang="en-US" sz="2200" i="1" dirty="0">
+                              <a:latin typeface="Cambria Math" panose="02040503050406030204" pitchFamily="18" charset="0"/>
+                              <a:ea typeface="Cambria Math" panose="02040503050406030204" pitchFamily="18" charset="0"/>
+                              <a:cs typeface="Arial" panose="020B0604020202020204" pitchFamily="34" charset="0"/>
+                            </a:rPr>
+                            <m:t>∥</m:t>
+                          </m:r>
+                        </m:sub>
+                      </m:sSub>
+                      <m:r>
+                        <m:rPr>
+                          <m:nor/>
+                        </m:rPr>
+                        <a:rPr lang="en-US" sz="2200" dirty="0">
+                          <a:latin typeface="Cambria Math" panose="02040503050406030204" pitchFamily="18" charset="0"/>
+                          <a:ea typeface="Cambria Math" panose="02040503050406030204" pitchFamily="18" charset="0"/>
+                          <a:cs typeface="Arial" panose="020B0604020202020204" pitchFamily="34" charset="0"/>
+                        </a:rPr>
+                        <m:t>,</m:t>
+                      </m:r>
+                      <m:r>
+                        <a:rPr lang="en-US" sz="2200" b="0" i="1" dirty="0" smtClean="0">
+                          <a:latin typeface="Cambria Math" panose="02040503050406030204" pitchFamily="18" charset="0"/>
+                          <a:ea typeface="Cambria Math" panose="02040503050406030204" pitchFamily="18" charset="0"/>
+                          <a:cs typeface="Arial" panose="020B0604020202020204" pitchFamily="34" charset="0"/>
+                        </a:rPr>
+                        <m:t>  </m:t>
+                      </m:r>
+                      <m:r>
+                        <m:rPr>
+                          <m:nor/>
+                        </m:rPr>
+                        <a:rPr lang="en-US" sz="2200" dirty="0">
+                          <a:latin typeface="Cambria Math" panose="02040503050406030204" pitchFamily="18" charset="0"/>
+                          <a:ea typeface="Cambria Math" panose="02040503050406030204" pitchFamily="18" charset="0"/>
+                          <a:cs typeface="Arial" panose="020B0604020202020204" pitchFamily="34" charset="0"/>
+                        </a:rPr>
+                        <m:t>and</m:t>
+                      </m:r>
+                      <m:r>
+                        <a:rPr lang="en-US" sz="2200" b="0" i="1" dirty="0" smtClean="0">
+                          <a:latin typeface="Cambria Math" panose="02040503050406030204" pitchFamily="18" charset="0"/>
+                          <a:ea typeface="Cambria Math" panose="02040503050406030204" pitchFamily="18" charset="0"/>
+                          <a:cs typeface="Arial" panose="020B0604020202020204" pitchFamily="34" charset="0"/>
+                        </a:rPr>
+                        <m:t>  </m:t>
+                      </m:r>
+                      <m:acc>
+                        <m:accPr>
+                          <m:chr m:val="̇"/>
+                          <m:ctrlPr>
+                            <a:rPr lang="en-US" sz="2200" i="1">
+                              <a:latin typeface="Cambria Math" panose="02040503050406030204" pitchFamily="18" charset="0"/>
+                              <a:ea typeface="Cambria Math" panose="02040503050406030204" pitchFamily="18" charset="0"/>
+                              <a:cs typeface="Arial" panose="020B0604020202020204" pitchFamily="34" charset="0"/>
+                            </a:rPr>
+                          </m:ctrlPr>
+                        </m:accPr>
+                        <m:e>
+                          <m:sSub>
+                            <m:sSubPr>
+                              <m:ctrlPr>
+                                <a:rPr lang="en-US" sz="2200" i="1">
+                                  <a:latin typeface="Cambria Math" panose="02040503050406030204" pitchFamily="18" charset="0"/>
+                                  <a:ea typeface="Cambria Math" panose="02040503050406030204" pitchFamily="18" charset="0"/>
+                                  <a:cs typeface="Arial" panose="020B0604020202020204" pitchFamily="34" charset="0"/>
+                                </a:rPr>
+                              </m:ctrlPr>
+                            </m:sSubPr>
+                            <m:e>
+                              <m:r>
+                                <a:rPr lang="en-US" sz="2200" i="1">
+                                  <a:latin typeface="Cambria Math" panose="02040503050406030204" pitchFamily="18" charset="0"/>
+                                  <a:ea typeface="Cambria Math" panose="02040503050406030204" pitchFamily="18" charset="0"/>
+                                  <a:cs typeface="Arial" panose="020B0604020202020204" pitchFamily="34" charset="0"/>
+                                </a:rPr>
+                                <m:t>𝛽</m:t>
+                              </m:r>
+                            </m:e>
+                            <m:sub>
+                              <m:r>
+                                <a:rPr lang="en-US" sz="2200" i="1">
+                                  <a:latin typeface="Cambria Math" panose="02040503050406030204" pitchFamily="18" charset="0"/>
+                                  <a:ea typeface="Cambria Math" panose="02040503050406030204" pitchFamily="18" charset="0"/>
+                                  <a:cs typeface="Arial" panose="020B0604020202020204" pitchFamily="34" charset="0"/>
+                                </a:rPr>
+                                <m:t>∥</m:t>
+                              </m:r>
+                            </m:sub>
+                          </m:sSub>
+                        </m:e>
+                      </m:acc>
+                      <m:r>
+                        <a:rPr lang="en-US" sz="2200" i="1">
+                          <a:latin typeface="Cambria Math" panose="02040503050406030204" pitchFamily="18" charset="0"/>
+                          <a:ea typeface="Cambria Math" panose="02040503050406030204" pitchFamily="18" charset="0"/>
+                          <a:cs typeface="Arial" panose="020B0604020202020204" pitchFamily="34" charset="0"/>
+                        </a:rPr>
+                        <m:t>=−</m:t>
+                      </m:r>
+                      <m:sSub>
+                        <m:sSubPr>
+                          <m:ctrlPr>
+                            <a:rPr lang="en-US" sz="2200" i="1">
+                              <a:latin typeface="Cambria Math" panose="02040503050406030204" pitchFamily="18" charset="0"/>
+                              <a:ea typeface="Cambria Math" panose="02040503050406030204" pitchFamily="18" charset="0"/>
+                              <a:cs typeface="Arial" panose="020B0604020202020204" pitchFamily="34" charset="0"/>
+                            </a:rPr>
+                          </m:ctrlPr>
+                        </m:sSubPr>
+                        <m:e>
+                          <m:r>
+                            <m:rPr>
+                              <m:sty m:val="p"/>
+                            </m:rPr>
+                            <a:rPr lang="en-US" sz="2200">
+                              <a:latin typeface="Cambria Math" panose="02040503050406030204" pitchFamily="18" charset="0"/>
+                              <a:ea typeface="Cambria Math" panose="02040503050406030204" pitchFamily="18" charset="0"/>
+                              <a:cs typeface="Arial" panose="020B0604020202020204" pitchFamily="34" charset="0"/>
+                            </a:rPr>
+                            <m:t>Δ</m:t>
+                          </m:r>
+                        </m:e>
+                        <m:sub>
+                          <m:r>
+                            <a:rPr lang="en-US" sz="2200" i="1">
+                              <a:latin typeface="Cambria Math" panose="02040503050406030204" pitchFamily="18" charset="0"/>
+                              <a:ea typeface="Cambria Math" panose="02040503050406030204" pitchFamily="18" charset="0"/>
+                              <a:cs typeface="Arial" panose="020B0604020202020204" pitchFamily="34" charset="0"/>
+                            </a:rPr>
+                            <m:t>⊥</m:t>
+                          </m:r>
+                        </m:sub>
+                      </m:sSub>
+                      <m:r>
+                        <a:rPr lang="en-US" sz="2200" i="1">
+                          <a:latin typeface="Cambria Math" panose="02040503050406030204" pitchFamily="18" charset="0"/>
+                          <a:ea typeface="Cambria Math" panose="02040503050406030204" pitchFamily="18" charset="0"/>
+                          <a:cs typeface="Arial" panose="020B0604020202020204" pitchFamily="34" charset="0"/>
+                        </a:rPr>
+                        <m:t>𝜙</m:t>
+                      </m:r>
+                      <m:r>
+                        <a:rPr lang="en-US" sz="2200" b="0" i="1" smtClean="0">
+                          <a:latin typeface="Cambria Math" panose="02040503050406030204" pitchFamily="18" charset="0"/>
+                          <a:ea typeface="Cambria Math" panose="02040503050406030204" pitchFamily="18" charset="0"/>
+                          <a:cs typeface="Arial" panose="020B0604020202020204" pitchFamily="34" charset="0"/>
+                        </a:rPr>
+                        <m:t>,</m:t>
+                      </m:r>
+                    </m:oMath>
+                  </m:oMathPara>
                 </a14:m>
-                <a:r>
-                  <a:rPr lang="en-US" sz="2200" dirty="0">
-                    <a:latin typeface="Cambria Math" panose="02040503050406030204" pitchFamily="18" charset="0"/>
-                    <a:ea typeface="Cambria Math" panose="02040503050406030204" pitchFamily="18" charset="0"/>
-                    <a:cs typeface="Arial" panose="020B0604020202020204" pitchFamily="34" charset="0"/>
-                  </a:rPr>
-                  <a:t>, </a:t>
-                </a:r>
-                <a14:m>
-                  <m:oMath xmlns:m="http://schemas.openxmlformats.org/officeDocument/2006/math">
-                    <m:acc>
-                      <m:accPr>
-                        <m:chr m:val="̇"/>
-                        <m:ctrlPr>
-                          <a:rPr lang="en-US" sz="2200" b="0" i="1" smtClean="0">
-                            <a:latin typeface="Cambria Math" panose="02040503050406030204" pitchFamily="18" charset="0"/>
-                            <a:ea typeface="Cambria Math" panose="02040503050406030204" pitchFamily="18" charset="0"/>
-                            <a:cs typeface="Arial" panose="020B0604020202020204" pitchFamily="34" charset="0"/>
-                          </a:rPr>
-                        </m:ctrlPr>
-                      </m:accPr>
-                      <m:e>
-                        <m:r>
-                          <a:rPr lang="en-US" sz="2200" b="0" i="1" smtClean="0">
-                            <a:latin typeface="Cambria Math" panose="02040503050406030204" pitchFamily="18" charset="0"/>
-                            <a:ea typeface="Cambria Math" panose="02040503050406030204" pitchFamily="18" charset="0"/>
-                            <a:cs typeface="Arial" panose="020B0604020202020204" pitchFamily="34" charset="0"/>
-                          </a:rPr>
-                          <m:t>𝜙</m:t>
-                        </m:r>
-                      </m:e>
-                    </m:acc>
-                    <m:r>
-                      <a:rPr lang="en-US" sz="2200" b="0" i="1" dirty="0" smtClean="0">
-                        <a:latin typeface="Cambria Math" panose="02040503050406030204" pitchFamily="18" charset="0"/>
-                        <a:ea typeface="Cambria Math" panose="02040503050406030204" pitchFamily="18" charset="0"/>
-                        <a:cs typeface="Arial" panose="020B0604020202020204" pitchFamily="34" charset="0"/>
-                      </a:rPr>
-                      <m:t>=</m:t>
-                    </m:r>
-                    <m:sSub>
-                      <m:sSubPr>
-                        <m:ctrlPr>
-                          <a:rPr lang="en-US" sz="2200" b="0" i="1" dirty="0" smtClean="0">
-                            <a:latin typeface="Cambria Math" panose="02040503050406030204" pitchFamily="18" charset="0"/>
-                            <a:ea typeface="Cambria Math" panose="02040503050406030204" pitchFamily="18" charset="0"/>
-                            <a:cs typeface="Arial" panose="020B0604020202020204" pitchFamily="34" charset="0"/>
-                          </a:rPr>
-                        </m:ctrlPr>
-                      </m:sSubPr>
-                      <m:e>
-                        <m:r>
-                          <a:rPr lang="en-US" sz="2200" b="0" i="1" dirty="0" smtClean="0">
-                            <a:latin typeface="Cambria Math" panose="02040503050406030204" pitchFamily="18" charset="0"/>
-                            <a:ea typeface="Cambria Math" panose="02040503050406030204" pitchFamily="18" charset="0"/>
-                            <a:cs typeface="Arial" panose="020B0604020202020204" pitchFamily="34" charset="0"/>
-                          </a:rPr>
-                          <m:t>𝐻</m:t>
-                        </m:r>
-                      </m:e>
-                      <m:sub>
-                        <m:sSub>
-                          <m:sSubPr>
-                            <m:ctrlPr>
-                              <a:rPr lang="en-US" sz="2200" b="0" i="1" dirty="0" smtClean="0">
-                                <a:latin typeface="Cambria Math" panose="02040503050406030204" pitchFamily="18" charset="0"/>
-                                <a:ea typeface="Cambria Math" panose="02040503050406030204" pitchFamily="18" charset="0"/>
-                                <a:cs typeface="Arial" panose="020B0604020202020204" pitchFamily="34" charset="0"/>
-                              </a:rPr>
-                            </m:ctrlPr>
-                          </m:sSubPr>
-                          <m:e>
-                            <m:r>
-                              <a:rPr lang="en-US" sz="2200" b="0" i="1" dirty="0" smtClean="0">
-                                <a:latin typeface="Cambria Math" panose="02040503050406030204" pitchFamily="18" charset="0"/>
-                                <a:ea typeface="Cambria Math" panose="02040503050406030204" pitchFamily="18" charset="0"/>
-                                <a:cs typeface="Arial" panose="020B0604020202020204" pitchFamily="34" charset="0"/>
-                              </a:rPr>
-                              <m:t>𝛽</m:t>
-                            </m:r>
-                          </m:e>
-                          <m:sub>
-                            <m:r>
-                              <a:rPr lang="en-US" sz="2200" b="0" i="1" dirty="0" smtClean="0">
-                                <a:latin typeface="Cambria Math" panose="02040503050406030204" pitchFamily="18" charset="0"/>
-                                <a:ea typeface="Cambria Math" panose="02040503050406030204" pitchFamily="18" charset="0"/>
-                                <a:cs typeface="Arial" panose="020B0604020202020204" pitchFamily="34" charset="0"/>
-                              </a:rPr>
-                              <m:t>∥</m:t>
-                            </m:r>
-                          </m:sub>
-                        </m:sSub>
-                      </m:sub>
-                    </m:sSub>
-                    <m:r>
-                      <a:rPr lang="en-US" sz="2200" b="0" i="1" dirty="0" smtClean="0">
-                        <a:latin typeface="Cambria Math" panose="02040503050406030204" pitchFamily="18" charset="0"/>
-                        <a:ea typeface="Cambria Math" panose="02040503050406030204" pitchFamily="18" charset="0"/>
-                        <a:cs typeface="Arial" panose="020B0604020202020204" pitchFamily="34" charset="0"/>
-                      </a:rPr>
-                      <m:t>−</m:t>
-                    </m:r>
-                    <m:sSub>
-                      <m:sSubPr>
-                        <m:ctrlPr>
-                          <a:rPr lang="en-US" sz="2200" b="0" i="1" dirty="0" smtClean="0">
-                            <a:latin typeface="Cambria Math" panose="02040503050406030204" pitchFamily="18" charset="0"/>
-                            <a:ea typeface="Cambria Math" panose="02040503050406030204" pitchFamily="18" charset="0"/>
-                            <a:cs typeface="Arial" panose="020B0604020202020204" pitchFamily="34" charset="0"/>
-                          </a:rPr>
-                        </m:ctrlPr>
-                      </m:sSubPr>
-                      <m:e>
-                        <m:r>
-                          <a:rPr lang="en-US" sz="2200" b="0" i="1" dirty="0" smtClean="0">
-                            <a:latin typeface="Cambria Math" panose="02040503050406030204" pitchFamily="18" charset="0"/>
-                            <a:ea typeface="Cambria Math" panose="02040503050406030204" pitchFamily="18" charset="0"/>
-                            <a:cs typeface="Arial" panose="020B0604020202020204" pitchFamily="34" charset="0"/>
-                          </a:rPr>
-                          <m:t>𝛽</m:t>
-                        </m:r>
-                      </m:e>
-                      <m:sub>
-                        <m:r>
-                          <a:rPr lang="en-US" sz="2200" b="0" i="1" dirty="0" smtClean="0">
-                            <a:latin typeface="Cambria Math" panose="02040503050406030204" pitchFamily="18" charset="0"/>
-                            <a:ea typeface="Cambria Math" panose="02040503050406030204" pitchFamily="18" charset="0"/>
-                            <a:cs typeface="Arial" panose="020B0604020202020204" pitchFamily="34" charset="0"/>
-                          </a:rPr>
-                          <m:t>∥</m:t>
-                        </m:r>
-                      </m:sub>
-                    </m:sSub>
-                  </m:oMath>
-                </a14:m>
-                <a:r>
-                  <a:rPr lang="en-US" sz="2200" dirty="0">
-                    <a:latin typeface="Cambria Math" panose="02040503050406030204" pitchFamily="18" charset="0"/>
-                    <a:ea typeface="Cambria Math" panose="02040503050406030204" pitchFamily="18" charset="0"/>
-                    <a:cs typeface="Arial" panose="020B0604020202020204" pitchFamily="34" charset="0"/>
-                  </a:rPr>
-                  <a:t>, </a:t>
-                </a:r>
-                <a:r>
-                  <a:rPr lang="en-US" sz="1600" dirty="0">
-                    <a:latin typeface="Cambria Math" panose="02040503050406030204" pitchFamily="18" charset="0"/>
-                    <a:ea typeface="Cambria Math" panose="02040503050406030204" pitchFamily="18" charset="0"/>
-                    <a:cs typeface="Arial" panose="020B0604020202020204" pitchFamily="34" charset="0"/>
-                  </a:rPr>
-                  <a:t>and</a:t>
-                </a:r>
-                <a:r>
-                  <a:rPr lang="en-US" sz="2200" dirty="0">
-                    <a:latin typeface="Cambria Math" panose="02040503050406030204" pitchFamily="18" charset="0"/>
-                    <a:ea typeface="Cambria Math" panose="02040503050406030204" pitchFamily="18" charset="0"/>
-                    <a:cs typeface="Arial" panose="020B0604020202020204" pitchFamily="34" charset="0"/>
-                  </a:rPr>
-                  <a:t> </a:t>
-                </a:r>
-                <a14:m>
-                  <m:oMath xmlns:m="http://schemas.openxmlformats.org/officeDocument/2006/math">
-                    <m:acc>
-                      <m:accPr>
-                        <m:chr m:val="̇"/>
-                        <m:ctrlPr>
-                          <a:rPr lang="en-US" sz="2200" i="1">
-                            <a:latin typeface="Cambria Math" panose="02040503050406030204" pitchFamily="18" charset="0"/>
-                            <a:ea typeface="Cambria Math" panose="02040503050406030204" pitchFamily="18" charset="0"/>
-                            <a:cs typeface="Arial" panose="020B0604020202020204" pitchFamily="34" charset="0"/>
-                          </a:rPr>
-                        </m:ctrlPr>
-                      </m:accPr>
-                      <m:e>
-                        <m:sSub>
-                          <m:sSubPr>
-                            <m:ctrlPr>
-                              <a:rPr lang="en-US" sz="2200" b="0" i="1" smtClean="0">
-                                <a:latin typeface="Cambria Math" panose="02040503050406030204" pitchFamily="18" charset="0"/>
-                                <a:ea typeface="Cambria Math" panose="02040503050406030204" pitchFamily="18" charset="0"/>
-                                <a:cs typeface="Arial" panose="020B0604020202020204" pitchFamily="34" charset="0"/>
-                              </a:rPr>
-                            </m:ctrlPr>
-                          </m:sSubPr>
-                          <m:e>
-                            <m:r>
-                              <a:rPr lang="en-US" sz="2200" b="0" i="1" smtClean="0">
-                                <a:latin typeface="Cambria Math" panose="02040503050406030204" pitchFamily="18" charset="0"/>
-                                <a:ea typeface="Cambria Math" panose="02040503050406030204" pitchFamily="18" charset="0"/>
-                                <a:cs typeface="Arial" panose="020B0604020202020204" pitchFamily="34" charset="0"/>
-                              </a:rPr>
-                              <m:t>𝛽</m:t>
-                            </m:r>
-                          </m:e>
-                          <m:sub>
-                            <m:r>
-                              <a:rPr lang="en-US" sz="2200" b="0" i="1" smtClean="0">
-                                <a:latin typeface="Cambria Math" panose="02040503050406030204" pitchFamily="18" charset="0"/>
-                                <a:ea typeface="Cambria Math" panose="02040503050406030204" pitchFamily="18" charset="0"/>
-                                <a:cs typeface="Arial" panose="020B0604020202020204" pitchFamily="34" charset="0"/>
-                              </a:rPr>
-                              <m:t>∥</m:t>
-                            </m:r>
-                          </m:sub>
-                        </m:sSub>
-                      </m:e>
-                    </m:acc>
-                    <m:r>
-                      <a:rPr lang="en-US" sz="2200" b="0" i="1" smtClean="0">
-                        <a:latin typeface="Cambria Math" panose="02040503050406030204" pitchFamily="18" charset="0"/>
-                        <a:ea typeface="Cambria Math" panose="02040503050406030204" pitchFamily="18" charset="0"/>
-                        <a:cs typeface="Arial" panose="020B0604020202020204" pitchFamily="34" charset="0"/>
-                      </a:rPr>
-                      <m:t>=−</m:t>
-                    </m:r>
-                    <m:sSub>
-                      <m:sSubPr>
-                        <m:ctrlPr>
-                          <a:rPr lang="en-US" sz="2200" b="0" i="1" smtClean="0">
-                            <a:latin typeface="Cambria Math" panose="02040503050406030204" pitchFamily="18" charset="0"/>
-                            <a:ea typeface="Cambria Math" panose="02040503050406030204" pitchFamily="18" charset="0"/>
-                            <a:cs typeface="Arial" panose="020B0604020202020204" pitchFamily="34" charset="0"/>
-                          </a:rPr>
-                        </m:ctrlPr>
-                      </m:sSubPr>
-                      <m:e>
-                        <m:r>
-                          <m:rPr>
-                            <m:sty m:val="p"/>
-                          </m:rPr>
-                          <a:rPr lang="en-US" sz="2200" b="0" i="0" smtClean="0">
-                            <a:latin typeface="Cambria Math" panose="02040503050406030204" pitchFamily="18" charset="0"/>
-                            <a:ea typeface="Cambria Math" panose="02040503050406030204" pitchFamily="18" charset="0"/>
-                            <a:cs typeface="Arial" panose="020B0604020202020204" pitchFamily="34" charset="0"/>
-                          </a:rPr>
-                          <m:t>Δ</m:t>
-                        </m:r>
-                      </m:e>
-                      <m:sub>
-                        <m:r>
-                          <a:rPr lang="en-US" sz="2200" b="0" i="1" smtClean="0">
-                            <a:latin typeface="Cambria Math" panose="02040503050406030204" pitchFamily="18" charset="0"/>
-                            <a:ea typeface="Cambria Math" panose="02040503050406030204" pitchFamily="18" charset="0"/>
-                            <a:cs typeface="Arial" panose="020B0604020202020204" pitchFamily="34" charset="0"/>
-                          </a:rPr>
-                          <m:t>⊥</m:t>
-                        </m:r>
-                      </m:sub>
-                    </m:sSub>
-                    <m:r>
-                      <a:rPr lang="en-US" sz="2200" b="0" i="1" smtClean="0">
-                        <a:latin typeface="Cambria Math" panose="02040503050406030204" pitchFamily="18" charset="0"/>
-                        <a:ea typeface="Cambria Math" panose="02040503050406030204" pitchFamily="18" charset="0"/>
-                        <a:cs typeface="Arial" panose="020B0604020202020204" pitchFamily="34" charset="0"/>
-                      </a:rPr>
-                      <m:t>𝜙</m:t>
-                    </m:r>
-                  </m:oMath>
-                </a14:m>
-                <a:r>
-                  <a:rPr lang="en-US" sz="1600" dirty="0">
-                    <a:latin typeface="Arial" panose="020B0604020202020204" pitchFamily="34" charset="0"/>
-                    <a:cs typeface="Arial" panose="020B0604020202020204" pitchFamily="34" charset="0"/>
-                  </a:rPr>
-                  <a:t>, </a:t>
-                </a:r>
+                <a:endParaRPr lang="en-US" sz="2200" b="0" i="1" dirty="0">
+                  <a:latin typeface="Cambria Math" panose="02040503050406030204" pitchFamily="18" charset="0"/>
+                  <a:cs typeface="Arial" panose="020B0604020202020204" pitchFamily="34" charset="0"/>
+                </a:endParaRPr>
               </a:p>
               <a:p>
                 <a:r>
@@ -8588,7 +8658,7 @@
                     <a:latin typeface="Arial" panose="020B0604020202020204" pitchFamily="34" charset="0"/>
                     <a:cs typeface="Arial" panose="020B0604020202020204" pitchFamily="34" charset="0"/>
                   </a:rPr>
-                  <a:t> represents some harmonic freedom resulting from the boundary conditions on </a:t>
+                  <a:t> is the unique harmonic function with similar boundary data as </a:t>
                 </a:r>
                 <a14:m>
                   <m:oMath xmlns:m="http://schemas.openxmlformats.org/officeDocument/2006/math">
@@ -8627,7 +8697,201 @@
                     <a:latin typeface="Arial" panose="020B0604020202020204" pitchFamily="34" charset="0"/>
                     <a:cs typeface="Arial" panose="020B0604020202020204" pitchFamily="34" charset="0"/>
                   </a:rPr>
-                  <a:t>. </a:t>
+                  <a:t>. This suggests a split where </a:t>
+                </a:r>
+                <a14:m>
+                  <m:oMath xmlns:m="http://schemas.openxmlformats.org/officeDocument/2006/math">
+                    <m:r>
+                      <a:rPr lang="en-US" sz="1600" i="1">
+                        <a:latin typeface="Cambria Math" panose="02040503050406030204" pitchFamily="18" charset="0"/>
+                        <a:cs typeface="Arial" panose="020B0604020202020204" pitchFamily="34" charset="0"/>
+                      </a:rPr>
+                      <m:t>𝑥</m:t>
+                    </m:r>
+                    <m:r>
+                      <a:rPr lang="en-US" sz="1600" i="1">
+                        <a:latin typeface="Cambria Math" panose="02040503050406030204" pitchFamily="18" charset="0"/>
+                        <a:cs typeface="Arial" panose="020B0604020202020204" pitchFamily="34" charset="0"/>
+                      </a:rPr>
+                      <m:t>=(</m:t>
+                    </m:r>
+                    <m:r>
+                      <a:rPr lang="en-US" sz="1600" i="1">
+                        <a:latin typeface="Cambria Math" panose="02040503050406030204" pitchFamily="18" charset="0"/>
+                        <a:cs typeface="Arial" panose="020B0604020202020204" pitchFamily="34" charset="0"/>
+                      </a:rPr>
+                      <m:t>𝜓</m:t>
+                    </m:r>
+                    <m:r>
+                      <a:rPr lang="en-US" sz="1600" i="1">
+                        <a:latin typeface="Cambria Math" panose="02040503050406030204" pitchFamily="18" charset="0"/>
+                        <a:cs typeface="Arial" panose="020B0604020202020204" pitchFamily="34" charset="0"/>
+                      </a:rPr>
+                      <m:t>,</m:t>
+                    </m:r>
+                    <m:sSub>
+                      <m:sSubPr>
+                        <m:ctrlPr>
+                          <a:rPr lang="en-US" sz="1600" i="1">
+                            <a:latin typeface="Cambria Math" panose="02040503050406030204" pitchFamily="18" charset="0"/>
+                            <a:cs typeface="Arial" panose="020B0604020202020204" pitchFamily="34" charset="0"/>
+                          </a:rPr>
+                        </m:ctrlPr>
+                      </m:sSubPr>
+                      <m:e>
+                        <m:r>
+                          <a:rPr lang="en-US" sz="1600" i="1">
+                            <a:latin typeface="Cambria Math" panose="02040503050406030204" pitchFamily="18" charset="0"/>
+                            <a:cs typeface="Arial" panose="020B0604020202020204" pitchFamily="34" charset="0"/>
+                          </a:rPr>
+                          <m:t>𝜈</m:t>
+                        </m:r>
+                      </m:e>
+                      <m:sub>
+                        <m:r>
+                          <a:rPr lang="en-US" sz="1600" i="1">
+                            <a:latin typeface="Cambria Math" panose="02040503050406030204" pitchFamily="18" charset="0"/>
+                            <a:cs typeface="Arial" panose="020B0604020202020204" pitchFamily="34" charset="0"/>
+                          </a:rPr>
+                          <m:t>∥</m:t>
+                        </m:r>
+                      </m:sub>
+                    </m:sSub>
+                    <m:r>
+                      <a:rPr lang="en-US" sz="1600" i="1">
+                        <a:latin typeface="Cambria Math" panose="02040503050406030204" pitchFamily="18" charset="0"/>
+                        <a:cs typeface="Arial" panose="020B0604020202020204" pitchFamily="34" charset="0"/>
+                      </a:rPr>
+                      <m:t>,</m:t>
+                    </m:r>
+                    <m:r>
+                      <m:rPr>
+                        <m:sty m:val="p"/>
+                      </m:rPr>
+                      <a:rPr lang="en-US" sz="1600">
+                        <a:latin typeface="Cambria Math" panose="02040503050406030204" pitchFamily="18" charset="0"/>
+                        <a:cs typeface="Arial" panose="020B0604020202020204" pitchFamily="34" charset="0"/>
+                      </a:rPr>
+                      <m:t>Φ</m:t>
+                    </m:r>
+                    <m:r>
+                      <a:rPr lang="en-US" sz="1600" i="1">
+                        <a:latin typeface="Cambria Math" panose="02040503050406030204" pitchFamily="18" charset="0"/>
+                        <a:cs typeface="Arial" panose="020B0604020202020204" pitchFamily="34" charset="0"/>
+                      </a:rPr>
+                      <m:t>,</m:t>
+                    </m:r>
+                    <m:r>
+                      <m:rPr>
+                        <m:sty m:val="p"/>
+                      </m:rPr>
+                      <a:rPr lang="en-US" sz="1600">
+                        <a:latin typeface="Cambria Math" panose="02040503050406030204" pitchFamily="18" charset="0"/>
+                        <a:cs typeface="Arial" panose="020B0604020202020204" pitchFamily="34" charset="0"/>
+                      </a:rPr>
+                      <m:t>Ψ</m:t>
+                    </m:r>
+                    <m:r>
+                      <a:rPr lang="en-US" sz="1600" i="1">
+                        <a:latin typeface="Cambria Math" panose="02040503050406030204" pitchFamily="18" charset="0"/>
+                        <a:cs typeface="Arial" panose="020B0604020202020204" pitchFamily="34" charset="0"/>
+                      </a:rPr>
+                      <m:t>,</m:t>
+                    </m:r>
+                    <m:r>
+                      <a:rPr lang="en-US" sz="1600" i="1">
+                        <a:latin typeface="Cambria Math" panose="02040503050406030204" pitchFamily="18" charset="0"/>
+                        <a:cs typeface="Arial" panose="020B0604020202020204" pitchFamily="34" charset="0"/>
+                      </a:rPr>
+                      <m:t>𝑞</m:t>
+                    </m:r>
+                  </m:oMath>
+                </a14:m>
+                <a:r>
+                  <a:rPr lang="en-US" sz="1600" dirty="0">
+                    <a:latin typeface="Arial" panose="020B0604020202020204" pitchFamily="34" charset="0"/>
+                    <a:cs typeface="Arial" panose="020B0604020202020204" pitchFamily="34" charset="0"/>
+                  </a:rPr>
+                  <a:t>) is slow, and </a:t>
+                </a:r>
+                <a14:m>
+                  <m:oMath xmlns:m="http://schemas.openxmlformats.org/officeDocument/2006/math">
+                    <m:r>
+                      <a:rPr lang="en-US" sz="1600" i="1">
+                        <a:latin typeface="Cambria Math" panose="02040503050406030204" pitchFamily="18" charset="0"/>
+                        <a:cs typeface="Arial" panose="020B0604020202020204" pitchFamily="34" charset="0"/>
+                      </a:rPr>
+                      <m:t>𝑦</m:t>
+                    </m:r>
+                    <m:r>
+                      <a:rPr lang="en-US" sz="1600" i="1">
+                        <a:latin typeface="Cambria Math" panose="02040503050406030204" pitchFamily="18" charset="0"/>
+                        <a:cs typeface="Arial" panose="020B0604020202020204" pitchFamily="34" charset="0"/>
+                      </a:rPr>
+                      <m:t>=</m:t>
+                    </m:r>
+                    <m:d>
+                      <m:dPr>
+                        <m:ctrlPr>
+                          <a:rPr lang="en-US" sz="1600" i="1">
+                            <a:latin typeface="Cambria Math" panose="02040503050406030204" pitchFamily="18" charset="0"/>
+                            <a:cs typeface="Arial" panose="020B0604020202020204" pitchFamily="34" charset="0"/>
+                          </a:rPr>
+                        </m:ctrlPr>
+                      </m:dPr>
+                      <m:e>
+                        <m:r>
+                          <a:rPr lang="en-US" sz="1600" i="1">
+                            <a:latin typeface="Cambria Math" panose="02040503050406030204" pitchFamily="18" charset="0"/>
+                            <a:cs typeface="Arial" panose="020B0604020202020204" pitchFamily="34" charset="0"/>
+                          </a:rPr>
+                          <m:t>𝜙</m:t>
+                        </m:r>
+                        <m:r>
+                          <a:rPr lang="en-US" sz="1600" i="1">
+                            <a:latin typeface="Cambria Math" panose="02040503050406030204" pitchFamily="18" charset="0"/>
+                            <a:cs typeface="Arial" panose="020B0604020202020204" pitchFamily="34" charset="0"/>
+                          </a:rPr>
+                          <m:t>,</m:t>
+                        </m:r>
+                        <m:sSub>
+                          <m:sSubPr>
+                            <m:ctrlPr>
+                              <a:rPr lang="en-US" sz="1600" i="1">
+                                <a:latin typeface="Cambria Math" panose="02040503050406030204" pitchFamily="18" charset="0"/>
+                                <a:cs typeface="Arial" panose="020B0604020202020204" pitchFamily="34" charset="0"/>
+                              </a:rPr>
+                            </m:ctrlPr>
+                          </m:sSubPr>
+                          <m:e>
+                            <m:r>
+                              <a:rPr lang="en-US" sz="1600" i="1">
+                                <a:latin typeface="Cambria Math" panose="02040503050406030204" pitchFamily="18" charset="0"/>
+                                <a:cs typeface="Arial" panose="020B0604020202020204" pitchFamily="34" charset="0"/>
+                              </a:rPr>
+                              <m:t>𝛽</m:t>
+                            </m:r>
+                          </m:e>
+                          <m:sub>
+                            <m:r>
+                              <a:rPr lang="en-US" sz="1600" i="1">
+                                <a:latin typeface="Cambria Math" panose="02040503050406030204" pitchFamily="18" charset="0"/>
+                                <a:cs typeface="Arial" panose="020B0604020202020204" pitchFamily="34" charset="0"/>
+                              </a:rPr>
+                              <m:t>∥</m:t>
+                            </m:r>
+                          </m:sub>
+                        </m:sSub>
+                      </m:e>
+                    </m:d>
+                  </m:oMath>
+                </a14:m>
+                <a:r>
+                  <a:rPr lang="en-US" sz="1600" dirty="0">
+                    <a:latin typeface="Arial" panose="020B0604020202020204" pitchFamily="34" charset="0"/>
+                    <a:cs typeface="Arial" panose="020B0604020202020204" pitchFamily="34" charset="0"/>
+                  </a:rPr>
+                  <a:t> is fast. </a:t>
                 </a:r>
               </a:p>
               <a:p>
@@ -8636,7 +8900,7 @@
                     <a:latin typeface="Arial" panose="020B0604020202020204" pitchFamily="34" charset="0"/>
                     <a:cs typeface="Arial" panose="020B0604020202020204" pitchFamily="34" charset="0"/>
                   </a:rPr>
-                  <a:t>        This freedom makes it so that </a:t>
+                  <a:t>        Although this yields a surjective </a:t>
                 </a:r>
                 <a14:m>
                   <m:oMath xmlns:m="http://schemas.openxmlformats.org/officeDocument/2006/math">
@@ -8736,7 +9000,46 @@
                     <a:latin typeface="Arial" panose="020B0604020202020204" pitchFamily="34" charset="0"/>
                     <a:cs typeface="Arial" panose="020B0604020202020204" pitchFamily="34" charset="0"/>
                   </a:rPr>
-                  <a:t> is actually only a surjection, rather than being fully invertible, making the system only weakly fast-slow. However, as will be shown in a coming paper, this is still sufficient to solve for a family of fast variable trajectories and construct a perturbative solution </a:t>
+                  <a:t>, the system is underdetermined in </a:t>
+                </a:r>
+                <a14:m>
+                  <m:oMath xmlns:m="http://schemas.openxmlformats.org/officeDocument/2006/math">
+                    <m:sSub>
+                      <m:sSubPr>
+                        <m:ctrlPr>
+                          <a:rPr lang="en-US" sz="1600" b="0" i="1" smtClean="0">
+                            <a:latin typeface="Cambria Math" panose="02040503050406030204" pitchFamily="18" charset="0"/>
+                            <a:cs typeface="Arial" panose="020B0604020202020204" pitchFamily="34" charset="0"/>
+                          </a:rPr>
+                        </m:ctrlPr>
+                      </m:sSubPr>
+                      <m:e>
+                        <m:r>
+                          <a:rPr lang="en-US" sz="1600" b="0" i="1" smtClean="0">
+                            <a:latin typeface="Cambria Math" panose="02040503050406030204" pitchFamily="18" charset="0"/>
+                            <a:cs typeface="Arial" panose="020B0604020202020204" pitchFamily="34" charset="0"/>
+                          </a:rPr>
+                          <m:t>𝛽</m:t>
+                        </m:r>
+                      </m:e>
+                      <m:sub>
+                        <m:r>
+                          <a:rPr lang="en-US" sz="1600" b="0" i="1" smtClean="0">
+                            <a:latin typeface="Cambria Math" panose="02040503050406030204" pitchFamily="18" charset="0"/>
+                            <a:cs typeface="Arial" panose="020B0604020202020204" pitchFamily="34" charset="0"/>
+                          </a:rPr>
+                          <m:t>∥</m:t>
+                        </m:r>
+                      </m:sub>
+                    </m:sSub>
+                  </m:oMath>
+                </a14:m>
+                <a:r>
+                  <a:rPr lang="en-US" sz="1600" dirty="0">
+                    <a:latin typeface="Arial" panose="020B0604020202020204" pitchFamily="34" charset="0"/>
+                    <a:cs typeface="Arial" panose="020B0604020202020204" pitchFamily="34" charset="0"/>
+                  </a:rPr>
+                  <a:t>, making the system only weakly fast-slow. As will be shown in a coming paper, this is still sufficient to solve for a family of fast variable trajectories and perturbatively reconstruct </a:t>
                 </a:r>
                 <a14:m>
                   <m:oMath xmlns:m="http://schemas.openxmlformats.org/officeDocument/2006/math">
@@ -8805,7 +9108,7 @@
                     <a:latin typeface="Arial" panose="020B0604020202020204" pitchFamily="34" charset="0"/>
                     <a:cs typeface="Arial" panose="020B0604020202020204" pitchFamily="34" charset="0"/>
                   </a:rPr>
-                  <a:t>. </a:t>
+                  <a:t> solutions. </a:t>
                 </a:r>
               </a:p>
               <a:p>
@@ -8814,7 +9117,7 @@
                     <a:latin typeface="Arial" panose="020B0604020202020204" pitchFamily="34" charset="0"/>
                     <a:cs typeface="Arial" panose="020B0604020202020204" pitchFamily="34" charset="0"/>
                   </a:rPr>
-                  <a:t>        In the future, our collaborators will extend this work to focus on its connections to Hamiltonian and symplectic geometry, and thereby apply the reduction process to stellarators. </a:t>
+                  <a:t>        We look forward to extending this work in the future to include a geometric interpretation, thereby establishing a reduction process for stellarators. Specifically, this will place the dynamics discussed here on an underlying slow manifold, whose evolution is dictated by Hamiltonian and symplectic geometry. </a:t>
                 </a:r>
               </a:p>
             </p:txBody>
@@ -8838,7 +9141,7 @@
             <p:spPr>
               <a:xfrm>
                 <a:off x="18900775" y="9649163"/>
-                <a:ext cx="7429499" cy="3772315"/>
+                <a:ext cx="7429499" cy="3935244"/>
               </a:xfrm>
               <a:prstGeom prst="rect">
                 <a:avLst/>
@@ -8846,7 +9149,7 @@
               <a:blipFill>
                 <a:blip r:embed="rId6"/>
                 <a:stretch>
-                  <a:fillRect l="-493" t="-485" r="-985" b="-2100"/>
+                  <a:fillRect l="-493" t="-465" r="-985" b="-1240"/>
                 </a:stretch>
               </a:blipFill>
             </p:spPr>
@@ -8941,7 +9244,7 @@
         </p:nvSpPr>
         <p:spPr>
           <a:xfrm>
-            <a:off x="737271" y="10690232"/>
+            <a:off x="742351" y="10644462"/>
             <a:ext cx="8164512" cy="677102"/>
           </a:xfrm>
           <a:prstGeom prst="rect">
@@ -9005,8 +9308,8 @@
             </p:nvSpPr>
             <p:spPr>
               <a:xfrm>
-                <a:off x="1103984" y="11591725"/>
-                <a:ext cx="7429499" cy="7052700"/>
+                <a:off x="1108233" y="11326644"/>
+                <a:ext cx="7429499" cy="6806479"/>
               </a:xfrm>
               <a:prstGeom prst="rect">
                 <a:avLst/>
@@ -9018,6 +9321,12 @@
                 <a:spAutoFit/>
               </a:bodyPr>
               <a:lstStyle/>
+              <a:p>
+                <a:endParaRPr lang="en-US" sz="1600" dirty="0">
+                  <a:latin typeface="Arial" panose="020B0604020202020204" pitchFamily="34" charset="0"/>
+                  <a:cs typeface="Arial" panose="020B0604020202020204" pitchFamily="34" charset="0"/>
+                </a:endParaRPr>
+              </a:p>
               <a:p>
                 <a:r>
                   <a:rPr lang="en-US" sz="1600" dirty="0">
@@ -10798,34 +11107,6 @@
                   <a:t>. </a:t>
                 </a:r>
               </a:p>
-              <a:p>
-                <a:endParaRPr lang="en-US" sz="1600" dirty="0">
-                  <a:latin typeface="Arial" panose="020B0604020202020204" pitchFamily="34" charset="0"/>
-                  <a:cs typeface="Arial" panose="020B0604020202020204" pitchFamily="34" charset="0"/>
-                </a:endParaRPr>
-              </a:p>
-              <a:p>
-                <a:r>
-                  <a:rPr lang="en-US" sz="1600" dirty="0" err="1">
-                    <a:latin typeface="Arial" panose="020B0604020202020204" pitchFamily="34" charset="0"/>
-                    <a:cs typeface="Arial" panose="020B0604020202020204" pitchFamily="34" charset="0"/>
-                  </a:rPr>
-                  <a:t>Diffeo</a:t>
-                </a:r>
-                <a:r>
-                  <a:rPr lang="en-US" sz="1600" dirty="0">
-                    <a:latin typeface="Arial" panose="020B0604020202020204" pitchFamily="34" charset="0"/>
-                    <a:cs typeface="Arial" panose="020B0604020202020204" pitchFamily="34" charset="0"/>
-                  </a:rPr>
-                  <a:t> the domain to apply to stellarators? </a:t>
-                </a:r>
-              </a:p>
-              <a:p>
-                <a:endParaRPr lang="en-US" sz="1600" dirty="0">
-                  <a:latin typeface="Arial" panose="020B0604020202020204" pitchFamily="34" charset="0"/>
-                  <a:cs typeface="Arial" panose="020B0604020202020204" pitchFamily="34" charset="0"/>
-                </a:endParaRPr>
-              </a:p>
             </p:txBody>
           </p:sp>
         </mc:Choice>
@@ -10846,8 +11127,8 @@
             </p:nvSpPr>
             <p:spPr>
               <a:xfrm>
-                <a:off x="1103984" y="11591725"/>
-                <a:ext cx="7429499" cy="7052700"/>
+                <a:off x="1108233" y="11326644"/>
+                <a:ext cx="7429499" cy="6806479"/>
               </a:xfrm>
               <a:prstGeom prst="rect">
                 <a:avLst/>
@@ -10855,7 +11136,7 @@
               <a:blipFill>
                 <a:blip r:embed="rId7"/>
                 <a:stretch>
-                  <a:fillRect l="-410" t="-260" r="-1231"/>
+                  <a:fillRect l="-492" r="-1148"/>
                 </a:stretch>
               </a:blipFill>
             </p:spPr>

--- a/RMHD Presentation.pptx
+++ b/RMHD Presentation.pptx
@@ -4130,7 +4130,8 @@
                   <m:oMath xmlns:m="http://schemas.openxmlformats.org/officeDocument/2006/math">
                     <m:r>
                       <a:rPr lang="en-US" sz="1600" b="1" i="1" smtClean="0">
-                        <a:latin typeface="Cambria Math" panose="02040503050406030204" pitchFamily="18" charset="0"/>
+                        <a:latin typeface="Latin Modern Math" panose="02000503000000000000" pitchFamily="50" charset="0"/>
+                        <a:ea typeface="Latin Modern Math" panose="02000503000000000000" pitchFamily="50" charset="0"/>
                         <a:cs typeface="Arial" panose="020B0604020202020204" pitchFamily="34" charset="0"/>
                       </a:rPr>
                       <m:t>𝒗</m:t>
@@ -4666,12 +4667,15 @@
                         <m:t>=−</m:t>
                       </m:r>
                       <m:r>
-                        <a:rPr lang="en-US" sz="2200" b="0" i="1" smtClean="0">
+                        <m:rPr>
+                          <m:sty m:val="p"/>
+                        </m:rPr>
+                        <a:rPr lang="en-US" sz="2200" b="0" i="0" smtClean="0">
                           <a:latin typeface="Cambria Math" panose="02040503050406030204" pitchFamily="18" charset="0"/>
                           <a:ea typeface="Cambria Math" panose="02040503050406030204" pitchFamily="18" charset="0"/>
                           <a:cs typeface="Arial" panose="020B0604020202020204" pitchFamily="34" charset="0"/>
                         </a:rPr>
-                        <m:t>𝛻</m:t>
+                        <m:t>∇</m:t>
                       </m:r>
                       <m:r>
                         <a:rPr lang="en-US" sz="2200" b="0" i="1" smtClean="0">
@@ -4691,8 +4695,8 @@
                       </m:r>
                       <m:r>
                         <a:rPr lang="en-US" sz="2200" b="1" i="1" smtClean="0">
-                          <a:latin typeface="Cambria Math" panose="02040503050406030204" pitchFamily="18" charset="0"/>
-                          <a:ea typeface="Cambria Math" panose="02040503050406030204" pitchFamily="18" charset="0"/>
+                          <a:latin typeface="Latin Modern Math" panose="02000503000000000000" pitchFamily="50" charset="0"/>
+                          <a:ea typeface="Latin Modern Math" panose="02000503000000000000" pitchFamily="50" charset="0"/>
                           <a:cs typeface="Arial" panose="020B0604020202020204" pitchFamily="34" charset="0"/>
                         </a:rPr>
                         <m:t>𝒗</m:t>
@@ -4750,12 +4754,12 @@
                             <m:t>𝜕</m:t>
                           </m:r>
                           <m:r>
-                            <a:rPr lang="en-US" sz="2200" b="0" i="1" smtClean="0">
-                              <a:latin typeface="Cambria Math" panose="02040503050406030204" pitchFamily="18" charset="0"/>
-                              <a:ea typeface="Cambria Math" panose="02040503050406030204" pitchFamily="18" charset="0"/>
-                              <a:cs typeface="Arial" panose="020B0604020202020204" pitchFamily="34" charset="0"/>
-                            </a:rPr>
-                            <m:t>𝑣</m:t>
+                            <a:rPr lang="en-US" sz="2200" b="1" i="1" smtClean="0">
+                              <a:latin typeface="Latin Modern Math" panose="02000503000000000000" pitchFamily="50" charset="0"/>
+                              <a:ea typeface="Latin Modern Math" panose="02000503000000000000" pitchFamily="50" charset="0"/>
+                              <a:cs typeface="Arial" panose="020B0604020202020204" pitchFamily="34" charset="0"/>
+                            </a:rPr>
+                            <m:t>𝒗</m:t>
                           </m:r>
                         </m:num>
                         <m:den>
@@ -4835,12 +4839,15 @@
                         <m:t>(</m:t>
                       </m:r>
                       <m:r>
-                        <a:rPr lang="en-US" sz="2200" b="0" i="1" smtClean="0">
+                        <m:rPr>
+                          <m:sty m:val="p"/>
+                        </m:rPr>
+                        <a:rPr lang="en-US" sz="2200" b="0" i="0" smtClean="0">
                           <a:latin typeface="Cambria Math" panose="02040503050406030204" pitchFamily="18" charset="0"/>
                           <a:ea typeface="Cambria Math" panose="02040503050406030204" pitchFamily="18" charset="0"/>
                           <a:cs typeface="Arial" panose="020B0604020202020204" pitchFamily="34" charset="0"/>
                         </a:rPr>
-                        <m:t>𝛻</m:t>
+                        <m:t>∇</m:t>
                       </m:r>
                       <m:r>
                         <a:rPr lang="en-US" sz="2200" b="1" i="1" smtClean="0">
@@ -4883,12 +4890,15 @@
                         <m:t>−</m:t>
                       </m:r>
                       <m:r>
-                        <a:rPr lang="en-US" sz="2200" b="0" i="1" smtClean="0">
+                        <m:rPr>
+                          <m:sty m:val="p"/>
+                        </m:rPr>
+                        <a:rPr lang="en-US" sz="2200" b="0" i="0" smtClean="0">
                           <a:latin typeface="Cambria Math" panose="02040503050406030204" pitchFamily="18" charset="0"/>
                           <a:ea typeface="Cambria Math" panose="02040503050406030204" pitchFamily="18" charset="0"/>
                           <a:cs typeface="Arial" panose="020B0604020202020204" pitchFamily="34" charset="0"/>
                         </a:rPr>
-                        <m:t>𝛻</m:t>
+                        <m:t>∇</m:t>
                       </m:r>
                       <m:r>
                         <a:rPr lang="en-US" sz="2200" b="0" i="1" smtClean="0">
@@ -4932,8 +4942,8 @@
                       </m:r>
                       <m:r>
                         <a:rPr lang="en-US" sz="2200" b="1" i="1" smtClean="0">
-                          <a:latin typeface="Cambria Math" panose="02040503050406030204" pitchFamily="18" charset="0"/>
-                          <a:ea typeface="Cambria Math" panose="02040503050406030204" pitchFamily="18" charset="0"/>
+                          <a:latin typeface="Latin Modern Math" panose="02000503000000000000" pitchFamily="50" charset="0"/>
+                          <a:ea typeface="Latin Modern Math" panose="02000503000000000000" pitchFamily="50" charset="0"/>
                           <a:cs typeface="Arial" panose="020B0604020202020204" pitchFamily="34" charset="0"/>
                         </a:rPr>
                         <m:t>𝒗</m:t>
@@ -4947,17 +4957,20 @@
                         <m:t>⋅</m:t>
                       </m:r>
                       <m:r>
-                        <a:rPr lang="en-US" sz="2200" b="0" i="1" smtClean="0">
+                        <m:rPr>
+                          <m:sty m:val="p"/>
+                        </m:rPr>
+                        <a:rPr lang="en-US" sz="2200" b="0" i="0" smtClean="0">
                           <a:latin typeface="Cambria Math" panose="02040503050406030204" pitchFamily="18" charset="0"/>
                           <a:ea typeface="Cambria Math" panose="02040503050406030204" pitchFamily="18" charset="0"/>
                           <a:cs typeface="Arial" panose="020B0604020202020204" pitchFamily="34" charset="0"/>
                         </a:rPr>
-                        <m:t>𝛻</m:t>
+                        <m:t>∇</m:t>
                       </m:r>
                       <m:r>
                         <a:rPr lang="en-US" sz="2200" b="1" i="1" smtClean="0">
-                          <a:latin typeface="Cambria Math" panose="02040503050406030204" pitchFamily="18" charset="0"/>
-                          <a:ea typeface="Cambria Math" panose="02040503050406030204" pitchFamily="18" charset="0"/>
+                          <a:latin typeface="Latin Modern Math" panose="02000503000000000000" pitchFamily="50" charset="0"/>
+                          <a:ea typeface="Latin Modern Math" panose="02000503000000000000" pitchFamily="50" charset="0"/>
                           <a:cs typeface="Arial" panose="020B0604020202020204" pitchFamily="34" charset="0"/>
                         </a:rPr>
                         <m:t>𝒗</m:t>
@@ -4966,8 +4979,8 @@
                   </m:oMathPara>
                 </a14:m>
                 <a:endParaRPr lang="en-US" sz="2200" i="1" dirty="0">
-                  <a:latin typeface="Cambria Math" panose="02040503050406030204" pitchFamily="18" charset="0"/>
-                  <a:ea typeface="Cambria Math" panose="02040503050406030204" pitchFamily="18" charset="0"/>
+                  <a:latin typeface="Latin Modern Math" panose="02000503000000000000" pitchFamily="50" charset="0"/>
+                  <a:ea typeface="Latin Modern Math" panose="02000503000000000000" pitchFamily="50" charset="0"/>
                   <a:cs typeface="Arial" panose="020B0604020202020204" pitchFamily="34" charset="0"/>
                 </a:endParaRPr>
               </a:p>
@@ -5035,12 +5048,15 @@
                         <m:t>=</m:t>
                       </m:r>
                       <m:r>
-                        <a:rPr lang="en-US" sz="2200" b="0" i="1" smtClean="0">
+                        <m:rPr>
+                          <m:sty m:val="p"/>
+                        </m:rPr>
+                        <a:rPr lang="en-US" sz="2200" b="0" i="0" smtClean="0">
                           <a:latin typeface="Cambria Math" panose="02040503050406030204" pitchFamily="18" charset="0"/>
                           <a:ea typeface="Cambria Math" panose="02040503050406030204" pitchFamily="18" charset="0"/>
                           <a:cs typeface="Arial" panose="020B0604020202020204" pitchFamily="34" charset="0"/>
                         </a:rPr>
-                        <m:t>𝛻</m:t>
+                        <m:t>∇</m:t>
                       </m:r>
                       <m:r>
                         <a:rPr lang="en-US" sz="2200" b="0" i="1" smtClean="0">
@@ -5063,8 +5079,8 @@
                         <m:e>
                           <m:r>
                             <a:rPr lang="en-US" sz="2200" b="1" i="1" smtClean="0">
-                              <a:latin typeface="Cambria Math" panose="02040503050406030204" pitchFamily="18" charset="0"/>
-                              <a:ea typeface="Cambria Math" panose="02040503050406030204" pitchFamily="18" charset="0"/>
+                              <a:latin typeface="Latin Modern Math" panose="02000503000000000000" pitchFamily="50" charset="0"/>
+                              <a:ea typeface="Latin Modern Math" panose="02000503000000000000" pitchFamily="50" charset="0"/>
                               <a:cs typeface="Arial" panose="020B0604020202020204" pitchFamily="34" charset="0"/>
                             </a:rPr>
                             <m:t>𝒗</m:t>
@@ -5394,8 +5410,8 @@
                         <m:e>
                           <m:r>
                             <a:rPr lang="en-US" sz="2000" b="0" i="1" smtClean="0">
-                              <a:latin typeface="Cambria Math" panose="02040503050406030204" pitchFamily="18" charset="0"/>
-                              <a:ea typeface="Cambria Math" panose="02040503050406030204" pitchFamily="18" charset="0"/>
+                              <a:latin typeface="Latin Modern Math" panose="02000503000000000000" pitchFamily="50" charset="0"/>
+                              <a:ea typeface="Latin Modern Math" panose="02000503000000000000" pitchFamily="50" charset="0"/>
                               <a:cs typeface="Arial" panose="020B0604020202020204" pitchFamily="34" charset="0"/>
                             </a:rPr>
                             <m:t>𝑣</m:t>
@@ -5413,17 +5429,17 @@
                         </m:sub>
                       </m:sSub>
                       <m:r>
-                        <a:rPr lang="en-US" sz="2000" b="1" i="0" smtClean="0">
+                        <a:rPr lang="en-US" sz="2000" b="1" i="1" smtClean="0">
                           <a:latin typeface="Cambria Math" panose="02040503050406030204" pitchFamily="18" charset="0"/>
                           <a:ea typeface="Cambria Math" panose="02040503050406030204" pitchFamily="18" charset="0"/>
                           <a:cs typeface="Arial" panose="020B0604020202020204" pitchFamily="34" charset="0"/>
                         </a:rPr>
-                        <m:t>𝛎</m:t>
+                        <m:t>𝝂</m:t>
                       </m:r>
                     </m:oMath>
                   </m:oMathPara>
                 </a14:m>
-                <a:endParaRPr lang="en-US" sz="2000" b="1" dirty="0">
+                <a:endParaRPr lang="en-US" sz="2000" b="1" i="1" dirty="0">
                   <a:latin typeface="Cambria Math" panose="02040503050406030204" pitchFamily="18" charset="0"/>
                   <a:ea typeface="Cambria Math" panose="02040503050406030204" pitchFamily="18" charset="0"/>
                   <a:cs typeface="Arial" panose="020B0604020202020204" pitchFamily="34" charset="0"/>
@@ -5763,7 +5779,8 @@
                       <m:e>
                         <m:r>
                           <a:rPr lang="en-US" sz="1600" b="0" i="1" dirty="0" smtClean="0">
-                            <a:latin typeface="Cambria Math" panose="02040503050406030204" pitchFamily="18" charset="0"/>
+                            <a:latin typeface="Latin Modern Math" panose="02000503000000000000" pitchFamily="50" charset="0"/>
+                            <a:ea typeface="Latin Modern Math" panose="02000503000000000000" pitchFamily="50" charset="0"/>
                             <a:cs typeface="Arial" panose="020B0604020202020204" pitchFamily="34" charset="0"/>
                           </a:rPr>
                           <m:t>𝑣</m:t>
@@ -7033,6 +7050,7 @@
                 </a:r>
               </a:p>
               <a:p>
+                <a:pPr/>
                 <a14:m>
                   <m:oMathPara xmlns:m="http://schemas.openxmlformats.org/officeDocument/2006/math">
                     <m:oMathParaPr>
@@ -7481,7 +7499,8 @@
                         <m:e>
                           <m:r>
                             <a:rPr lang="en-US" sz="2000" b="0" i="1" smtClean="0">
-                              <a:latin typeface="Cambria Math" panose="02040503050406030204" pitchFamily="18" charset="0"/>
+                              <a:latin typeface="Latin Modern Math" panose="02000503000000000000" pitchFamily="50" charset="0"/>
+                              <a:ea typeface="Latin Modern Math" panose="02000503000000000000" pitchFamily="50" charset="0"/>
                               <a:cs typeface="Arial" panose="020B0604020202020204" pitchFamily="34" charset="0"/>
                             </a:rPr>
                             <m:t>𝑣</m:t>
@@ -7506,7 +7525,8 @@
                       </m:r>
                       <m:r>
                         <a:rPr lang="en-US" sz="2000" b="1" i="1">
-                          <a:latin typeface="Cambria Math" panose="02040503050406030204" pitchFamily="18" charset="0"/>
+                          <a:latin typeface="Latin Modern Math" panose="02000503000000000000" pitchFamily="50" charset="0"/>
+                          <a:ea typeface="Latin Modern Math" panose="02000503000000000000" pitchFamily="50" charset="0"/>
                           <a:cs typeface="Arial" panose="020B0604020202020204" pitchFamily="34" charset="0"/>
                         </a:rPr>
                         <m:t>𝒗</m:t>
@@ -8037,8 +8057,8 @@
           </a:p>
         </p:txBody>
       </p:sp>
-      <mc:AlternateContent xmlns:mc="http://schemas.openxmlformats.org/markup-compatibility/2006">
-        <mc:Choice xmlns:a14="http://schemas.microsoft.com/office/drawing/2010/main" Requires="a14">
+      <mc:AlternateContent xmlns:mc="http://schemas.openxmlformats.org/markup-compatibility/2006" xmlns:a14="http://schemas.microsoft.com/office/drawing/2010/main">
+        <mc:Choice Requires="a14">
           <p:sp>
             <p:nvSpPr>
               <p:cNvPr id="41" name="TextBox 40">
@@ -8137,6 +8157,7 @@
                 </a:r>
               </a:p>
               <a:p>
+                <a:pPr/>
                 <a14:m>
                   <m:oMathPara xmlns:m="http://schemas.openxmlformats.org/officeDocument/2006/math">
                     <m:oMathParaPr>
@@ -8314,6 +8335,7 @@
                 </a:endParaRPr>
               </a:p>
               <a:p>
+                <a:pPr/>
                 <a14:m>
                   <m:oMathPara xmlns:m="http://schemas.openxmlformats.org/officeDocument/2006/math">
                     <m:oMathParaPr>
@@ -9123,7 +9145,7 @@
             </p:txBody>
           </p:sp>
         </mc:Choice>
-        <mc:Fallback>
+        <mc:Fallback xmlns="">
           <p:sp>
             <p:nvSpPr>
               <p:cNvPr id="41" name="TextBox 40">
@@ -9182,7 +9204,7 @@
         </p:nvSpPr>
         <p:spPr>
           <a:xfrm>
-            <a:off x="9643621" y="11845058"/>
+            <a:off x="9636001" y="11845058"/>
             <a:ext cx="8164512" cy="677102"/>
           </a:xfrm>
           <a:prstGeom prst="rect">
@@ -9309,7 +9331,7 @@
             <p:spPr>
               <a:xfrm>
                 <a:off x="1108233" y="11326644"/>
-                <a:ext cx="7429499" cy="6806479"/>
+                <a:ext cx="7429499" cy="7052700"/>
               </a:xfrm>
               <a:prstGeom prst="rect">
                 <a:avLst/>
@@ -9595,7 +9617,7 @@
                     <a:latin typeface="Arial" panose="020B0604020202020204" pitchFamily="34" charset="0"/>
                     <a:cs typeface="Arial" panose="020B0604020202020204" pitchFamily="34" charset="0"/>
                   </a:rPr>
-                  <a:t> if </a:t>
+                  <a:t> if it satisfies the condition </a:t>
                 </a:r>
                 <a:endParaRPr lang="en-US" sz="1600" b="0" i="1" dirty="0">
                   <a:latin typeface="Cambria Math" panose="02040503050406030204" pitchFamily="18" charset="0"/>
@@ -9921,6 +9943,12 @@
                 </a:r>
               </a:p>
               <a:p>
+                <a:endParaRPr lang="en-US" sz="1600" dirty="0">
+                  <a:latin typeface="Arial" panose="020B0604020202020204" pitchFamily="34" charset="0"/>
+                  <a:cs typeface="Arial" panose="020B0604020202020204" pitchFamily="34" charset="0"/>
+                </a:endParaRPr>
+              </a:p>
+              <a:p>
                 <a:r>
                   <a:rPr lang="en-US" sz="1600" dirty="0">
                     <a:latin typeface="Arial" panose="020B0604020202020204" pitchFamily="34" charset="0"/>
@@ -9996,7 +10024,146 @@
                     <a:latin typeface="Arial" panose="020B0604020202020204" pitchFamily="34" charset="0"/>
                     <a:cs typeface="Arial" panose="020B0604020202020204" pitchFamily="34" charset="0"/>
                   </a:rPr>
-                  <a:t>), resulting in an effective dimensional reduction. The condition on the derivative of the limit system may seem strange, but it ultimately allows for perturbative solutions of the form </a:t>
+                  <a:t>), resulting in an effective dimensional reduction. We will demonstrate that the relevant MHD system is fast-slow by showing that its limit system, </a:t>
+                </a:r>
+                <a14:m>
+                  <m:oMath xmlns:m="http://schemas.openxmlformats.org/officeDocument/2006/math">
+                    <m:sSub>
+                      <m:sSubPr>
+                        <m:ctrlPr>
+                          <a:rPr lang="en-US" sz="1600" i="1">
+                            <a:latin typeface="Cambria Math" panose="02040503050406030204" pitchFamily="18" charset="0"/>
+                            <a:cs typeface="Arial" panose="020B0604020202020204" pitchFamily="34" charset="0"/>
+                          </a:rPr>
+                        </m:ctrlPr>
+                      </m:sSubPr>
+                      <m:e>
+                        <m:acc>
+                          <m:accPr>
+                            <m:chr m:val="̇"/>
+                            <m:ctrlPr>
+                              <a:rPr lang="en-US" sz="1600" i="1">
+                                <a:latin typeface="Cambria Math" panose="02040503050406030204" pitchFamily="18" charset="0"/>
+                                <a:cs typeface="Arial" panose="020B0604020202020204" pitchFamily="34" charset="0"/>
+                              </a:rPr>
+                            </m:ctrlPr>
+                          </m:accPr>
+                          <m:e>
+                            <m:r>
+                              <a:rPr lang="en-US" sz="1600" i="1">
+                                <a:latin typeface="Cambria Math" panose="02040503050406030204" pitchFamily="18" charset="0"/>
+                                <a:cs typeface="Arial" panose="020B0604020202020204" pitchFamily="34" charset="0"/>
+                              </a:rPr>
+                              <m:t>𝑦</m:t>
+                            </m:r>
+                          </m:e>
+                        </m:acc>
+                        <m:r>
+                          <a:rPr lang="en-US" sz="1600" i="1" dirty="0">
+                            <a:latin typeface="Cambria Math" panose="02040503050406030204" pitchFamily="18" charset="0"/>
+                            <a:cs typeface="Arial" panose="020B0604020202020204" pitchFamily="34" charset="0"/>
+                          </a:rPr>
+                          <m:t>=</m:t>
+                        </m:r>
+                        <m:r>
+                          <a:rPr lang="en-US" sz="1600" i="1">
+                            <a:latin typeface="Cambria Math" panose="02040503050406030204" pitchFamily="18" charset="0"/>
+                            <a:cs typeface="Arial" panose="020B0604020202020204" pitchFamily="34" charset="0"/>
+                          </a:rPr>
+                          <m:t>𝑓</m:t>
+                        </m:r>
+                      </m:e>
+                      <m:sub>
+                        <m:r>
+                          <a:rPr lang="en-US" sz="1600" i="1">
+                            <a:latin typeface="Cambria Math" panose="02040503050406030204" pitchFamily="18" charset="0"/>
+                            <a:cs typeface="Arial" panose="020B0604020202020204" pitchFamily="34" charset="0"/>
+                          </a:rPr>
+                          <m:t>0</m:t>
+                        </m:r>
+                      </m:sub>
+                    </m:sSub>
+                    <m:r>
+                      <a:rPr lang="en-US" sz="1600" i="1">
+                        <a:latin typeface="Cambria Math" panose="02040503050406030204" pitchFamily="18" charset="0"/>
+                        <a:cs typeface="Arial" panose="020B0604020202020204" pitchFamily="34" charset="0"/>
+                      </a:rPr>
+                      <m:t>(</m:t>
+                    </m:r>
+                    <m:r>
+                      <a:rPr lang="en-US" sz="1600" i="1">
+                        <a:latin typeface="Cambria Math" panose="02040503050406030204" pitchFamily="18" charset="0"/>
+                        <a:cs typeface="Arial" panose="020B0604020202020204" pitchFamily="34" charset="0"/>
+                      </a:rPr>
+                      <m:t>𝑥</m:t>
+                    </m:r>
+                    <m:r>
+                      <a:rPr lang="en-US" sz="1600" i="1">
+                        <a:latin typeface="Cambria Math" panose="02040503050406030204" pitchFamily="18" charset="0"/>
+                        <a:cs typeface="Arial" panose="020B0604020202020204" pitchFamily="34" charset="0"/>
+                      </a:rPr>
+                      <m:t>,</m:t>
+                    </m:r>
+                    <m:r>
+                      <a:rPr lang="en-US" sz="1600" i="1">
+                        <a:latin typeface="Cambria Math" panose="02040503050406030204" pitchFamily="18" charset="0"/>
+                        <a:cs typeface="Arial" panose="020B0604020202020204" pitchFamily="34" charset="0"/>
+                      </a:rPr>
+                      <m:t>𝑦</m:t>
+                    </m:r>
+                    <m:r>
+                      <a:rPr lang="en-US" sz="1600" i="1">
+                        <a:latin typeface="Cambria Math" panose="02040503050406030204" pitchFamily="18" charset="0"/>
+                        <a:cs typeface="Arial" panose="020B0604020202020204" pitchFamily="34" charset="0"/>
+                      </a:rPr>
+                      <m:t>)</m:t>
+                    </m:r>
+                  </m:oMath>
+                </a14:m>
+                <a:r>
+                  <a:rPr lang="en-US" sz="1600" dirty="0">
+                    <a:latin typeface="Arial" panose="020B0604020202020204" pitchFamily="34" charset="0"/>
+                    <a:cs typeface="Arial" panose="020B0604020202020204" pitchFamily="34" charset="0"/>
+                  </a:rPr>
+                  <a:t>, </a:t>
+                </a:r>
+                <a14:m>
+                  <m:oMath xmlns:m="http://schemas.openxmlformats.org/officeDocument/2006/math">
+                    <m:acc>
+                      <m:accPr>
+                        <m:chr m:val="̇"/>
+                        <m:ctrlPr>
+                          <a:rPr lang="en-US" sz="1600" i="1" dirty="0">
+                            <a:latin typeface="Cambria Math" panose="02040503050406030204" pitchFamily="18" charset="0"/>
+                            <a:cs typeface="Arial" panose="020B0604020202020204" pitchFamily="34" charset="0"/>
+                          </a:rPr>
+                        </m:ctrlPr>
+                      </m:accPr>
+                      <m:e>
+                        <m:r>
+                          <a:rPr lang="en-US" sz="1600" i="1" dirty="0">
+                            <a:latin typeface="Cambria Math" panose="02040503050406030204" pitchFamily="18" charset="0"/>
+                            <a:cs typeface="Arial" panose="020B0604020202020204" pitchFamily="34" charset="0"/>
+                          </a:rPr>
+                          <m:t>𝑥</m:t>
+                        </m:r>
+                      </m:e>
+                    </m:acc>
+                    <m:r>
+                      <a:rPr lang="en-US" sz="1600" i="1" dirty="0">
+                        <a:latin typeface="Cambria Math" panose="02040503050406030204" pitchFamily="18" charset="0"/>
+                        <a:cs typeface="Arial" panose="020B0604020202020204" pitchFamily="34" charset="0"/>
+                      </a:rPr>
+                      <m:t>=0</m:t>
+                    </m:r>
+                  </m:oMath>
+                </a14:m>
+                <a:r>
+                  <a:rPr lang="en-US" sz="1600" dirty="0">
+                    <a:latin typeface="Arial" panose="020B0604020202020204" pitchFamily="34" charset="0"/>
+                    <a:cs typeface="Arial" panose="020B0604020202020204" pitchFamily="34" charset="0"/>
+                  </a:rPr>
+                  <a:t> is fast-slow. The condition on the derivative of the limit system may seem strange, but it ultimately allows for perturbative solutions of the form </a:t>
                 </a:r>
               </a:p>
               <a:p>
@@ -10327,154 +10494,6 @@
                     <a:cs typeface="Arial" panose="020B0604020202020204" pitchFamily="34" charset="0"/>
                   </a:rPr>
                   <a:t>. </a:t>
-                </a:r>
-              </a:p>
-              <a:p>
-                <a:r>
-                  <a:rPr lang="en-US" sz="1600" dirty="0">
-                    <a:latin typeface="Arial" panose="020B0604020202020204" pitchFamily="34" charset="0"/>
-                    <a:cs typeface="Arial" panose="020B0604020202020204" pitchFamily="34" charset="0"/>
-                  </a:rPr>
-                  <a:t>        Technically, we demonstrate that the relevant MHD system is fast-slow by showing that its limit system, </a:t>
-                </a:r>
-                <a14:m>
-                  <m:oMath xmlns:m="http://schemas.openxmlformats.org/officeDocument/2006/math">
-                    <m:sSub>
-                      <m:sSubPr>
-                        <m:ctrlPr>
-                          <a:rPr lang="en-US" sz="1600" b="0" i="1" smtClean="0">
-                            <a:latin typeface="Cambria Math" panose="02040503050406030204" pitchFamily="18" charset="0"/>
-                            <a:cs typeface="Arial" panose="020B0604020202020204" pitchFamily="34" charset="0"/>
-                          </a:rPr>
-                        </m:ctrlPr>
-                      </m:sSubPr>
-                      <m:e>
-                        <m:acc>
-                          <m:accPr>
-                            <m:chr m:val="̇"/>
-                            <m:ctrlPr>
-                              <a:rPr lang="en-US" sz="1600" b="0" i="1" smtClean="0">
-                                <a:latin typeface="Cambria Math" panose="02040503050406030204" pitchFamily="18" charset="0"/>
-                                <a:cs typeface="Arial" panose="020B0604020202020204" pitchFamily="34" charset="0"/>
-                              </a:rPr>
-                            </m:ctrlPr>
-                          </m:accPr>
-                          <m:e>
-                            <m:r>
-                              <a:rPr lang="en-US" sz="1600" b="0" i="1" smtClean="0">
-                                <a:latin typeface="Cambria Math" panose="02040503050406030204" pitchFamily="18" charset="0"/>
-                                <a:cs typeface="Arial" panose="020B0604020202020204" pitchFamily="34" charset="0"/>
-                              </a:rPr>
-                              <m:t>𝑦</m:t>
-                            </m:r>
-                          </m:e>
-                        </m:acc>
-                        <m:r>
-                          <a:rPr lang="en-US" sz="1600" b="0" i="1" dirty="0" smtClean="0">
-                            <a:latin typeface="Cambria Math" panose="02040503050406030204" pitchFamily="18" charset="0"/>
-                            <a:cs typeface="Arial" panose="020B0604020202020204" pitchFamily="34" charset="0"/>
-                          </a:rPr>
-                          <m:t>=</m:t>
-                        </m:r>
-                        <m:r>
-                          <a:rPr lang="en-US" sz="1600" b="0" i="1" smtClean="0">
-                            <a:latin typeface="Cambria Math" panose="02040503050406030204" pitchFamily="18" charset="0"/>
-                            <a:cs typeface="Arial" panose="020B0604020202020204" pitchFamily="34" charset="0"/>
-                          </a:rPr>
-                          <m:t>𝑓</m:t>
-                        </m:r>
-                      </m:e>
-                      <m:sub>
-                        <m:r>
-                          <a:rPr lang="en-US" sz="1600" b="0" i="1" smtClean="0">
-                            <a:latin typeface="Cambria Math" panose="02040503050406030204" pitchFamily="18" charset="0"/>
-                            <a:cs typeface="Arial" panose="020B0604020202020204" pitchFamily="34" charset="0"/>
-                          </a:rPr>
-                          <m:t>0</m:t>
-                        </m:r>
-                      </m:sub>
-                    </m:sSub>
-                    <m:r>
-                      <a:rPr lang="en-US" sz="1600" b="0" i="1" smtClean="0">
-                        <a:latin typeface="Cambria Math" panose="02040503050406030204" pitchFamily="18" charset="0"/>
-                        <a:cs typeface="Arial" panose="020B0604020202020204" pitchFamily="34" charset="0"/>
-                      </a:rPr>
-                      <m:t>(</m:t>
-                    </m:r>
-                    <m:r>
-                      <a:rPr lang="en-US" sz="1600" b="0" i="1" smtClean="0">
-                        <a:latin typeface="Cambria Math" panose="02040503050406030204" pitchFamily="18" charset="0"/>
-                        <a:cs typeface="Arial" panose="020B0604020202020204" pitchFamily="34" charset="0"/>
-                      </a:rPr>
-                      <m:t>𝑥</m:t>
-                    </m:r>
-                    <m:r>
-                      <a:rPr lang="en-US" sz="1600" b="0" i="1" smtClean="0">
-                        <a:latin typeface="Cambria Math" panose="02040503050406030204" pitchFamily="18" charset="0"/>
-                        <a:cs typeface="Arial" panose="020B0604020202020204" pitchFamily="34" charset="0"/>
-                      </a:rPr>
-                      <m:t>,</m:t>
-                    </m:r>
-                    <m:r>
-                      <a:rPr lang="en-US" sz="1600" b="0" i="1" smtClean="0">
-                        <a:latin typeface="Cambria Math" panose="02040503050406030204" pitchFamily="18" charset="0"/>
-                        <a:cs typeface="Arial" panose="020B0604020202020204" pitchFamily="34" charset="0"/>
-                      </a:rPr>
-                      <m:t>𝑦</m:t>
-                    </m:r>
-                    <m:r>
-                      <a:rPr lang="en-US" sz="1600" b="0" i="1" smtClean="0">
-                        <a:latin typeface="Cambria Math" panose="02040503050406030204" pitchFamily="18" charset="0"/>
-                        <a:cs typeface="Arial" panose="020B0604020202020204" pitchFamily="34" charset="0"/>
-                      </a:rPr>
-                      <m:t>)</m:t>
-                    </m:r>
-                  </m:oMath>
-                </a14:m>
-                <a:r>
-                  <a:rPr lang="en-US" sz="1600" dirty="0">
-                    <a:latin typeface="Arial" panose="020B0604020202020204" pitchFamily="34" charset="0"/>
-                    <a:cs typeface="Arial" panose="020B0604020202020204" pitchFamily="34" charset="0"/>
-                  </a:rPr>
-                  <a:t>, </a:t>
-                </a:r>
-                <a14:m>
-                  <m:oMath xmlns:m="http://schemas.openxmlformats.org/officeDocument/2006/math">
-                    <m:acc>
-                      <m:accPr>
-                        <m:chr m:val="̇"/>
-                        <m:ctrlPr>
-                          <a:rPr lang="en-US" sz="1600" b="0" i="1" dirty="0" smtClean="0">
-                            <a:latin typeface="Cambria Math" panose="02040503050406030204" pitchFamily="18" charset="0"/>
-                            <a:cs typeface="Arial" panose="020B0604020202020204" pitchFamily="34" charset="0"/>
-                          </a:rPr>
-                        </m:ctrlPr>
-                      </m:accPr>
-                      <m:e>
-                        <m:r>
-                          <a:rPr lang="en-US" sz="1600" b="0" i="1" dirty="0" smtClean="0">
-                            <a:latin typeface="Cambria Math" panose="02040503050406030204" pitchFamily="18" charset="0"/>
-                            <a:cs typeface="Arial" panose="020B0604020202020204" pitchFamily="34" charset="0"/>
-                          </a:rPr>
-                          <m:t>𝑥</m:t>
-                        </m:r>
-                      </m:e>
-                    </m:acc>
-                    <m:r>
-                      <a:rPr lang="en-US" sz="1600" b="0" i="1" dirty="0" smtClean="0">
-                        <a:latin typeface="Cambria Math" panose="02040503050406030204" pitchFamily="18" charset="0"/>
-                        <a:cs typeface="Arial" panose="020B0604020202020204" pitchFamily="34" charset="0"/>
-                      </a:rPr>
-                      <m:t>=0</m:t>
-                    </m:r>
-                  </m:oMath>
-                </a14:m>
-                <a:r>
-                  <a:rPr lang="en-US" sz="1600" dirty="0">
-                    <a:latin typeface="Arial" panose="020B0604020202020204" pitchFamily="34" charset="0"/>
-                    <a:cs typeface="Arial" panose="020B0604020202020204" pitchFamily="34" charset="0"/>
-                  </a:rPr>
-                  <a:t> is fast-slow. </a:t>
                 </a:r>
               </a:p>
               <a:p>
@@ -11128,7 +11147,7 @@
             <p:spPr>
               <a:xfrm>
                 <a:off x="1108233" y="11326644"/>
-                <a:ext cx="7429499" cy="6806479"/>
+                <a:ext cx="7429499" cy="7052700"/>
               </a:xfrm>
               <a:prstGeom prst="rect">
                 <a:avLst/>
@@ -11136,7 +11155,7 @@
               <a:blipFill>
                 <a:blip r:embed="rId7"/>
                 <a:stretch>
-                  <a:fillRect l="-492" r="-1148"/>
+                  <a:fillRect l="-492" r="-328"/>
                 </a:stretch>
               </a:blipFill>
             </p:spPr>

--- a/RMHD Presentation.pptx
+++ b/RMHD Presentation.pptx
@@ -178,7 +178,7 @@
           <a:p>
             <a:fld id="{C764DE79-268F-4C1A-8933-263129D2AF90}" type="datetimeFigureOut">
               <a:rPr lang="en-US" dirty="0"/>
-              <a:t>10/2/2024</a:t>
+              <a:t>10/4/2024</a:t>
             </a:fld>
             <a:endParaRPr lang="en-US" dirty="0"/>
           </a:p>
@@ -455,7 +455,7 @@
           <a:p>
             <a:fld id="{C764DE79-268F-4C1A-8933-263129D2AF90}" type="datetimeFigureOut">
               <a:rPr lang="en-US" dirty="0"/>
-              <a:t>10/2/2024</a:t>
+              <a:t>10/4/2024</a:t>
             </a:fld>
             <a:endParaRPr lang="en-US" dirty="0"/>
           </a:p>
@@ -712,7 +712,7 @@
           <a:p>
             <a:fld id="{C764DE79-268F-4C1A-8933-263129D2AF90}" type="datetimeFigureOut">
               <a:rPr lang="en-US" dirty="0"/>
-              <a:t>10/2/2024</a:t>
+              <a:t>10/4/2024</a:t>
             </a:fld>
             <a:endParaRPr lang="en-US" dirty="0"/>
           </a:p>
@@ -882,7 +882,7 @@
           <a:p>
             <a:fld id="{C764DE79-268F-4C1A-8933-263129D2AF90}" type="datetimeFigureOut">
               <a:rPr lang="en-US" dirty="0"/>
-              <a:t>10/2/2024</a:t>
+              <a:t>10/4/2024</a:t>
             </a:fld>
             <a:endParaRPr lang="en-US" dirty="0"/>
           </a:p>
@@ -1062,7 +1062,7 @@
           <a:p>
             <a:fld id="{C764DE79-268F-4C1A-8933-263129D2AF90}" type="datetimeFigureOut">
               <a:rPr lang="en-US" dirty="0"/>
-              <a:t>10/2/2024</a:t>
+              <a:t>10/4/2024</a:t>
             </a:fld>
             <a:endParaRPr lang="en-US" dirty="0"/>
           </a:p>
@@ -1344,7 +1344,7 @@
           <a:p>
             <a:fld id="{C764DE79-268F-4C1A-8933-263129D2AF90}" type="datetimeFigureOut">
               <a:rPr lang="en-US" dirty="0"/>
-              <a:t>10/2/2024</a:t>
+              <a:t>10/4/2024</a:t>
             </a:fld>
             <a:endParaRPr lang="en-US" dirty="0"/>
           </a:p>
@@ -1514,7 +1514,7 @@
           <a:p>
             <a:fld id="{C764DE79-268F-4C1A-8933-263129D2AF90}" type="datetimeFigureOut">
               <a:rPr lang="en-US" dirty="0"/>
-              <a:t>10/2/2024</a:t>
+              <a:t>10/4/2024</a:t>
             </a:fld>
             <a:endParaRPr lang="en-US" dirty="0"/>
           </a:p>
@@ -1758,7 +1758,7 @@
           <a:p>
             <a:fld id="{C764DE79-268F-4C1A-8933-263129D2AF90}" type="datetimeFigureOut">
               <a:rPr lang="en-US" dirty="0"/>
-              <a:t>10/2/2024</a:t>
+              <a:t>10/4/2024</a:t>
             </a:fld>
             <a:endParaRPr lang="en-US" dirty="0"/>
           </a:p>
@@ -1990,7 +1990,7 @@
           <a:p>
             <a:fld id="{C764DE79-268F-4C1A-8933-263129D2AF90}" type="datetimeFigureOut">
               <a:rPr lang="en-US" dirty="0"/>
-              <a:t>10/2/2024</a:t>
+              <a:t>10/4/2024</a:t>
             </a:fld>
             <a:endParaRPr lang="en-US" dirty="0"/>
           </a:p>
@@ -2357,7 +2357,7 @@
           <a:p>
             <a:fld id="{C764DE79-268F-4C1A-8933-263129D2AF90}" type="datetimeFigureOut">
               <a:rPr lang="en-US" dirty="0"/>
-              <a:t>10/2/2024</a:t>
+              <a:t>10/4/2024</a:t>
             </a:fld>
             <a:endParaRPr lang="en-US" dirty="0"/>
           </a:p>
@@ -2475,7 +2475,7 @@
           <a:p>
             <a:fld id="{C764DE79-268F-4C1A-8933-263129D2AF90}" type="datetimeFigureOut">
               <a:rPr lang="en-US" dirty="0"/>
-              <a:t>10/2/2024</a:t>
+              <a:t>10/4/2024</a:t>
             </a:fld>
             <a:endParaRPr lang="en-US" dirty="0"/>
           </a:p>
@@ -3553,7 +3553,7 @@
           <a:p>
             <a:fld id="{C764DE79-268F-4C1A-8933-263129D2AF90}" type="datetimeFigureOut">
               <a:rPr lang="en-US" dirty="0"/>
-              <a:t>10/2/2024</a:t>
+              <a:t>10/4/2024</a:t>
             </a:fld>
             <a:endParaRPr lang="en-US" dirty="0"/>
           </a:p>
@@ -4082,7 +4082,7 @@
             <p:spPr>
               <a:xfrm>
                 <a:off x="1106806" y="4122090"/>
-                <a:ext cx="7424454" cy="4524315"/>
+                <a:ext cx="7424454" cy="4770537"/>
               </a:xfrm>
               <a:prstGeom prst="rect">
                 <a:avLst/>
@@ -4161,7 +4161,7 @@
                     <a:latin typeface="Arial" panose="020B0604020202020204" pitchFamily="34" charset="0"/>
                     <a:cs typeface="Arial" panose="020B0604020202020204" pitchFamily="34" charset="0"/>
                   </a:rPr>
-                  <a:t>). For large aspect ratio tokamaks, a multi-scale analysis can simplify these complex systems by separating out irrelevant degrees of freedom. Previous researchers, such as Strauss, have developed reduced MHD (RMHD) models using velocity and magnetic field stream functions. In this work, we formalize the MHD reduction process initiated by Strauss through the framework of fast-slow systems. </a:t>
+                  <a:t>). For large aspect ratio tokamaks, a multi-scale analysis can simplify these complex systems by separating out irrelevant degrees of freedom. Previous researchers, such as Strauss, have developed reduced MHD (RMHD) models using velocity and magnetic field stream functions. In this work, we use the framework of fast-slow systems to reveal a family of equivalent formal reduction processes for MHD. </a:t>
                 </a:r>
               </a:p>
               <a:p>
@@ -4170,25 +4170,7 @@
                     <a:latin typeface="Arial" panose="020B0604020202020204" pitchFamily="34" charset="0"/>
                     <a:cs typeface="Arial" panose="020B0604020202020204" pitchFamily="34" charset="0"/>
                   </a:rPr>
-                  <a:t>        Our contributions include a) refining and completing Strauss’s original arguments, and b) introducing a new division of fast and slow dependent variables. We retain the stream-function description while incorporating a new representation for the density field, performing our analysis in both low- and high-plasma </a:t>
-                </a:r>
-                <a14:m>
-                  <m:oMath xmlns:m="http://schemas.openxmlformats.org/officeDocument/2006/math">
-                    <m:r>
-                      <a:rPr lang="en-US" sz="1600" b="0" i="1" smtClean="0">
-                        <a:latin typeface="Cambria Math" panose="02040503050406030204" pitchFamily="18" charset="0"/>
-                        <a:cs typeface="Arial" panose="020B0604020202020204" pitchFamily="34" charset="0"/>
-                      </a:rPr>
-                      <m:t>𝛽</m:t>
-                    </m:r>
-                  </m:oMath>
-                </a14:m>
-                <a:r>
-                  <a:rPr lang="en-US" sz="1600" dirty="0">
-                    <a:latin typeface="Arial" panose="020B0604020202020204" pitchFamily="34" charset="0"/>
-                    <a:cs typeface="Arial" panose="020B0604020202020204" pitchFamily="34" charset="0"/>
-                  </a:rPr>
-                  <a:t> and low-flow scaling regimes. Additionally, we identify the dynamics of these new variables as evolving coordinates of a manifold. Future work will explore how this geometric interpretation connects with Hamiltonian and symplectic structures.</a:t>
+                  <a:t>        Our contributions include a) refining Strauss’s original arguments, b) introducing a new division of fast and slow dependent variables in several dynamical regimes, and c) demonstrating that this results in an infinite class of RMHD models. We retain a stream function description while incorporating a new representation for the density field. Finally, we show that for a given scaling, a choice of harmonic function is always required to suppress freedom in the toroidal magnetic field. Future work will extend these methods for use in stellarator physics by exploring the Hamiltonian and symplectic properties of slow manifolds. </a:t>
                 </a:r>
               </a:p>
               <a:p>
@@ -4218,7 +4200,7 @@
             <p:spPr>
               <a:xfrm>
                 <a:off x="1106806" y="4122090"/>
-                <a:ext cx="7424454" cy="4524315"/>
+                <a:ext cx="7424454" cy="4770537"/>
               </a:xfrm>
               <a:prstGeom prst="rect">
                 <a:avLst/>
@@ -4226,7 +4208,7 @@
               <a:blipFill>
                 <a:blip r:embed="rId2"/>
                 <a:stretch>
-                  <a:fillRect l="-493" r="-822"/>
+                  <a:fillRect l="-493" r="-1068"/>
                 </a:stretch>
               </a:blipFill>
             </p:spPr>
@@ -4259,7 +4241,7 @@
         </p:nvSpPr>
         <p:spPr>
           <a:xfrm>
-            <a:off x="1106805" y="9321168"/>
+            <a:off x="1106805" y="9569729"/>
             <a:ext cx="7422196" cy="1323439"/>
           </a:xfrm>
           <a:prstGeom prst="rect">
@@ -4284,7 +4266,7 @@
                 <a:latin typeface="Arial" panose="020B0604020202020204" pitchFamily="34" charset="0"/>
                 <a:cs typeface="Arial" panose="020B0604020202020204" pitchFamily="34" charset="0"/>
               </a:rPr>
-              <a:t>        In this project, we carry out a dimensional reduction of the MHD equations by observing a fast-slow split. Reducing the typical tokamak equations this way is a necessary precursor for reducing MHD in general stellarator geometries. </a:t>
+              <a:t>        In this project, we carry out a dimensional reduction of the MHD equations by finding a fast-slow split. This method reveals a freedom to reduce MHD in infinitely many equivalent ways. </a:t>
             </a:r>
           </a:p>
           <a:p>
@@ -4309,7 +4291,7 @@
         </p:nvSpPr>
         <p:spPr>
           <a:xfrm>
-            <a:off x="18905823" y="14718527"/>
+            <a:off x="18905824" y="14719255"/>
             <a:ext cx="7429499" cy="1323439"/>
           </a:xfrm>
           <a:prstGeom prst="rect">
@@ -4334,7 +4316,7 @@
                 <a:latin typeface="Arial" panose="020B0604020202020204" pitchFamily="34" charset="0"/>
                 <a:cs typeface="Arial" panose="020B0604020202020204" pitchFamily="34" charset="0"/>
               </a:rPr>
-              <a:t>        I would like to thank Joshua Burby for his guidance and support throughout this project. Thank you also to Ivan Maldonado, Michael Updike, Erik Hansen, and especially Finn Pinto for our insightful conversations. </a:t>
+              <a:t>        I would like to thank Joshua Burby for his guidance and support throughout this project. Thank you also to the other researchers and students in my group, especially Finn Pinto, for our insightful conversations. </a:t>
             </a:r>
           </a:p>
           <a:p>
@@ -4361,7 +4343,7 @@
         </p:nvSpPr>
         <p:spPr>
           <a:xfrm>
-            <a:off x="18905823" y="16718340"/>
+            <a:off x="18905824" y="16719068"/>
             <a:ext cx="7429499" cy="1569660"/>
           </a:xfrm>
           <a:prstGeom prst="rect">
@@ -4539,7 +4521,7 @@
             <p:spPr>
               <a:xfrm>
                 <a:off x="10011128" y="4114800"/>
-                <a:ext cx="7429499" cy="7730258"/>
+                <a:ext cx="7429499" cy="7077130"/>
               </a:xfrm>
               <a:prstGeom prst="rect">
                 <a:avLst/>
@@ -4593,7 +4575,42 @@
                         <a:latin typeface="Cambria Math" panose="02040503050406030204" pitchFamily="18" charset="0"/>
                         <a:cs typeface="Arial" panose="020B0604020202020204" pitchFamily="34" charset="0"/>
                       </a:rPr>
-                      <m:t>=0</m:t>
+                      <m:t>=</m:t>
+                    </m:r>
+                    <m:r>
+                      <a:rPr lang="en-US" sz="1600" b="1" i="1" smtClean="0">
+                        <a:latin typeface="Cambria Math" panose="02040503050406030204" pitchFamily="18" charset="0"/>
+                        <a:cs typeface="Arial" panose="020B0604020202020204" pitchFamily="34" charset="0"/>
+                      </a:rPr>
+                      <m:t>𝒗</m:t>
+                    </m:r>
+                    <m:r>
+                      <a:rPr lang="en-US" sz="1600" b="1" i="1" smtClean="0">
+                        <a:latin typeface="Cambria Math" panose="02040503050406030204" pitchFamily="18" charset="0"/>
+                        <a:cs typeface="Arial" panose="020B0604020202020204" pitchFamily="34" charset="0"/>
+                      </a:rPr>
+                      <m:t>⋅</m:t>
+                    </m:r>
+                    <m:r>
+                      <a:rPr lang="en-US" sz="1600" b="1" i="1" smtClean="0">
+                        <a:latin typeface="Cambria Math" panose="02040503050406030204" pitchFamily="18" charset="0"/>
+                        <a:cs typeface="Arial" panose="020B0604020202020204" pitchFamily="34" charset="0"/>
+                      </a:rPr>
+                      <m:t>𝒏</m:t>
+                    </m:r>
+                    <m:r>
+                      <a:rPr lang="en-US" sz="1600" b="1" i="1" smtClean="0">
+                        <a:latin typeface="Cambria Math" panose="02040503050406030204" pitchFamily="18" charset="0"/>
+                        <a:cs typeface="Arial" panose="020B0604020202020204" pitchFamily="34" charset="0"/>
+                      </a:rPr>
+                      <m:t>=</m:t>
+                    </m:r>
+                    <m:r>
+                      <a:rPr lang="en-US" sz="1600" b="0" i="1" smtClean="0">
+                        <a:latin typeface="Cambria Math" panose="02040503050406030204" pitchFamily="18" charset="0"/>
+                        <a:cs typeface="Arial" panose="020B0604020202020204" pitchFamily="34" charset="0"/>
+                      </a:rPr>
+                      <m:t>0</m:t>
                     </m:r>
                   </m:oMath>
                 </a14:m>
@@ -5132,149 +5149,7 @@
                     <a:latin typeface="Arial" panose="020B0604020202020204" pitchFamily="34" charset="0"/>
                     <a:cs typeface="Arial" panose="020B0604020202020204" pitchFamily="34" charset="0"/>
                   </a:rPr>
-                  <a:t>        We would like to find a fast-slow split for the ideal MHD system that reproduces and improves existing reduction schemes, so we must nondimensionalize and insert scale parameters, </a:t>
-                </a:r>
-                <a14:m>
-                  <m:oMath xmlns:m="http://schemas.openxmlformats.org/officeDocument/2006/math">
-                    <m:r>
-                      <a:rPr lang="en-US" sz="1600" b="0" i="1" dirty="0" smtClean="0">
-                        <a:latin typeface="Cambria Math" panose="02040503050406030204" pitchFamily="18" charset="0"/>
-                        <a:cs typeface="Arial" panose="020B0604020202020204" pitchFamily="34" charset="0"/>
-                      </a:rPr>
-                      <m:t>𝜖</m:t>
-                    </m:r>
-                  </m:oMath>
-                </a14:m>
-                <a:r>
-                  <a:rPr lang="en-US" sz="1600" dirty="0">
-                    <a:latin typeface="Arial" panose="020B0604020202020204" pitchFamily="34" charset="0"/>
-                    <a:cs typeface="Arial" panose="020B0604020202020204" pitchFamily="34" charset="0"/>
-                  </a:rPr>
-                  <a:t>. We choose a scaling similar to that taken by Strauss, except that it places density and parallel magnetic field fluctuations at </a:t>
-                </a:r>
-                <a14:m>
-                  <m:oMath xmlns:m="http://schemas.openxmlformats.org/officeDocument/2006/math">
-                    <m:r>
-                      <a:rPr lang="en-US" sz="1600" b="0" i="1" dirty="0" smtClean="0">
-                        <a:latin typeface="Cambria Math" panose="02040503050406030204" pitchFamily="18" charset="0"/>
-                        <a:cs typeface="Arial" panose="020B0604020202020204" pitchFamily="34" charset="0"/>
-                      </a:rPr>
-                      <m:t>𝑂</m:t>
-                    </m:r>
-                    <m:r>
-                      <a:rPr lang="en-US" sz="1600" b="0" i="1" dirty="0" smtClean="0">
-                        <a:latin typeface="Cambria Math" panose="02040503050406030204" pitchFamily="18" charset="0"/>
-                        <a:cs typeface="Arial" panose="020B0604020202020204" pitchFamily="34" charset="0"/>
-                      </a:rPr>
-                      <m:t>(</m:t>
-                    </m:r>
-                    <m:r>
-                      <a:rPr lang="en-US" sz="1600" b="0" i="1" dirty="0" smtClean="0">
-                        <a:latin typeface="Cambria Math" panose="02040503050406030204" pitchFamily="18" charset="0"/>
-                        <a:cs typeface="Arial" panose="020B0604020202020204" pitchFamily="34" charset="0"/>
-                      </a:rPr>
-                      <m:t>𝜖</m:t>
-                    </m:r>
-                    <m:r>
-                      <a:rPr lang="en-US" sz="1600" b="0" i="1" dirty="0" smtClean="0">
-                        <a:latin typeface="Cambria Math" panose="02040503050406030204" pitchFamily="18" charset="0"/>
-                        <a:cs typeface="Arial" panose="020B0604020202020204" pitchFamily="34" charset="0"/>
-                      </a:rPr>
-                      <m:t>)</m:t>
-                    </m:r>
-                  </m:oMath>
-                </a14:m>
-                <a:r>
-                  <a:rPr lang="en-US" sz="1600" dirty="0">
-                    <a:latin typeface="Arial" panose="020B0604020202020204" pitchFamily="34" charset="0"/>
-                    <a:cs typeface="Arial" panose="020B0604020202020204" pitchFamily="34" charset="0"/>
-                  </a:rPr>
-                  <a:t> instead of </a:t>
-                </a:r>
-                <a14:m>
-                  <m:oMath xmlns:m="http://schemas.openxmlformats.org/officeDocument/2006/math">
-                    <m:r>
-                      <a:rPr lang="en-US" sz="1600" b="0" i="1" dirty="0" smtClean="0">
-                        <a:latin typeface="Cambria Math" panose="02040503050406030204" pitchFamily="18" charset="0"/>
-                        <a:cs typeface="Arial" panose="020B0604020202020204" pitchFamily="34" charset="0"/>
-                      </a:rPr>
-                      <m:t>𝑂</m:t>
-                    </m:r>
-                    <m:r>
-                      <a:rPr lang="en-US" sz="1600" b="0" i="1" dirty="0" smtClean="0">
-                        <a:latin typeface="Cambria Math" panose="02040503050406030204" pitchFamily="18" charset="0"/>
-                        <a:cs typeface="Arial" panose="020B0604020202020204" pitchFamily="34" charset="0"/>
-                      </a:rPr>
-                      <m:t>(1)</m:t>
-                    </m:r>
-                  </m:oMath>
-                </a14:m>
-                <a:r>
-                  <a:rPr lang="en-US" sz="1600" dirty="0">
-                    <a:latin typeface="Arial" panose="020B0604020202020204" pitchFamily="34" charset="0"/>
-                    <a:cs typeface="Arial" panose="020B0604020202020204" pitchFamily="34" charset="0"/>
-                  </a:rPr>
-                  <a:t> and </a:t>
-                </a:r>
-                <a14:m>
-                  <m:oMath xmlns:m="http://schemas.openxmlformats.org/officeDocument/2006/math">
-                    <m:r>
-                      <a:rPr lang="en-US" sz="1600" b="0" i="1" dirty="0" smtClean="0">
-                        <a:latin typeface="Cambria Math" panose="02040503050406030204" pitchFamily="18" charset="0"/>
-                        <a:cs typeface="Arial" panose="020B0604020202020204" pitchFamily="34" charset="0"/>
-                      </a:rPr>
-                      <m:t>𝑂</m:t>
-                    </m:r>
-                    <m:r>
-                      <a:rPr lang="en-US" sz="1600" b="0" i="1" dirty="0" smtClean="0">
-                        <a:latin typeface="Cambria Math" panose="02040503050406030204" pitchFamily="18" charset="0"/>
-                        <a:cs typeface="Arial" panose="020B0604020202020204" pitchFamily="34" charset="0"/>
-                      </a:rPr>
-                      <m:t>(</m:t>
-                    </m:r>
-                    <m:sSup>
-                      <m:sSupPr>
-                        <m:ctrlPr>
-                          <a:rPr lang="en-US" sz="1600" b="0" i="1" dirty="0" smtClean="0">
-                            <a:latin typeface="Cambria Math" panose="02040503050406030204" pitchFamily="18" charset="0"/>
-                            <a:cs typeface="Arial" panose="020B0604020202020204" pitchFamily="34" charset="0"/>
-                          </a:rPr>
-                        </m:ctrlPr>
-                      </m:sSupPr>
-                      <m:e>
-                        <m:r>
-                          <a:rPr lang="en-US" sz="1600" b="0" i="1" dirty="0" smtClean="0">
-                            <a:latin typeface="Cambria Math" panose="02040503050406030204" pitchFamily="18" charset="0"/>
-                            <a:cs typeface="Arial" panose="020B0604020202020204" pitchFamily="34" charset="0"/>
-                          </a:rPr>
-                          <m:t>𝜖</m:t>
-                        </m:r>
-                      </m:e>
-                      <m:sup>
-                        <m:r>
-                          <a:rPr lang="en-US" sz="1600" b="0" i="1" dirty="0" smtClean="0">
-                            <a:latin typeface="Cambria Math" panose="02040503050406030204" pitchFamily="18" charset="0"/>
-                            <a:cs typeface="Arial" panose="020B0604020202020204" pitchFamily="34" charset="0"/>
-                          </a:rPr>
-                          <m:t>2</m:t>
-                        </m:r>
-                      </m:sup>
-                    </m:sSup>
-                    <m:r>
-                      <a:rPr lang="en-US" sz="1600" b="0" i="1" dirty="0" smtClean="0">
-                        <a:latin typeface="Cambria Math" panose="02040503050406030204" pitchFamily="18" charset="0"/>
-                        <a:cs typeface="Arial" panose="020B0604020202020204" pitchFamily="34" charset="0"/>
-                      </a:rPr>
-                      <m:t>)</m:t>
-                    </m:r>
-                  </m:oMath>
-                </a14:m>
-                <a:r>
-                  <a:rPr lang="en-US" sz="1600" dirty="0">
-                    <a:latin typeface="Arial" panose="020B0604020202020204" pitchFamily="34" charset="0"/>
-                    <a:cs typeface="Arial" panose="020B0604020202020204" pitchFamily="34" charset="0"/>
-                  </a:rPr>
-                  <a:t> respectively: </a:t>
+                  <a:t>        Finding a fast-slow split requires that we nondimensionalize our system and choose a scaling:</a:t>
                 </a:r>
               </a:p>
               <a:p>
@@ -5852,6 +5727,12 @@
                   <a:t> characterize different dynamical regimes depending on their order. </a:t>
                 </a:r>
               </a:p>
+              <a:p>
+                <a:endParaRPr lang="en-US" sz="1600" dirty="0">
+                  <a:latin typeface="Arial" panose="020B0604020202020204" pitchFamily="34" charset="0"/>
+                  <a:cs typeface="Arial" panose="020B0604020202020204" pitchFamily="34" charset="0"/>
+                </a:endParaRPr>
+              </a:p>
             </p:txBody>
           </p:sp>
         </mc:Choice>
@@ -5873,7 +5754,7 @@
             <p:spPr>
               <a:xfrm>
                 <a:off x="10011128" y="4114800"/>
-                <a:ext cx="7429499" cy="7730258"/>
+                <a:ext cx="7429499" cy="7077130"/>
               </a:xfrm>
               <a:prstGeom prst="rect">
                 <a:avLst/>
@@ -5881,7 +5762,7 @@
               <a:blipFill>
                 <a:blip r:embed="rId3"/>
                 <a:stretch>
-                  <a:fillRect l="-410" r="-164"/>
+                  <a:fillRect l="-410"/>
                 </a:stretch>
               </a:blipFill>
             </p:spPr>
@@ -6063,8 +5944,8 @@
             </p:nvSpPr>
             <p:spPr>
               <a:xfrm>
-                <a:off x="10011920" y="12522160"/>
-                <a:ext cx="7431757" cy="5678734"/>
+                <a:off x="10008870" y="11869032"/>
+                <a:ext cx="7431757" cy="6537046"/>
               </a:xfrm>
               <a:prstGeom prst="rect">
                 <a:avLst/>
@@ -6088,7 +5969,7 @@
                     <a:latin typeface="Arial" panose="020B0604020202020204" pitchFamily="34" charset="0"/>
                     <a:cs typeface="Arial" panose="020B0604020202020204" pitchFamily="34" charset="0"/>
                   </a:rPr>
-                  <a:t>        This choice of dimensionless coordinates does not admit a fast-slow split, but a different choice still can. Thus, we reintroduce Strauss’s original stream function descriptions of </a:t>
+                  <a:t>        This choice of dimensionless variables does not admit a fast-slow split, but a different choice still can. Thus, we reintroduce Strauss’s original stream function descriptions of </a:t>
                 </a:r>
                 <a14:m>
                   <m:oMath xmlns:m="http://schemas.openxmlformats.org/officeDocument/2006/math">
@@ -7028,7 +6909,7 @@
                     <a:latin typeface="Arial" panose="020B0604020202020204" pitchFamily="34" charset="0"/>
                     <a:cs typeface="Arial" panose="020B0604020202020204" pitchFamily="34" charset="0"/>
                   </a:rPr>
-                  <a:t> as the expression of density fluctuations with the quantity </a:t>
+                  <a:t> with the quantity </a:t>
                 </a:r>
                 <a14:m>
                   <m:oMath xmlns:m="http://schemas.openxmlformats.org/officeDocument/2006/math">
@@ -7576,33 +7457,33 @@
                     <a:latin typeface="Arial" panose="020B0604020202020204" pitchFamily="34" charset="0"/>
                     <a:cs typeface="Arial" panose="020B0604020202020204" pitchFamily="34" charset="0"/>
                   </a:rPr>
-                  <a:t>        Now, all of the degrees of freedom of our original MHD system are represented by the fields </a:t>
+                  <a:t>        Substituting the above relations into the original system yields complicated evolution equations. However, the limit system enjoys a reduction from 7 dimensions (</a:t>
                 </a:r>
                 <a14:m>
                   <m:oMath xmlns:m="http://schemas.openxmlformats.org/officeDocument/2006/math">
                     <m:r>
-                      <a:rPr lang="en-US" sz="1600" b="0" i="1" smtClean="0">
+                      <a:rPr lang="en-US" sz="1600" i="1">
                         <a:latin typeface="Cambria Math" panose="02040503050406030204" pitchFamily="18" charset="0"/>
                         <a:cs typeface="Arial" panose="020B0604020202020204" pitchFamily="34" charset="0"/>
                       </a:rPr>
                       <m:t>𝜙</m:t>
                     </m:r>
                     <m:r>
-                      <a:rPr lang="en-US" sz="1600" b="0" i="1" smtClean="0">
+                      <a:rPr lang="en-US" sz="1600" i="1">
                         <a:latin typeface="Cambria Math" panose="02040503050406030204" pitchFamily="18" charset="0"/>
                         <a:cs typeface="Arial" panose="020B0604020202020204" pitchFamily="34" charset="0"/>
                       </a:rPr>
                       <m:t>, </m:t>
                     </m:r>
                     <m:r>
-                      <a:rPr lang="en-US" sz="1600" b="0" i="1" smtClean="0">
+                      <a:rPr lang="en-US" sz="1600" i="1">
                         <a:latin typeface="Cambria Math" panose="02040503050406030204" pitchFamily="18" charset="0"/>
                         <a:cs typeface="Arial" panose="020B0604020202020204" pitchFamily="34" charset="0"/>
                       </a:rPr>
                       <m:t>𝜓</m:t>
                     </m:r>
                     <m:r>
-                      <a:rPr lang="en-US" sz="1600" b="0" i="1" smtClean="0">
+                      <a:rPr lang="en-US" sz="1600" i="1">
                         <a:latin typeface="Cambria Math" panose="02040503050406030204" pitchFamily="18" charset="0"/>
                         <a:cs typeface="Arial" panose="020B0604020202020204" pitchFamily="34" charset="0"/>
                       </a:rPr>
@@ -7611,7 +7492,7 @@
                     <m:sSub>
                       <m:sSubPr>
                         <m:ctrlPr>
-                          <a:rPr lang="en-US" sz="1600" b="0" i="1" smtClean="0">
+                          <a:rPr lang="en-US" sz="1600" i="1">
                             <a:latin typeface="Cambria Math" panose="02040503050406030204" pitchFamily="18" charset="0"/>
                             <a:cs typeface="Arial" panose="020B0604020202020204" pitchFamily="34" charset="0"/>
                           </a:rPr>
@@ -7619,7 +7500,7 @@
                       </m:sSubPr>
                       <m:e>
                         <m:r>
-                          <a:rPr lang="en-US" sz="1600" b="0" i="1" smtClean="0">
+                          <a:rPr lang="en-US" sz="1600" i="1">
                             <a:latin typeface="Cambria Math" panose="02040503050406030204" pitchFamily="18" charset="0"/>
                             <a:cs typeface="Arial" panose="020B0604020202020204" pitchFamily="34" charset="0"/>
                           </a:rPr>
@@ -7628,7 +7509,7 @@
                       </m:e>
                       <m:sub>
                         <m:r>
-                          <a:rPr lang="en-US" sz="1600" b="0" i="1" smtClean="0">
+                          <a:rPr lang="en-US" sz="1600" i="1">
                             <a:latin typeface="Cambria Math" panose="02040503050406030204" pitchFamily="18" charset="0"/>
                             <a:cs typeface="Arial" panose="020B0604020202020204" pitchFamily="34" charset="0"/>
                           </a:rPr>
@@ -7637,7 +7518,7 @@
                       </m:sub>
                     </m:sSub>
                     <m:r>
-                      <a:rPr lang="en-US" sz="1600" b="0" i="1" smtClean="0">
+                      <a:rPr lang="en-US" sz="1600" i="1">
                         <a:latin typeface="Cambria Math" panose="02040503050406030204" pitchFamily="18" charset="0"/>
                         <a:cs typeface="Arial" panose="020B0604020202020204" pitchFamily="34" charset="0"/>
                       </a:rPr>
@@ -7647,14 +7528,14 @@
                       <m:rPr>
                         <m:sty m:val="p"/>
                       </m:rPr>
-                      <a:rPr lang="en-US" sz="1600" b="0" i="0" smtClean="0">
+                      <a:rPr lang="en-US" sz="1600">
                         <a:latin typeface="Cambria Math" panose="02040503050406030204" pitchFamily="18" charset="0"/>
                         <a:cs typeface="Arial" panose="020B0604020202020204" pitchFamily="34" charset="0"/>
                       </a:rPr>
                       <m:t>Φ</m:t>
                     </m:r>
                     <m:r>
-                      <a:rPr lang="en-US" sz="1600" b="0" i="1" smtClean="0">
+                      <a:rPr lang="en-US" sz="1600" i="1">
                         <a:latin typeface="Cambria Math" panose="02040503050406030204" pitchFamily="18" charset="0"/>
                         <a:cs typeface="Arial" panose="020B0604020202020204" pitchFamily="34" charset="0"/>
                       </a:rPr>
@@ -7664,14 +7545,14 @@
                       <m:rPr>
                         <m:sty m:val="p"/>
                       </m:rPr>
-                      <a:rPr lang="en-US" sz="1600" b="0" i="0" smtClean="0">
+                      <a:rPr lang="en-US" sz="1600">
                         <a:latin typeface="Cambria Math" panose="02040503050406030204" pitchFamily="18" charset="0"/>
                         <a:cs typeface="Arial" panose="020B0604020202020204" pitchFamily="34" charset="0"/>
                       </a:rPr>
                       <m:t>Ψ</m:t>
                     </m:r>
                     <m:r>
-                      <a:rPr lang="en-US" sz="1600" b="0" i="1" smtClean="0">
+                      <a:rPr lang="en-US" sz="1600" i="1">
                         <a:latin typeface="Cambria Math" panose="02040503050406030204" pitchFamily="18" charset="0"/>
                         <a:cs typeface="Arial" panose="020B0604020202020204" pitchFamily="34" charset="0"/>
                       </a:rPr>
@@ -7680,7 +7561,7 @@
                     <m:sSub>
                       <m:sSubPr>
                         <m:ctrlPr>
-                          <a:rPr lang="en-US" sz="1600" b="0" i="1" smtClean="0">
+                          <a:rPr lang="en-US" sz="1600" i="1">
                             <a:latin typeface="Cambria Math" panose="02040503050406030204" pitchFamily="18" charset="0"/>
                             <a:cs typeface="Arial" panose="020B0604020202020204" pitchFamily="34" charset="0"/>
                           </a:rPr>
@@ -7688,7 +7569,7 @@
                       </m:sSubPr>
                       <m:e>
                         <m:r>
-                          <a:rPr lang="en-US" sz="1600" b="0" i="1" smtClean="0">
+                          <a:rPr lang="en-US" sz="1600" i="1">
                             <a:latin typeface="Cambria Math" panose="02040503050406030204" pitchFamily="18" charset="0"/>
                             <a:cs typeface="Arial" panose="020B0604020202020204" pitchFamily="34" charset="0"/>
                           </a:rPr>
@@ -7697,7 +7578,7 @@
                       </m:e>
                       <m:sub>
                         <m:r>
-                          <a:rPr lang="en-US" sz="1600" b="0" i="1" smtClean="0">
+                          <a:rPr lang="en-US" sz="1600" i="1">
                             <a:latin typeface="Cambria Math" panose="02040503050406030204" pitchFamily="18" charset="0"/>
                             <a:cs typeface="Arial" panose="020B0604020202020204" pitchFamily="34" charset="0"/>
                           </a:rPr>
@@ -7706,7 +7587,7 @@
                       </m:sub>
                     </m:sSub>
                     <m:r>
-                      <a:rPr lang="en-US" sz="1600" b="0" i="1" smtClean="0">
+                      <a:rPr lang="en-US" sz="1600" i="1">
                         <a:latin typeface="Cambria Math" panose="02040503050406030204" pitchFamily="18" charset="0"/>
                         <a:cs typeface="Arial" panose="020B0604020202020204" pitchFamily="34" charset="0"/>
                       </a:rPr>
@@ -7724,7 +7605,7 @@
                 <a14:m>
                   <m:oMath xmlns:m="http://schemas.openxmlformats.org/officeDocument/2006/math">
                     <m:r>
-                      <a:rPr lang="en-US" sz="1600" b="0" i="1" smtClean="0">
+                      <a:rPr lang="en-US" sz="1600" i="1">
                         <a:latin typeface="Cambria Math" panose="02040503050406030204" pitchFamily="18" charset="0"/>
                         <a:cs typeface="Arial" panose="020B0604020202020204" pitchFamily="34" charset="0"/>
                       </a:rPr>
@@ -7737,7 +7618,7 @@
                     <a:latin typeface="Arial" panose="020B0604020202020204" pitchFamily="34" charset="0"/>
                     <a:cs typeface="Arial" panose="020B0604020202020204" pitchFamily="34" charset="0"/>
                   </a:rPr>
-                  <a:t>. Substituting the above relations into the original system yields complicated evolution equations. These calculations were performed in Mathematica, but the results simplify dramatically in the </a:t>
+                  <a:t>) down to 2 as </a:t>
                 </a:r>
                 <a14:m>
                   <m:oMath xmlns:m="http://schemas.openxmlformats.org/officeDocument/2006/math">
@@ -7758,11 +7639,771 @@
                   </m:oMath>
                 </a14:m>
                 <a:r>
+                  <a:rPr lang="en-US" sz="1600" b="0" dirty="0">
+                    <a:latin typeface="Cambria Math" panose="02040503050406030204" pitchFamily="18" charset="0"/>
+                    <a:cs typeface="Arial" panose="020B0604020202020204" pitchFamily="34" charset="0"/>
+                  </a:rPr>
+                  <a:t>:</a:t>
+                </a:r>
+              </a:p>
+              <a:p>
+                <a:pPr/>
+                <a14:m>
+                  <m:oMathPara xmlns:m="http://schemas.openxmlformats.org/officeDocument/2006/math">
+                    <m:oMathParaPr>
+                      <m:jc m:val="centerGroup"/>
+                    </m:oMathParaPr>
+                    <m:oMath xmlns:m="http://schemas.openxmlformats.org/officeDocument/2006/math">
+                      <m:acc>
+                        <m:accPr>
+                          <m:chr m:val="̇"/>
+                          <m:ctrlPr>
+                            <a:rPr lang="en-US" sz="2200" b="0" i="1" smtClean="0">
+                              <a:latin typeface="Cambria Math" panose="02040503050406030204" pitchFamily="18" charset="0"/>
+                              <a:cs typeface="Arial" panose="020B0604020202020204" pitchFamily="34" charset="0"/>
+                            </a:rPr>
+                          </m:ctrlPr>
+                        </m:accPr>
+                        <m:e>
+                          <m:r>
+                            <a:rPr lang="en-US" sz="2200" b="0" i="1" smtClean="0">
+                              <a:latin typeface="Cambria Math" panose="02040503050406030204" pitchFamily="18" charset="0"/>
+                              <a:cs typeface="Arial" panose="020B0604020202020204" pitchFamily="34" charset="0"/>
+                            </a:rPr>
+                            <m:t>𝜓</m:t>
+                          </m:r>
+                        </m:e>
+                      </m:acc>
+                      <m:r>
+                        <a:rPr lang="en-US" sz="2200" b="0" i="1" dirty="0" smtClean="0">
+                          <a:latin typeface="Cambria Math" panose="02040503050406030204" pitchFamily="18" charset="0"/>
+                          <a:cs typeface="Arial" panose="020B0604020202020204" pitchFamily="34" charset="0"/>
+                        </a:rPr>
+                        <m:t>=0,  </m:t>
+                      </m:r>
+                      <m:sSub>
+                        <m:sSubPr>
+                          <m:ctrlPr>
+                            <a:rPr lang="en-US" sz="2200" b="0" i="1" dirty="0" smtClean="0">
+                              <a:latin typeface="Cambria Math" panose="02040503050406030204" pitchFamily="18" charset="0"/>
+                              <a:cs typeface="Arial" panose="020B0604020202020204" pitchFamily="34" charset="0"/>
+                            </a:rPr>
+                          </m:ctrlPr>
+                        </m:sSubPr>
+                        <m:e>
+                          <m:acc>
+                            <m:accPr>
+                              <m:chr m:val="̇"/>
+                              <m:ctrlPr>
+                                <a:rPr lang="en-US" sz="2200" b="0" i="1" dirty="0" smtClean="0">
+                                  <a:latin typeface="Cambria Math" panose="02040503050406030204" pitchFamily="18" charset="0"/>
+                                  <a:cs typeface="Arial" panose="020B0604020202020204" pitchFamily="34" charset="0"/>
+                                </a:rPr>
+                              </m:ctrlPr>
+                            </m:accPr>
+                            <m:e>
+                              <m:r>
+                                <a:rPr lang="en-US" sz="2200" b="0" i="1" dirty="0" smtClean="0">
+                                  <a:latin typeface="Cambria Math" panose="02040503050406030204" pitchFamily="18" charset="0"/>
+                                  <a:cs typeface="Arial" panose="020B0604020202020204" pitchFamily="34" charset="0"/>
+                                </a:rPr>
+                                <m:t>𝜈</m:t>
+                              </m:r>
+                            </m:e>
+                          </m:acc>
+                        </m:e>
+                        <m:sub>
+                          <m:r>
+                            <a:rPr lang="en-US" sz="2200" b="0" i="1" dirty="0" smtClean="0">
+                              <a:latin typeface="Cambria Math" panose="02040503050406030204" pitchFamily="18" charset="0"/>
+                              <a:cs typeface="Arial" panose="020B0604020202020204" pitchFamily="34" charset="0"/>
+                            </a:rPr>
+                            <m:t>∥</m:t>
+                          </m:r>
+                        </m:sub>
+                      </m:sSub>
+                      <m:r>
+                        <a:rPr lang="en-US" sz="2200" b="0" i="1" dirty="0" smtClean="0">
+                          <a:latin typeface="Cambria Math" panose="02040503050406030204" pitchFamily="18" charset="0"/>
+                          <a:cs typeface="Arial" panose="020B0604020202020204" pitchFamily="34" charset="0"/>
+                        </a:rPr>
+                        <m:t>=0,  </m:t>
+                      </m:r>
+                      <m:acc>
+                        <m:accPr>
+                          <m:chr m:val="̇"/>
+                          <m:ctrlPr>
+                            <a:rPr lang="en-US" sz="2200" b="0" i="1" dirty="0" smtClean="0">
+                              <a:latin typeface="Cambria Math" panose="02040503050406030204" pitchFamily="18" charset="0"/>
+                              <a:cs typeface="Arial" panose="020B0604020202020204" pitchFamily="34" charset="0"/>
+                            </a:rPr>
+                          </m:ctrlPr>
+                        </m:accPr>
+                        <m:e>
+                          <m:r>
+                            <m:rPr>
+                              <m:sty m:val="p"/>
+                            </m:rPr>
+                            <a:rPr lang="en-US" sz="2200" b="0" i="0" dirty="0" smtClean="0">
+                              <a:latin typeface="Cambria Math" panose="02040503050406030204" pitchFamily="18" charset="0"/>
+                              <a:cs typeface="Arial" panose="020B0604020202020204" pitchFamily="34" charset="0"/>
+                            </a:rPr>
+                            <m:t>Φ</m:t>
+                          </m:r>
+                        </m:e>
+                      </m:acc>
+                      <m:r>
+                        <a:rPr lang="en-US" sz="2200" b="0" i="1" dirty="0" smtClean="0">
+                          <a:latin typeface="Cambria Math" panose="02040503050406030204" pitchFamily="18" charset="0"/>
+                          <a:cs typeface="Arial" panose="020B0604020202020204" pitchFamily="34" charset="0"/>
+                        </a:rPr>
+                        <m:t>=0,  </m:t>
+                      </m:r>
+                      <m:acc>
+                        <m:accPr>
+                          <m:chr m:val="̇"/>
+                          <m:ctrlPr>
+                            <a:rPr lang="en-US" sz="2200" b="0" i="1" dirty="0" smtClean="0">
+                              <a:latin typeface="Cambria Math" panose="02040503050406030204" pitchFamily="18" charset="0"/>
+                              <a:cs typeface="Arial" panose="020B0604020202020204" pitchFamily="34" charset="0"/>
+                            </a:rPr>
+                          </m:ctrlPr>
+                        </m:accPr>
+                        <m:e>
+                          <m:r>
+                            <m:rPr>
+                              <m:sty m:val="p"/>
+                            </m:rPr>
+                            <a:rPr lang="en-US" sz="2200" b="0" i="0" dirty="0" smtClean="0">
+                              <a:latin typeface="Cambria Math" panose="02040503050406030204" pitchFamily="18" charset="0"/>
+                              <a:cs typeface="Arial" panose="020B0604020202020204" pitchFamily="34" charset="0"/>
+                            </a:rPr>
+                            <m:t>Ψ</m:t>
+                          </m:r>
+                        </m:e>
+                      </m:acc>
+                      <m:r>
+                        <a:rPr lang="en-US" sz="2200" b="0" i="1" dirty="0" smtClean="0">
+                          <a:latin typeface="Cambria Math" panose="02040503050406030204" pitchFamily="18" charset="0"/>
+                          <a:cs typeface="Arial" panose="020B0604020202020204" pitchFamily="34" charset="0"/>
+                        </a:rPr>
+                        <m:t>=0,  </m:t>
+                      </m:r>
+                      <m:acc>
+                        <m:accPr>
+                          <m:chr m:val="̇"/>
+                          <m:ctrlPr>
+                            <a:rPr lang="en-US" sz="2200" b="0" i="1" dirty="0" smtClean="0">
+                              <a:latin typeface="Cambria Math" panose="02040503050406030204" pitchFamily="18" charset="0"/>
+                              <a:cs typeface="Arial" panose="020B0604020202020204" pitchFamily="34" charset="0"/>
+                            </a:rPr>
+                          </m:ctrlPr>
+                        </m:accPr>
+                        <m:e>
+                          <m:r>
+                            <a:rPr lang="en-US" sz="2200" b="0" i="1" dirty="0" smtClean="0">
+                              <a:latin typeface="Cambria Math" panose="02040503050406030204" pitchFamily="18" charset="0"/>
+                              <a:cs typeface="Arial" panose="020B0604020202020204" pitchFamily="34" charset="0"/>
+                            </a:rPr>
+                            <m:t>𝑞</m:t>
+                          </m:r>
+                        </m:e>
+                      </m:acc>
+                      <m:r>
+                        <a:rPr lang="en-US" sz="2200" b="0" i="1" dirty="0" smtClean="0">
+                          <a:latin typeface="Cambria Math" panose="02040503050406030204" pitchFamily="18" charset="0"/>
+                          <a:cs typeface="Arial" panose="020B0604020202020204" pitchFamily="34" charset="0"/>
+                        </a:rPr>
+                        <m:t>=0,</m:t>
+                      </m:r>
+                    </m:oMath>
+                  </m:oMathPara>
+                </a14:m>
+                <a:endParaRPr lang="en-US" sz="2200" b="0" i="1" dirty="0">
+                  <a:latin typeface="Cambria Math" panose="02040503050406030204" pitchFamily="18" charset="0"/>
+                  <a:cs typeface="Arial" panose="020B0604020202020204" pitchFamily="34" charset="0"/>
+                </a:endParaRPr>
+              </a:p>
+              <a:p>
+                <a:pPr/>
+                <a14:m>
+                  <m:oMathPara xmlns:m="http://schemas.openxmlformats.org/officeDocument/2006/math">
+                    <m:oMathParaPr>
+                      <m:jc m:val="centerGroup"/>
+                    </m:oMathParaPr>
+                    <m:oMath xmlns:m="http://schemas.openxmlformats.org/officeDocument/2006/math">
+                      <m:acc>
+                        <m:accPr>
+                          <m:chr m:val="̇"/>
+                          <m:ctrlPr>
+                            <a:rPr lang="en-US" sz="2200" i="1">
+                              <a:latin typeface="Cambria Math" panose="02040503050406030204" pitchFamily="18" charset="0"/>
+                              <a:ea typeface="Cambria Math" panose="02040503050406030204" pitchFamily="18" charset="0"/>
+                              <a:cs typeface="Arial" panose="020B0604020202020204" pitchFamily="34" charset="0"/>
+                            </a:rPr>
+                          </m:ctrlPr>
+                        </m:accPr>
+                        <m:e>
+                          <m:r>
+                            <a:rPr lang="en-US" sz="2200" i="1">
+                              <a:latin typeface="Cambria Math" panose="02040503050406030204" pitchFamily="18" charset="0"/>
+                              <a:ea typeface="Cambria Math" panose="02040503050406030204" pitchFamily="18" charset="0"/>
+                              <a:cs typeface="Arial" panose="020B0604020202020204" pitchFamily="34" charset="0"/>
+                            </a:rPr>
+                            <m:t>𝜙</m:t>
+                          </m:r>
+                        </m:e>
+                      </m:acc>
+                      <m:r>
+                        <a:rPr lang="en-US" sz="2200" i="1" dirty="0">
+                          <a:latin typeface="Cambria Math" panose="02040503050406030204" pitchFamily="18" charset="0"/>
+                          <a:ea typeface="Cambria Math" panose="02040503050406030204" pitchFamily="18" charset="0"/>
+                          <a:cs typeface="Arial" panose="020B0604020202020204" pitchFamily="34" charset="0"/>
+                        </a:rPr>
+                        <m:t>=</m:t>
+                      </m:r>
+                      <m:sSub>
+                        <m:sSubPr>
+                          <m:ctrlPr>
+                            <a:rPr lang="en-US" sz="2200" i="1" dirty="0">
+                              <a:latin typeface="Cambria Math" panose="02040503050406030204" pitchFamily="18" charset="0"/>
+                              <a:ea typeface="Cambria Math" panose="02040503050406030204" pitchFamily="18" charset="0"/>
+                              <a:cs typeface="Arial" panose="020B0604020202020204" pitchFamily="34" charset="0"/>
+                            </a:rPr>
+                          </m:ctrlPr>
+                        </m:sSubPr>
+                        <m:e>
+                          <m:r>
+                            <a:rPr lang="en-US" sz="2200" i="1" dirty="0">
+                              <a:latin typeface="Cambria Math" panose="02040503050406030204" pitchFamily="18" charset="0"/>
+                              <a:ea typeface="Cambria Math" panose="02040503050406030204" pitchFamily="18" charset="0"/>
+                              <a:cs typeface="Arial" panose="020B0604020202020204" pitchFamily="34" charset="0"/>
+                            </a:rPr>
+                            <m:t>𝐻</m:t>
+                          </m:r>
+                        </m:e>
+                        <m:sub>
+                          <m:sSub>
+                            <m:sSubPr>
+                              <m:ctrlPr>
+                                <a:rPr lang="en-US" sz="2200" i="1" dirty="0">
+                                  <a:latin typeface="Cambria Math" panose="02040503050406030204" pitchFamily="18" charset="0"/>
+                                  <a:ea typeface="Cambria Math" panose="02040503050406030204" pitchFamily="18" charset="0"/>
+                                  <a:cs typeface="Arial" panose="020B0604020202020204" pitchFamily="34" charset="0"/>
+                                </a:rPr>
+                              </m:ctrlPr>
+                            </m:sSubPr>
+                            <m:e>
+                              <m:r>
+                                <a:rPr lang="en-US" sz="2200" i="1" dirty="0">
+                                  <a:latin typeface="Cambria Math" panose="02040503050406030204" pitchFamily="18" charset="0"/>
+                                  <a:ea typeface="Cambria Math" panose="02040503050406030204" pitchFamily="18" charset="0"/>
+                                  <a:cs typeface="Arial" panose="020B0604020202020204" pitchFamily="34" charset="0"/>
+                                </a:rPr>
+                                <m:t>𝛽</m:t>
+                              </m:r>
+                            </m:e>
+                            <m:sub>
+                              <m:r>
+                                <a:rPr lang="en-US" sz="2200" i="1" dirty="0">
+                                  <a:latin typeface="Cambria Math" panose="02040503050406030204" pitchFamily="18" charset="0"/>
+                                  <a:ea typeface="Cambria Math" panose="02040503050406030204" pitchFamily="18" charset="0"/>
+                                  <a:cs typeface="Arial" panose="020B0604020202020204" pitchFamily="34" charset="0"/>
+                                </a:rPr>
+                                <m:t>∥</m:t>
+                              </m:r>
+                            </m:sub>
+                          </m:sSub>
+                        </m:sub>
+                      </m:sSub>
+                      <m:r>
+                        <a:rPr lang="en-US" sz="2200" i="1" dirty="0">
+                          <a:latin typeface="Cambria Math" panose="02040503050406030204" pitchFamily="18" charset="0"/>
+                          <a:ea typeface="Cambria Math" panose="02040503050406030204" pitchFamily="18" charset="0"/>
+                          <a:cs typeface="Arial" panose="020B0604020202020204" pitchFamily="34" charset="0"/>
+                        </a:rPr>
+                        <m:t>−</m:t>
+                      </m:r>
+                      <m:sSub>
+                        <m:sSubPr>
+                          <m:ctrlPr>
+                            <a:rPr lang="en-US" sz="2200" i="1" dirty="0">
+                              <a:latin typeface="Cambria Math" panose="02040503050406030204" pitchFamily="18" charset="0"/>
+                              <a:ea typeface="Cambria Math" panose="02040503050406030204" pitchFamily="18" charset="0"/>
+                              <a:cs typeface="Arial" panose="020B0604020202020204" pitchFamily="34" charset="0"/>
+                            </a:rPr>
+                          </m:ctrlPr>
+                        </m:sSubPr>
+                        <m:e>
+                          <m:r>
+                            <a:rPr lang="en-US" sz="2200" i="1" dirty="0">
+                              <a:latin typeface="Cambria Math" panose="02040503050406030204" pitchFamily="18" charset="0"/>
+                              <a:ea typeface="Cambria Math" panose="02040503050406030204" pitchFamily="18" charset="0"/>
+                              <a:cs typeface="Arial" panose="020B0604020202020204" pitchFamily="34" charset="0"/>
+                            </a:rPr>
+                            <m:t>𝛽</m:t>
+                          </m:r>
+                        </m:e>
+                        <m:sub>
+                          <m:r>
+                            <a:rPr lang="en-US" sz="2200" i="1" dirty="0">
+                              <a:latin typeface="Cambria Math" panose="02040503050406030204" pitchFamily="18" charset="0"/>
+                              <a:ea typeface="Cambria Math" panose="02040503050406030204" pitchFamily="18" charset="0"/>
+                              <a:cs typeface="Arial" panose="020B0604020202020204" pitchFamily="34" charset="0"/>
+                            </a:rPr>
+                            <m:t>∥</m:t>
+                          </m:r>
+                        </m:sub>
+                      </m:sSub>
+                      <m:r>
+                        <m:rPr>
+                          <m:nor/>
+                        </m:rPr>
+                        <a:rPr lang="en-US" sz="2200" dirty="0">
+                          <a:latin typeface="Cambria Math" panose="02040503050406030204" pitchFamily="18" charset="0"/>
+                          <a:ea typeface="Cambria Math" panose="02040503050406030204" pitchFamily="18" charset="0"/>
+                          <a:cs typeface="Arial" panose="020B0604020202020204" pitchFamily="34" charset="0"/>
+                        </a:rPr>
+                        <m:t>,</m:t>
+                      </m:r>
+                      <m:r>
+                        <a:rPr lang="en-US" sz="2200" b="0" i="1" dirty="0" smtClean="0">
+                          <a:latin typeface="Cambria Math" panose="02040503050406030204" pitchFamily="18" charset="0"/>
+                          <a:ea typeface="Cambria Math" panose="02040503050406030204" pitchFamily="18" charset="0"/>
+                          <a:cs typeface="Arial" panose="020B0604020202020204" pitchFamily="34" charset="0"/>
+                        </a:rPr>
+                        <m:t>  </m:t>
+                      </m:r>
+                      <m:r>
+                        <m:rPr>
+                          <m:nor/>
+                        </m:rPr>
+                        <a:rPr lang="en-US" sz="2200" dirty="0">
+                          <a:latin typeface="Cambria Math" panose="02040503050406030204" pitchFamily="18" charset="0"/>
+                          <a:ea typeface="Cambria Math" panose="02040503050406030204" pitchFamily="18" charset="0"/>
+                          <a:cs typeface="Arial" panose="020B0604020202020204" pitchFamily="34" charset="0"/>
+                        </a:rPr>
+                        <m:t>and</m:t>
+                      </m:r>
+                      <m:r>
+                        <a:rPr lang="en-US" sz="2200" b="0" i="1" dirty="0" smtClean="0">
+                          <a:latin typeface="Cambria Math" panose="02040503050406030204" pitchFamily="18" charset="0"/>
+                          <a:ea typeface="Cambria Math" panose="02040503050406030204" pitchFamily="18" charset="0"/>
+                          <a:cs typeface="Arial" panose="020B0604020202020204" pitchFamily="34" charset="0"/>
+                        </a:rPr>
+                        <m:t>  </m:t>
+                      </m:r>
+                      <m:acc>
+                        <m:accPr>
+                          <m:chr m:val="̇"/>
+                          <m:ctrlPr>
+                            <a:rPr lang="en-US" sz="2200" i="1">
+                              <a:latin typeface="Cambria Math" panose="02040503050406030204" pitchFamily="18" charset="0"/>
+                              <a:ea typeface="Cambria Math" panose="02040503050406030204" pitchFamily="18" charset="0"/>
+                              <a:cs typeface="Arial" panose="020B0604020202020204" pitchFamily="34" charset="0"/>
+                            </a:rPr>
+                          </m:ctrlPr>
+                        </m:accPr>
+                        <m:e>
+                          <m:sSub>
+                            <m:sSubPr>
+                              <m:ctrlPr>
+                                <a:rPr lang="en-US" sz="2200" i="1">
+                                  <a:latin typeface="Cambria Math" panose="02040503050406030204" pitchFamily="18" charset="0"/>
+                                  <a:ea typeface="Cambria Math" panose="02040503050406030204" pitchFamily="18" charset="0"/>
+                                  <a:cs typeface="Arial" panose="020B0604020202020204" pitchFamily="34" charset="0"/>
+                                </a:rPr>
+                              </m:ctrlPr>
+                            </m:sSubPr>
+                            <m:e>
+                              <m:r>
+                                <a:rPr lang="en-US" sz="2200" i="1">
+                                  <a:latin typeface="Cambria Math" panose="02040503050406030204" pitchFamily="18" charset="0"/>
+                                  <a:ea typeface="Cambria Math" panose="02040503050406030204" pitchFamily="18" charset="0"/>
+                                  <a:cs typeface="Arial" panose="020B0604020202020204" pitchFamily="34" charset="0"/>
+                                </a:rPr>
+                                <m:t>𝛽</m:t>
+                              </m:r>
+                            </m:e>
+                            <m:sub>
+                              <m:r>
+                                <a:rPr lang="en-US" sz="2200" i="1">
+                                  <a:latin typeface="Cambria Math" panose="02040503050406030204" pitchFamily="18" charset="0"/>
+                                  <a:ea typeface="Cambria Math" panose="02040503050406030204" pitchFamily="18" charset="0"/>
+                                  <a:cs typeface="Arial" panose="020B0604020202020204" pitchFamily="34" charset="0"/>
+                                </a:rPr>
+                                <m:t>∥</m:t>
+                              </m:r>
+                            </m:sub>
+                          </m:sSub>
+                        </m:e>
+                      </m:acc>
+                      <m:r>
+                        <a:rPr lang="en-US" sz="2200" i="1">
+                          <a:latin typeface="Cambria Math" panose="02040503050406030204" pitchFamily="18" charset="0"/>
+                          <a:ea typeface="Cambria Math" panose="02040503050406030204" pitchFamily="18" charset="0"/>
+                          <a:cs typeface="Arial" panose="020B0604020202020204" pitchFamily="34" charset="0"/>
+                        </a:rPr>
+                        <m:t>=−</m:t>
+                      </m:r>
+                      <m:sSub>
+                        <m:sSubPr>
+                          <m:ctrlPr>
+                            <a:rPr lang="en-US" sz="2200" i="1">
+                              <a:latin typeface="Cambria Math" panose="02040503050406030204" pitchFamily="18" charset="0"/>
+                              <a:ea typeface="Cambria Math" panose="02040503050406030204" pitchFamily="18" charset="0"/>
+                              <a:cs typeface="Arial" panose="020B0604020202020204" pitchFamily="34" charset="0"/>
+                            </a:rPr>
+                          </m:ctrlPr>
+                        </m:sSubPr>
+                        <m:e>
+                          <m:r>
+                            <m:rPr>
+                              <m:sty m:val="p"/>
+                            </m:rPr>
+                            <a:rPr lang="en-US" sz="2200">
+                              <a:latin typeface="Cambria Math" panose="02040503050406030204" pitchFamily="18" charset="0"/>
+                              <a:ea typeface="Cambria Math" panose="02040503050406030204" pitchFamily="18" charset="0"/>
+                              <a:cs typeface="Arial" panose="020B0604020202020204" pitchFamily="34" charset="0"/>
+                            </a:rPr>
+                            <m:t>Δ</m:t>
+                          </m:r>
+                        </m:e>
+                        <m:sub>
+                          <m:r>
+                            <a:rPr lang="en-US" sz="2200" i="1">
+                              <a:latin typeface="Cambria Math" panose="02040503050406030204" pitchFamily="18" charset="0"/>
+                              <a:ea typeface="Cambria Math" panose="02040503050406030204" pitchFamily="18" charset="0"/>
+                              <a:cs typeface="Arial" panose="020B0604020202020204" pitchFamily="34" charset="0"/>
+                            </a:rPr>
+                            <m:t>⊥</m:t>
+                          </m:r>
+                        </m:sub>
+                      </m:sSub>
+                      <m:r>
+                        <a:rPr lang="en-US" sz="2200" i="1">
+                          <a:latin typeface="Cambria Math" panose="02040503050406030204" pitchFamily="18" charset="0"/>
+                          <a:ea typeface="Cambria Math" panose="02040503050406030204" pitchFamily="18" charset="0"/>
+                          <a:cs typeface="Arial" panose="020B0604020202020204" pitchFamily="34" charset="0"/>
+                        </a:rPr>
+                        <m:t>𝜙</m:t>
+                      </m:r>
+                      <m:r>
+                        <a:rPr lang="en-US" sz="2200" b="0" i="1" smtClean="0">
+                          <a:latin typeface="Cambria Math" panose="02040503050406030204" pitchFamily="18" charset="0"/>
+                          <a:ea typeface="Cambria Math" panose="02040503050406030204" pitchFamily="18" charset="0"/>
+                          <a:cs typeface="Arial" panose="020B0604020202020204" pitchFamily="34" charset="0"/>
+                        </a:rPr>
+                        <m:t>,</m:t>
+                      </m:r>
+                    </m:oMath>
+                  </m:oMathPara>
+                </a14:m>
+                <a:endParaRPr lang="en-US" sz="2200" b="0" i="1" dirty="0">
+                  <a:latin typeface="Cambria Math" panose="02040503050406030204" pitchFamily="18" charset="0"/>
+                  <a:cs typeface="Arial" panose="020B0604020202020204" pitchFamily="34" charset="0"/>
+                </a:endParaRPr>
+              </a:p>
+              <a:p>
+                <a:r>
                   <a:rPr lang="en-US" sz="1600" dirty="0">
                     <a:latin typeface="Arial" panose="020B0604020202020204" pitchFamily="34" charset="0"/>
                     <a:cs typeface="Arial" panose="020B0604020202020204" pitchFamily="34" charset="0"/>
                   </a:rPr>
-                  <a:t> limit. </a:t>
+                  <a:t>where </a:t>
+                </a:r>
+                <a14:m>
+                  <m:oMath xmlns:m="http://schemas.openxmlformats.org/officeDocument/2006/math">
+                    <m:sSub>
+                      <m:sSubPr>
+                        <m:ctrlPr>
+                          <a:rPr lang="en-US" sz="1600" b="0" i="1" smtClean="0">
+                            <a:latin typeface="Cambria Math" panose="02040503050406030204" pitchFamily="18" charset="0"/>
+                            <a:cs typeface="Arial" panose="020B0604020202020204" pitchFamily="34" charset="0"/>
+                          </a:rPr>
+                        </m:ctrlPr>
+                      </m:sSubPr>
+                      <m:e>
+                        <m:r>
+                          <a:rPr lang="en-US" sz="1600" b="0" i="1" smtClean="0">
+                            <a:latin typeface="Cambria Math" panose="02040503050406030204" pitchFamily="18" charset="0"/>
+                            <a:cs typeface="Arial" panose="020B0604020202020204" pitchFamily="34" charset="0"/>
+                          </a:rPr>
+                          <m:t>𝐻</m:t>
+                        </m:r>
+                      </m:e>
+                      <m:sub>
+                        <m:sSub>
+                          <m:sSubPr>
+                            <m:ctrlPr>
+                              <a:rPr lang="en-US" sz="1600" b="0" i="1" smtClean="0">
+                                <a:latin typeface="Cambria Math" panose="02040503050406030204" pitchFamily="18" charset="0"/>
+                                <a:cs typeface="Arial" panose="020B0604020202020204" pitchFamily="34" charset="0"/>
+                              </a:rPr>
+                            </m:ctrlPr>
+                          </m:sSubPr>
+                          <m:e>
+                            <m:r>
+                              <a:rPr lang="en-US" sz="1600" b="0" i="1" smtClean="0">
+                                <a:latin typeface="Cambria Math" panose="02040503050406030204" pitchFamily="18" charset="0"/>
+                                <a:cs typeface="Arial" panose="020B0604020202020204" pitchFamily="34" charset="0"/>
+                              </a:rPr>
+                              <m:t>𝛽</m:t>
+                            </m:r>
+                          </m:e>
+                          <m:sub>
+                            <m:r>
+                              <a:rPr lang="en-US" sz="1600" b="0" i="1" smtClean="0">
+                                <a:latin typeface="Cambria Math" panose="02040503050406030204" pitchFamily="18" charset="0"/>
+                                <a:cs typeface="Arial" panose="020B0604020202020204" pitchFamily="34" charset="0"/>
+                              </a:rPr>
+                              <m:t>∥</m:t>
+                            </m:r>
+                          </m:sub>
+                        </m:sSub>
+                      </m:sub>
+                    </m:sSub>
+                  </m:oMath>
+                </a14:m>
+                <a:r>
+                  <a:rPr lang="en-US" sz="1600" dirty="0">
+                    <a:latin typeface="Arial" panose="020B0604020202020204" pitchFamily="34" charset="0"/>
+                    <a:cs typeface="Arial" panose="020B0604020202020204" pitchFamily="34" charset="0"/>
+                  </a:rPr>
+                  <a:t> is the unique harmonic function with the same Neumann boundary data as </a:t>
+                </a:r>
+                <a14:m>
+                  <m:oMath xmlns:m="http://schemas.openxmlformats.org/officeDocument/2006/math">
+                    <m:sSub>
+                      <m:sSubPr>
+                        <m:ctrlPr>
+                          <a:rPr lang="en-US" sz="1600" b="0" i="1" smtClean="0">
+                            <a:latin typeface="Cambria Math" panose="02040503050406030204" pitchFamily="18" charset="0"/>
+                            <a:cs typeface="Arial" panose="020B0604020202020204" pitchFamily="34" charset="0"/>
+                          </a:rPr>
+                        </m:ctrlPr>
+                      </m:sSubPr>
+                      <m:e>
+                        <m:r>
+                          <a:rPr lang="en-US" sz="1600" i="1">
+                            <a:latin typeface="Cambria Math" panose="02040503050406030204" pitchFamily="18" charset="0"/>
+                            <a:cs typeface="Arial" panose="020B0604020202020204" pitchFamily="34" charset="0"/>
+                          </a:rPr>
+                          <m:t>𝛽</m:t>
+                        </m:r>
+                      </m:e>
+                      <m:sub>
+                        <m:r>
+                          <a:rPr lang="en-US" sz="1600" b="0" i="1" smtClean="0">
+                            <a:latin typeface="Cambria Math" panose="02040503050406030204" pitchFamily="18" charset="0"/>
+                            <a:cs typeface="Arial" panose="020B0604020202020204" pitchFamily="34" charset="0"/>
+                          </a:rPr>
+                          <m:t>∥</m:t>
+                        </m:r>
+                      </m:sub>
+                    </m:sSub>
+                  </m:oMath>
+                </a14:m>
+                <a:r>
+                  <a:rPr lang="en-US" sz="1600" dirty="0">
+                    <a:latin typeface="Arial" panose="020B0604020202020204" pitchFamily="34" charset="0"/>
+                    <a:cs typeface="Arial" panose="020B0604020202020204" pitchFamily="34" charset="0"/>
+                  </a:rPr>
+                  <a:t>. This suggests a split where </a:t>
+                </a:r>
+                <a14:m>
+                  <m:oMath xmlns:m="http://schemas.openxmlformats.org/officeDocument/2006/math">
+                    <m:r>
+                      <a:rPr lang="en-US" sz="1600" i="1">
+                        <a:latin typeface="Cambria Math" panose="02040503050406030204" pitchFamily="18" charset="0"/>
+                        <a:cs typeface="Arial" panose="020B0604020202020204" pitchFamily="34" charset="0"/>
+                      </a:rPr>
+                      <m:t>𝑥</m:t>
+                    </m:r>
+                    <m:r>
+                      <a:rPr lang="en-US" sz="1600" i="1">
+                        <a:latin typeface="Cambria Math" panose="02040503050406030204" pitchFamily="18" charset="0"/>
+                        <a:cs typeface="Arial" panose="020B0604020202020204" pitchFamily="34" charset="0"/>
+                      </a:rPr>
+                      <m:t>=(</m:t>
+                    </m:r>
+                    <m:r>
+                      <a:rPr lang="en-US" sz="1600" i="1">
+                        <a:latin typeface="Cambria Math" panose="02040503050406030204" pitchFamily="18" charset="0"/>
+                        <a:cs typeface="Arial" panose="020B0604020202020204" pitchFamily="34" charset="0"/>
+                      </a:rPr>
+                      <m:t>𝜓</m:t>
+                    </m:r>
+                    <m:r>
+                      <a:rPr lang="en-US" sz="1600" i="1">
+                        <a:latin typeface="Cambria Math" panose="02040503050406030204" pitchFamily="18" charset="0"/>
+                        <a:cs typeface="Arial" panose="020B0604020202020204" pitchFamily="34" charset="0"/>
+                      </a:rPr>
+                      <m:t>,</m:t>
+                    </m:r>
+                    <m:sSub>
+                      <m:sSubPr>
+                        <m:ctrlPr>
+                          <a:rPr lang="en-US" sz="1600" i="1">
+                            <a:latin typeface="Cambria Math" panose="02040503050406030204" pitchFamily="18" charset="0"/>
+                            <a:cs typeface="Arial" panose="020B0604020202020204" pitchFamily="34" charset="0"/>
+                          </a:rPr>
+                        </m:ctrlPr>
+                      </m:sSubPr>
+                      <m:e>
+                        <m:r>
+                          <a:rPr lang="en-US" sz="1600" i="1">
+                            <a:latin typeface="Cambria Math" panose="02040503050406030204" pitchFamily="18" charset="0"/>
+                            <a:cs typeface="Arial" panose="020B0604020202020204" pitchFamily="34" charset="0"/>
+                          </a:rPr>
+                          <m:t>𝜈</m:t>
+                        </m:r>
+                      </m:e>
+                      <m:sub>
+                        <m:r>
+                          <a:rPr lang="en-US" sz="1600" i="1">
+                            <a:latin typeface="Cambria Math" panose="02040503050406030204" pitchFamily="18" charset="0"/>
+                            <a:cs typeface="Arial" panose="020B0604020202020204" pitchFamily="34" charset="0"/>
+                          </a:rPr>
+                          <m:t>∥</m:t>
+                        </m:r>
+                      </m:sub>
+                    </m:sSub>
+                    <m:r>
+                      <a:rPr lang="en-US" sz="1600" i="1">
+                        <a:latin typeface="Cambria Math" panose="02040503050406030204" pitchFamily="18" charset="0"/>
+                        <a:cs typeface="Arial" panose="020B0604020202020204" pitchFamily="34" charset="0"/>
+                      </a:rPr>
+                      <m:t>,</m:t>
+                    </m:r>
+                    <m:r>
+                      <m:rPr>
+                        <m:sty m:val="p"/>
+                      </m:rPr>
+                      <a:rPr lang="en-US" sz="1600">
+                        <a:latin typeface="Cambria Math" panose="02040503050406030204" pitchFamily="18" charset="0"/>
+                        <a:cs typeface="Arial" panose="020B0604020202020204" pitchFamily="34" charset="0"/>
+                      </a:rPr>
+                      <m:t>Φ</m:t>
+                    </m:r>
+                    <m:r>
+                      <a:rPr lang="en-US" sz="1600" i="1">
+                        <a:latin typeface="Cambria Math" panose="02040503050406030204" pitchFamily="18" charset="0"/>
+                        <a:cs typeface="Arial" panose="020B0604020202020204" pitchFamily="34" charset="0"/>
+                      </a:rPr>
+                      <m:t>,</m:t>
+                    </m:r>
+                    <m:r>
+                      <m:rPr>
+                        <m:sty m:val="p"/>
+                      </m:rPr>
+                      <a:rPr lang="en-US" sz="1600">
+                        <a:latin typeface="Cambria Math" panose="02040503050406030204" pitchFamily="18" charset="0"/>
+                        <a:cs typeface="Arial" panose="020B0604020202020204" pitchFamily="34" charset="0"/>
+                      </a:rPr>
+                      <m:t>Ψ</m:t>
+                    </m:r>
+                    <m:r>
+                      <a:rPr lang="en-US" sz="1600" i="1">
+                        <a:latin typeface="Cambria Math" panose="02040503050406030204" pitchFamily="18" charset="0"/>
+                        <a:cs typeface="Arial" panose="020B0604020202020204" pitchFamily="34" charset="0"/>
+                      </a:rPr>
+                      <m:t>,</m:t>
+                    </m:r>
+                    <m:r>
+                      <a:rPr lang="en-US" sz="1600" i="1">
+                        <a:latin typeface="Cambria Math" panose="02040503050406030204" pitchFamily="18" charset="0"/>
+                        <a:cs typeface="Arial" panose="020B0604020202020204" pitchFamily="34" charset="0"/>
+                      </a:rPr>
+                      <m:t>𝑞</m:t>
+                    </m:r>
+                  </m:oMath>
+                </a14:m>
+                <a:r>
+                  <a:rPr lang="en-US" sz="1600" dirty="0">
+                    <a:latin typeface="Arial" panose="020B0604020202020204" pitchFamily="34" charset="0"/>
+                    <a:cs typeface="Arial" panose="020B0604020202020204" pitchFamily="34" charset="0"/>
+                  </a:rPr>
+                  <a:t>) is the slow variable, and </a:t>
+                </a:r>
+                <a14:m>
+                  <m:oMath xmlns:m="http://schemas.openxmlformats.org/officeDocument/2006/math">
+                    <m:r>
+                      <a:rPr lang="en-US" sz="1600" i="1">
+                        <a:latin typeface="Cambria Math" panose="02040503050406030204" pitchFamily="18" charset="0"/>
+                        <a:cs typeface="Arial" panose="020B0604020202020204" pitchFamily="34" charset="0"/>
+                      </a:rPr>
+                      <m:t>𝑦</m:t>
+                    </m:r>
+                    <m:r>
+                      <a:rPr lang="en-US" sz="1600" i="1">
+                        <a:latin typeface="Cambria Math" panose="02040503050406030204" pitchFamily="18" charset="0"/>
+                        <a:cs typeface="Arial" panose="020B0604020202020204" pitchFamily="34" charset="0"/>
+                      </a:rPr>
+                      <m:t>=</m:t>
+                    </m:r>
+                    <m:d>
+                      <m:dPr>
+                        <m:ctrlPr>
+                          <a:rPr lang="en-US" sz="1600" i="1">
+                            <a:latin typeface="Cambria Math" panose="02040503050406030204" pitchFamily="18" charset="0"/>
+                            <a:cs typeface="Arial" panose="020B0604020202020204" pitchFamily="34" charset="0"/>
+                          </a:rPr>
+                        </m:ctrlPr>
+                      </m:dPr>
+                      <m:e>
+                        <m:r>
+                          <a:rPr lang="en-US" sz="1600" i="1">
+                            <a:latin typeface="Cambria Math" panose="02040503050406030204" pitchFamily="18" charset="0"/>
+                            <a:cs typeface="Arial" panose="020B0604020202020204" pitchFamily="34" charset="0"/>
+                          </a:rPr>
+                          <m:t>𝜙</m:t>
+                        </m:r>
+                        <m:r>
+                          <a:rPr lang="en-US" sz="1600" i="1">
+                            <a:latin typeface="Cambria Math" panose="02040503050406030204" pitchFamily="18" charset="0"/>
+                            <a:cs typeface="Arial" panose="020B0604020202020204" pitchFamily="34" charset="0"/>
+                          </a:rPr>
+                          <m:t>,</m:t>
+                        </m:r>
+                        <m:sSub>
+                          <m:sSubPr>
+                            <m:ctrlPr>
+                              <a:rPr lang="en-US" sz="1600" i="1">
+                                <a:latin typeface="Cambria Math" panose="02040503050406030204" pitchFamily="18" charset="0"/>
+                                <a:cs typeface="Arial" panose="020B0604020202020204" pitchFamily="34" charset="0"/>
+                              </a:rPr>
+                            </m:ctrlPr>
+                          </m:sSubPr>
+                          <m:e>
+                            <m:r>
+                              <a:rPr lang="en-US" sz="1600" i="1">
+                                <a:latin typeface="Cambria Math" panose="02040503050406030204" pitchFamily="18" charset="0"/>
+                                <a:cs typeface="Arial" panose="020B0604020202020204" pitchFamily="34" charset="0"/>
+                              </a:rPr>
+                              <m:t>𝛽</m:t>
+                            </m:r>
+                          </m:e>
+                          <m:sub>
+                            <m:r>
+                              <a:rPr lang="en-US" sz="1600" i="1">
+                                <a:latin typeface="Cambria Math" panose="02040503050406030204" pitchFamily="18" charset="0"/>
+                                <a:cs typeface="Arial" panose="020B0604020202020204" pitchFamily="34" charset="0"/>
+                              </a:rPr>
+                              <m:t>∥</m:t>
+                            </m:r>
+                          </m:sub>
+                        </m:sSub>
+                      </m:e>
+                    </m:d>
+                  </m:oMath>
+                </a14:m>
+                <a:r>
+                  <a:rPr lang="en-US" sz="1600" dirty="0">
+                    <a:latin typeface="Arial" panose="020B0604020202020204" pitchFamily="34" charset="0"/>
+                    <a:cs typeface="Arial" panose="020B0604020202020204" pitchFamily="34" charset="0"/>
+                  </a:rPr>
+                  <a:t> is fast. </a:t>
                 </a:r>
               </a:p>
             </p:txBody>
@@ -7785,8 +8426,8 @@
             </p:nvSpPr>
             <p:spPr>
               <a:xfrm>
-                <a:off x="10011920" y="12522160"/>
-                <a:ext cx="7431757" cy="5678734"/>
+                <a:off x="10008870" y="11869032"/>
+                <a:ext cx="7431757" cy="6537046"/>
               </a:xfrm>
               <a:prstGeom prst="rect">
                 <a:avLst/>
@@ -7794,7 +8435,7 @@
               <a:blipFill>
                 <a:blip r:embed="rId5"/>
                 <a:stretch>
-                  <a:fillRect l="-410" r="-1148" b="-429"/>
+                  <a:fillRect l="-492" b="-373"/>
                 </a:stretch>
               </a:blipFill>
             </p:spPr>
@@ -7947,7 +8588,7 @@
         </p:nvSpPr>
         <p:spPr>
           <a:xfrm>
-            <a:off x="740093" y="8644066"/>
+            <a:off x="740093" y="8892627"/>
             <a:ext cx="8164512" cy="677102"/>
           </a:xfrm>
           <a:prstGeom prst="rect">
@@ -8057,8 +8698,8 @@
           </a:p>
         </p:txBody>
       </p:sp>
-      <mc:AlternateContent xmlns:mc="http://schemas.openxmlformats.org/markup-compatibility/2006" xmlns:a14="http://schemas.microsoft.com/office/drawing/2010/main">
-        <mc:Choice Requires="a14">
+      <mc:AlternateContent xmlns:mc="http://schemas.openxmlformats.org/markup-compatibility/2006">
+        <mc:Choice xmlns:a14="http://schemas.microsoft.com/office/drawing/2010/main" Requires="a14">
           <p:sp>
             <p:nvSpPr>
               <p:cNvPr id="41" name="TextBox 40">
@@ -8074,7 +8715,7 @@
             <p:spPr>
               <a:xfrm>
                 <a:off x="18900775" y="9649163"/>
-                <a:ext cx="7429499" cy="3935244"/>
+                <a:ext cx="7429499" cy="4458721"/>
               </a:xfrm>
               <a:prstGeom prst="rect">
                 <a:avLst/>
@@ -8092,595 +8733,7 @@
                     <a:latin typeface="Arial" panose="020B0604020202020204" pitchFamily="34" charset="0"/>
                     <a:cs typeface="Arial" panose="020B0604020202020204" pitchFamily="34" charset="0"/>
                   </a:rPr>
-                  <a:t>        The limit system in the high-</a:t>
-                </a:r>
-                <a14:m>
-                  <m:oMath xmlns:m="http://schemas.openxmlformats.org/officeDocument/2006/math">
-                    <m:r>
-                      <a:rPr lang="en-US" sz="1600" b="0" i="1" smtClean="0">
-                        <a:latin typeface="Cambria Math" panose="02040503050406030204" pitchFamily="18" charset="0"/>
-                        <a:cs typeface="Arial" panose="020B0604020202020204" pitchFamily="34" charset="0"/>
-                      </a:rPr>
-                      <m:t>𝛽</m:t>
-                    </m:r>
-                  </m:oMath>
-                </a14:m>
-                <a:r>
-                  <a:rPr lang="en-US" sz="1600" dirty="0">
-                    <a:latin typeface="Arial" panose="020B0604020202020204" pitchFamily="34" charset="0"/>
-                    <a:cs typeface="Arial" panose="020B0604020202020204" pitchFamily="34" charset="0"/>
-                  </a:rPr>
-                  <a:t> regime is functionally similar to the low-</a:t>
-                </a:r>
-                <a14:m>
-                  <m:oMath xmlns:m="http://schemas.openxmlformats.org/officeDocument/2006/math">
-                    <m:r>
-                      <a:rPr lang="en-US" sz="1600" i="1">
-                        <a:latin typeface="Cambria Math" panose="02040503050406030204" pitchFamily="18" charset="0"/>
-                        <a:cs typeface="Arial" panose="020B0604020202020204" pitchFamily="34" charset="0"/>
-                      </a:rPr>
-                      <m:t>𝛽</m:t>
-                    </m:r>
-                  </m:oMath>
-                </a14:m>
-                <a:r>
-                  <a:rPr lang="en-US" sz="1600" dirty="0">
-                    <a:latin typeface="Arial" panose="020B0604020202020204" pitchFamily="34" charset="0"/>
-                    <a:cs typeface="Arial" panose="020B0604020202020204" pitchFamily="34" charset="0"/>
-                  </a:rPr>
-                  <a:t> and low-flow regimes, and enjoys a reduction from 7 dimensions to 2 as </a:t>
-                </a:r>
-                <a14:m>
-                  <m:oMath xmlns:m="http://schemas.openxmlformats.org/officeDocument/2006/math">
-                    <m:r>
-                      <a:rPr lang="en-US" sz="1600" b="0" i="1" smtClean="0">
-                        <a:latin typeface="Cambria Math" panose="02040503050406030204" pitchFamily="18" charset="0"/>
-                        <a:cs typeface="Arial" panose="020B0604020202020204" pitchFamily="34" charset="0"/>
-                      </a:rPr>
-                      <m:t>𝜖</m:t>
-                    </m:r>
-                    <m:r>
-                      <a:rPr lang="en-US" sz="1600" b="0" i="1" smtClean="0">
-                        <a:latin typeface="Cambria Math" panose="02040503050406030204" pitchFamily="18" charset="0"/>
-                        <a:cs typeface="Arial" panose="020B0604020202020204" pitchFamily="34" charset="0"/>
-                      </a:rPr>
-                      <m:t>→0</m:t>
-                    </m:r>
-                  </m:oMath>
-                </a14:m>
-                <a:r>
-                  <a:rPr lang="en-US" sz="1600" b="0" dirty="0">
-                    <a:latin typeface="Cambria Math" panose="02040503050406030204" pitchFamily="18" charset="0"/>
-                    <a:cs typeface="Arial" panose="020B0604020202020204" pitchFamily="34" charset="0"/>
-                  </a:rPr>
-                  <a:t>:</a:t>
-                </a:r>
-              </a:p>
-              <a:p>
-                <a:pPr/>
-                <a14:m>
-                  <m:oMathPara xmlns:m="http://schemas.openxmlformats.org/officeDocument/2006/math">
-                    <m:oMathParaPr>
-                      <m:jc m:val="centerGroup"/>
-                    </m:oMathParaPr>
-                    <m:oMath xmlns:m="http://schemas.openxmlformats.org/officeDocument/2006/math">
-                      <m:acc>
-                        <m:accPr>
-                          <m:chr m:val="̇"/>
-                          <m:ctrlPr>
-                            <a:rPr lang="en-US" sz="2200" b="0" i="1" smtClean="0">
-                              <a:latin typeface="Cambria Math" panose="02040503050406030204" pitchFamily="18" charset="0"/>
-                              <a:cs typeface="Arial" panose="020B0604020202020204" pitchFamily="34" charset="0"/>
-                            </a:rPr>
-                          </m:ctrlPr>
-                        </m:accPr>
-                        <m:e>
-                          <m:r>
-                            <a:rPr lang="en-US" sz="2200" b="0" i="1" smtClean="0">
-                              <a:latin typeface="Cambria Math" panose="02040503050406030204" pitchFamily="18" charset="0"/>
-                              <a:cs typeface="Arial" panose="020B0604020202020204" pitchFamily="34" charset="0"/>
-                            </a:rPr>
-                            <m:t>𝜓</m:t>
-                          </m:r>
-                        </m:e>
-                      </m:acc>
-                      <m:r>
-                        <a:rPr lang="en-US" sz="2200" b="0" i="1" dirty="0" smtClean="0">
-                          <a:latin typeface="Cambria Math" panose="02040503050406030204" pitchFamily="18" charset="0"/>
-                          <a:cs typeface="Arial" panose="020B0604020202020204" pitchFamily="34" charset="0"/>
-                        </a:rPr>
-                        <m:t>=0,  </m:t>
-                      </m:r>
-                      <m:sSub>
-                        <m:sSubPr>
-                          <m:ctrlPr>
-                            <a:rPr lang="en-US" sz="2200" b="0" i="1" dirty="0" smtClean="0">
-                              <a:latin typeface="Cambria Math" panose="02040503050406030204" pitchFamily="18" charset="0"/>
-                              <a:cs typeface="Arial" panose="020B0604020202020204" pitchFamily="34" charset="0"/>
-                            </a:rPr>
-                          </m:ctrlPr>
-                        </m:sSubPr>
-                        <m:e>
-                          <m:acc>
-                            <m:accPr>
-                              <m:chr m:val="̇"/>
-                              <m:ctrlPr>
-                                <a:rPr lang="en-US" sz="2200" b="0" i="1" dirty="0" smtClean="0">
-                                  <a:latin typeface="Cambria Math" panose="02040503050406030204" pitchFamily="18" charset="0"/>
-                                  <a:cs typeface="Arial" panose="020B0604020202020204" pitchFamily="34" charset="0"/>
-                                </a:rPr>
-                              </m:ctrlPr>
-                            </m:accPr>
-                            <m:e>
-                              <m:r>
-                                <a:rPr lang="en-US" sz="2200" b="0" i="1" dirty="0" smtClean="0">
-                                  <a:latin typeface="Cambria Math" panose="02040503050406030204" pitchFamily="18" charset="0"/>
-                                  <a:cs typeface="Arial" panose="020B0604020202020204" pitchFamily="34" charset="0"/>
-                                </a:rPr>
-                                <m:t>𝜈</m:t>
-                              </m:r>
-                            </m:e>
-                          </m:acc>
-                        </m:e>
-                        <m:sub>
-                          <m:r>
-                            <a:rPr lang="en-US" sz="2200" b="0" i="1" dirty="0" smtClean="0">
-                              <a:latin typeface="Cambria Math" panose="02040503050406030204" pitchFamily="18" charset="0"/>
-                              <a:cs typeface="Arial" panose="020B0604020202020204" pitchFamily="34" charset="0"/>
-                            </a:rPr>
-                            <m:t>∥</m:t>
-                          </m:r>
-                        </m:sub>
-                      </m:sSub>
-                      <m:r>
-                        <a:rPr lang="en-US" sz="2200" b="0" i="1" dirty="0" smtClean="0">
-                          <a:latin typeface="Cambria Math" panose="02040503050406030204" pitchFamily="18" charset="0"/>
-                          <a:cs typeface="Arial" panose="020B0604020202020204" pitchFamily="34" charset="0"/>
-                        </a:rPr>
-                        <m:t>=0,  </m:t>
-                      </m:r>
-                      <m:acc>
-                        <m:accPr>
-                          <m:chr m:val="̇"/>
-                          <m:ctrlPr>
-                            <a:rPr lang="en-US" sz="2200" b="0" i="1" dirty="0" smtClean="0">
-                              <a:latin typeface="Cambria Math" panose="02040503050406030204" pitchFamily="18" charset="0"/>
-                              <a:cs typeface="Arial" panose="020B0604020202020204" pitchFamily="34" charset="0"/>
-                            </a:rPr>
-                          </m:ctrlPr>
-                        </m:accPr>
-                        <m:e>
-                          <m:r>
-                            <m:rPr>
-                              <m:sty m:val="p"/>
-                            </m:rPr>
-                            <a:rPr lang="en-US" sz="2200" b="0" i="0" dirty="0" smtClean="0">
-                              <a:latin typeface="Cambria Math" panose="02040503050406030204" pitchFamily="18" charset="0"/>
-                              <a:cs typeface="Arial" panose="020B0604020202020204" pitchFamily="34" charset="0"/>
-                            </a:rPr>
-                            <m:t>Φ</m:t>
-                          </m:r>
-                        </m:e>
-                      </m:acc>
-                      <m:r>
-                        <a:rPr lang="en-US" sz="2200" b="0" i="1" dirty="0" smtClean="0">
-                          <a:latin typeface="Cambria Math" panose="02040503050406030204" pitchFamily="18" charset="0"/>
-                          <a:cs typeface="Arial" panose="020B0604020202020204" pitchFamily="34" charset="0"/>
-                        </a:rPr>
-                        <m:t>=0,  </m:t>
-                      </m:r>
-                      <m:acc>
-                        <m:accPr>
-                          <m:chr m:val="̇"/>
-                          <m:ctrlPr>
-                            <a:rPr lang="en-US" sz="2200" b="0" i="1" dirty="0" smtClean="0">
-                              <a:latin typeface="Cambria Math" panose="02040503050406030204" pitchFamily="18" charset="0"/>
-                              <a:cs typeface="Arial" panose="020B0604020202020204" pitchFamily="34" charset="0"/>
-                            </a:rPr>
-                          </m:ctrlPr>
-                        </m:accPr>
-                        <m:e>
-                          <m:r>
-                            <m:rPr>
-                              <m:sty m:val="p"/>
-                            </m:rPr>
-                            <a:rPr lang="en-US" sz="2200" b="0" i="0" dirty="0" smtClean="0">
-                              <a:latin typeface="Cambria Math" panose="02040503050406030204" pitchFamily="18" charset="0"/>
-                              <a:cs typeface="Arial" panose="020B0604020202020204" pitchFamily="34" charset="0"/>
-                            </a:rPr>
-                            <m:t>Ψ</m:t>
-                          </m:r>
-                        </m:e>
-                      </m:acc>
-                      <m:r>
-                        <a:rPr lang="en-US" sz="2200" b="0" i="1" dirty="0" smtClean="0">
-                          <a:latin typeface="Cambria Math" panose="02040503050406030204" pitchFamily="18" charset="0"/>
-                          <a:cs typeface="Arial" panose="020B0604020202020204" pitchFamily="34" charset="0"/>
-                        </a:rPr>
-                        <m:t>=0,  </m:t>
-                      </m:r>
-                      <m:acc>
-                        <m:accPr>
-                          <m:chr m:val="̇"/>
-                          <m:ctrlPr>
-                            <a:rPr lang="en-US" sz="2200" b="0" i="1" dirty="0" smtClean="0">
-                              <a:latin typeface="Cambria Math" panose="02040503050406030204" pitchFamily="18" charset="0"/>
-                              <a:cs typeface="Arial" panose="020B0604020202020204" pitchFamily="34" charset="0"/>
-                            </a:rPr>
-                          </m:ctrlPr>
-                        </m:accPr>
-                        <m:e>
-                          <m:r>
-                            <a:rPr lang="en-US" sz="2200" b="0" i="1" dirty="0" smtClean="0">
-                              <a:latin typeface="Cambria Math" panose="02040503050406030204" pitchFamily="18" charset="0"/>
-                              <a:cs typeface="Arial" panose="020B0604020202020204" pitchFamily="34" charset="0"/>
-                            </a:rPr>
-                            <m:t>𝑞</m:t>
-                          </m:r>
-                        </m:e>
-                      </m:acc>
-                      <m:r>
-                        <a:rPr lang="en-US" sz="2200" b="0" i="1" dirty="0" smtClean="0">
-                          <a:latin typeface="Cambria Math" panose="02040503050406030204" pitchFamily="18" charset="0"/>
-                          <a:cs typeface="Arial" panose="020B0604020202020204" pitchFamily="34" charset="0"/>
-                        </a:rPr>
-                        <m:t>=0,</m:t>
-                      </m:r>
-                    </m:oMath>
-                  </m:oMathPara>
-                </a14:m>
-                <a:endParaRPr lang="en-US" sz="2200" b="0" i="1" dirty="0">
-                  <a:latin typeface="Cambria Math" panose="02040503050406030204" pitchFamily="18" charset="0"/>
-                  <a:cs typeface="Arial" panose="020B0604020202020204" pitchFamily="34" charset="0"/>
-                </a:endParaRPr>
-              </a:p>
-              <a:p>
-                <a:pPr/>
-                <a14:m>
-                  <m:oMathPara xmlns:m="http://schemas.openxmlformats.org/officeDocument/2006/math">
-                    <m:oMathParaPr>
-                      <m:jc m:val="centerGroup"/>
-                    </m:oMathParaPr>
-                    <m:oMath xmlns:m="http://schemas.openxmlformats.org/officeDocument/2006/math">
-                      <m:acc>
-                        <m:accPr>
-                          <m:chr m:val="̇"/>
-                          <m:ctrlPr>
-                            <a:rPr lang="en-US" sz="2200" i="1">
-                              <a:latin typeface="Cambria Math" panose="02040503050406030204" pitchFamily="18" charset="0"/>
-                              <a:ea typeface="Cambria Math" panose="02040503050406030204" pitchFamily="18" charset="0"/>
-                              <a:cs typeface="Arial" panose="020B0604020202020204" pitchFamily="34" charset="0"/>
-                            </a:rPr>
-                          </m:ctrlPr>
-                        </m:accPr>
-                        <m:e>
-                          <m:r>
-                            <a:rPr lang="en-US" sz="2200" i="1">
-                              <a:latin typeface="Cambria Math" panose="02040503050406030204" pitchFamily="18" charset="0"/>
-                              <a:ea typeface="Cambria Math" panose="02040503050406030204" pitchFamily="18" charset="0"/>
-                              <a:cs typeface="Arial" panose="020B0604020202020204" pitchFamily="34" charset="0"/>
-                            </a:rPr>
-                            <m:t>𝜙</m:t>
-                          </m:r>
-                        </m:e>
-                      </m:acc>
-                      <m:r>
-                        <a:rPr lang="en-US" sz="2200" i="1" dirty="0">
-                          <a:latin typeface="Cambria Math" panose="02040503050406030204" pitchFamily="18" charset="0"/>
-                          <a:ea typeface="Cambria Math" panose="02040503050406030204" pitchFamily="18" charset="0"/>
-                          <a:cs typeface="Arial" panose="020B0604020202020204" pitchFamily="34" charset="0"/>
-                        </a:rPr>
-                        <m:t>=</m:t>
-                      </m:r>
-                      <m:sSub>
-                        <m:sSubPr>
-                          <m:ctrlPr>
-                            <a:rPr lang="en-US" sz="2200" i="1" dirty="0">
-                              <a:latin typeface="Cambria Math" panose="02040503050406030204" pitchFamily="18" charset="0"/>
-                              <a:ea typeface="Cambria Math" panose="02040503050406030204" pitchFamily="18" charset="0"/>
-                              <a:cs typeface="Arial" panose="020B0604020202020204" pitchFamily="34" charset="0"/>
-                            </a:rPr>
-                          </m:ctrlPr>
-                        </m:sSubPr>
-                        <m:e>
-                          <m:r>
-                            <a:rPr lang="en-US" sz="2200" i="1" dirty="0">
-                              <a:latin typeface="Cambria Math" panose="02040503050406030204" pitchFamily="18" charset="0"/>
-                              <a:ea typeface="Cambria Math" panose="02040503050406030204" pitchFamily="18" charset="0"/>
-                              <a:cs typeface="Arial" panose="020B0604020202020204" pitchFamily="34" charset="0"/>
-                            </a:rPr>
-                            <m:t>𝐻</m:t>
-                          </m:r>
-                        </m:e>
-                        <m:sub>
-                          <m:sSub>
-                            <m:sSubPr>
-                              <m:ctrlPr>
-                                <a:rPr lang="en-US" sz="2200" i="1" dirty="0">
-                                  <a:latin typeface="Cambria Math" panose="02040503050406030204" pitchFamily="18" charset="0"/>
-                                  <a:ea typeface="Cambria Math" panose="02040503050406030204" pitchFamily="18" charset="0"/>
-                                  <a:cs typeface="Arial" panose="020B0604020202020204" pitchFamily="34" charset="0"/>
-                                </a:rPr>
-                              </m:ctrlPr>
-                            </m:sSubPr>
-                            <m:e>
-                              <m:r>
-                                <a:rPr lang="en-US" sz="2200" i="1" dirty="0">
-                                  <a:latin typeface="Cambria Math" panose="02040503050406030204" pitchFamily="18" charset="0"/>
-                                  <a:ea typeface="Cambria Math" panose="02040503050406030204" pitchFamily="18" charset="0"/>
-                                  <a:cs typeface="Arial" panose="020B0604020202020204" pitchFamily="34" charset="0"/>
-                                </a:rPr>
-                                <m:t>𝛽</m:t>
-                              </m:r>
-                            </m:e>
-                            <m:sub>
-                              <m:r>
-                                <a:rPr lang="en-US" sz="2200" i="1" dirty="0">
-                                  <a:latin typeface="Cambria Math" panose="02040503050406030204" pitchFamily="18" charset="0"/>
-                                  <a:ea typeface="Cambria Math" panose="02040503050406030204" pitchFamily="18" charset="0"/>
-                                  <a:cs typeface="Arial" panose="020B0604020202020204" pitchFamily="34" charset="0"/>
-                                </a:rPr>
-                                <m:t>∥</m:t>
-                              </m:r>
-                            </m:sub>
-                          </m:sSub>
-                        </m:sub>
-                      </m:sSub>
-                      <m:r>
-                        <a:rPr lang="en-US" sz="2200" i="1" dirty="0">
-                          <a:latin typeface="Cambria Math" panose="02040503050406030204" pitchFamily="18" charset="0"/>
-                          <a:ea typeface="Cambria Math" panose="02040503050406030204" pitchFamily="18" charset="0"/>
-                          <a:cs typeface="Arial" panose="020B0604020202020204" pitchFamily="34" charset="0"/>
-                        </a:rPr>
-                        <m:t>−</m:t>
-                      </m:r>
-                      <m:sSub>
-                        <m:sSubPr>
-                          <m:ctrlPr>
-                            <a:rPr lang="en-US" sz="2200" i="1" dirty="0">
-                              <a:latin typeface="Cambria Math" panose="02040503050406030204" pitchFamily="18" charset="0"/>
-                              <a:ea typeface="Cambria Math" panose="02040503050406030204" pitchFamily="18" charset="0"/>
-                              <a:cs typeface="Arial" panose="020B0604020202020204" pitchFamily="34" charset="0"/>
-                            </a:rPr>
-                          </m:ctrlPr>
-                        </m:sSubPr>
-                        <m:e>
-                          <m:r>
-                            <a:rPr lang="en-US" sz="2200" i="1" dirty="0">
-                              <a:latin typeface="Cambria Math" panose="02040503050406030204" pitchFamily="18" charset="0"/>
-                              <a:ea typeface="Cambria Math" panose="02040503050406030204" pitchFamily="18" charset="0"/>
-                              <a:cs typeface="Arial" panose="020B0604020202020204" pitchFamily="34" charset="0"/>
-                            </a:rPr>
-                            <m:t>𝛽</m:t>
-                          </m:r>
-                        </m:e>
-                        <m:sub>
-                          <m:r>
-                            <a:rPr lang="en-US" sz="2200" i="1" dirty="0">
-                              <a:latin typeface="Cambria Math" panose="02040503050406030204" pitchFamily="18" charset="0"/>
-                              <a:ea typeface="Cambria Math" panose="02040503050406030204" pitchFamily="18" charset="0"/>
-                              <a:cs typeface="Arial" panose="020B0604020202020204" pitchFamily="34" charset="0"/>
-                            </a:rPr>
-                            <m:t>∥</m:t>
-                          </m:r>
-                        </m:sub>
-                      </m:sSub>
-                      <m:r>
-                        <m:rPr>
-                          <m:nor/>
-                        </m:rPr>
-                        <a:rPr lang="en-US" sz="2200" dirty="0">
-                          <a:latin typeface="Cambria Math" panose="02040503050406030204" pitchFamily="18" charset="0"/>
-                          <a:ea typeface="Cambria Math" panose="02040503050406030204" pitchFamily="18" charset="0"/>
-                          <a:cs typeface="Arial" panose="020B0604020202020204" pitchFamily="34" charset="0"/>
-                        </a:rPr>
-                        <m:t>,</m:t>
-                      </m:r>
-                      <m:r>
-                        <a:rPr lang="en-US" sz="2200" b="0" i="1" dirty="0" smtClean="0">
-                          <a:latin typeface="Cambria Math" panose="02040503050406030204" pitchFamily="18" charset="0"/>
-                          <a:ea typeface="Cambria Math" panose="02040503050406030204" pitchFamily="18" charset="0"/>
-                          <a:cs typeface="Arial" panose="020B0604020202020204" pitchFamily="34" charset="0"/>
-                        </a:rPr>
-                        <m:t>  </m:t>
-                      </m:r>
-                      <m:r>
-                        <m:rPr>
-                          <m:nor/>
-                        </m:rPr>
-                        <a:rPr lang="en-US" sz="2200" dirty="0">
-                          <a:latin typeface="Cambria Math" panose="02040503050406030204" pitchFamily="18" charset="0"/>
-                          <a:ea typeface="Cambria Math" panose="02040503050406030204" pitchFamily="18" charset="0"/>
-                          <a:cs typeface="Arial" panose="020B0604020202020204" pitchFamily="34" charset="0"/>
-                        </a:rPr>
-                        <m:t>and</m:t>
-                      </m:r>
-                      <m:r>
-                        <a:rPr lang="en-US" sz="2200" b="0" i="1" dirty="0" smtClean="0">
-                          <a:latin typeface="Cambria Math" panose="02040503050406030204" pitchFamily="18" charset="0"/>
-                          <a:ea typeface="Cambria Math" panose="02040503050406030204" pitchFamily="18" charset="0"/>
-                          <a:cs typeface="Arial" panose="020B0604020202020204" pitchFamily="34" charset="0"/>
-                        </a:rPr>
-                        <m:t>  </m:t>
-                      </m:r>
-                      <m:acc>
-                        <m:accPr>
-                          <m:chr m:val="̇"/>
-                          <m:ctrlPr>
-                            <a:rPr lang="en-US" sz="2200" i="1">
-                              <a:latin typeface="Cambria Math" panose="02040503050406030204" pitchFamily="18" charset="0"/>
-                              <a:ea typeface="Cambria Math" panose="02040503050406030204" pitchFamily="18" charset="0"/>
-                              <a:cs typeface="Arial" panose="020B0604020202020204" pitchFamily="34" charset="0"/>
-                            </a:rPr>
-                          </m:ctrlPr>
-                        </m:accPr>
-                        <m:e>
-                          <m:sSub>
-                            <m:sSubPr>
-                              <m:ctrlPr>
-                                <a:rPr lang="en-US" sz="2200" i="1">
-                                  <a:latin typeface="Cambria Math" panose="02040503050406030204" pitchFamily="18" charset="0"/>
-                                  <a:ea typeface="Cambria Math" panose="02040503050406030204" pitchFamily="18" charset="0"/>
-                                  <a:cs typeface="Arial" panose="020B0604020202020204" pitchFamily="34" charset="0"/>
-                                </a:rPr>
-                              </m:ctrlPr>
-                            </m:sSubPr>
-                            <m:e>
-                              <m:r>
-                                <a:rPr lang="en-US" sz="2200" i="1">
-                                  <a:latin typeface="Cambria Math" panose="02040503050406030204" pitchFamily="18" charset="0"/>
-                                  <a:ea typeface="Cambria Math" panose="02040503050406030204" pitchFamily="18" charset="0"/>
-                                  <a:cs typeface="Arial" panose="020B0604020202020204" pitchFamily="34" charset="0"/>
-                                </a:rPr>
-                                <m:t>𝛽</m:t>
-                              </m:r>
-                            </m:e>
-                            <m:sub>
-                              <m:r>
-                                <a:rPr lang="en-US" sz="2200" i="1">
-                                  <a:latin typeface="Cambria Math" panose="02040503050406030204" pitchFamily="18" charset="0"/>
-                                  <a:ea typeface="Cambria Math" panose="02040503050406030204" pitchFamily="18" charset="0"/>
-                                  <a:cs typeface="Arial" panose="020B0604020202020204" pitchFamily="34" charset="0"/>
-                                </a:rPr>
-                                <m:t>∥</m:t>
-                              </m:r>
-                            </m:sub>
-                          </m:sSub>
-                        </m:e>
-                      </m:acc>
-                      <m:r>
-                        <a:rPr lang="en-US" sz="2200" i="1">
-                          <a:latin typeface="Cambria Math" panose="02040503050406030204" pitchFamily="18" charset="0"/>
-                          <a:ea typeface="Cambria Math" panose="02040503050406030204" pitchFamily="18" charset="0"/>
-                          <a:cs typeface="Arial" panose="020B0604020202020204" pitchFamily="34" charset="0"/>
-                        </a:rPr>
-                        <m:t>=−</m:t>
-                      </m:r>
-                      <m:sSub>
-                        <m:sSubPr>
-                          <m:ctrlPr>
-                            <a:rPr lang="en-US" sz="2200" i="1">
-                              <a:latin typeface="Cambria Math" panose="02040503050406030204" pitchFamily="18" charset="0"/>
-                              <a:ea typeface="Cambria Math" panose="02040503050406030204" pitchFamily="18" charset="0"/>
-                              <a:cs typeface="Arial" panose="020B0604020202020204" pitchFamily="34" charset="0"/>
-                            </a:rPr>
-                          </m:ctrlPr>
-                        </m:sSubPr>
-                        <m:e>
-                          <m:r>
-                            <m:rPr>
-                              <m:sty m:val="p"/>
-                            </m:rPr>
-                            <a:rPr lang="en-US" sz="2200">
-                              <a:latin typeface="Cambria Math" panose="02040503050406030204" pitchFamily="18" charset="0"/>
-                              <a:ea typeface="Cambria Math" panose="02040503050406030204" pitchFamily="18" charset="0"/>
-                              <a:cs typeface="Arial" panose="020B0604020202020204" pitchFamily="34" charset="0"/>
-                            </a:rPr>
-                            <m:t>Δ</m:t>
-                          </m:r>
-                        </m:e>
-                        <m:sub>
-                          <m:r>
-                            <a:rPr lang="en-US" sz="2200" i="1">
-                              <a:latin typeface="Cambria Math" panose="02040503050406030204" pitchFamily="18" charset="0"/>
-                              <a:ea typeface="Cambria Math" panose="02040503050406030204" pitchFamily="18" charset="0"/>
-                              <a:cs typeface="Arial" panose="020B0604020202020204" pitchFamily="34" charset="0"/>
-                            </a:rPr>
-                            <m:t>⊥</m:t>
-                          </m:r>
-                        </m:sub>
-                      </m:sSub>
-                      <m:r>
-                        <a:rPr lang="en-US" sz="2200" i="1">
-                          <a:latin typeface="Cambria Math" panose="02040503050406030204" pitchFamily="18" charset="0"/>
-                          <a:ea typeface="Cambria Math" panose="02040503050406030204" pitchFamily="18" charset="0"/>
-                          <a:cs typeface="Arial" panose="020B0604020202020204" pitchFamily="34" charset="0"/>
-                        </a:rPr>
-                        <m:t>𝜙</m:t>
-                      </m:r>
-                      <m:r>
-                        <a:rPr lang="en-US" sz="2200" b="0" i="1" smtClean="0">
-                          <a:latin typeface="Cambria Math" panose="02040503050406030204" pitchFamily="18" charset="0"/>
-                          <a:ea typeface="Cambria Math" panose="02040503050406030204" pitchFamily="18" charset="0"/>
-                          <a:cs typeface="Arial" panose="020B0604020202020204" pitchFamily="34" charset="0"/>
-                        </a:rPr>
-                        <m:t>,</m:t>
-                      </m:r>
-                    </m:oMath>
-                  </m:oMathPara>
-                </a14:m>
-                <a:endParaRPr lang="en-US" sz="2200" b="0" i="1" dirty="0">
-                  <a:latin typeface="Cambria Math" panose="02040503050406030204" pitchFamily="18" charset="0"/>
-                  <a:cs typeface="Arial" panose="020B0604020202020204" pitchFamily="34" charset="0"/>
-                </a:endParaRPr>
-              </a:p>
-              <a:p>
-                <a:r>
-                  <a:rPr lang="en-US" sz="1600" dirty="0">
-                    <a:latin typeface="Arial" panose="020B0604020202020204" pitchFamily="34" charset="0"/>
-                    <a:cs typeface="Arial" panose="020B0604020202020204" pitchFamily="34" charset="0"/>
-                  </a:rPr>
-                  <a:t>where </a:t>
-                </a:r>
-                <a14:m>
-                  <m:oMath xmlns:m="http://schemas.openxmlformats.org/officeDocument/2006/math">
-                    <m:sSub>
-                      <m:sSubPr>
-                        <m:ctrlPr>
-                          <a:rPr lang="en-US" sz="1600" b="0" i="1" smtClean="0">
-                            <a:latin typeface="Cambria Math" panose="02040503050406030204" pitchFamily="18" charset="0"/>
-                            <a:cs typeface="Arial" panose="020B0604020202020204" pitchFamily="34" charset="0"/>
-                          </a:rPr>
-                        </m:ctrlPr>
-                      </m:sSubPr>
-                      <m:e>
-                        <m:r>
-                          <a:rPr lang="en-US" sz="1600" b="0" i="1" smtClean="0">
-                            <a:latin typeface="Cambria Math" panose="02040503050406030204" pitchFamily="18" charset="0"/>
-                            <a:cs typeface="Arial" panose="020B0604020202020204" pitchFamily="34" charset="0"/>
-                          </a:rPr>
-                          <m:t>𝐻</m:t>
-                        </m:r>
-                      </m:e>
-                      <m:sub>
-                        <m:sSub>
-                          <m:sSubPr>
-                            <m:ctrlPr>
-                              <a:rPr lang="en-US" sz="1600" b="0" i="1" smtClean="0">
-                                <a:latin typeface="Cambria Math" panose="02040503050406030204" pitchFamily="18" charset="0"/>
-                                <a:cs typeface="Arial" panose="020B0604020202020204" pitchFamily="34" charset="0"/>
-                              </a:rPr>
-                            </m:ctrlPr>
-                          </m:sSubPr>
-                          <m:e>
-                            <m:r>
-                              <a:rPr lang="en-US" sz="1600" b="0" i="1" smtClean="0">
-                                <a:latin typeface="Cambria Math" panose="02040503050406030204" pitchFamily="18" charset="0"/>
-                                <a:cs typeface="Arial" panose="020B0604020202020204" pitchFamily="34" charset="0"/>
-                              </a:rPr>
-                              <m:t>𝛽</m:t>
-                            </m:r>
-                          </m:e>
-                          <m:sub>
-                            <m:r>
-                              <a:rPr lang="en-US" sz="1600" b="0" i="1" smtClean="0">
-                                <a:latin typeface="Cambria Math" panose="02040503050406030204" pitchFamily="18" charset="0"/>
-                                <a:cs typeface="Arial" panose="020B0604020202020204" pitchFamily="34" charset="0"/>
-                              </a:rPr>
-                              <m:t>∥</m:t>
-                            </m:r>
-                          </m:sub>
-                        </m:sSub>
-                      </m:sub>
-                    </m:sSub>
-                  </m:oMath>
-                </a14:m>
-                <a:r>
-                  <a:rPr lang="en-US" sz="1600" dirty="0">
-                    <a:latin typeface="Arial" panose="020B0604020202020204" pitchFamily="34" charset="0"/>
-                    <a:cs typeface="Arial" panose="020B0604020202020204" pitchFamily="34" charset="0"/>
-                  </a:rPr>
-                  <a:t> is the unique harmonic function with similar boundary data as </a:t>
+                  <a:t>        However, this system is only weakly fast-slow, as </a:t>
                 </a:r>
                 <a14:m>
                   <m:oMath xmlns:m="http://schemas.openxmlformats.org/officeDocument/2006/math">
@@ -8719,201 +8772,7 @@
                     <a:latin typeface="Arial" panose="020B0604020202020204" pitchFamily="34" charset="0"/>
                     <a:cs typeface="Arial" panose="020B0604020202020204" pitchFamily="34" charset="0"/>
                   </a:rPr>
-                  <a:t>. This suggests a split where </a:t>
-                </a:r>
-                <a14:m>
-                  <m:oMath xmlns:m="http://schemas.openxmlformats.org/officeDocument/2006/math">
-                    <m:r>
-                      <a:rPr lang="en-US" sz="1600" i="1">
-                        <a:latin typeface="Cambria Math" panose="02040503050406030204" pitchFamily="18" charset="0"/>
-                        <a:cs typeface="Arial" panose="020B0604020202020204" pitchFamily="34" charset="0"/>
-                      </a:rPr>
-                      <m:t>𝑥</m:t>
-                    </m:r>
-                    <m:r>
-                      <a:rPr lang="en-US" sz="1600" i="1">
-                        <a:latin typeface="Cambria Math" panose="02040503050406030204" pitchFamily="18" charset="0"/>
-                        <a:cs typeface="Arial" panose="020B0604020202020204" pitchFamily="34" charset="0"/>
-                      </a:rPr>
-                      <m:t>=(</m:t>
-                    </m:r>
-                    <m:r>
-                      <a:rPr lang="en-US" sz="1600" i="1">
-                        <a:latin typeface="Cambria Math" panose="02040503050406030204" pitchFamily="18" charset="0"/>
-                        <a:cs typeface="Arial" panose="020B0604020202020204" pitchFamily="34" charset="0"/>
-                      </a:rPr>
-                      <m:t>𝜓</m:t>
-                    </m:r>
-                    <m:r>
-                      <a:rPr lang="en-US" sz="1600" i="1">
-                        <a:latin typeface="Cambria Math" panose="02040503050406030204" pitchFamily="18" charset="0"/>
-                        <a:cs typeface="Arial" panose="020B0604020202020204" pitchFamily="34" charset="0"/>
-                      </a:rPr>
-                      <m:t>,</m:t>
-                    </m:r>
-                    <m:sSub>
-                      <m:sSubPr>
-                        <m:ctrlPr>
-                          <a:rPr lang="en-US" sz="1600" i="1">
-                            <a:latin typeface="Cambria Math" panose="02040503050406030204" pitchFamily="18" charset="0"/>
-                            <a:cs typeface="Arial" panose="020B0604020202020204" pitchFamily="34" charset="0"/>
-                          </a:rPr>
-                        </m:ctrlPr>
-                      </m:sSubPr>
-                      <m:e>
-                        <m:r>
-                          <a:rPr lang="en-US" sz="1600" i="1">
-                            <a:latin typeface="Cambria Math" panose="02040503050406030204" pitchFamily="18" charset="0"/>
-                            <a:cs typeface="Arial" panose="020B0604020202020204" pitchFamily="34" charset="0"/>
-                          </a:rPr>
-                          <m:t>𝜈</m:t>
-                        </m:r>
-                      </m:e>
-                      <m:sub>
-                        <m:r>
-                          <a:rPr lang="en-US" sz="1600" i="1">
-                            <a:latin typeface="Cambria Math" panose="02040503050406030204" pitchFamily="18" charset="0"/>
-                            <a:cs typeface="Arial" panose="020B0604020202020204" pitchFamily="34" charset="0"/>
-                          </a:rPr>
-                          <m:t>∥</m:t>
-                        </m:r>
-                      </m:sub>
-                    </m:sSub>
-                    <m:r>
-                      <a:rPr lang="en-US" sz="1600" i="1">
-                        <a:latin typeface="Cambria Math" panose="02040503050406030204" pitchFamily="18" charset="0"/>
-                        <a:cs typeface="Arial" panose="020B0604020202020204" pitchFamily="34" charset="0"/>
-                      </a:rPr>
-                      <m:t>,</m:t>
-                    </m:r>
-                    <m:r>
-                      <m:rPr>
-                        <m:sty m:val="p"/>
-                      </m:rPr>
-                      <a:rPr lang="en-US" sz="1600">
-                        <a:latin typeface="Cambria Math" panose="02040503050406030204" pitchFamily="18" charset="0"/>
-                        <a:cs typeface="Arial" panose="020B0604020202020204" pitchFamily="34" charset="0"/>
-                      </a:rPr>
-                      <m:t>Φ</m:t>
-                    </m:r>
-                    <m:r>
-                      <a:rPr lang="en-US" sz="1600" i="1">
-                        <a:latin typeface="Cambria Math" panose="02040503050406030204" pitchFamily="18" charset="0"/>
-                        <a:cs typeface="Arial" panose="020B0604020202020204" pitchFamily="34" charset="0"/>
-                      </a:rPr>
-                      <m:t>,</m:t>
-                    </m:r>
-                    <m:r>
-                      <m:rPr>
-                        <m:sty m:val="p"/>
-                      </m:rPr>
-                      <a:rPr lang="en-US" sz="1600">
-                        <a:latin typeface="Cambria Math" panose="02040503050406030204" pitchFamily="18" charset="0"/>
-                        <a:cs typeface="Arial" panose="020B0604020202020204" pitchFamily="34" charset="0"/>
-                      </a:rPr>
-                      <m:t>Ψ</m:t>
-                    </m:r>
-                    <m:r>
-                      <a:rPr lang="en-US" sz="1600" i="1">
-                        <a:latin typeface="Cambria Math" panose="02040503050406030204" pitchFamily="18" charset="0"/>
-                        <a:cs typeface="Arial" panose="020B0604020202020204" pitchFamily="34" charset="0"/>
-                      </a:rPr>
-                      <m:t>,</m:t>
-                    </m:r>
-                    <m:r>
-                      <a:rPr lang="en-US" sz="1600" i="1">
-                        <a:latin typeface="Cambria Math" panose="02040503050406030204" pitchFamily="18" charset="0"/>
-                        <a:cs typeface="Arial" panose="020B0604020202020204" pitchFamily="34" charset="0"/>
-                      </a:rPr>
-                      <m:t>𝑞</m:t>
-                    </m:r>
-                  </m:oMath>
-                </a14:m>
-                <a:r>
-                  <a:rPr lang="en-US" sz="1600" dirty="0">
-                    <a:latin typeface="Arial" panose="020B0604020202020204" pitchFamily="34" charset="0"/>
-                    <a:cs typeface="Arial" panose="020B0604020202020204" pitchFamily="34" charset="0"/>
-                  </a:rPr>
-                  <a:t>) is slow, and </a:t>
-                </a:r>
-                <a14:m>
-                  <m:oMath xmlns:m="http://schemas.openxmlformats.org/officeDocument/2006/math">
-                    <m:r>
-                      <a:rPr lang="en-US" sz="1600" i="1">
-                        <a:latin typeface="Cambria Math" panose="02040503050406030204" pitchFamily="18" charset="0"/>
-                        <a:cs typeface="Arial" panose="020B0604020202020204" pitchFamily="34" charset="0"/>
-                      </a:rPr>
-                      <m:t>𝑦</m:t>
-                    </m:r>
-                    <m:r>
-                      <a:rPr lang="en-US" sz="1600" i="1">
-                        <a:latin typeface="Cambria Math" panose="02040503050406030204" pitchFamily="18" charset="0"/>
-                        <a:cs typeface="Arial" panose="020B0604020202020204" pitchFamily="34" charset="0"/>
-                      </a:rPr>
-                      <m:t>=</m:t>
-                    </m:r>
-                    <m:d>
-                      <m:dPr>
-                        <m:ctrlPr>
-                          <a:rPr lang="en-US" sz="1600" i="1">
-                            <a:latin typeface="Cambria Math" panose="02040503050406030204" pitchFamily="18" charset="0"/>
-                            <a:cs typeface="Arial" panose="020B0604020202020204" pitchFamily="34" charset="0"/>
-                          </a:rPr>
-                        </m:ctrlPr>
-                      </m:dPr>
-                      <m:e>
-                        <m:r>
-                          <a:rPr lang="en-US" sz="1600" i="1">
-                            <a:latin typeface="Cambria Math" panose="02040503050406030204" pitchFamily="18" charset="0"/>
-                            <a:cs typeface="Arial" panose="020B0604020202020204" pitchFamily="34" charset="0"/>
-                          </a:rPr>
-                          <m:t>𝜙</m:t>
-                        </m:r>
-                        <m:r>
-                          <a:rPr lang="en-US" sz="1600" i="1">
-                            <a:latin typeface="Cambria Math" panose="02040503050406030204" pitchFamily="18" charset="0"/>
-                            <a:cs typeface="Arial" panose="020B0604020202020204" pitchFamily="34" charset="0"/>
-                          </a:rPr>
-                          <m:t>,</m:t>
-                        </m:r>
-                        <m:sSub>
-                          <m:sSubPr>
-                            <m:ctrlPr>
-                              <a:rPr lang="en-US" sz="1600" i="1">
-                                <a:latin typeface="Cambria Math" panose="02040503050406030204" pitchFamily="18" charset="0"/>
-                                <a:cs typeface="Arial" panose="020B0604020202020204" pitchFamily="34" charset="0"/>
-                              </a:rPr>
-                            </m:ctrlPr>
-                          </m:sSubPr>
-                          <m:e>
-                            <m:r>
-                              <a:rPr lang="en-US" sz="1600" i="1">
-                                <a:latin typeface="Cambria Math" panose="02040503050406030204" pitchFamily="18" charset="0"/>
-                                <a:cs typeface="Arial" panose="020B0604020202020204" pitchFamily="34" charset="0"/>
-                              </a:rPr>
-                              <m:t>𝛽</m:t>
-                            </m:r>
-                          </m:e>
-                          <m:sub>
-                            <m:r>
-                              <a:rPr lang="en-US" sz="1600" i="1">
-                                <a:latin typeface="Cambria Math" panose="02040503050406030204" pitchFamily="18" charset="0"/>
-                                <a:cs typeface="Arial" panose="020B0604020202020204" pitchFamily="34" charset="0"/>
-                              </a:rPr>
-                              <m:t>∥</m:t>
-                            </m:r>
-                          </m:sub>
-                        </m:sSub>
-                      </m:e>
-                    </m:d>
-                  </m:oMath>
-                </a14:m>
-                <a:r>
-                  <a:rPr lang="en-US" sz="1600" dirty="0">
-                    <a:latin typeface="Arial" panose="020B0604020202020204" pitchFamily="34" charset="0"/>
-                    <a:cs typeface="Arial" panose="020B0604020202020204" pitchFamily="34" charset="0"/>
-                  </a:rPr>
-                  <a:t> is fast. </a:t>
+                  <a:t> can be augmented by any harmonic function. Thus, for a given scaling, we find an infinite family of RMHD models to choose from. </a:t>
                 </a:r>
               </a:p>
               <a:p>
@@ -8922,26 +8781,26 @@
                     <a:latin typeface="Arial" panose="020B0604020202020204" pitchFamily="34" charset="0"/>
                     <a:cs typeface="Arial" panose="020B0604020202020204" pitchFamily="34" charset="0"/>
                   </a:rPr>
-                  <a:t>        Although this yields a surjective </a:t>
+                  <a:t>        This is still sufficient to solve for a family of fast variable trajectories though by perturbatively reconstructing </a:t>
                 </a:r>
                 <a14:m>
                   <m:oMath xmlns:m="http://schemas.openxmlformats.org/officeDocument/2006/math">
-                    <m:sSub>
-                      <m:sSubPr>
+                    <m:sSubSup>
+                      <m:sSubSupPr>
                         <m:ctrlPr>
                           <a:rPr lang="en-US" sz="1600" b="0" i="1" smtClean="0">
                             <a:latin typeface="Cambria Math" panose="02040503050406030204" pitchFamily="18" charset="0"/>
                             <a:cs typeface="Arial" panose="020B0604020202020204" pitchFamily="34" charset="0"/>
                           </a:rPr>
                         </m:ctrlPr>
-                      </m:sSubPr>
+                      </m:sSubSupPr>
                       <m:e>
                         <m:r>
                           <a:rPr lang="en-US" sz="1600" b="0" i="1" smtClean="0">
                             <a:latin typeface="Cambria Math" panose="02040503050406030204" pitchFamily="18" charset="0"/>
                             <a:cs typeface="Arial" panose="020B0604020202020204" pitchFamily="34" charset="0"/>
                           </a:rPr>
-                          <m:t>𝐷</m:t>
+                          <m:t>𝑦</m:t>
                         </m:r>
                       </m:e>
                       <m:sub>
@@ -8950,38 +8809,19 @@
                             <a:latin typeface="Cambria Math" panose="02040503050406030204" pitchFamily="18" charset="0"/>
                             <a:cs typeface="Arial" panose="020B0604020202020204" pitchFamily="34" charset="0"/>
                           </a:rPr>
-                          <m:t>𝑦</m:t>
+                          <m:t>𝜖</m:t>
                         </m:r>
                       </m:sub>
-                    </m:sSub>
-                    <m:sSub>
-                      <m:sSubPr>
-                        <m:ctrlPr>
-                          <a:rPr lang="en-US" sz="1600" b="0" i="1" smtClean="0">
-                            <a:latin typeface="Cambria Math" panose="02040503050406030204" pitchFamily="18" charset="0"/>
-                            <a:cs typeface="Arial" panose="020B0604020202020204" pitchFamily="34" charset="0"/>
-                          </a:rPr>
-                        </m:ctrlPr>
-                      </m:sSubPr>
-                      <m:e>
+                      <m:sup>
                         <m:r>
                           <a:rPr lang="en-US" sz="1600" b="0" i="1" smtClean="0">
                             <a:latin typeface="Cambria Math" panose="02040503050406030204" pitchFamily="18" charset="0"/>
                             <a:cs typeface="Arial" panose="020B0604020202020204" pitchFamily="34" charset="0"/>
                           </a:rPr>
-                          <m:t>𝑓</m:t>
+                          <m:t>∗</m:t>
                         </m:r>
-                      </m:e>
-                      <m:sub>
-                        <m:r>
-                          <a:rPr lang="en-US" sz="1600" b="0" i="1" smtClean="0">
-                            <a:latin typeface="Cambria Math" panose="02040503050406030204" pitchFamily="18" charset="0"/>
-                            <a:cs typeface="Arial" panose="020B0604020202020204" pitchFamily="34" charset="0"/>
-                          </a:rPr>
-                          <m:t>0</m:t>
-                        </m:r>
-                      </m:sub>
-                    </m:sSub>
+                      </m:sup>
+                    </m:sSubSup>
                     <m:d>
                       <m:dPr>
                         <m:ctrlPr>
@@ -8998,20 +8838,6 @@
                             <a:cs typeface="Arial" panose="020B0604020202020204" pitchFamily="34" charset="0"/>
                           </a:rPr>
                           <m:t>𝑥</m:t>
-                        </m:r>
-                        <m:r>
-                          <a:rPr lang="en-US" sz="1600" b="0" i="1" smtClean="0">
-                            <a:latin typeface="Cambria Math" panose="02040503050406030204" pitchFamily="18" charset="0"/>
-                            <a:cs typeface="Arial" panose="020B0604020202020204" pitchFamily="34" charset="0"/>
-                          </a:rPr>
-                          <m:t>,</m:t>
-                        </m:r>
-                        <m:r>
-                          <a:rPr lang="en-US" sz="1600" b="0" i="1" smtClean="0">
-                            <a:latin typeface="Cambria Math" panose="02040503050406030204" pitchFamily="18" charset="0"/>
-                            <a:cs typeface="Arial" panose="020B0604020202020204" pitchFamily="34" charset="0"/>
-                          </a:rPr>
-                          <m:t>𝑦</m:t>
                         </m:r>
                       </m:e>
                     </m:d>
@@ -9022,7 +8848,345 @@
                     <a:latin typeface="Arial" panose="020B0604020202020204" pitchFamily="34" charset="0"/>
                     <a:cs typeface="Arial" panose="020B0604020202020204" pitchFamily="34" charset="0"/>
                   </a:rPr>
-                  <a:t>, the system is underdetermined in </a:t>
+                  <a:t>. For example, at first order we have a pair of magnetosonic wave equations, </a:t>
+                </a:r>
+                <a:endParaRPr lang="en-US" sz="2200" b="0" i="1" dirty="0">
+                  <a:latin typeface="Cambria Math" panose="02040503050406030204" pitchFamily="18" charset="0"/>
+                  <a:cs typeface="Arial" panose="020B0604020202020204" pitchFamily="34" charset="0"/>
+                </a:endParaRPr>
+              </a:p>
+              <a:p>
+                <a14:m>
+                  <m:oMathPara xmlns:m="http://schemas.openxmlformats.org/officeDocument/2006/math">
+                    <m:oMathParaPr>
+                      <m:jc m:val="centerGroup"/>
+                    </m:oMathParaPr>
+                    <m:oMath xmlns:m="http://schemas.openxmlformats.org/officeDocument/2006/math">
+                      <m:acc>
+                        <m:accPr>
+                          <m:chr m:val="̈"/>
+                          <m:ctrlPr>
+                            <a:rPr lang="en-US" sz="2200" b="0" i="1" smtClean="0">
+                              <a:latin typeface="Cambria Math" panose="02040503050406030204" pitchFamily="18" charset="0"/>
+                              <a:cs typeface="Arial" panose="020B0604020202020204" pitchFamily="34" charset="0"/>
+                            </a:rPr>
+                          </m:ctrlPr>
+                        </m:accPr>
+                        <m:e>
+                          <m:r>
+                            <a:rPr lang="en-US" sz="2200" b="0" i="1" smtClean="0">
+                              <a:latin typeface="Cambria Math" panose="02040503050406030204" pitchFamily="18" charset="0"/>
+                              <a:cs typeface="Arial" panose="020B0604020202020204" pitchFamily="34" charset="0"/>
+                            </a:rPr>
+                            <m:t>𝜙</m:t>
+                          </m:r>
+                        </m:e>
+                      </m:acc>
+                      <m:r>
+                        <a:rPr lang="en-US" sz="2200" b="0" i="1" dirty="0" smtClean="0">
+                          <a:latin typeface="Cambria Math" panose="02040503050406030204" pitchFamily="18" charset="0"/>
+                          <a:cs typeface="Arial" panose="020B0604020202020204" pitchFamily="34" charset="0"/>
+                        </a:rPr>
+                        <m:t>=</m:t>
+                      </m:r>
+                      <m:sSub>
+                        <m:sSubPr>
+                          <m:ctrlPr>
+                            <a:rPr lang="en-US" sz="2200" b="0" i="1" dirty="0" smtClean="0">
+                              <a:latin typeface="Cambria Math" panose="02040503050406030204" pitchFamily="18" charset="0"/>
+                              <a:cs typeface="Arial" panose="020B0604020202020204" pitchFamily="34" charset="0"/>
+                            </a:rPr>
+                          </m:ctrlPr>
+                        </m:sSubPr>
+                        <m:e>
+                          <m:r>
+                            <m:rPr>
+                              <m:sty m:val="p"/>
+                            </m:rPr>
+                            <a:rPr lang="en-US" sz="2200" b="0" i="0" dirty="0" smtClean="0">
+                              <a:latin typeface="Cambria Math" panose="02040503050406030204" pitchFamily="18" charset="0"/>
+                              <a:cs typeface="Arial" panose="020B0604020202020204" pitchFamily="34" charset="0"/>
+                            </a:rPr>
+                            <m:t>Δ</m:t>
+                          </m:r>
+                        </m:e>
+                        <m:sub>
+                          <m:r>
+                            <a:rPr lang="en-US" sz="2200" b="0" i="1" dirty="0" smtClean="0">
+                              <a:latin typeface="Cambria Math" panose="02040503050406030204" pitchFamily="18" charset="0"/>
+                              <a:cs typeface="Arial" panose="020B0604020202020204" pitchFamily="34" charset="0"/>
+                            </a:rPr>
+                            <m:t>⊥</m:t>
+                          </m:r>
+                        </m:sub>
+                      </m:sSub>
+                      <m:r>
+                        <a:rPr lang="en-US" sz="2200" b="0" i="1" dirty="0" smtClean="0">
+                          <a:latin typeface="Cambria Math" panose="02040503050406030204" pitchFamily="18" charset="0"/>
+                          <a:cs typeface="Arial" panose="020B0604020202020204" pitchFamily="34" charset="0"/>
+                        </a:rPr>
+                        <m:t>𝜙</m:t>
+                      </m:r>
+                      <m:r>
+                        <a:rPr lang="en-US" sz="2200" b="0" i="1" dirty="0" smtClean="0">
+                          <a:latin typeface="Cambria Math" panose="02040503050406030204" pitchFamily="18" charset="0"/>
+                          <a:cs typeface="Arial" panose="020B0604020202020204" pitchFamily="34" charset="0"/>
+                        </a:rPr>
+                        <m:t>−</m:t>
+                      </m:r>
+                      <m:sSub>
+                        <m:sSubPr>
+                          <m:ctrlPr>
+                            <a:rPr lang="en-US" sz="2200" b="0" i="1" dirty="0" smtClean="0">
+                              <a:latin typeface="Cambria Math" panose="02040503050406030204" pitchFamily="18" charset="0"/>
+                              <a:cs typeface="Arial" panose="020B0604020202020204" pitchFamily="34" charset="0"/>
+                            </a:rPr>
+                          </m:ctrlPr>
+                        </m:sSubPr>
+                        <m:e>
+                          <m:r>
+                            <a:rPr lang="en-US" sz="2200" b="0" i="1" dirty="0" smtClean="0">
+                              <a:latin typeface="Cambria Math" panose="02040503050406030204" pitchFamily="18" charset="0"/>
+                              <a:cs typeface="Arial" panose="020B0604020202020204" pitchFamily="34" charset="0"/>
+                            </a:rPr>
+                            <m:t>𝐻</m:t>
+                          </m:r>
+                        </m:e>
+                        <m:sub>
+                          <m:sSub>
+                            <m:sSubPr>
+                              <m:ctrlPr>
+                                <a:rPr lang="en-US" sz="2200" b="0" i="1" dirty="0" smtClean="0">
+                                  <a:latin typeface="Cambria Math" panose="02040503050406030204" pitchFamily="18" charset="0"/>
+                                  <a:cs typeface="Arial" panose="020B0604020202020204" pitchFamily="34" charset="0"/>
+                                </a:rPr>
+                              </m:ctrlPr>
+                            </m:sSubPr>
+                            <m:e>
+                              <m:r>
+                                <m:rPr>
+                                  <m:sty m:val="p"/>
+                                </m:rPr>
+                                <a:rPr lang="en-US" sz="2200" b="0" i="0" dirty="0" smtClean="0">
+                                  <a:latin typeface="Cambria Math" panose="02040503050406030204" pitchFamily="18" charset="0"/>
+                                  <a:cs typeface="Arial" panose="020B0604020202020204" pitchFamily="34" charset="0"/>
+                                </a:rPr>
+                                <m:t>Δ</m:t>
+                              </m:r>
+                            </m:e>
+                            <m:sub>
+                              <m:r>
+                                <a:rPr lang="en-US" sz="2200" b="0" i="1" dirty="0" smtClean="0">
+                                  <a:latin typeface="Cambria Math" panose="02040503050406030204" pitchFamily="18" charset="0"/>
+                                  <a:cs typeface="Arial" panose="020B0604020202020204" pitchFamily="34" charset="0"/>
+                                </a:rPr>
+                                <m:t>⊥</m:t>
+                              </m:r>
+                            </m:sub>
+                          </m:sSub>
+                          <m:r>
+                            <a:rPr lang="en-US" sz="2200" b="0" i="1" dirty="0" smtClean="0">
+                              <a:latin typeface="Cambria Math" panose="02040503050406030204" pitchFamily="18" charset="0"/>
+                              <a:cs typeface="Arial" panose="020B0604020202020204" pitchFamily="34" charset="0"/>
+                            </a:rPr>
+                            <m:t>𝜙</m:t>
+                          </m:r>
+                        </m:sub>
+                      </m:sSub>
+                      <m:r>
+                        <a:rPr lang="en-US" sz="2200" b="0" i="0" dirty="0" smtClean="0">
+                          <a:latin typeface="Cambria Math" panose="02040503050406030204" pitchFamily="18" charset="0"/>
+                          <a:cs typeface="Arial" panose="020B0604020202020204" pitchFamily="34" charset="0"/>
+                        </a:rPr>
+                        <m:t>,</m:t>
+                      </m:r>
+                      <m:r>
+                        <a:rPr lang="en-US" sz="2200" b="0" i="1" dirty="0" smtClean="0">
+                          <a:latin typeface="Cambria Math" panose="02040503050406030204" pitchFamily="18" charset="0"/>
+                          <a:cs typeface="Arial" panose="020B0604020202020204" pitchFamily="34" charset="0"/>
+                        </a:rPr>
+                        <m:t>  </m:t>
+                      </m:r>
+                      <m:r>
+                        <m:rPr>
+                          <m:sty m:val="p"/>
+                        </m:rPr>
+                        <a:rPr lang="en-US" sz="2200" b="0" i="0" dirty="0" smtClean="0">
+                          <a:latin typeface="Cambria Math" panose="02040503050406030204" pitchFamily="18" charset="0"/>
+                          <a:cs typeface="Arial" panose="020B0604020202020204" pitchFamily="34" charset="0"/>
+                        </a:rPr>
+                        <m:t>and</m:t>
+                      </m:r>
+                      <m:r>
+                        <a:rPr lang="en-US" sz="2200" b="0" i="1" dirty="0" smtClean="0">
+                          <a:latin typeface="Cambria Math" panose="02040503050406030204" pitchFamily="18" charset="0"/>
+                          <a:cs typeface="Arial" panose="020B0604020202020204" pitchFamily="34" charset="0"/>
+                        </a:rPr>
+                        <m:t>  </m:t>
+                      </m:r>
+                      <m:acc>
+                        <m:accPr>
+                          <m:chr m:val="̈"/>
+                          <m:ctrlPr>
+                            <a:rPr lang="en-US" sz="2200" b="0" i="1" dirty="0" smtClean="0">
+                              <a:latin typeface="Cambria Math" panose="02040503050406030204" pitchFamily="18" charset="0"/>
+                              <a:cs typeface="Arial" panose="020B0604020202020204" pitchFamily="34" charset="0"/>
+                            </a:rPr>
+                          </m:ctrlPr>
+                        </m:accPr>
+                        <m:e>
+                          <m:sSub>
+                            <m:sSubPr>
+                              <m:ctrlPr>
+                                <a:rPr lang="en-US" sz="2200" b="0" i="1" dirty="0" smtClean="0">
+                                  <a:latin typeface="Cambria Math" panose="02040503050406030204" pitchFamily="18" charset="0"/>
+                                  <a:cs typeface="Arial" panose="020B0604020202020204" pitchFamily="34" charset="0"/>
+                                </a:rPr>
+                              </m:ctrlPr>
+                            </m:sSubPr>
+                            <m:e>
+                              <m:r>
+                                <a:rPr lang="en-US" sz="2200" b="0" i="1" dirty="0" smtClean="0">
+                                  <a:latin typeface="Cambria Math" panose="02040503050406030204" pitchFamily="18" charset="0"/>
+                                  <a:cs typeface="Arial" panose="020B0604020202020204" pitchFamily="34" charset="0"/>
+                                </a:rPr>
+                                <m:t>𝛽</m:t>
+                              </m:r>
+                            </m:e>
+                            <m:sub>
+                              <m:r>
+                                <a:rPr lang="en-US" sz="2200" b="0" i="1" dirty="0" smtClean="0">
+                                  <a:latin typeface="Cambria Math" panose="02040503050406030204" pitchFamily="18" charset="0"/>
+                                  <a:cs typeface="Arial" panose="020B0604020202020204" pitchFamily="34" charset="0"/>
+                                </a:rPr>
+                                <m:t>∥</m:t>
+                              </m:r>
+                            </m:sub>
+                          </m:sSub>
+                        </m:e>
+                      </m:acc>
+                      <m:r>
+                        <a:rPr lang="en-US" sz="2200" b="0" i="1" dirty="0" smtClean="0">
+                          <a:latin typeface="Cambria Math" panose="02040503050406030204" pitchFamily="18" charset="0"/>
+                          <a:cs typeface="Arial" panose="020B0604020202020204" pitchFamily="34" charset="0"/>
+                        </a:rPr>
+                        <m:t>=</m:t>
+                      </m:r>
+                      <m:sSub>
+                        <m:sSubPr>
+                          <m:ctrlPr>
+                            <a:rPr lang="en-US" sz="2200" b="0" i="1" dirty="0" smtClean="0">
+                              <a:latin typeface="Cambria Math" panose="02040503050406030204" pitchFamily="18" charset="0"/>
+                              <a:cs typeface="Arial" panose="020B0604020202020204" pitchFamily="34" charset="0"/>
+                            </a:rPr>
+                          </m:ctrlPr>
+                        </m:sSubPr>
+                        <m:e>
+                          <m:r>
+                            <m:rPr>
+                              <m:sty m:val="p"/>
+                            </m:rPr>
+                            <a:rPr lang="en-US" sz="2200" b="0" i="0" dirty="0" smtClean="0">
+                              <a:latin typeface="Cambria Math" panose="02040503050406030204" pitchFamily="18" charset="0"/>
+                              <a:cs typeface="Arial" panose="020B0604020202020204" pitchFamily="34" charset="0"/>
+                            </a:rPr>
+                            <m:t>Δ</m:t>
+                          </m:r>
+                        </m:e>
+                        <m:sub>
+                          <m:r>
+                            <a:rPr lang="en-US" sz="2200" b="0" i="1" dirty="0" smtClean="0">
+                              <a:latin typeface="Cambria Math" panose="02040503050406030204" pitchFamily="18" charset="0"/>
+                              <a:cs typeface="Arial" panose="020B0604020202020204" pitchFamily="34" charset="0"/>
+                            </a:rPr>
+                            <m:t>⊥</m:t>
+                          </m:r>
+                        </m:sub>
+                      </m:sSub>
+                      <m:sSub>
+                        <m:sSubPr>
+                          <m:ctrlPr>
+                            <a:rPr lang="en-US" sz="2200" b="0" i="1" dirty="0" smtClean="0">
+                              <a:latin typeface="Cambria Math" panose="02040503050406030204" pitchFamily="18" charset="0"/>
+                              <a:cs typeface="Arial" panose="020B0604020202020204" pitchFamily="34" charset="0"/>
+                            </a:rPr>
+                          </m:ctrlPr>
+                        </m:sSubPr>
+                        <m:e>
+                          <m:r>
+                            <a:rPr lang="en-US" sz="2200" b="0" i="1" dirty="0" smtClean="0">
+                              <a:latin typeface="Cambria Math" panose="02040503050406030204" pitchFamily="18" charset="0"/>
+                              <a:cs typeface="Arial" panose="020B0604020202020204" pitchFamily="34" charset="0"/>
+                            </a:rPr>
+                            <m:t>𝛽</m:t>
+                          </m:r>
+                        </m:e>
+                        <m:sub>
+                          <m:r>
+                            <a:rPr lang="en-US" sz="2200" b="0" i="1" dirty="0" smtClean="0">
+                              <a:latin typeface="Cambria Math" panose="02040503050406030204" pitchFamily="18" charset="0"/>
+                              <a:cs typeface="Arial" panose="020B0604020202020204" pitchFamily="34" charset="0"/>
+                            </a:rPr>
+                            <m:t>∥</m:t>
+                          </m:r>
+                        </m:sub>
+                      </m:sSub>
+                    </m:oMath>
+                  </m:oMathPara>
+                </a14:m>
+                <a:endParaRPr lang="en-US" sz="2200" dirty="0">
+                  <a:latin typeface="Arial" panose="020B0604020202020204" pitchFamily="34" charset="0"/>
+                  <a:cs typeface="Arial" panose="020B0604020202020204" pitchFamily="34" charset="0"/>
+                </a:endParaRPr>
+              </a:p>
+              <a:p>
+                <a:r>
+                  <a:rPr lang="en-US" sz="1600" dirty="0">
+                    <a:latin typeface="Arial" panose="020B0604020202020204" pitchFamily="34" charset="0"/>
+                    <a:cs typeface="Arial" panose="020B0604020202020204" pitchFamily="34" charset="0"/>
+                  </a:rPr>
+                  <a:t>whose solutions describe compressional Alfv</a:t>
+                </a:r>
+                <a:r>
+                  <a:rPr lang="fr-FR" sz="1600" dirty="0">
+                    <a:latin typeface="Arial" panose="020B0604020202020204" pitchFamily="34" charset="0"/>
+                    <a:cs typeface="Arial" panose="020B0604020202020204" pitchFamily="34" charset="0"/>
+                  </a:rPr>
+                  <a:t>é</a:t>
+                </a:r>
+                <a:r>
+                  <a:rPr lang="en-US" sz="1600" dirty="0">
+                    <a:latin typeface="Arial" panose="020B0604020202020204" pitchFamily="34" charset="0"/>
+                    <a:cs typeface="Arial" panose="020B0604020202020204" pitchFamily="34" charset="0"/>
+                  </a:rPr>
+                  <a:t>n waves, and a family of possible oscillations in </a:t>
+                </a:r>
+                <a14:m>
+                  <m:oMath xmlns:m="http://schemas.openxmlformats.org/officeDocument/2006/math">
+                    <m:r>
+                      <a:rPr lang="en-US" sz="1600" b="0" i="1" smtClean="0">
+                        <a:latin typeface="Cambria Math" panose="02040503050406030204" pitchFamily="18" charset="0"/>
+                        <a:cs typeface="Arial" panose="020B0604020202020204" pitchFamily="34" charset="0"/>
+                      </a:rPr>
+                      <m:t>𝜙</m:t>
+                    </m:r>
+                  </m:oMath>
+                </a14:m>
+                <a:r>
+                  <a:rPr lang="en-US" sz="1600" dirty="0">
+                    <a:latin typeface="Arial" panose="020B0604020202020204" pitchFamily="34" charset="0"/>
+                    <a:cs typeface="Arial" panose="020B0604020202020204" pitchFamily="34" charset="0"/>
+                  </a:rPr>
+                  <a:t> associated with a poorly-understood conserved quantity. </a:t>
+                </a:r>
+              </a:p>
+              <a:p>
+                <a:r>
+                  <a:rPr lang="en-US" sz="1600" dirty="0">
+                    <a:latin typeface="Arial" panose="020B0604020202020204" pitchFamily="34" charset="0"/>
+                    <a:cs typeface="Arial" panose="020B0604020202020204" pitchFamily="34" charset="0"/>
+                  </a:rPr>
+                  <a:t>        This freedom makes it necessary to impose an appropriate additional boundary condition on </a:t>
                 </a:r>
                 <a14:m>
                   <m:oMath xmlns:m="http://schemas.openxmlformats.org/officeDocument/2006/math">
@@ -9037,7 +9201,7 @@
                       </m:sSubPr>
                       <m:e>
                         <m:r>
-                          <a:rPr lang="en-US" sz="1600" b="0" i="1" smtClean="0">
+                          <a:rPr lang="en-US" sz="1600" i="1" smtClean="0">
                             <a:latin typeface="Cambria Math" panose="02040503050406030204" pitchFamily="18" charset="0"/>
                             <a:cs typeface="Arial" panose="020B0604020202020204" pitchFamily="34" charset="0"/>
                           </a:rPr>
@@ -9061,77 +9225,58 @@
                     <a:latin typeface="Arial" panose="020B0604020202020204" pitchFamily="34" charset="0"/>
                     <a:cs typeface="Arial" panose="020B0604020202020204" pitchFamily="34" charset="0"/>
                   </a:rPr>
-                  <a:t>, making the system only weakly fast-slow. As will be shown in a coming paper, this is still sufficient to solve for a family of fast variable trajectories and perturbatively reconstruct </a:t>
+                  <a:t> to establish a well-posed system, somewhat like fixing a gauge. This is commonly accomplished by assuming </a:t>
                 </a:r>
                 <a14:m>
                   <m:oMath xmlns:m="http://schemas.openxmlformats.org/officeDocument/2006/math">
-                    <m:sSubSup>
-                      <m:sSubSupPr>
-                        <m:ctrlPr>
-                          <a:rPr lang="en-US" sz="1600" b="0" i="1" smtClean="0">
-                            <a:latin typeface="Cambria Math" panose="02040503050406030204" pitchFamily="18" charset="0"/>
-                            <a:cs typeface="Arial" panose="020B0604020202020204" pitchFamily="34" charset="0"/>
-                          </a:rPr>
-                        </m:ctrlPr>
-                      </m:sSubSupPr>
-                      <m:e>
-                        <m:r>
-                          <a:rPr lang="en-US" sz="1600" b="0" i="1" smtClean="0">
-                            <a:latin typeface="Cambria Math" panose="02040503050406030204" pitchFamily="18" charset="0"/>
-                            <a:cs typeface="Arial" panose="020B0604020202020204" pitchFamily="34" charset="0"/>
-                          </a:rPr>
-                          <m:t>𝑦</m:t>
-                        </m:r>
-                      </m:e>
-                      <m:sub>
-                        <m:r>
-                          <a:rPr lang="en-US" sz="1600" b="0" i="1" smtClean="0">
-                            <a:latin typeface="Cambria Math" panose="02040503050406030204" pitchFamily="18" charset="0"/>
-                            <a:cs typeface="Arial" panose="020B0604020202020204" pitchFamily="34" charset="0"/>
-                          </a:rPr>
-                          <m:t>𝜖</m:t>
-                        </m:r>
-                      </m:sub>
-                      <m:sup>
-                        <m:r>
-                          <a:rPr lang="en-US" sz="1600" b="0" i="1" smtClean="0">
-                            <a:latin typeface="Cambria Math" panose="02040503050406030204" pitchFamily="18" charset="0"/>
-                            <a:cs typeface="Arial" panose="020B0604020202020204" pitchFamily="34" charset="0"/>
-                          </a:rPr>
-                          <m:t>∗</m:t>
-                        </m:r>
-                      </m:sup>
-                    </m:sSubSup>
                     <m:r>
-                      <a:rPr lang="en-US" sz="1600" b="0" i="1" smtClean="0">
+                      <a:rPr lang="en-US" sz="1600" b="1" i="1" smtClean="0">
                         <a:latin typeface="Cambria Math" panose="02040503050406030204" pitchFamily="18" charset="0"/>
                         <a:cs typeface="Arial" panose="020B0604020202020204" pitchFamily="34" charset="0"/>
                       </a:rPr>
-                      <m:t>(</m:t>
+                      <m:t>𝑱</m:t>
+                    </m:r>
+                    <m:r>
+                      <a:rPr lang="en-US" sz="1600" b="1" i="1" smtClean="0">
+                        <a:latin typeface="Cambria Math" panose="02040503050406030204" pitchFamily="18" charset="0"/>
+                        <a:cs typeface="Arial" panose="020B0604020202020204" pitchFamily="34" charset="0"/>
+                      </a:rPr>
+                      <m:t>⋅</m:t>
+                    </m:r>
+                    <m:r>
+                      <a:rPr lang="en-US" sz="1600" b="1" i="1" smtClean="0">
+                        <a:latin typeface="Cambria Math" panose="02040503050406030204" pitchFamily="18" charset="0"/>
+                        <a:cs typeface="Arial" panose="020B0604020202020204" pitchFamily="34" charset="0"/>
+                      </a:rPr>
+                      <m:t>𝒏</m:t>
                     </m:r>
                     <m:r>
                       <a:rPr lang="en-US" sz="1600" b="0" i="1" smtClean="0">
                         <a:latin typeface="Cambria Math" panose="02040503050406030204" pitchFamily="18" charset="0"/>
                         <a:cs typeface="Arial" panose="020B0604020202020204" pitchFamily="34" charset="0"/>
                       </a:rPr>
-                      <m:t>𝑥</m:t>
-                    </m:r>
-                    <m:r>
-                      <a:rPr lang="en-US" sz="1600" b="0" i="1" smtClean="0">
-                        <a:latin typeface="Cambria Math" panose="02040503050406030204" pitchFamily="18" charset="0"/>
-                        <a:cs typeface="Arial" panose="020B0604020202020204" pitchFamily="34" charset="0"/>
-                      </a:rPr>
-                      <m:t>)</m:t>
+                      <m:t>=0</m:t>
                     </m:r>
                   </m:oMath>
                 </a14:m>
+                <a:r>
+                  <a:rPr lang="en-US" sz="1600" b="1" dirty="0">
+                    <a:latin typeface="Arial" panose="020B0604020202020204" pitchFamily="34" charset="0"/>
+                    <a:cs typeface="Arial" panose="020B0604020202020204" pitchFamily="34" charset="0"/>
+                  </a:rPr>
+                  <a:t> </a:t>
+                </a:r>
                 <a:r>
                   <a:rPr lang="en-US" sz="1600" dirty="0">
                     <a:latin typeface="Arial" panose="020B0604020202020204" pitchFamily="34" charset="0"/>
                     <a:cs typeface="Arial" panose="020B0604020202020204" pitchFamily="34" charset="0"/>
                   </a:rPr>
-                  <a:t> solutions. </a:t>
+                  <a:t>on the currents. </a:t>
                 </a:r>
+                <a:endParaRPr lang="en-US" sz="1600" b="1" dirty="0">
+                  <a:latin typeface="Arial" panose="020B0604020202020204" pitchFamily="34" charset="0"/>
+                  <a:cs typeface="Arial" panose="020B0604020202020204" pitchFamily="34" charset="0"/>
+                </a:endParaRPr>
               </a:p>
               <a:p>
                 <a:r>
@@ -9142,10 +9287,16 @@
                   <a:t>        We look forward to extending this work in the future to include a geometric interpretation, thereby establishing a reduction process for stellarators. Specifically, this will place the dynamics discussed here on an underlying slow manifold, whose evolution is dictated by Hamiltonian and symplectic geometry. </a:t>
                 </a:r>
               </a:p>
+              <a:p>
+                <a:endParaRPr lang="en-US" sz="1600" dirty="0">
+                  <a:latin typeface="Arial" panose="020B0604020202020204" pitchFamily="34" charset="0"/>
+                  <a:cs typeface="Arial" panose="020B0604020202020204" pitchFamily="34" charset="0"/>
+                </a:endParaRPr>
+              </a:p>
             </p:txBody>
           </p:sp>
         </mc:Choice>
-        <mc:Fallback xmlns="">
+        <mc:Fallback>
           <p:sp>
             <p:nvSpPr>
               <p:cNvPr id="41" name="TextBox 40">
@@ -9163,7 +9314,7 @@
             <p:spPr>
               <a:xfrm>
                 <a:off x="18900775" y="9649163"/>
-                <a:ext cx="7429499" cy="3935244"/>
+                <a:ext cx="7429499" cy="4458721"/>
               </a:xfrm>
               <a:prstGeom prst="rect">
                 <a:avLst/>
@@ -9171,7 +9322,7 @@
               <a:blipFill>
                 <a:blip r:embed="rId6"/>
                 <a:stretch>
-                  <a:fillRect l="-493" t="-465" r="-985" b="-1240"/>
+                  <a:fillRect l="-493" t="-410" r="-493"/>
                 </a:stretch>
               </a:blipFill>
             </p:spPr>
@@ -9204,7 +9355,7 @@
         </p:nvSpPr>
         <p:spPr>
           <a:xfrm>
-            <a:off x="9636001" y="11845058"/>
+            <a:off x="9632951" y="11191930"/>
             <a:ext cx="8164512" cy="677102"/>
           </a:xfrm>
           <a:prstGeom prst="rect">
@@ -9243,7 +9394,7 @@
                 <a:latin typeface="Arial" panose="020B0604020202020204" pitchFamily="34" charset="0"/>
                 <a:cs typeface="Arial" panose="020B0604020202020204" pitchFamily="34" charset="0"/>
               </a:rPr>
-              <a:t>Finding Fast-Slow Coordinates</a:t>
+              <a:t>Finding Fast-Slow Split</a:t>
             </a:r>
             <a:endParaRPr lang="en-US" sz="3000" dirty="0">
               <a:latin typeface="Arial" panose="020B0604020202020204" pitchFamily="34" charset="0"/>
@@ -9266,7 +9417,7 @@
         </p:nvSpPr>
         <p:spPr>
           <a:xfrm>
-            <a:off x="742351" y="10644462"/>
+            <a:off x="742351" y="10893023"/>
             <a:ext cx="8164512" cy="677102"/>
           </a:xfrm>
           <a:prstGeom prst="rect">
@@ -9330,7 +9481,7 @@
             </p:nvSpPr>
             <p:spPr>
               <a:xfrm>
-                <a:off x="1108233" y="11326644"/>
+                <a:off x="1108233" y="11575205"/>
                 <a:ext cx="7429499" cy="7052700"/>
               </a:xfrm>
               <a:prstGeom prst="rect">
@@ -10508,7 +10659,7 @@
                     <a:latin typeface="Arial" panose="020B0604020202020204" pitchFamily="34" charset="0"/>
                     <a:cs typeface="Arial" panose="020B0604020202020204" pitchFamily="34" charset="0"/>
                   </a:rPr>
-                  <a:t>        The fast and slow variables in our analysis will be functions defined over the large aspect ratio torus with dimensionless coordinates given by </a:t>
+                  <a:t>        The fast and slow variables in our analysis will be functions defined over the large aspect ratio torus. Dimensionless coordinates consist of</a:t>
                 </a:r>
               </a:p>
               <a:p>
@@ -11146,7 +11297,7 @@
             </p:nvSpPr>
             <p:spPr>
               <a:xfrm>
-                <a:off x="1108233" y="11326644"/>
+                <a:off x="1108233" y="11575205"/>
                 <a:ext cx="7429499" cy="7052700"/>
               </a:xfrm>
               <a:prstGeom prst="rect">
@@ -11190,8 +11341,8 @@
         </p:nvGrpSpPr>
         <p:grpSpPr>
           <a:xfrm>
-            <a:off x="18905823" y="4355265"/>
-            <a:ext cx="7424452" cy="4821489"/>
+            <a:off x="18806474" y="4343400"/>
+            <a:ext cx="7616513" cy="4946214"/>
             <a:chOff x="18740777" y="7700646"/>
             <a:chExt cx="7329078" cy="4806130"/>
           </a:xfrm>
@@ -11299,7 +11450,7 @@
         </p:nvSpPr>
         <p:spPr>
           <a:xfrm>
-            <a:off x="18532475" y="16041238"/>
+            <a:off x="18532476" y="16041966"/>
             <a:ext cx="8164512" cy="677102"/>
           </a:xfrm>
           <a:prstGeom prst="rect">
@@ -11357,7 +11508,7 @@
         </p:nvSpPr>
         <p:spPr>
           <a:xfrm>
-            <a:off x="18532476" y="14041425"/>
+            <a:off x="18532477" y="14042153"/>
             <a:ext cx="8164512" cy="677102"/>
           </a:xfrm>
           <a:prstGeom prst="rect">
